--- a/poster/poster.pptx
+++ b/poster/poster.pptx
@@ -288,7 +288,7 @@
           <a:p>
             <a:fld id="{5B4D2179-3739-4110-AF2E-953EC2A650FD}" type="datetimeFigureOut">
               <a:rPr lang="en-US" smtClean="0"/>
-              <a:t>12/12/2014</a:t>
+              <a:t>12/13/2014</a:t>
             </a:fld>
             <a:endParaRPr lang="en-US"/>
           </a:p>
@@ -458,7 +458,7 @@
           <a:p>
             <a:fld id="{5B4D2179-3739-4110-AF2E-953EC2A650FD}" type="datetimeFigureOut">
               <a:rPr lang="en-US" smtClean="0"/>
-              <a:t>12/12/2014</a:t>
+              <a:t>12/13/2014</a:t>
             </a:fld>
             <a:endParaRPr lang="en-US"/>
           </a:p>
@@ -638,7 +638,7 @@
           <a:p>
             <a:fld id="{5B4D2179-3739-4110-AF2E-953EC2A650FD}" type="datetimeFigureOut">
               <a:rPr lang="en-US" smtClean="0"/>
-              <a:t>12/12/2014</a:t>
+              <a:t>12/13/2014</a:t>
             </a:fld>
             <a:endParaRPr lang="en-US"/>
           </a:p>
@@ -808,7 +808,7 @@
           <a:p>
             <a:fld id="{5B4D2179-3739-4110-AF2E-953EC2A650FD}" type="datetimeFigureOut">
               <a:rPr lang="en-US" smtClean="0"/>
-              <a:t>12/12/2014</a:t>
+              <a:t>12/13/2014</a:t>
             </a:fld>
             <a:endParaRPr lang="en-US"/>
           </a:p>
@@ -1054,7 +1054,7 @@
           <a:p>
             <a:fld id="{5B4D2179-3739-4110-AF2E-953EC2A650FD}" type="datetimeFigureOut">
               <a:rPr lang="en-US" smtClean="0"/>
-              <a:t>12/12/2014</a:t>
+              <a:t>12/13/2014</a:t>
             </a:fld>
             <a:endParaRPr lang="en-US"/>
           </a:p>
@@ -1342,7 +1342,7 @@
           <a:p>
             <a:fld id="{5B4D2179-3739-4110-AF2E-953EC2A650FD}" type="datetimeFigureOut">
               <a:rPr lang="en-US" smtClean="0"/>
-              <a:t>12/12/2014</a:t>
+              <a:t>12/13/2014</a:t>
             </a:fld>
             <a:endParaRPr lang="en-US"/>
           </a:p>
@@ -1764,7 +1764,7 @@
           <a:p>
             <a:fld id="{5B4D2179-3739-4110-AF2E-953EC2A650FD}" type="datetimeFigureOut">
               <a:rPr lang="en-US" smtClean="0"/>
-              <a:t>12/12/2014</a:t>
+              <a:t>12/13/2014</a:t>
             </a:fld>
             <a:endParaRPr lang="en-US"/>
           </a:p>
@@ -1882,7 +1882,7 @@
           <a:p>
             <a:fld id="{5B4D2179-3739-4110-AF2E-953EC2A650FD}" type="datetimeFigureOut">
               <a:rPr lang="en-US" smtClean="0"/>
-              <a:t>12/12/2014</a:t>
+              <a:t>12/13/2014</a:t>
             </a:fld>
             <a:endParaRPr lang="en-US"/>
           </a:p>
@@ -1977,7 +1977,7 @@
           <a:p>
             <a:fld id="{5B4D2179-3739-4110-AF2E-953EC2A650FD}" type="datetimeFigureOut">
               <a:rPr lang="en-US" smtClean="0"/>
-              <a:t>12/12/2014</a:t>
+              <a:t>12/13/2014</a:t>
             </a:fld>
             <a:endParaRPr lang="en-US"/>
           </a:p>
@@ -2254,7 +2254,7 @@
           <a:p>
             <a:fld id="{5B4D2179-3739-4110-AF2E-953EC2A650FD}" type="datetimeFigureOut">
               <a:rPr lang="en-US" smtClean="0"/>
-              <a:t>12/12/2014</a:t>
+              <a:t>12/13/2014</a:t>
             </a:fld>
             <a:endParaRPr lang="en-US"/>
           </a:p>
@@ -2507,7 +2507,7 @@
           <a:p>
             <a:fld id="{5B4D2179-3739-4110-AF2E-953EC2A650FD}" type="datetimeFigureOut">
               <a:rPr lang="en-US" smtClean="0"/>
-              <a:t>12/12/2014</a:t>
+              <a:t>12/13/2014</a:t>
             </a:fld>
             <a:endParaRPr lang="en-US"/>
           </a:p>
@@ -2572,9 +2572,15 @@
 <p:sldMaster xmlns:a="http://schemas.openxmlformats.org/drawingml/2006/main" xmlns:r="http://schemas.openxmlformats.org/officeDocument/2006/relationships" xmlns:p="http://schemas.openxmlformats.org/presentationml/2006/main">
   <p:cSld>
     <p:bg>
-      <p:bgRef idx="1001">
-        <a:schemeClr val="bg1"/>
-      </p:bgRef>
+      <p:bgPr>
+        <a:solidFill>
+          <a:schemeClr val="accent1">
+            <a:lumMod val="40000"/>
+            <a:lumOff val="60000"/>
+          </a:schemeClr>
+        </a:solidFill>
+        <a:effectLst/>
+      </p:bgPr>
     </p:bg>
     <p:spTree>
       <p:nvGrpSpPr>
@@ -2720,7 +2726,7 @@
           <a:p>
             <a:fld id="{5B4D2179-3739-4110-AF2E-953EC2A650FD}" type="datetimeFigureOut">
               <a:rPr lang="en-US" smtClean="0"/>
-              <a:t>12/12/2014</a:t>
+              <a:t>12/13/2014</a:t>
             </a:fld>
             <a:endParaRPr lang="en-US"/>
           </a:p>
@@ -3184,45 +3190,982 @@
           </a:p>
         </p:txBody>
       </p:sp>
+      <p:sp>
+        <p:nvSpPr>
+          <p:cNvPr id="8" name="Round Same Side Corner Rectangle 7"/>
+          <p:cNvSpPr/>
+          <p:nvPr/>
+        </p:nvSpPr>
+        <p:spPr>
+          <a:xfrm>
+            <a:off x="0" y="1775001"/>
+            <a:ext cx="14616544" cy="20184453"/>
+          </a:xfrm>
+          <a:prstGeom prst="round2SameRect">
+            <a:avLst/>
+          </a:prstGeom>
+        </p:spPr>
+        <p:style>
+          <a:lnRef idx="2">
+            <a:schemeClr val="accent1">
+              <a:shade val="50000"/>
+            </a:schemeClr>
+          </a:lnRef>
+          <a:fillRef idx="1">
+            <a:schemeClr val="accent1"/>
+          </a:fillRef>
+          <a:effectRef idx="0">
+            <a:schemeClr val="accent1"/>
+          </a:effectRef>
+          <a:fontRef idx="minor">
+            <a:schemeClr val="lt1"/>
+          </a:fontRef>
+        </p:style>
+        <p:txBody>
+          <a:bodyPr rtlCol="0" anchor="ctr"/>
+          <a:lstStyle/>
+          <a:p>
+            <a:pPr algn="ctr"/>
+            <a:endParaRPr lang="en-US"/>
+          </a:p>
+        </p:txBody>
+      </p:sp>
+      <p:sp>
+        <p:nvSpPr>
+          <p:cNvPr id="11" name="Round Same Side Corner Rectangle 10"/>
+          <p:cNvSpPr/>
+          <p:nvPr/>
+        </p:nvSpPr>
+        <p:spPr>
+          <a:xfrm>
+            <a:off x="14616544" y="1775001"/>
+            <a:ext cx="14540345" cy="20184453"/>
+          </a:xfrm>
+          <a:prstGeom prst="round2SameRect">
+            <a:avLst/>
+          </a:prstGeom>
+        </p:spPr>
+        <p:style>
+          <a:lnRef idx="2">
+            <a:schemeClr val="accent1">
+              <a:shade val="50000"/>
+            </a:schemeClr>
+          </a:lnRef>
+          <a:fillRef idx="1">
+            <a:schemeClr val="accent1"/>
+          </a:fillRef>
+          <a:effectRef idx="0">
+            <a:schemeClr val="accent1"/>
+          </a:effectRef>
+          <a:fontRef idx="minor">
+            <a:schemeClr val="lt1"/>
+          </a:fontRef>
+        </p:style>
+        <p:txBody>
+          <a:bodyPr rtlCol="0" anchor="ctr"/>
+          <a:lstStyle/>
+          <a:p>
+            <a:pPr algn="ctr"/>
+            <a:endParaRPr lang="en-US"/>
+          </a:p>
+        </p:txBody>
+      </p:sp>
+      <p:sp>
+        <p:nvSpPr>
+          <p:cNvPr id="12" name="Round Same Side Corner Rectangle 11"/>
+          <p:cNvSpPr/>
+          <p:nvPr/>
+        </p:nvSpPr>
+        <p:spPr>
+          <a:xfrm>
+            <a:off x="29122253" y="1775001"/>
+            <a:ext cx="14768947" cy="20177526"/>
+          </a:xfrm>
+          <a:prstGeom prst="round2SameRect">
+            <a:avLst/>
+          </a:prstGeom>
+        </p:spPr>
+        <p:style>
+          <a:lnRef idx="2">
+            <a:schemeClr val="accent1">
+              <a:shade val="50000"/>
+            </a:schemeClr>
+          </a:lnRef>
+          <a:fillRef idx="1">
+            <a:schemeClr val="accent1"/>
+          </a:fillRef>
+          <a:effectRef idx="0">
+            <a:schemeClr val="accent1"/>
+          </a:effectRef>
+          <a:fontRef idx="minor">
+            <a:schemeClr val="lt1"/>
+          </a:fontRef>
+        </p:style>
+        <p:txBody>
+          <a:bodyPr rtlCol="0" anchor="ctr"/>
+          <a:lstStyle/>
+          <a:p>
+            <a:pPr algn="ctr"/>
+            <a:endParaRPr lang="en-US"/>
+          </a:p>
+        </p:txBody>
+      </p:sp>
+      <p:sp>
+        <p:nvSpPr>
+          <p:cNvPr id="5" name="TextBox 4"/>
+          <p:cNvSpPr txBox="1"/>
+          <p:nvPr/>
+        </p:nvSpPr>
+        <p:spPr>
+          <a:xfrm>
+            <a:off x="554182" y="1802710"/>
+            <a:ext cx="13335000" cy="923330"/>
+          </a:xfrm>
+          <a:prstGeom prst="rect">
+            <a:avLst/>
+          </a:prstGeom>
+          <a:noFill/>
+        </p:spPr>
+        <p:txBody>
+          <a:bodyPr wrap="square" rtlCol="0">
+            <a:spAutoFit/>
+          </a:bodyPr>
+          <a:lstStyle/>
+          <a:p>
+            <a:pPr algn="ctr"/>
+            <a:r>
+              <a:rPr lang="en-US" sz="5400" dirty="0" smtClean="0"/>
+              <a:t>INTRODUCTION</a:t>
+            </a:r>
+            <a:endParaRPr lang="en-US" sz="5400" dirty="0"/>
+          </a:p>
+        </p:txBody>
+      </p:sp>
+      <p:sp>
+        <p:nvSpPr>
+          <p:cNvPr id="14" name="TextBox 13"/>
+          <p:cNvSpPr txBox="1"/>
+          <p:nvPr/>
+        </p:nvSpPr>
+        <p:spPr>
+          <a:xfrm>
+            <a:off x="15219216" y="1802710"/>
+            <a:ext cx="13335000" cy="1046440"/>
+          </a:xfrm>
+          <a:prstGeom prst="rect">
+            <a:avLst/>
+          </a:prstGeom>
+          <a:noFill/>
+        </p:spPr>
+        <p:txBody>
+          <a:bodyPr wrap="square" rtlCol="0">
+            <a:spAutoFit/>
+          </a:bodyPr>
+          <a:lstStyle/>
+          <a:p>
+            <a:pPr algn="ctr"/>
+            <a:r>
+              <a:rPr lang="en-US" dirty="0" smtClean="0"/>
+              <a:t>METHODS</a:t>
+            </a:r>
+          </a:p>
+        </p:txBody>
+      </p:sp>
+      <p:sp>
+        <p:nvSpPr>
+          <p:cNvPr id="15" name="TextBox 14"/>
+          <p:cNvSpPr txBox="1"/>
+          <p:nvPr/>
+        </p:nvSpPr>
+        <p:spPr>
+          <a:xfrm>
+            <a:off x="29839226" y="1724469"/>
+            <a:ext cx="13335000" cy="1046440"/>
+          </a:xfrm>
+          <a:prstGeom prst="rect">
+            <a:avLst/>
+          </a:prstGeom>
+          <a:noFill/>
+        </p:spPr>
+        <p:txBody>
+          <a:bodyPr wrap="square" rtlCol="0">
+            <a:spAutoFit/>
+          </a:bodyPr>
+          <a:lstStyle/>
+          <a:p>
+            <a:pPr algn="ctr"/>
+            <a:r>
+              <a:rPr lang="en-US" dirty="0" smtClean="0"/>
+              <a:t>RESULTS</a:t>
+            </a:r>
+            <a:endParaRPr lang="en-US" dirty="0"/>
+          </a:p>
+        </p:txBody>
+      </p:sp>
+      <p:sp>
+        <p:nvSpPr>
+          <p:cNvPr id="13" name="TextBox 12"/>
+          <p:cNvSpPr txBox="1"/>
+          <p:nvPr/>
+        </p:nvSpPr>
+        <p:spPr>
+          <a:xfrm>
+            <a:off x="0" y="3962400"/>
+            <a:ext cx="14325600" cy="12280285"/>
+          </a:xfrm>
+          <a:prstGeom prst="rect">
+            <a:avLst/>
+          </a:prstGeom>
+          <a:noFill/>
+        </p:spPr>
+        <p:txBody>
+          <a:bodyPr wrap="square" rtlCol="0">
+            <a:spAutoFit/>
+          </a:bodyPr>
+          <a:lstStyle/>
+          <a:p>
+            <a:pPr marL="857250" indent="-857250">
+              <a:buFont typeface="Arial" panose="020B0604020202020204" pitchFamily="34" charset="0"/>
+              <a:buChar char="•"/>
+            </a:pPr>
+            <a:r>
+              <a:rPr lang="en-US" sz="4400" dirty="0" smtClean="0"/>
+              <a:t>Concurrency bugs are hard to find </a:t>
+            </a:r>
+          </a:p>
+          <a:p>
+            <a:pPr marL="857250" indent="-857250">
+              <a:buFont typeface="Arial" panose="020B0604020202020204" pitchFamily="34" charset="0"/>
+              <a:buChar char="•"/>
+            </a:pPr>
+            <a:r>
+              <a:rPr lang="en-US" sz="4400" dirty="0" smtClean="0"/>
+              <a:t>Most Concurrency Bugs live in Low Probability </a:t>
+            </a:r>
+            <a:r>
+              <a:rPr lang="en-US" sz="4400" dirty="0" err="1" smtClean="0"/>
+              <a:t>Interleavings</a:t>
+            </a:r>
+            <a:endParaRPr lang="en-US" sz="4400" dirty="0" smtClean="0"/>
+          </a:p>
+          <a:p>
+            <a:pPr marL="857250" indent="-857250">
+              <a:buFont typeface="Arial" panose="020B0604020202020204" pitchFamily="34" charset="0"/>
+              <a:buChar char="•"/>
+            </a:pPr>
+            <a:r>
+              <a:rPr lang="en-US" sz="4400" dirty="0" smtClean="0"/>
+              <a:t>By Encouraging Unusual Thread Schedules, we hope to find bugs</a:t>
+            </a:r>
+          </a:p>
+          <a:p>
+            <a:pPr marL="857250" indent="-857250">
+              <a:buFont typeface="Arial" panose="020B0604020202020204" pitchFamily="34" charset="0"/>
+              <a:buChar char="•"/>
+            </a:pPr>
+            <a:endParaRPr lang="en-US" sz="4400" dirty="0"/>
+          </a:p>
+          <a:p>
+            <a:pPr marL="857250" indent="-857250">
+              <a:buFont typeface="Arial" panose="020B0604020202020204" pitchFamily="34" charset="0"/>
+              <a:buChar char="•"/>
+            </a:pPr>
+            <a:endParaRPr lang="en-US" sz="4400" dirty="0" smtClean="0"/>
+          </a:p>
+          <a:p>
+            <a:pPr marL="857250" indent="-857250">
+              <a:buFont typeface="Arial" panose="020B0604020202020204" pitchFamily="34" charset="0"/>
+              <a:buChar char="•"/>
+            </a:pPr>
+            <a:endParaRPr lang="en-US" sz="4400" dirty="0"/>
+          </a:p>
+          <a:p>
+            <a:pPr marL="857250" indent="-857250">
+              <a:buFont typeface="Arial" panose="020B0604020202020204" pitchFamily="34" charset="0"/>
+              <a:buChar char="•"/>
+            </a:pPr>
+            <a:endParaRPr lang="en-US" sz="4400" dirty="0" smtClean="0"/>
+          </a:p>
+          <a:p>
+            <a:pPr marL="857250" indent="-857250">
+              <a:buFont typeface="Arial" panose="020B0604020202020204" pitchFamily="34" charset="0"/>
+              <a:buChar char="•"/>
+            </a:pPr>
+            <a:endParaRPr lang="en-US" sz="4400" dirty="0"/>
+          </a:p>
+          <a:p>
+            <a:pPr marL="857250" indent="-857250">
+              <a:buFont typeface="Arial" panose="020B0604020202020204" pitchFamily="34" charset="0"/>
+              <a:buChar char="•"/>
+            </a:pPr>
+            <a:endParaRPr lang="en-US" sz="4400" dirty="0" smtClean="0"/>
+          </a:p>
+          <a:p>
+            <a:pPr marL="857250" indent="-857250">
+              <a:buFont typeface="Arial" panose="020B0604020202020204" pitchFamily="34" charset="0"/>
+              <a:buChar char="•"/>
+            </a:pPr>
+            <a:endParaRPr lang="en-US" sz="4400" dirty="0"/>
+          </a:p>
+          <a:p>
+            <a:pPr marL="857250" indent="-857250">
+              <a:buFont typeface="Arial" panose="020B0604020202020204" pitchFamily="34" charset="0"/>
+              <a:buChar char="•"/>
+            </a:pPr>
+            <a:r>
+              <a:rPr lang="en-US" sz="4400" dirty="0" smtClean="0"/>
+              <a:t>Default Linux Scheduler uses Multilevel Feedback Queue with time slices; no control of individual threads</a:t>
+            </a:r>
+          </a:p>
+          <a:p>
+            <a:pPr marL="857250" indent="-857250">
+              <a:buFont typeface="Arial" panose="020B0604020202020204" pitchFamily="34" charset="0"/>
+              <a:buChar char="•"/>
+            </a:pPr>
+            <a:r>
+              <a:rPr lang="en-US" sz="4400" dirty="0" smtClean="0"/>
+              <a:t>Using real time threads, we can explicitly state thread priority and have some control over scheduling. </a:t>
+            </a:r>
+            <a:endParaRPr lang="en-US" sz="4400" dirty="0"/>
+          </a:p>
+          <a:p>
+            <a:pPr marL="857250" indent="-857250">
+              <a:buFont typeface="Arial" panose="020B0604020202020204" pitchFamily="34" charset="0"/>
+              <a:buChar char="•"/>
+            </a:pPr>
+            <a:endParaRPr lang="en-US" sz="4400" dirty="0" smtClean="0"/>
+          </a:p>
+          <a:p>
+            <a:endParaRPr lang="en-US" sz="4400" dirty="0"/>
+          </a:p>
+        </p:txBody>
+      </p:sp>
+      <p:sp>
+        <p:nvSpPr>
+          <p:cNvPr id="16" name="TextBox 15"/>
+          <p:cNvSpPr txBox="1"/>
+          <p:nvPr/>
+        </p:nvSpPr>
+        <p:spPr>
+          <a:xfrm>
+            <a:off x="15191506" y="10866953"/>
+            <a:ext cx="13335000" cy="5632311"/>
+          </a:xfrm>
+          <a:prstGeom prst="rect">
+            <a:avLst/>
+          </a:prstGeom>
+          <a:noFill/>
+        </p:spPr>
+        <p:txBody>
+          <a:bodyPr wrap="square" rtlCol="0">
+            <a:spAutoFit/>
+          </a:bodyPr>
+          <a:lstStyle/>
+          <a:p>
+            <a:pPr marL="857250" indent="-857250">
+              <a:buFont typeface="Arial" panose="020B0604020202020204" pitchFamily="34" charset="0"/>
+              <a:buChar char="•"/>
+            </a:pPr>
+            <a:r>
+              <a:rPr lang="en-US" sz="4000" dirty="0"/>
+              <a:t>Similar to Fuzz Random Testing</a:t>
+            </a:r>
+          </a:p>
+          <a:p>
+            <a:pPr marL="857250" indent="-857250">
+              <a:buFont typeface="Arial" panose="020B0604020202020204" pitchFamily="34" charset="0"/>
+              <a:buChar char="•"/>
+            </a:pPr>
+            <a:r>
+              <a:rPr lang="en-US" sz="4000" dirty="0"/>
+              <a:t>Fuzzing: Testing the reliability of Applications by passing randomly generated command line input</a:t>
+            </a:r>
+          </a:p>
+          <a:p>
+            <a:pPr marL="857250" indent="-857250">
+              <a:buFont typeface="Arial" panose="020B0604020202020204" pitchFamily="34" charset="0"/>
+              <a:buChar char="•"/>
+            </a:pPr>
+            <a:r>
+              <a:rPr lang="en-US" sz="4000" dirty="0"/>
+              <a:t>Uses </a:t>
+            </a:r>
+            <a:r>
+              <a:rPr lang="en-US" sz="4000" dirty="0" err="1"/>
+              <a:t>Dyninst</a:t>
+            </a:r>
+            <a:r>
+              <a:rPr lang="en-US" sz="4000" dirty="0"/>
+              <a:t>, a Dynamic Instrumentation API, to insert code and use real time </a:t>
+            </a:r>
+            <a:r>
+              <a:rPr lang="en-US" sz="4000" dirty="0" smtClean="0"/>
+              <a:t>threads</a:t>
+            </a:r>
+          </a:p>
+          <a:p>
+            <a:pPr marL="857250" indent="-857250">
+              <a:buFont typeface="Arial" panose="020B0604020202020204" pitchFamily="34" charset="0"/>
+              <a:buChar char="•"/>
+            </a:pPr>
+            <a:r>
+              <a:rPr lang="en-US" sz="4000" dirty="0" smtClean="0"/>
+              <a:t>Change threads to real time, instrument synchronization points to randomly alter thread priority</a:t>
+            </a:r>
+          </a:p>
+          <a:p>
+            <a:pPr marL="857250" indent="-857250">
+              <a:buFont typeface="Arial" panose="020B0604020202020204" pitchFamily="34" charset="0"/>
+              <a:buChar char="•"/>
+            </a:pPr>
+            <a:r>
+              <a:rPr lang="en-US" sz="4000" dirty="0" smtClean="0"/>
+              <a:t>Add logging to provide an idea of where bugs occur when they occur</a:t>
+            </a:r>
+            <a:endParaRPr lang="en-US" sz="4000" dirty="0"/>
+          </a:p>
+        </p:txBody>
+      </p:sp>
+      <p:sp>
+        <p:nvSpPr>
+          <p:cNvPr id="19" name="Rounded Rectangle 18"/>
+          <p:cNvSpPr/>
+          <p:nvPr/>
+        </p:nvSpPr>
+        <p:spPr>
+          <a:xfrm>
+            <a:off x="14789723" y="3068782"/>
+            <a:ext cx="14193985" cy="7451581"/>
+          </a:xfrm>
+          <a:prstGeom prst="roundRect">
+            <a:avLst/>
+          </a:prstGeom>
+          <a:solidFill>
+            <a:schemeClr val="tx2">
+              <a:lumMod val="40000"/>
+              <a:lumOff val="60000"/>
+            </a:schemeClr>
+          </a:solidFill>
+        </p:spPr>
+        <p:style>
+          <a:lnRef idx="2">
+            <a:schemeClr val="accent1">
+              <a:shade val="50000"/>
+            </a:schemeClr>
+          </a:lnRef>
+          <a:fillRef idx="1">
+            <a:schemeClr val="accent1"/>
+          </a:fillRef>
+          <a:effectRef idx="0">
+            <a:schemeClr val="accent1"/>
+          </a:effectRef>
+          <a:fontRef idx="minor">
+            <a:schemeClr val="lt1"/>
+          </a:fontRef>
+        </p:style>
+        <p:txBody>
+          <a:bodyPr rtlCol="0" anchor="ctr"/>
+          <a:lstStyle/>
+          <a:p>
+            <a:pPr algn="ctr"/>
+            <a:endParaRPr lang="en-US"/>
+          </a:p>
+        </p:txBody>
+      </p:sp>
+      <p:sp>
+        <p:nvSpPr>
+          <p:cNvPr id="20" name="TextBox 19"/>
+          <p:cNvSpPr txBox="1"/>
+          <p:nvPr/>
+        </p:nvSpPr>
+        <p:spPr>
+          <a:xfrm>
+            <a:off x="29818444" y="3608457"/>
+            <a:ext cx="13594774" cy="12403395"/>
+          </a:xfrm>
+          <a:prstGeom prst="rect">
+            <a:avLst/>
+          </a:prstGeom>
+          <a:noFill/>
+        </p:spPr>
+        <p:txBody>
+          <a:bodyPr wrap="square" rtlCol="0">
+            <a:spAutoFit/>
+          </a:bodyPr>
+          <a:lstStyle/>
+          <a:p>
+            <a:pPr marL="857250" indent="-857250">
+              <a:buFont typeface="Arial" panose="020B0604020202020204" pitchFamily="34" charset="0"/>
+              <a:buChar char="•"/>
+            </a:pPr>
+            <a:endParaRPr lang="en-US" sz="4000" dirty="0" smtClean="0"/>
+          </a:p>
+          <a:p>
+            <a:pPr marL="857250" indent="-857250">
+              <a:buFont typeface="Arial" panose="020B0604020202020204" pitchFamily="34" charset="0"/>
+              <a:buChar char="•"/>
+            </a:pPr>
+            <a:r>
+              <a:rPr lang="en-US" sz="4000" dirty="0" smtClean="0"/>
+              <a:t>Bugs found by running many tests with new random seeds.  </a:t>
+            </a:r>
+          </a:p>
+          <a:p>
+            <a:pPr marL="857250" indent="-857250">
+              <a:buFont typeface="Arial" panose="020B0604020202020204" pitchFamily="34" charset="0"/>
+              <a:buChar char="•"/>
+            </a:pPr>
+            <a:r>
+              <a:rPr lang="en-US" sz="4000" dirty="0" smtClean="0"/>
+              <a:t>Test to see if real time threads increase the rate at which bugs are found</a:t>
+            </a:r>
+            <a:endParaRPr lang="en-US" sz="4000" dirty="0"/>
+          </a:p>
+          <a:p>
+            <a:pPr marL="857250" indent="-857250">
+              <a:buFont typeface="Arial" panose="020B0604020202020204" pitchFamily="34" charset="0"/>
+              <a:buChar char="•"/>
+            </a:pPr>
+            <a:r>
+              <a:rPr lang="en-US" sz="4000" dirty="0" err="1" smtClean="0"/>
+              <a:t>ScheduleInst</a:t>
+            </a:r>
+            <a:r>
+              <a:rPr lang="en-US" sz="4000" dirty="0" smtClean="0"/>
+              <a:t> found bugs in Apache, pbzip2, </a:t>
+            </a:r>
+            <a:r>
+              <a:rPr lang="en-US" sz="4000" dirty="0" err="1" smtClean="0"/>
+              <a:t>FFmpeg</a:t>
+            </a:r>
+            <a:r>
+              <a:rPr lang="en-US" sz="4000" dirty="0" smtClean="0"/>
+              <a:t>, axel</a:t>
+            </a:r>
+          </a:p>
+          <a:p>
+            <a:pPr marL="857250" indent="-857250">
+              <a:buFont typeface="Arial" panose="020B0604020202020204" pitchFamily="34" charset="0"/>
+              <a:buChar char="•"/>
+            </a:pPr>
+            <a:endParaRPr lang="en-US" sz="4000" dirty="0"/>
+          </a:p>
+          <a:p>
+            <a:pPr marL="857250" indent="-857250">
+              <a:buFont typeface="Arial" panose="020B0604020202020204" pitchFamily="34" charset="0"/>
+              <a:buChar char="•"/>
+            </a:pPr>
+            <a:endParaRPr lang="en-US" sz="4000" dirty="0" smtClean="0"/>
+          </a:p>
+          <a:p>
+            <a:pPr marL="857250" indent="-857250">
+              <a:buFont typeface="Arial" panose="020B0604020202020204" pitchFamily="34" charset="0"/>
+              <a:buChar char="•"/>
+            </a:pPr>
+            <a:endParaRPr lang="en-US" sz="4000" dirty="0"/>
+          </a:p>
+          <a:p>
+            <a:pPr marL="857250" indent="-857250">
+              <a:buFont typeface="Arial" panose="020B0604020202020204" pitchFamily="34" charset="0"/>
+              <a:buChar char="•"/>
+            </a:pPr>
+            <a:endParaRPr lang="en-US" sz="4000" dirty="0" smtClean="0"/>
+          </a:p>
+          <a:p>
+            <a:pPr marL="857250" indent="-857250">
+              <a:buFont typeface="Arial" panose="020B0604020202020204" pitchFamily="34" charset="0"/>
+              <a:buChar char="•"/>
+            </a:pPr>
+            <a:endParaRPr lang="en-US" sz="4000" dirty="0"/>
+          </a:p>
+          <a:p>
+            <a:pPr marL="857250" indent="-857250">
+              <a:buFont typeface="Arial" panose="020B0604020202020204" pitchFamily="34" charset="0"/>
+              <a:buChar char="•"/>
+            </a:pPr>
+            <a:endParaRPr lang="en-US" sz="4000" dirty="0" smtClean="0"/>
+          </a:p>
+          <a:p>
+            <a:pPr marL="857250" indent="-857250">
+              <a:buFont typeface="Arial" panose="020B0604020202020204" pitchFamily="34" charset="0"/>
+              <a:buChar char="•"/>
+            </a:pPr>
+            <a:endParaRPr lang="en-US" sz="4000" dirty="0"/>
+          </a:p>
+          <a:p>
+            <a:pPr marL="857250" indent="-857250">
+              <a:buFont typeface="Arial" panose="020B0604020202020204" pitchFamily="34" charset="0"/>
+              <a:buChar char="•"/>
+            </a:pPr>
+            <a:endParaRPr lang="en-US" sz="4000" dirty="0" smtClean="0"/>
+          </a:p>
+          <a:p>
+            <a:pPr marL="857250" indent="-857250">
+              <a:buFont typeface="Arial" panose="020B0604020202020204" pitchFamily="34" charset="0"/>
+              <a:buChar char="•"/>
+            </a:pPr>
+            <a:endParaRPr lang="en-US" sz="4000" dirty="0"/>
+          </a:p>
+          <a:p>
+            <a:pPr marL="857250" indent="-857250">
+              <a:buFont typeface="Arial" panose="020B0604020202020204" pitchFamily="34" charset="0"/>
+              <a:buChar char="•"/>
+            </a:pPr>
+            <a:endParaRPr lang="en-US" sz="4000" dirty="0" smtClean="0"/>
+          </a:p>
+          <a:p>
+            <a:pPr marL="857250" indent="-857250">
+              <a:buFont typeface="Arial" panose="020B0604020202020204" pitchFamily="34" charset="0"/>
+              <a:buChar char="•"/>
+            </a:pPr>
+            <a:endParaRPr lang="en-US" sz="4000" dirty="0"/>
+          </a:p>
+          <a:p>
+            <a:pPr marL="857250" indent="-857250">
+              <a:buFont typeface="Arial" panose="020B0604020202020204" pitchFamily="34" charset="0"/>
+              <a:buChar char="•"/>
+            </a:pPr>
+            <a:endParaRPr lang="en-US" sz="4000" dirty="0" smtClean="0"/>
+          </a:p>
+          <a:p>
+            <a:pPr marL="857250" indent="-857250">
+              <a:buFont typeface="Arial" panose="020B0604020202020204" pitchFamily="34" charset="0"/>
+              <a:buChar char="•"/>
+            </a:pPr>
+            <a:endParaRPr lang="en-US" sz="4000" dirty="0"/>
+          </a:p>
+          <a:p>
+            <a:pPr marL="857250" indent="-857250">
+              <a:buFont typeface="Arial" panose="020B0604020202020204" pitchFamily="34" charset="0"/>
+              <a:buChar char="•"/>
+            </a:pPr>
+            <a:r>
+              <a:rPr lang="en-US" sz="4000" dirty="0" smtClean="0"/>
+              <a:t>No bugs found in control runs.  </a:t>
+            </a:r>
+          </a:p>
+          <a:p>
+            <a:pPr marL="857250" indent="-857250">
+              <a:buFont typeface="Arial" panose="020B0604020202020204" pitchFamily="34" charset="0"/>
+              <a:buChar char="•"/>
+            </a:pPr>
+            <a:r>
+              <a:rPr lang="en-US" sz="4000" dirty="0" smtClean="0"/>
+              <a:t>Results show </a:t>
+            </a:r>
+            <a:r>
+              <a:rPr lang="en-US" sz="4000" dirty="0" err="1" smtClean="0"/>
+              <a:t>ScheduleInst</a:t>
+            </a:r>
+            <a:r>
+              <a:rPr lang="en-US" sz="4000" dirty="0" smtClean="0"/>
+              <a:t> finds deadlocks at useful rate</a:t>
+            </a:r>
+          </a:p>
+        </p:txBody>
+      </p:sp>
+      <p:sp>
+        <p:nvSpPr>
+          <p:cNvPr id="24" name="Rounded Rectangle 23"/>
+          <p:cNvSpPr/>
+          <p:nvPr/>
+        </p:nvSpPr>
+        <p:spPr>
+          <a:xfrm>
+            <a:off x="29669506" y="6961527"/>
+            <a:ext cx="14193985" cy="7451581"/>
+          </a:xfrm>
+          <a:prstGeom prst="roundRect">
+            <a:avLst/>
+          </a:prstGeom>
+          <a:solidFill>
+            <a:schemeClr val="tx2">
+              <a:lumMod val="40000"/>
+              <a:lumOff val="60000"/>
+            </a:schemeClr>
+          </a:solidFill>
+        </p:spPr>
+        <p:style>
+          <a:lnRef idx="2">
+            <a:schemeClr val="accent1">
+              <a:shade val="50000"/>
+            </a:schemeClr>
+          </a:lnRef>
+          <a:fillRef idx="1">
+            <a:schemeClr val="accent1"/>
+          </a:fillRef>
+          <a:effectRef idx="0">
+            <a:schemeClr val="accent1"/>
+          </a:effectRef>
+          <a:fontRef idx="minor">
+            <a:schemeClr val="lt1"/>
+          </a:fontRef>
+        </p:style>
+        <p:txBody>
+          <a:bodyPr rtlCol="0" anchor="ctr"/>
+          <a:lstStyle/>
+          <a:p>
+            <a:pPr algn="ctr"/>
+            <a:endParaRPr lang="en-US"/>
+          </a:p>
+        </p:txBody>
+      </p:sp>
       <p:pic>
         <p:nvPicPr>
-          <p:cNvPr id="1026" name="Picture 2" descr="http://umark.wisc.edu/brand/templates-and-downloads/downloads/print/UWlogo_fl_4c.jpg"/>
+          <p:cNvPr id="22" name="Picture 21"/>
           <p:cNvPicPr>
-            <a:picLocks noChangeAspect="1" noChangeArrowheads="1"/>
+            <a:picLocks noChangeAspect="1"/>
           </p:cNvPicPr>
           <p:nvPr/>
         </p:nvPicPr>
         <p:blipFill>
-          <a:blip r:embed="rId2" cstate="print">
+          <a:blip r:embed="rId2">
             <a:extLst>
               <a:ext uri="{28A0092B-C50C-407E-A947-70E740481C1C}">
                 <a14:useLocalDpi xmlns:a14="http://schemas.microsoft.com/office/drawing/2010/main" val="0"/>
               </a:ext>
             </a:extLst>
           </a:blip>
-          <a:srcRect/>
           <a:stretch>
             <a:fillRect/>
           </a:stretch>
         </p:blipFill>
-        <p:spPr bwMode="auto">
+        <p:spPr>
           <a:xfrm>
-            <a:off x="37414200" y="181116"/>
-            <a:ext cx="4848225" cy="1653710"/>
+            <a:off x="31361933" y="7036262"/>
+            <a:ext cx="10809129" cy="8106847"/>
+          </a:xfrm>
+          <a:prstGeom prst="rect">
+            <a:avLst/>
+          </a:prstGeom>
+        </p:spPr>
+      </p:pic>
+      <p:sp>
+        <p:nvSpPr>
+          <p:cNvPr id="25" name="TextBox 24"/>
+          <p:cNvSpPr txBox="1"/>
+          <p:nvPr/>
+        </p:nvSpPr>
+        <p:spPr>
+          <a:xfrm>
+            <a:off x="15586359" y="18821400"/>
+            <a:ext cx="12545294" cy="1046440"/>
           </a:xfrm>
           <a:prstGeom prst="rect">
             <a:avLst/>
           </a:prstGeom>
           <a:noFill/>
-          <a:extLst>
-            <a:ext uri="{909E8E84-426E-40DD-AFC4-6F175D3DCCD1}">
-              <a14:hiddenFill xmlns:a14="http://schemas.microsoft.com/office/drawing/2010/main">
-                <a:solidFill>
-                  <a:srgbClr val="FFFFFF"/>
-                </a:solidFill>
-              </a14:hiddenFill>
-            </a:ext>
-          </a:extLst>
+        </p:spPr>
+        <p:txBody>
+          <a:bodyPr wrap="square" rtlCol="0">
+            <a:spAutoFit/>
+          </a:bodyPr>
+          <a:lstStyle/>
+          <a:p>
+            <a:pPr algn="ctr"/>
+            <a:r>
+              <a:rPr lang="en-US" dirty="0" smtClean="0"/>
+              <a:t>INSERT THING HERE</a:t>
+            </a:r>
+            <a:endParaRPr lang="en-US" dirty="0"/>
+          </a:p>
+        </p:txBody>
+      </p:sp>
+      <p:grpSp>
+        <p:nvGrpSpPr>
+          <p:cNvPr id="29" name="Group 28"/>
+          <p:cNvGrpSpPr/>
+          <p:nvPr/>
+        </p:nvGrpSpPr>
+        <p:grpSpPr>
+          <a:xfrm>
+            <a:off x="2306782" y="7543800"/>
+            <a:ext cx="9829800" cy="4114801"/>
+            <a:chOff x="2306782" y="7543800"/>
+            <a:chExt cx="9829800" cy="4114801"/>
+          </a:xfrm>
+        </p:grpSpPr>
+        <p:grpSp>
+          <p:nvGrpSpPr>
+            <p:cNvPr id="27" name="Group 26"/>
+            <p:cNvGrpSpPr/>
+            <p:nvPr/>
+          </p:nvGrpSpPr>
+          <p:grpSpPr>
+            <a:xfrm>
+              <a:off x="2306782" y="8153400"/>
+              <a:ext cx="9829800" cy="3505201"/>
+              <a:chOff x="2393372" y="15544799"/>
+              <a:chExt cx="9829800" cy="3505201"/>
+            </a:xfrm>
+          </p:grpSpPr>
+          <p:sp>
+            <p:nvSpPr>
+              <p:cNvPr id="26" name="Rounded Rectangle 25"/>
+              <p:cNvSpPr/>
+              <p:nvPr/>
+            </p:nvSpPr>
+            <p:spPr>
+              <a:xfrm>
+                <a:off x="2393372" y="15544799"/>
+                <a:ext cx="9829800" cy="3266301"/>
+              </a:xfrm>
+              <a:prstGeom prst="roundRect">
+                <a:avLst/>
+              </a:prstGeom>
+              <a:solidFill>
+                <a:schemeClr val="tx2">
+                  <a:lumMod val="40000"/>
+                  <a:lumOff val="60000"/>
+                </a:schemeClr>
+              </a:solidFill>
+            </p:spPr>
+            <p:style>
+              <a:lnRef idx="2">
+                <a:schemeClr val="accent1">
+                  <a:shade val="50000"/>
+                </a:schemeClr>
+              </a:lnRef>
+              <a:fillRef idx="1">
+                <a:schemeClr val="accent1"/>
+              </a:fillRef>
+              <a:effectRef idx="0">
+                <a:schemeClr val="accent1"/>
+              </a:effectRef>
+              <a:fontRef idx="minor">
+                <a:schemeClr val="lt1"/>
+              </a:fontRef>
+            </p:style>
+            <p:txBody>
+              <a:bodyPr rtlCol="0" anchor="ctr"/>
+              <a:lstStyle/>
+              <a:p>
+                <a:pPr algn="ctr"/>
+                <a:endParaRPr lang="en-US"/>
+              </a:p>
+            </p:txBody>
+          </p:sp>
+          <p:pic>
+            <p:nvPicPr>
+              <p:cNvPr id="23" name="Picture 22"/>
+              <p:cNvPicPr>
+                <a:picLocks noChangeAspect="1"/>
+              </p:cNvPicPr>
+              <p:nvPr/>
+            </p:nvPicPr>
+            <p:blipFill>
+              <a:blip r:embed="rId3">
+                <a:extLst>
+                  <a:ext uri="{28A0092B-C50C-407E-A947-70E740481C1C}">
+                    <a14:useLocalDpi xmlns:a14="http://schemas.microsoft.com/office/drawing/2010/main" val="0"/>
+                  </a:ext>
+                </a:extLst>
+              </a:blip>
+              <a:stretch>
+                <a:fillRect/>
+              </a:stretch>
+            </p:blipFill>
+            <p:spPr>
+              <a:xfrm>
+                <a:off x="2745797" y="15544800"/>
+                <a:ext cx="9124950" cy="3505200"/>
+              </a:xfrm>
+              <a:prstGeom prst="rect">
+                <a:avLst/>
+              </a:prstGeom>
+            </p:spPr>
+          </p:pic>
+        </p:grpSp>
+        <p:sp>
+          <p:nvSpPr>
+            <p:cNvPr id="28" name="TextBox 27"/>
+            <p:cNvSpPr txBox="1"/>
+            <p:nvPr/>
+          </p:nvSpPr>
+          <p:spPr>
+            <a:xfrm>
+              <a:off x="4724400" y="7543800"/>
+              <a:ext cx="4495800" cy="707886"/>
+            </a:xfrm>
+            <a:prstGeom prst="rect">
+              <a:avLst/>
+            </a:prstGeom>
+            <a:noFill/>
+          </p:spPr>
+          <p:txBody>
+            <a:bodyPr wrap="square" rtlCol="0">
+              <a:spAutoFit/>
+            </a:bodyPr>
+            <a:lstStyle/>
+            <a:p>
+              <a:pPr algn="ctr"/>
+              <a:r>
+                <a:rPr lang="en-US" sz="4000" dirty="0" smtClean="0"/>
+                <a:t>A DEADLOCK</a:t>
+              </a:r>
+              <a:endParaRPr lang="en-US" sz="4000" dirty="0"/>
+            </a:p>
+          </p:txBody>
+        </p:sp>
+      </p:grpSp>
+      <p:pic>
+        <p:nvPicPr>
+          <p:cNvPr id="30" name="Picture 29"/>
+          <p:cNvPicPr>
+            <a:picLocks noChangeAspect="1"/>
+          </p:cNvPicPr>
+          <p:nvPr/>
+        </p:nvPicPr>
+        <p:blipFill>
+          <a:blip r:embed="rId4">
+            <a:extLst>
+              <a:ext uri="{28A0092B-C50C-407E-A947-70E740481C1C}">
+                <a14:useLocalDpi xmlns:a14="http://schemas.microsoft.com/office/drawing/2010/main" val="0"/>
+              </a:ext>
+            </a:extLst>
+          </a:blip>
+          <a:stretch>
+            <a:fillRect/>
+          </a:stretch>
+        </p:blipFill>
+        <p:spPr>
+          <a:xfrm>
+            <a:off x="15357743" y="3383574"/>
+            <a:ext cx="13002525" cy="6501263"/>
+          </a:xfrm>
+          <a:prstGeom prst="rect">
+            <a:avLst/>
+          </a:prstGeom>
+        </p:spPr>
+      </p:pic>
+      <p:pic>
+        <p:nvPicPr>
+          <p:cNvPr id="31" name="Picture 30"/>
+          <p:cNvPicPr>
+            <a:picLocks noChangeAspect="1"/>
+          </p:cNvPicPr>
+          <p:nvPr/>
+        </p:nvPicPr>
+        <p:blipFill>
+          <a:blip r:embed="rId5" cstate="print">
+            <a:extLst>
+              <a:ext uri="{28A0092B-C50C-407E-A947-70E740481C1C}">
+                <a14:useLocalDpi xmlns:a14="http://schemas.microsoft.com/office/drawing/2010/main" val="0"/>
+              </a:ext>
+            </a:extLst>
+          </a:blip>
+          <a:stretch>
+            <a:fillRect/>
+          </a:stretch>
+        </p:blipFill>
+        <p:spPr>
+          <a:xfrm>
+            <a:off x="38963129" y="91959"/>
+            <a:ext cx="4450089" cy="1517907"/>
+          </a:xfrm>
+          <a:prstGeom prst="rect">
+            <a:avLst/>
+          </a:prstGeom>
         </p:spPr>
       </p:pic>
     </p:spTree>

--- a/poster/poster.pptx
+++ b/poster/poster.pptx
@@ -6,6 +6,7 @@
   </p:sldMasterIdLst>
   <p:sldIdLst>
     <p:sldId id="256" r:id="rId2"/>
+    <p:sldId id="257" r:id="rId3"/>
   </p:sldIdLst>
   <p:sldSz cx="43891200" cy="21945600"/>
   <p:notesSz cx="6858000" cy="9144000"/>
@@ -104,6 +105,22 @@
       </a:defRPr>
     </a:lvl9pPr>
   </p:defaultTextStyle>
+  <p:extLst>
+    <p:ext uri="{EFAFB233-063F-42B5-8137-9DF3F51BA10A}">
+      <p15:sldGuideLst xmlns:p15="http://schemas.microsoft.com/office/powerpoint/2012/main">
+        <p15:guide id="1" orient="horz" pos="6912">
+          <p15:clr>
+            <a:srgbClr val="A4A3A4"/>
+          </p15:clr>
+        </p15:guide>
+        <p15:guide id="2" pos="13824">
+          <p15:clr>
+            <a:srgbClr val="A4A3A4"/>
+          </p15:clr>
+        </p15:guide>
+      </p15:sldGuideLst>
+    </p:ext>
+  </p:extLst>
 </p:presentation>
 </file>
 
@@ -3103,6 +3120,86 @@
       </p:grpSpPr>
       <p:sp>
         <p:nvSpPr>
+          <p:cNvPr id="12" name="Round Same Side Corner Rectangle 11"/>
+          <p:cNvSpPr/>
+          <p:nvPr/>
+        </p:nvSpPr>
+        <p:spPr>
+          <a:xfrm>
+            <a:off x="29122253" y="1775001"/>
+            <a:ext cx="14768947" cy="20177526"/>
+          </a:xfrm>
+          <a:prstGeom prst="round2SameRect">
+            <a:avLst/>
+          </a:prstGeom>
+        </p:spPr>
+        <p:style>
+          <a:lnRef idx="2">
+            <a:schemeClr val="accent1">
+              <a:shade val="50000"/>
+            </a:schemeClr>
+          </a:lnRef>
+          <a:fillRef idx="1">
+            <a:schemeClr val="accent1"/>
+          </a:fillRef>
+          <a:effectRef idx="0">
+            <a:schemeClr val="accent1"/>
+          </a:effectRef>
+          <a:fontRef idx="minor">
+            <a:schemeClr val="lt1"/>
+          </a:fontRef>
+        </p:style>
+        <p:txBody>
+          <a:bodyPr rtlCol="0" anchor="ctr"/>
+          <a:lstStyle/>
+          <a:p>
+            <a:pPr algn="ctr"/>
+            <a:endParaRPr lang="en-US"/>
+          </a:p>
+        </p:txBody>
+      </p:sp>
+      <p:sp>
+        <p:nvSpPr>
+          <p:cNvPr id="11" name="Round Same Side Corner Rectangle 10"/>
+          <p:cNvSpPr/>
+          <p:nvPr/>
+        </p:nvSpPr>
+        <p:spPr>
+          <a:xfrm>
+            <a:off x="14616544" y="1775001"/>
+            <a:ext cx="14540345" cy="20184453"/>
+          </a:xfrm>
+          <a:prstGeom prst="round2SameRect">
+            <a:avLst/>
+          </a:prstGeom>
+        </p:spPr>
+        <p:style>
+          <a:lnRef idx="2">
+            <a:schemeClr val="accent1">
+              <a:shade val="50000"/>
+            </a:schemeClr>
+          </a:lnRef>
+          <a:fillRef idx="1">
+            <a:schemeClr val="accent1"/>
+          </a:fillRef>
+          <a:effectRef idx="0">
+            <a:schemeClr val="accent1"/>
+          </a:effectRef>
+          <a:fontRef idx="minor">
+            <a:schemeClr val="lt1"/>
+          </a:fontRef>
+        </p:style>
+        <p:txBody>
+          <a:bodyPr rtlCol="0" anchor="ctr"/>
+          <a:lstStyle/>
+          <a:p>
+            <a:pPr algn="ctr"/>
+            <a:endParaRPr lang="en-US"/>
+          </a:p>
+        </p:txBody>
+      </p:sp>
+      <p:sp>
+        <p:nvSpPr>
           <p:cNvPr id="2" name="TextBox 1"/>
           <p:cNvSpPr txBox="1"/>
           <p:nvPr/>
@@ -3232,86 +3329,6 @@
       </p:sp>
       <p:sp>
         <p:nvSpPr>
-          <p:cNvPr id="11" name="Round Same Side Corner Rectangle 10"/>
-          <p:cNvSpPr/>
-          <p:nvPr/>
-        </p:nvSpPr>
-        <p:spPr>
-          <a:xfrm>
-            <a:off x="14616544" y="1775001"/>
-            <a:ext cx="14540345" cy="20184453"/>
-          </a:xfrm>
-          <a:prstGeom prst="round2SameRect">
-            <a:avLst/>
-          </a:prstGeom>
-        </p:spPr>
-        <p:style>
-          <a:lnRef idx="2">
-            <a:schemeClr val="accent1">
-              <a:shade val="50000"/>
-            </a:schemeClr>
-          </a:lnRef>
-          <a:fillRef idx="1">
-            <a:schemeClr val="accent1"/>
-          </a:fillRef>
-          <a:effectRef idx="0">
-            <a:schemeClr val="accent1"/>
-          </a:effectRef>
-          <a:fontRef idx="minor">
-            <a:schemeClr val="lt1"/>
-          </a:fontRef>
-        </p:style>
-        <p:txBody>
-          <a:bodyPr rtlCol="0" anchor="ctr"/>
-          <a:lstStyle/>
-          <a:p>
-            <a:pPr algn="ctr"/>
-            <a:endParaRPr lang="en-US"/>
-          </a:p>
-        </p:txBody>
-      </p:sp>
-      <p:sp>
-        <p:nvSpPr>
-          <p:cNvPr id="12" name="Round Same Side Corner Rectangle 11"/>
-          <p:cNvSpPr/>
-          <p:nvPr/>
-        </p:nvSpPr>
-        <p:spPr>
-          <a:xfrm>
-            <a:off x="29122253" y="1775001"/>
-            <a:ext cx="14768947" cy="20177526"/>
-          </a:xfrm>
-          <a:prstGeom prst="round2SameRect">
-            <a:avLst/>
-          </a:prstGeom>
-        </p:spPr>
-        <p:style>
-          <a:lnRef idx="2">
-            <a:schemeClr val="accent1">
-              <a:shade val="50000"/>
-            </a:schemeClr>
-          </a:lnRef>
-          <a:fillRef idx="1">
-            <a:schemeClr val="accent1"/>
-          </a:fillRef>
-          <a:effectRef idx="0">
-            <a:schemeClr val="accent1"/>
-          </a:effectRef>
-          <a:fontRef idx="minor">
-            <a:schemeClr val="lt1"/>
-          </a:fontRef>
-        </p:style>
-        <p:txBody>
-          <a:bodyPr rtlCol="0" anchor="ctr"/>
-          <a:lstStyle/>
-          <a:p>
-            <a:pPr algn="ctr"/>
-            <a:endParaRPr lang="en-US"/>
-          </a:p>
-        </p:txBody>
-      </p:sp>
-      <p:sp>
-        <p:nvSpPr>
           <p:cNvPr id="5" name="TextBox 4"/>
           <p:cNvSpPr txBox="1"/>
           <p:nvPr/>
@@ -3319,7 +3336,7 @@
         <p:spPr>
           <a:xfrm>
             <a:off x="554182" y="1802710"/>
-            <a:ext cx="13335000" cy="923330"/>
+            <a:ext cx="13335000" cy="1015663"/>
           </a:xfrm>
           <a:prstGeom prst="rect">
             <a:avLst/>
@@ -3334,10 +3351,10 @@
           <a:p>
             <a:pPr algn="ctr"/>
             <a:r>
-              <a:rPr lang="en-US" sz="5400" dirty="0" smtClean="0"/>
+              <a:rPr lang="en-US" sz="6000" dirty="0" smtClean="0"/>
               <a:t>INTRODUCTION</a:t>
             </a:r>
-            <a:endParaRPr lang="en-US" sz="5400" dirty="0"/>
+            <a:endParaRPr lang="en-US" sz="6000" dirty="0"/>
           </a:p>
         </p:txBody>
       </p:sp>
@@ -3350,7 +3367,7 @@
         <p:spPr>
           <a:xfrm>
             <a:off x="15219216" y="1802710"/>
-            <a:ext cx="13335000" cy="1046440"/>
+            <a:ext cx="13335000" cy="1015663"/>
           </a:xfrm>
           <a:prstGeom prst="rect">
             <a:avLst/>
@@ -3365,7 +3382,7 @@
           <a:p>
             <a:pPr algn="ctr"/>
             <a:r>
-              <a:rPr lang="en-US" dirty="0" smtClean="0"/>
+              <a:rPr lang="en-US" sz="6000" dirty="0" smtClean="0"/>
               <a:t>METHODS</a:t>
             </a:r>
           </a:p>
@@ -3380,7 +3397,7 @@
         <p:spPr>
           <a:xfrm>
             <a:off x="29839226" y="1724469"/>
-            <a:ext cx="13335000" cy="1046440"/>
+            <a:ext cx="13335000" cy="1015663"/>
           </a:xfrm>
           <a:prstGeom prst="rect">
             <a:avLst/>
@@ -3395,10 +3412,10 @@
           <a:p>
             <a:pPr algn="ctr"/>
             <a:r>
-              <a:rPr lang="en-US" dirty="0" smtClean="0"/>
+              <a:rPr lang="en-US" sz="6000" dirty="0" smtClean="0"/>
               <a:t>RESULTS</a:t>
             </a:r>
-            <a:endParaRPr lang="en-US" dirty="0"/>
+            <a:endParaRPr lang="en-US" sz="6000" dirty="0"/>
           </a:p>
         </p:txBody>
       </p:sp>
@@ -3410,8 +3427,8 @@
         </p:nvSpPr>
         <p:spPr>
           <a:xfrm>
-            <a:off x="0" y="3962400"/>
-            <a:ext cx="14325600" cy="12280285"/>
+            <a:off x="480757" y="2924784"/>
+            <a:ext cx="13944600" cy="18928259"/>
           </a:xfrm>
           <a:prstGeom prst="rect">
             <a:avLst/>
@@ -3424,14 +3441,28 @@
           </a:bodyPr>
           <a:lstStyle/>
           <a:p>
+            <a:pPr algn="ctr"/>
+            <a:r>
+              <a:rPr lang="en-US" sz="4200" b="1" dirty="0" smtClean="0"/>
+              <a:t>Multithreaded Programming Is Challenging</a:t>
+            </a:r>
+          </a:p>
+          <a:p>
+            <a:pPr algn="ctr"/>
+            <a:endParaRPr lang="en-US" sz="600" b="1" dirty="0" smtClean="0"/>
+          </a:p>
+          <a:p>
             <a:pPr marL="857250" indent="-857250">
               <a:buFont typeface="Arial" panose="020B0604020202020204" pitchFamily="34" charset="0"/>
               <a:buChar char="•"/>
             </a:pPr>
             <a:r>
-              <a:rPr lang="en-US" sz="4400" dirty="0" smtClean="0"/>
-              <a:t>Concurrency bugs are hard to find </a:t>
-            </a:r>
+              <a:rPr lang="en-US" sz="4000" dirty="0" smtClean="0"/>
+              <a:t>Scheduling of multithreaded programs is non-deterministic: the next instruction to run could be from any thread.</a:t>
+            </a:r>
+          </a:p>
+          <a:p>
+            <a:endParaRPr lang="en-US" sz="800" dirty="0" smtClean="0"/>
           </a:p>
           <a:p>
             <a:pPr marL="857250" indent="-857250">
@@ -3439,14 +3470,12 @@
               <a:buChar char="•"/>
             </a:pPr>
             <a:r>
-              <a:rPr lang="en-US" sz="4400" dirty="0" smtClean="0"/>
-              <a:t>Most Concurrency Bugs live in Low Probability </a:t>
-            </a:r>
-            <a:r>
-              <a:rPr lang="en-US" sz="4400" dirty="0" err="1" smtClean="0"/>
-              <a:t>Interleavings</a:t>
-            </a:r>
-            <a:endParaRPr lang="en-US" sz="4400" dirty="0" smtClean="0"/>
+              <a:rPr lang="en-US" sz="4000" dirty="0" smtClean="0"/>
+              <a:t>Threads need to interact with each other despite partitioned work</a:t>
+            </a:r>
+          </a:p>
+          <a:p>
+            <a:endParaRPr lang="en-US" sz="800" dirty="0" smtClean="0"/>
           </a:p>
           <a:p>
             <a:pPr marL="857250" indent="-857250">
@@ -3454,8 +3483,8 @@
               <a:buChar char="•"/>
             </a:pPr>
             <a:r>
-              <a:rPr lang="en-US" sz="4400" dirty="0" smtClean="0"/>
-              <a:t>By Encouraging Unusual Thread Schedules, we hope to find bugs</a:t>
+              <a:rPr lang="en-US" sz="4000" dirty="0" smtClean="0"/>
+              <a:t>Low probability concurrency bugs could exist, what if we run programs with atypical scheduling patterns? </a:t>
             </a:r>
           </a:p>
           <a:p>
@@ -3463,59 +3492,70 @@
               <a:buFont typeface="Arial" panose="020B0604020202020204" pitchFamily="34" charset="0"/>
               <a:buChar char="•"/>
             </a:pPr>
-            <a:endParaRPr lang="en-US" sz="4400" dirty="0"/>
+            <a:endParaRPr lang="en-US" sz="3600" dirty="0"/>
           </a:p>
           <a:p>
             <a:pPr marL="857250" indent="-857250">
               <a:buFont typeface="Arial" panose="020B0604020202020204" pitchFamily="34" charset="0"/>
               <a:buChar char="•"/>
             </a:pPr>
-            <a:endParaRPr lang="en-US" sz="4400" dirty="0" smtClean="0"/>
+            <a:endParaRPr lang="en-US" sz="3600" dirty="0" smtClean="0"/>
           </a:p>
           <a:p>
             <a:pPr marL="857250" indent="-857250">
               <a:buFont typeface="Arial" panose="020B0604020202020204" pitchFamily="34" charset="0"/>
               <a:buChar char="•"/>
             </a:pPr>
-            <a:endParaRPr lang="en-US" sz="4400" dirty="0"/>
+            <a:endParaRPr lang="en-US" sz="3600" dirty="0"/>
           </a:p>
           <a:p>
             <a:pPr marL="857250" indent="-857250">
               <a:buFont typeface="Arial" panose="020B0604020202020204" pitchFamily="34" charset="0"/>
               <a:buChar char="•"/>
             </a:pPr>
-            <a:endParaRPr lang="en-US" sz="4400" dirty="0" smtClean="0"/>
+            <a:endParaRPr lang="en-US" sz="3600" dirty="0" smtClean="0"/>
           </a:p>
           <a:p>
             <a:pPr marL="857250" indent="-857250">
               <a:buFont typeface="Arial" panose="020B0604020202020204" pitchFamily="34" charset="0"/>
               <a:buChar char="•"/>
             </a:pPr>
-            <a:endParaRPr lang="en-US" sz="4400" dirty="0"/>
+            <a:endParaRPr lang="en-US" sz="3600" dirty="0"/>
           </a:p>
           <a:p>
             <a:pPr marL="857250" indent="-857250">
               <a:buFont typeface="Arial" panose="020B0604020202020204" pitchFamily="34" charset="0"/>
               <a:buChar char="•"/>
             </a:pPr>
-            <a:endParaRPr lang="en-US" sz="4400" dirty="0" smtClean="0"/>
+            <a:endParaRPr lang="en-US" sz="3600" dirty="0" smtClean="0"/>
           </a:p>
           <a:p>
             <a:pPr marL="857250" indent="-857250">
               <a:buFont typeface="Arial" panose="020B0604020202020204" pitchFamily="34" charset="0"/>
               <a:buChar char="•"/>
             </a:pPr>
-            <a:endParaRPr lang="en-US" sz="4400" dirty="0"/>
+            <a:endParaRPr lang="en-US" sz="3600" dirty="0" smtClean="0"/>
           </a:p>
           <a:p>
             <a:pPr marL="857250" indent="-857250">
               <a:buFont typeface="Arial" panose="020B0604020202020204" pitchFamily="34" charset="0"/>
               <a:buChar char="•"/>
             </a:pPr>
-            <a:r>
-              <a:rPr lang="en-US" sz="4400" dirty="0" smtClean="0"/>
-              <a:t>Default Linux Scheduler uses Multilevel Feedback Queue with time slices; no control of individual threads</a:t>
-            </a:r>
+            <a:endParaRPr lang="en-US" sz="3600" dirty="0"/>
+          </a:p>
+          <a:p>
+            <a:endParaRPr lang="en-US" sz="3600" dirty="0" smtClean="0"/>
+          </a:p>
+          <a:p>
+            <a:pPr algn="ctr"/>
+            <a:r>
+              <a:rPr lang="en-US" sz="4200" b="1" dirty="0" smtClean="0"/>
+              <a:t>Extend Fuzz Random Testing to Thread Scheduling</a:t>
+            </a:r>
+          </a:p>
+          <a:p>
+            <a:pPr algn="ctr"/>
+            <a:endParaRPr lang="en-US" sz="600" b="1" dirty="0" smtClean="0"/>
           </a:p>
           <a:p>
             <a:pPr marL="857250" indent="-857250">
@@ -3523,17 +3563,90 @@
               <a:buChar char="•"/>
             </a:pPr>
             <a:r>
-              <a:rPr lang="en-US" sz="4400" dirty="0" smtClean="0"/>
-              <a:t>Using real time threads, we can explicitly state thread priority and have some control over scheduling. </a:t>
-            </a:r>
-            <a:endParaRPr lang="en-US" sz="4400" dirty="0"/>
+              <a:rPr lang="en-US" sz="4000" dirty="0" smtClean="0"/>
+              <a:t>Fuzzing: applications should be able to handle any input, a crash or hang is a bug</a:t>
+            </a:r>
+          </a:p>
+          <a:p>
+            <a:endParaRPr lang="en-US" sz="800" dirty="0" smtClean="0"/>
           </a:p>
           <a:p>
             <a:pPr marL="857250" indent="-857250">
               <a:buFont typeface="Arial" panose="020B0604020202020204" pitchFamily="34" charset="0"/>
               <a:buChar char="•"/>
             </a:pPr>
-            <a:endParaRPr lang="en-US" sz="4400" dirty="0" smtClean="0"/>
+            <a:r>
+              <a:rPr lang="en-US" sz="4000" dirty="0" smtClean="0"/>
+              <a:t>Randomly schedule threads in a process: test for a crash or hang</a:t>
+            </a:r>
+            <a:endParaRPr lang="en-US" sz="3600" dirty="0"/>
+          </a:p>
+          <a:p>
+            <a:pPr algn="ctr"/>
+            <a:r>
+              <a:rPr lang="en-US" sz="4200" b="1" dirty="0" smtClean="0"/>
+              <a:t>Process and Thread Scheduling in Linux</a:t>
+            </a:r>
+          </a:p>
+          <a:p>
+            <a:pPr algn="ctr"/>
+            <a:endParaRPr lang="en-US" sz="600" b="1" dirty="0"/>
+          </a:p>
+          <a:p>
+            <a:pPr marL="857250" indent="-857250">
+              <a:buFont typeface="Arial" panose="020B0604020202020204" pitchFamily="34" charset="0"/>
+              <a:buChar char="•"/>
+            </a:pPr>
+            <a:r>
+              <a:rPr lang="en-US" sz="4000" dirty="0" smtClean="0"/>
+              <a:t>Default Linux </a:t>
+            </a:r>
+            <a:r>
+              <a:rPr lang="en-US" sz="4000" dirty="0" smtClean="0"/>
+              <a:t>Scheduler: Multi-Level </a:t>
+            </a:r>
+            <a:r>
+              <a:rPr lang="en-US" sz="4000" dirty="0" smtClean="0"/>
+              <a:t>Feedback Queue with time </a:t>
+            </a:r>
+            <a:r>
+              <a:rPr lang="en-US" sz="4000" dirty="0" smtClean="0"/>
+              <a:t>slices where scheduler has control over priority </a:t>
+            </a:r>
+          </a:p>
+          <a:p>
+            <a:endParaRPr lang="en-US" sz="800" dirty="0" smtClean="0"/>
+          </a:p>
+          <a:p>
+            <a:pPr marL="857250" indent="-857250">
+              <a:buFont typeface="Arial" panose="020B0604020202020204" pitchFamily="34" charset="0"/>
+              <a:buChar char="•"/>
+            </a:pPr>
+            <a:r>
+              <a:rPr lang="en-US" sz="4000" dirty="0" smtClean="0"/>
+              <a:t>Real-time scheduling for some control over scheduling</a:t>
+            </a:r>
+          </a:p>
+          <a:p>
+            <a:pPr marL="2424760" lvl="1" indent="-857250">
+              <a:buFont typeface="Arial" panose="020B0604020202020204" pitchFamily="34" charset="0"/>
+              <a:buChar char="•"/>
+            </a:pPr>
+            <a:r>
+              <a:rPr lang="en-US" sz="4000" dirty="0" smtClean="0"/>
+              <a:t>Round-robin or First-in-first-out</a:t>
+            </a:r>
+          </a:p>
+          <a:p>
+            <a:pPr marL="2424760" lvl="1" indent="-857250">
+              <a:buFont typeface="Arial" panose="020B0604020202020204" pitchFamily="34" charset="0"/>
+              <a:buChar char="•"/>
+            </a:pPr>
+            <a:r>
+              <a:rPr lang="en-US" sz="4000" dirty="0" smtClean="0"/>
+              <a:t>Able to assign priorities, threads of higher priority will always run until block or completion</a:t>
+            </a:r>
+            <a:endParaRPr lang="en-US" sz="4000" dirty="0" smtClean="0"/>
           </a:p>
           <a:p>
             <a:endParaRPr lang="en-US" sz="4400" dirty="0"/>
@@ -3548,8 +3661,8 @@
         </p:nvSpPr>
         <p:spPr>
           <a:xfrm>
-            <a:off x="15191506" y="10866953"/>
-            <a:ext cx="13335000" cy="5632311"/>
+            <a:off x="15201898" y="2924784"/>
+            <a:ext cx="13335000" cy="19451479"/>
           </a:xfrm>
           <a:prstGeom prst="rect">
             <a:avLst/>
@@ -3562,14 +3675,41 @@
           </a:bodyPr>
           <a:lstStyle/>
           <a:p>
+            <a:pPr algn="ctr"/>
+            <a:r>
+              <a:rPr lang="en-US" sz="4000" b="1" dirty="0" smtClean="0"/>
+              <a:t>Binary Instrumentation using </a:t>
+            </a:r>
+            <a:r>
+              <a:rPr lang="en-US" sz="4000" b="1" dirty="0" err="1" smtClean="0"/>
+              <a:t>Dyninst</a:t>
+            </a:r>
+            <a:endParaRPr lang="en-US" sz="4000" b="1" dirty="0" smtClean="0"/>
+          </a:p>
+          <a:p>
+            <a:pPr algn="ctr"/>
+            <a:endParaRPr lang="en-US" sz="600" dirty="0" smtClean="0"/>
+          </a:p>
+          <a:p>
             <a:pPr marL="857250" indent="-857250">
               <a:buFont typeface="Arial" panose="020B0604020202020204" pitchFamily="34" charset="0"/>
               <a:buChar char="•"/>
             </a:pPr>
             <a:r>
+              <a:rPr lang="en-US" sz="4000" dirty="0" smtClean="0"/>
+              <a:t>Able to </a:t>
+            </a:r>
+            <a:r>
               <a:rPr lang="en-US" sz="4000" dirty="0"/>
-              <a:t>Similar to Fuzz Random Testing</a:t>
-            </a:r>
+              <a:t>insert </a:t>
+            </a:r>
+            <a:r>
+              <a:rPr lang="en-US" sz="4000" dirty="0" smtClean="0"/>
+              <a:t>code and wrap functions to change scheduler algorithm and priority</a:t>
+            </a:r>
+          </a:p>
+          <a:p>
+            <a:endParaRPr lang="en-US" sz="800" dirty="0" smtClean="0"/>
           </a:p>
           <a:p>
             <a:pPr marL="857250" indent="-857250">
@@ -3577,9 +3717,299 @@
               <a:buChar char="•"/>
             </a:pPr>
             <a:r>
+              <a:rPr lang="en-US" sz="4000" dirty="0" smtClean="0"/>
+              <a:t>Randomly change priority at thread creation and synchronization points </a:t>
+            </a:r>
+          </a:p>
+          <a:p>
+            <a:endParaRPr lang="en-US" sz="800" dirty="0" smtClean="0"/>
+          </a:p>
+          <a:p>
+            <a:pPr marL="857250" indent="-857250">
+              <a:buFont typeface="Arial" panose="020B0604020202020204" pitchFamily="34" charset="0"/>
+              <a:buChar char="•"/>
+            </a:pPr>
+            <a:r>
+              <a:rPr lang="en-US" sz="4000" dirty="0" smtClean="0"/>
+              <a:t>Log function entry and exit </a:t>
+            </a:r>
+            <a:r>
+              <a:rPr lang="en-US" sz="4000" dirty="0" smtClean="0"/>
+              <a:t>to </a:t>
+            </a:r>
+            <a:r>
+              <a:rPr lang="en-US" sz="4000" dirty="0" smtClean="0"/>
+              <a:t>provide an idea of where bugs occur when they </a:t>
+            </a:r>
+            <a:r>
+              <a:rPr lang="en-US" sz="4000" dirty="0" smtClean="0"/>
+              <a:t>occur</a:t>
+            </a:r>
+          </a:p>
+          <a:p>
+            <a:pPr marL="857250" indent="-857250">
+              <a:buFont typeface="Arial" panose="020B0604020202020204" pitchFamily="34" charset="0"/>
+              <a:buChar char="•"/>
+            </a:pPr>
+            <a:endParaRPr lang="en-US" sz="4000" dirty="0"/>
+          </a:p>
+          <a:p>
+            <a:pPr marL="857250" indent="-857250">
+              <a:buFont typeface="Arial" panose="020B0604020202020204" pitchFamily="34" charset="0"/>
+              <a:buChar char="•"/>
+            </a:pPr>
+            <a:endParaRPr lang="en-US" sz="4000" dirty="0" smtClean="0"/>
+          </a:p>
+          <a:p>
+            <a:pPr marL="857250" indent="-857250">
+              <a:buFont typeface="Arial" panose="020B0604020202020204" pitchFamily="34" charset="0"/>
+              <a:buChar char="•"/>
+            </a:pPr>
+            <a:endParaRPr lang="en-US" sz="4000" dirty="0"/>
+          </a:p>
+          <a:p>
+            <a:pPr marL="857250" indent="-857250">
+              <a:buFont typeface="Arial" panose="020B0604020202020204" pitchFamily="34" charset="0"/>
+              <a:buChar char="•"/>
+            </a:pPr>
+            <a:endParaRPr lang="en-US" sz="4000" dirty="0" smtClean="0"/>
+          </a:p>
+          <a:p>
+            <a:pPr marL="857250" indent="-857250">
+              <a:buFont typeface="Arial" panose="020B0604020202020204" pitchFamily="34" charset="0"/>
+              <a:buChar char="•"/>
+            </a:pPr>
+            <a:endParaRPr lang="en-US" sz="4000" dirty="0"/>
+          </a:p>
+          <a:p>
+            <a:pPr marL="857250" indent="-857250">
+              <a:buFont typeface="Arial" panose="020B0604020202020204" pitchFamily="34" charset="0"/>
+              <a:buChar char="•"/>
+            </a:pPr>
+            <a:endParaRPr lang="en-US" sz="4000" dirty="0" smtClean="0"/>
+          </a:p>
+          <a:p>
+            <a:pPr marL="857250" indent="-857250">
+              <a:buFont typeface="Arial" panose="020B0604020202020204" pitchFamily="34" charset="0"/>
+              <a:buChar char="•"/>
+            </a:pPr>
+            <a:endParaRPr lang="en-US" sz="4000" dirty="0"/>
+          </a:p>
+          <a:p>
+            <a:pPr marL="857250" indent="-857250">
+              <a:buFont typeface="Arial" panose="020B0604020202020204" pitchFamily="34" charset="0"/>
+              <a:buChar char="•"/>
+            </a:pPr>
+            <a:endParaRPr lang="en-US" sz="4000" dirty="0" smtClean="0"/>
+          </a:p>
+          <a:p>
+            <a:pPr marL="857250" indent="-857250">
+              <a:buFont typeface="Arial" panose="020B0604020202020204" pitchFamily="34" charset="0"/>
+              <a:buChar char="•"/>
+            </a:pPr>
+            <a:endParaRPr lang="en-US" sz="4000" dirty="0"/>
+          </a:p>
+          <a:p>
+            <a:pPr marL="857250" indent="-857250">
+              <a:buFont typeface="Arial" panose="020B0604020202020204" pitchFamily="34" charset="0"/>
+              <a:buChar char="•"/>
+            </a:pPr>
+            <a:endParaRPr lang="en-US" sz="4000" dirty="0" smtClean="0"/>
+          </a:p>
+          <a:p>
+            <a:pPr marL="857250" indent="-857250">
+              <a:buFont typeface="Arial" panose="020B0604020202020204" pitchFamily="34" charset="0"/>
+              <a:buChar char="•"/>
+            </a:pPr>
+            <a:endParaRPr lang="en-US" sz="4000" dirty="0"/>
+          </a:p>
+          <a:p>
+            <a:pPr algn="ctr"/>
+            <a:r>
+              <a:rPr lang="en-US" sz="4000" b="1" dirty="0" smtClean="0"/>
+              <a:t>Testing Multithreaded Programs</a:t>
+            </a:r>
+          </a:p>
+          <a:p>
+            <a:pPr algn="ctr"/>
+            <a:endParaRPr lang="en-US" sz="600" b="1" dirty="0" smtClean="0"/>
+          </a:p>
+          <a:p>
+            <a:pPr marL="571500" indent="-571500">
+              <a:buFont typeface="Arial" panose="020B0604020202020204" pitchFamily="34" charset="0"/>
+              <a:buChar char="•"/>
+            </a:pPr>
+            <a:r>
+              <a:rPr lang="en-US" sz="4000" dirty="0" smtClean="0"/>
+              <a:t>pbzip2 (</a:t>
+            </a:r>
+            <a:r>
+              <a:rPr lang="en-US" sz="4000" i="1" dirty="0" smtClean="0"/>
+              <a:t>compression</a:t>
+            </a:r>
+            <a:r>
+              <a:rPr lang="en-US" sz="4000" dirty="0" smtClean="0"/>
+              <a:t>), axel (</a:t>
+            </a:r>
+            <a:r>
+              <a:rPr lang="en-US" sz="4000" i="1" dirty="0" smtClean="0"/>
+              <a:t>file download</a:t>
+            </a:r>
+            <a:r>
+              <a:rPr lang="en-US" sz="4000" dirty="0" smtClean="0"/>
+              <a:t>),</a:t>
+            </a:r>
+          </a:p>
+          <a:p>
+            <a:r>
               <a:rPr lang="en-US" sz="4000" dirty="0"/>
-              <a:t>Fuzzing: Testing the reliability of Applications by passing randomly generated command line input</a:t>
-            </a:r>
+              <a:t> </a:t>
+            </a:r>
+            <a:r>
+              <a:rPr lang="en-US" sz="4000" dirty="0" smtClean="0"/>
+              <a:t>    </a:t>
+            </a:r>
+            <a:r>
+              <a:rPr lang="en-US" sz="4000" dirty="0" err="1" smtClean="0"/>
+              <a:t>FFMpeg</a:t>
+            </a:r>
+            <a:r>
+              <a:rPr lang="en-US" sz="4000" dirty="0" smtClean="0"/>
+              <a:t> (</a:t>
+            </a:r>
+            <a:r>
+              <a:rPr lang="en-US" sz="4000" i="1" dirty="0" smtClean="0"/>
+              <a:t>video compression</a:t>
+            </a:r>
+            <a:r>
+              <a:rPr lang="en-US" sz="4000" dirty="0" smtClean="0"/>
+              <a:t>), Apache (</a:t>
+            </a:r>
+            <a:r>
+              <a:rPr lang="en-US" sz="4000" i="1" dirty="0" smtClean="0"/>
+              <a:t>web server</a:t>
+            </a:r>
+            <a:r>
+              <a:rPr lang="en-US" sz="4000" dirty="0" smtClean="0"/>
+              <a:t>)</a:t>
+            </a:r>
+          </a:p>
+          <a:p>
+            <a:endParaRPr lang="en-US" sz="600" dirty="0" smtClean="0"/>
+          </a:p>
+          <a:p>
+            <a:pPr marL="571500" indent="-571500">
+              <a:buFont typeface="Arial" panose="020B0604020202020204" pitchFamily="34" charset="0"/>
+              <a:buChar char="•"/>
+            </a:pPr>
+            <a:r>
+              <a:rPr lang="en-US" sz="4000" dirty="0" smtClean="0"/>
+              <a:t>Tested applications with typical use case and with </a:t>
+            </a:r>
+            <a:r>
+              <a:rPr lang="en-US" sz="4000" dirty="0" err="1" smtClean="0"/>
+              <a:t>Pthreads</a:t>
+            </a:r>
+            <a:endParaRPr lang="en-US" sz="4000" dirty="0" smtClean="0"/>
+          </a:p>
+          <a:p>
+            <a:endParaRPr lang="en-US" sz="800" dirty="0" smtClean="0"/>
+          </a:p>
+          <a:p>
+            <a:pPr marL="571500" indent="-571500">
+              <a:buFont typeface="Arial" panose="020B0604020202020204" pitchFamily="34" charset="0"/>
+              <a:buChar char="•"/>
+            </a:pPr>
+            <a:r>
+              <a:rPr lang="en-US" sz="4000" dirty="0" smtClean="0"/>
+              <a:t>Ran applications multiple times with new random seeds</a:t>
+            </a:r>
+          </a:p>
+          <a:p>
+            <a:endParaRPr lang="en-US" sz="800" dirty="0" smtClean="0"/>
+          </a:p>
+          <a:p>
+            <a:pPr marL="571500" indent="-571500">
+              <a:buFont typeface="Arial" panose="020B0604020202020204" pitchFamily="34" charset="0"/>
+              <a:buChar char="•"/>
+            </a:pPr>
+            <a:r>
+              <a:rPr lang="en-US" sz="4000" dirty="0" smtClean="0"/>
+              <a:t>Control and test case: both are instrumented using </a:t>
+            </a:r>
+            <a:r>
+              <a:rPr lang="en-US" sz="4000" dirty="0" err="1" smtClean="0"/>
+              <a:t>ScheduleInst</a:t>
+            </a:r>
+            <a:r>
+              <a:rPr lang="en-US" sz="4000" dirty="0" smtClean="0"/>
+              <a:t> but control case uses normal scheduler</a:t>
+            </a:r>
+          </a:p>
+          <a:p>
+            <a:endParaRPr lang="en-US" sz="800" dirty="0" smtClean="0"/>
+          </a:p>
+          <a:p>
+            <a:pPr marL="571500" indent="-571500">
+              <a:buFont typeface="Arial" panose="020B0604020202020204" pitchFamily="34" charset="0"/>
+              <a:buChar char="•"/>
+            </a:pPr>
+            <a:r>
+              <a:rPr lang="en-US" sz="4000" dirty="0"/>
+              <a:t>Test to see if real time threads increase rate at which bugs are found</a:t>
+            </a:r>
+          </a:p>
+          <a:p>
+            <a:pPr marL="571500" indent="-571500">
+              <a:buFont typeface="Arial" panose="020B0604020202020204" pitchFamily="34" charset="0"/>
+              <a:buChar char="•"/>
+            </a:pPr>
+            <a:endParaRPr lang="en-US" sz="4000" dirty="0" smtClean="0"/>
+          </a:p>
+          <a:p>
+            <a:pPr marL="571500" indent="-571500">
+              <a:buFont typeface="Arial" panose="020B0604020202020204" pitchFamily="34" charset="0"/>
+              <a:buChar char="•"/>
+            </a:pPr>
+            <a:endParaRPr lang="en-US" sz="4000" dirty="0" smtClean="0"/>
+          </a:p>
+          <a:p>
+            <a:pPr algn="ctr"/>
+            <a:endParaRPr lang="en-US" sz="4000" dirty="0"/>
+          </a:p>
+        </p:txBody>
+      </p:sp>
+      <p:sp>
+        <p:nvSpPr>
+          <p:cNvPr id="20" name="TextBox 19"/>
+          <p:cNvSpPr txBox="1"/>
+          <p:nvPr/>
+        </p:nvSpPr>
+        <p:spPr>
+          <a:xfrm>
+            <a:off x="29818444" y="2818373"/>
+            <a:ext cx="13594774" cy="17327820"/>
+          </a:xfrm>
+          <a:prstGeom prst="rect">
+            <a:avLst/>
+          </a:prstGeom>
+          <a:noFill/>
+        </p:spPr>
+        <p:txBody>
+          <a:bodyPr wrap="square" rtlCol="0">
+            <a:spAutoFit/>
+          </a:bodyPr>
+          <a:lstStyle/>
+          <a:p>
+            <a:pPr algn="ctr"/>
+            <a:r>
+              <a:rPr lang="en-US" sz="4200" b="1" dirty="0" smtClean="0"/>
+              <a:t>Found Bugs in Applications Tested</a:t>
+            </a:r>
+          </a:p>
+          <a:p>
+            <a:pPr algn="ctr"/>
+            <a:endParaRPr lang="en-US" sz="600" b="1" dirty="0" smtClean="0"/>
           </a:p>
           <a:p>
             <a:pPr marL="857250" indent="-857250">
@@ -3587,21 +4017,28 @@
               <a:buChar char="•"/>
             </a:pPr>
             <a:r>
-              <a:rPr lang="en-US" sz="4000" dirty="0"/>
-              <a:t>Uses </a:t>
-            </a:r>
-            <a:r>
-              <a:rPr lang="en-US" sz="4000" dirty="0" err="1"/>
-              <a:t>Dyninst</a:t>
-            </a:r>
-            <a:r>
-              <a:rPr lang="en-US" sz="4000" dirty="0"/>
-              <a:t>, a Dynamic Instrumentation API, to insert code and use real time </a:t>
-            </a:r>
-            <a:r>
               <a:rPr lang="en-US" sz="4000" dirty="0" smtClean="0"/>
-              <a:t>threads</a:t>
-            </a:r>
+              <a:t>Results show </a:t>
+            </a:r>
+            <a:r>
+              <a:rPr lang="en-US" sz="4000" dirty="0" err="1" smtClean="0"/>
+              <a:t>ScheduleInst</a:t>
+            </a:r>
+            <a:r>
+              <a:rPr lang="en-US" sz="4000" dirty="0" smtClean="0"/>
+              <a:t> finds bugs at a useful rate, it </a:t>
+            </a:r>
+            <a:r>
+              <a:rPr lang="en-US" sz="4000" dirty="0" smtClean="0"/>
+              <a:t>found bugs in </a:t>
+            </a:r>
+            <a:r>
+              <a:rPr lang="en-US" sz="4000" dirty="0" smtClean="0"/>
+              <a:t>all of the applications we tested</a:t>
+            </a:r>
+          </a:p>
+          <a:p>
+            <a:endParaRPr lang="en-US" sz="600" dirty="0" smtClean="0"/>
           </a:p>
           <a:p>
             <a:pPr marL="857250" indent="-857250">
@@ -3610,8 +4047,11 @@
             </a:pPr>
             <a:r>
               <a:rPr lang="en-US" sz="4000" dirty="0" smtClean="0"/>
-              <a:t>Change threads to real time, instrument synchronization points to randomly alter thread priority</a:t>
-            </a:r>
+              <a:t>All bugs found were deadlocks</a:t>
+            </a:r>
+          </a:p>
+          <a:p>
+            <a:endParaRPr lang="en-US" sz="600" dirty="0"/>
           </a:p>
           <a:p>
             <a:pPr marL="857250" indent="-857250">
@@ -3620,22 +4060,183 @@
             </a:pPr>
             <a:r>
               <a:rPr lang="en-US" sz="4000" dirty="0" smtClean="0"/>
-              <a:t>Add logging to provide an idea of where bugs occur when they occur</a:t>
-            </a:r>
+              <a:t>No bugs were found in the control tests</a:t>
+            </a:r>
+          </a:p>
+          <a:p>
+            <a:pPr marL="857250" indent="-857250">
+              <a:buFont typeface="Arial" panose="020B0604020202020204" pitchFamily="34" charset="0"/>
+              <a:buChar char="•"/>
+            </a:pPr>
             <a:endParaRPr lang="en-US" sz="4000" dirty="0"/>
           </a:p>
-        </p:txBody>
-      </p:sp>
-      <p:sp>
-        <p:nvSpPr>
-          <p:cNvPr id="19" name="Rounded Rectangle 18"/>
+          <a:p>
+            <a:pPr marL="857250" indent="-857250">
+              <a:buFont typeface="Arial" panose="020B0604020202020204" pitchFamily="34" charset="0"/>
+              <a:buChar char="•"/>
+            </a:pPr>
+            <a:endParaRPr lang="en-US" sz="4000" dirty="0" smtClean="0"/>
+          </a:p>
+          <a:p>
+            <a:pPr marL="857250" indent="-857250">
+              <a:buFont typeface="Arial" panose="020B0604020202020204" pitchFamily="34" charset="0"/>
+              <a:buChar char="•"/>
+            </a:pPr>
+            <a:endParaRPr lang="en-US" sz="4000" dirty="0"/>
+          </a:p>
+          <a:p>
+            <a:pPr marL="857250" indent="-857250">
+              <a:buFont typeface="Arial" panose="020B0604020202020204" pitchFamily="34" charset="0"/>
+              <a:buChar char="•"/>
+            </a:pPr>
+            <a:endParaRPr lang="en-US" sz="4000" dirty="0" smtClean="0"/>
+          </a:p>
+          <a:p>
+            <a:pPr marL="857250" indent="-857250">
+              <a:buFont typeface="Arial" panose="020B0604020202020204" pitchFamily="34" charset="0"/>
+              <a:buChar char="•"/>
+            </a:pPr>
+            <a:endParaRPr lang="en-US" sz="4000" dirty="0"/>
+          </a:p>
+          <a:p>
+            <a:pPr marL="857250" indent="-857250">
+              <a:buFont typeface="Arial" panose="020B0604020202020204" pitchFamily="34" charset="0"/>
+              <a:buChar char="•"/>
+            </a:pPr>
+            <a:endParaRPr lang="en-US" sz="4000" dirty="0" smtClean="0"/>
+          </a:p>
+          <a:p>
+            <a:pPr marL="857250" indent="-857250">
+              <a:buFont typeface="Arial" panose="020B0604020202020204" pitchFamily="34" charset="0"/>
+              <a:buChar char="•"/>
+            </a:pPr>
+            <a:endParaRPr lang="en-US" sz="4000" dirty="0"/>
+          </a:p>
+          <a:p>
+            <a:pPr marL="857250" indent="-857250">
+              <a:buFont typeface="Arial" panose="020B0604020202020204" pitchFamily="34" charset="0"/>
+              <a:buChar char="•"/>
+            </a:pPr>
+            <a:endParaRPr lang="en-US" sz="4000" dirty="0" smtClean="0"/>
+          </a:p>
+          <a:p>
+            <a:pPr marL="857250" indent="-857250">
+              <a:buFont typeface="Arial" panose="020B0604020202020204" pitchFamily="34" charset="0"/>
+              <a:buChar char="•"/>
+            </a:pPr>
+            <a:endParaRPr lang="en-US" sz="4000" dirty="0"/>
+          </a:p>
+          <a:p>
+            <a:pPr marL="857250" indent="-857250">
+              <a:buFont typeface="Arial" panose="020B0604020202020204" pitchFamily="34" charset="0"/>
+              <a:buChar char="•"/>
+            </a:pPr>
+            <a:endParaRPr lang="en-US" sz="4000" dirty="0" smtClean="0"/>
+          </a:p>
+          <a:p>
+            <a:pPr marL="857250" indent="-857250">
+              <a:buFont typeface="Arial" panose="020B0604020202020204" pitchFamily="34" charset="0"/>
+              <a:buChar char="•"/>
+            </a:pPr>
+            <a:endParaRPr lang="en-US" sz="4000" dirty="0"/>
+          </a:p>
+          <a:p>
+            <a:pPr algn="ctr"/>
+            <a:r>
+              <a:rPr lang="en-US" sz="4200" b="1" dirty="0" smtClean="0"/>
+              <a:t>Apache Bugs</a:t>
+            </a:r>
+          </a:p>
+          <a:p>
+            <a:pPr algn="ctr"/>
+            <a:endParaRPr lang="en-US" sz="600" dirty="0"/>
+          </a:p>
+          <a:p>
+            <a:pPr marL="857250" indent="-857250">
+              <a:buFont typeface="Arial" panose="020B0604020202020204" pitchFamily="34" charset="0"/>
+              <a:buChar char="•"/>
+            </a:pPr>
+            <a:r>
+              <a:rPr lang="en-US" sz="4000" dirty="0" smtClean="0"/>
+              <a:t>Surprisingly, we were able to get Apache to deadlock consistently under randomly scheduled threads</a:t>
+            </a:r>
+          </a:p>
+          <a:p>
+            <a:endParaRPr lang="en-US" sz="600" dirty="0" smtClean="0"/>
+          </a:p>
+          <a:p>
+            <a:pPr marL="857250" indent="-857250">
+              <a:buFont typeface="Arial" panose="020B0604020202020204" pitchFamily="34" charset="0"/>
+              <a:buChar char="•"/>
+            </a:pPr>
+            <a:r>
+              <a:rPr lang="en-US" sz="4000" dirty="0" smtClean="0"/>
+              <a:t>One thread would consume CPU of the server, shortly after the server stopped logging functions and was not responsive</a:t>
+            </a:r>
+          </a:p>
+          <a:p>
+            <a:endParaRPr lang="en-US" sz="600" dirty="0" smtClean="0"/>
+          </a:p>
+          <a:p>
+            <a:pPr marL="857250" indent="-857250">
+              <a:buFont typeface="Arial" panose="020B0604020202020204" pitchFamily="34" charset="0"/>
+              <a:buChar char="•"/>
+            </a:pPr>
+            <a:r>
+              <a:rPr lang="en-US" sz="4000" dirty="0" smtClean="0"/>
+              <a:t>Apache with </a:t>
+            </a:r>
+            <a:r>
+              <a:rPr lang="en-US" sz="4000" dirty="0" err="1" smtClean="0"/>
+              <a:t>ScheduleInst</a:t>
+            </a:r>
+            <a:r>
+              <a:rPr lang="en-US" sz="4000" dirty="0" smtClean="0"/>
+              <a:t> Only Logging functioned normally at decreased performance</a:t>
+            </a:r>
+          </a:p>
+          <a:p>
+            <a:endParaRPr lang="en-US" sz="600" dirty="0" smtClean="0"/>
+          </a:p>
+          <a:p>
+            <a:pPr marL="857250" indent="-857250">
+              <a:buFont typeface="Arial" panose="020B0604020202020204" pitchFamily="34" charset="0"/>
+              <a:buChar char="•"/>
+            </a:pPr>
+            <a:r>
+              <a:rPr lang="en-US" sz="4000" dirty="0" smtClean="0"/>
+              <a:t>Bugs were near code to accep</a:t>
+            </a:r>
+            <a:r>
+              <a:rPr lang="en-US" sz="4000" dirty="0" smtClean="0"/>
+              <a:t>t new connections, main network filtering code, process management of threads</a:t>
+            </a:r>
+          </a:p>
+          <a:p>
+            <a:endParaRPr lang="en-US" sz="600" dirty="0"/>
+          </a:p>
+          <a:p>
+            <a:pPr marL="857250" indent="-857250">
+              <a:buFont typeface="Arial" panose="020B0604020202020204" pitchFamily="34" charset="0"/>
+              <a:buChar char="•"/>
+            </a:pPr>
+            <a:r>
+              <a:rPr lang="en-US" sz="4000" dirty="0" smtClean="0"/>
+              <a:t>Found bug reports that were likely bugs we found</a:t>
+            </a:r>
+          </a:p>
+        </p:txBody>
+      </p:sp>
+      <p:sp>
+        <p:nvSpPr>
+          <p:cNvPr id="24" name="Rounded Rectangle 23"/>
           <p:cNvSpPr/>
           <p:nvPr/>
         </p:nvSpPr>
         <p:spPr>
           <a:xfrm>
-            <a:off x="14789723" y="3068782"/>
-            <a:ext cx="14193985" cy="7451581"/>
+            <a:off x="30842396" y="6752397"/>
+            <a:ext cx="12069319" cy="5398294"/>
           </a:xfrm>
           <a:prstGeom prst="roundRect">
             <a:avLst/>
@@ -3672,244 +4273,6 @@
           </a:p>
         </p:txBody>
       </p:sp>
-      <p:sp>
-        <p:nvSpPr>
-          <p:cNvPr id="20" name="TextBox 19"/>
-          <p:cNvSpPr txBox="1"/>
-          <p:nvPr/>
-        </p:nvSpPr>
-        <p:spPr>
-          <a:xfrm>
-            <a:off x="29818444" y="3608457"/>
-            <a:ext cx="13594774" cy="12403395"/>
-          </a:xfrm>
-          <a:prstGeom prst="rect">
-            <a:avLst/>
-          </a:prstGeom>
-          <a:noFill/>
-        </p:spPr>
-        <p:txBody>
-          <a:bodyPr wrap="square" rtlCol="0">
-            <a:spAutoFit/>
-          </a:bodyPr>
-          <a:lstStyle/>
-          <a:p>
-            <a:pPr marL="857250" indent="-857250">
-              <a:buFont typeface="Arial" panose="020B0604020202020204" pitchFamily="34" charset="0"/>
-              <a:buChar char="•"/>
-            </a:pPr>
-            <a:endParaRPr lang="en-US" sz="4000" dirty="0" smtClean="0"/>
-          </a:p>
-          <a:p>
-            <a:pPr marL="857250" indent="-857250">
-              <a:buFont typeface="Arial" panose="020B0604020202020204" pitchFamily="34" charset="0"/>
-              <a:buChar char="•"/>
-            </a:pPr>
-            <a:r>
-              <a:rPr lang="en-US" sz="4000" dirty="0" smtClean="0"/>
-              <a:t>Bugs found by running many tests with new random seeds.  </a:t>
-            </a:r>
-          </a:p>
-          <a:p>
-            <a:pPr marL="857250" indent="-857250">
-              <a:buFont typeface="Arial" panose="020B0604020202020204" pitchFamily="34" charset="0"/>
-              <a:buChar char="•"/>
-            </a:pPr>
-            <a:r>
-              <a:rPr lang="en-US" sz="4000" dirty="0" smtClean="0"/>
-              <a:t>Test to see if real time threads increase the rate at which bugs are found</a:t>
-            </a:r>
-            <a:endParaRPr lang="en-US" sz="4000" dirty="0"/>
-          </a:p>
-          <a:p>
-            <a:pPr marL="857250" indent="-857250">
-              <a:buFont typeface="Arial" panose="020B0604020202020204" pitchFamily="34" charset="0"/>
-              <a:buChar char="•"/>
-            </a:pPr>
-            <a:r>
-              <a:rPr lang="en-US" sz="4000" dirty="0" err="1" smtClean="0"/>
-              <a:t>ScheduleInst</a:t>
-            </a:r>
-            <a:r>
-              <a:rPr lang="en-US" sz="4000" dirty="0" smtClean="0"/>
-              <a:t> found bugs in Apache, pbzip2, </a:t>
-            </a:r>
-            <a:r>
-              <a:rPr lang="en-US" sz="4000" dirty="0" err="1" smtClean="0"/>
-              <a:t>FFmpeg</a:t>
-            </a:r>
-            <a:r>
-              <a:rPr lang="en-US" sz="4000" dirty="0" smtClean="0"/>
-              <a:t>, axel</a:t>
-            </a:r>
-          </a:p>
-          <a:p>
-            <a:pPr marL="857250" indent="-857250">
-              <a:buFont typeface="Arial" panose="020B0604020202020204" pitchFamily="34" charset="0"/>
-              <a:buChar char="•"/>
-            </a:pPr>
-            <a:endParaRPr lang="en-US" sz="4000" dirty="0"/>
-          </a:p>
-          <a:p>
-            <a:pPr marL="857250" indent="-857250">
-              <a:buFont typeface="Arial" panose="020B0604020202020204" pitchFamily="34" charset="0"/>
-              <a:buChar char="•"/>
-            </a:pPr>
-            <a:endParaRPr lang="en-US" sz="4000" dirty="0" smtClean="0"/>
-          </a:p>
-          <a:p>
-            <a:pPr marL="857250" indent="-857250">
-              <a:buFont typeface="Arial" panose="020B0604020202020204" pitchFamily="34" charset="0"/>
-              <a:buChar char="•"/>
-            </a:pPr>
-            <a:endParaRPr lang="en-US" sz="4000" dirty="0"/>
-          </a:p>
-          <a:p>
-            <a:pPr marL="857250" indent="-857250">
-              <a:buFont typeface="Arial" panose="020B0604020202020204" pitchFamily="34" charset="0"/>
-              <a:buChar char="•"/>
-            </a:pPr>
-            <a:endParaRPr lang="en-US" sz="4000" dirty="0" smtClean="0"/>
-          </a:p>
-          <a:p>
-            <a:pPr marL="857250" indent="-857250">
-              <a:buFont typeface="Arial" panose="020B0604020202020204" pitchFamily="34" charset="0"/>
-              <a:buChar char="•"/>
-            </a:pPr>
-            <a:endParaRPr lang="en-US" sz="4000" dirty="0"/>
-          </a:p>
-          <a:p>
-            <a:pPr marL="857250" indent="-857250">
-              <a:buFont typeface="Arial" panose="020B0604020202020204" pitchFamily="34" charset="0"/>
-              <a:buChar char="•"/>
-            </a:pPr>
-            <a:endParaRPr lang="en-US" sz="4000" dirty="0" smtClean="0"/>
-          </a:p>
-          <a:p>
-            <a:pPr marL="857250" indent="-857250">
-              <a:buFont typeface="Arial" panose="020B0604020202020204" pitchFamily="34" charset="0"/>
-              <a:buChar char="•"/>
-            </a:pPr>
-            <a:endParaRPr lang="en-US" sz="4000" dirty="0"/>
-          </a:p>
-          <a:p>
-            <a:pPr marL="857250" indent="-857250">
-              <a:buFont typeface="Arial" panose="020B0604020202020204" pitchFamily="34" charset="0"/>
-              <a:buChar char="•"/>
-            </a:pPr>
-            <a:endParaRPr lang="en-US" sz="4000" dirty="0" smtClean="0"/>
-          </a:p>
-          <a:p>
-            <a:pPr marL="857250" indent="-857250">
-              <a:buFont typeface="Arial" panose="020B0604020202020204" pitchFamily="34" charset="0"/>
-              <a:buChar char="•"/>
-            </a:pPr>
-            <a:endParaRPr lang="en-US" sz="4000" dirty="0"/>
-          </a:p>
-          <a:p>
-            <a:pPr marL="857250" indent="-857250">
-              <a:buFont typeface="Arial" panose="020B0604020202020204" pitchFamily="34" charset="0"/>
-              <a:buChar char="•"/>
-            </a:pPr>
-            <a:endParaRPr lang="en-US" sz="4000" dirty="0" smtClean="0"/>
-          </a:p>
-          <a:p>
-            <a:pPr marL="857250" indent="-857250">
-              <a:buFont typeface="Arial" panose="020B0604020202020204" pitchFamily="34" charset="0"/>
-              <a:buChar char="•"/>
-            </a:pPr>
-            <a:endParaRPr lang="en-US" sz="4000" dirty="0"/>
-          </a:p>
-          <a:p>
-            <a:pPr marL="857250" indent="-857250">
-              <a:buFont typeface="Arial" panose="020B0604020202020204" pitchFamily="34" charset="0"/>
-              <a:buChar char="•"/>
-            </a:pPr>
-            <a:endParaRPr lang="en-US" sz="4000" dirty="0" smtClean="0"/>
-          </a:p>
-          <a:p>
-            <a:pPr marL="857250" indent="-857250">
-              <a:buFont typeface="Arial" panose="020B0604020202020204" pitchFamily="34" charset="0"/>
-              <a:buChar char="•"/>
-            </a:pPr>
-            <a:endParaRPr lang="en-US" sz="4000" dirty="0"/>
-          </a:p>
-          <a:p>
-            <a:pPr marL="857250" indent="-857250">
-              <a:buFont typeface="Arial" panose="020B0604020202020204" pitchFamily="34" charset="0"/>
-              <a:buChar char="•"/>
-            </a:pPr>
-            <a:r>
-              <a:rPr lang="en-US" sz="4000" dirty="0" smtClean="0"/>
-              <a:t>No bugs found in control runs.  </a:t>
-            </a:r>
-          </a:p>
-          <a:p>
-            <a:pPr marL="857250" indent="-857250">
-              <a:buFont typeface="Arial" panose="020B0604020202020204" pitchFamily="34" charset="0"/>
-              <a:buChar char="•"/>
-            </a:pPr>
-            <a:r>
-              <a:rPr lang="en-US" sz="4000" dirty="0" smtClean="0"/>
-              <a:t>Results show </a:t>
-            </a:r>
-            <a:r>
-              <a:rPr lang="en-US" sz="4000" dirty="0" err="1" smtClean="0"/>
-              <a:t>ScheduleInst</a:t>
-            </a:r>
-            <a:r>
-              <a:rPr lang="en-US" sz="4000" dirty="0" smtClean="0"/>
-              <a:t> finds deadlocks at useful rate</a:t>
-            </a:r>
-          </a:p>
-        </p:txBody>
-      </p:sp>
-      <p:sp>
-        <p:nvSpPr>
-          <p:cNvPr id="24" name="Rounded Rectangle 23"/>
-          <p:cNvSpPr/>
-          <p:nvPr/>
-        </p:nvSpPr>
-        <p:spPr>
-          <a:xfrm>
-            <a:off x="29669506" y="6961527"/>
-            <a:ext cx="14193985" cy="7451581"/>
-          </a:xfrm>
-          <a:prstGeom prst="roundRect">
-            <a:avLst/>
-          </a:prstGeom>
-          <a:solidFill>
-            <a:schemeClr val="tx2">
-              <a:lumMod val="40000"/>
-              <a:lumOff val="60000"/>
-            </a:schemeClr>
-          </a:solidFill>
-        </p:spPr>
-        <p:style>
-          <a:lnRef idx="2">
-            <a:schemeClr val="accent1">
-              <a:shade val="50000"/>
-            </a:schemeClr>
-          </a:lnRef>
-          <a:fillRef idx="1">
-            <a:schemeClr val="accent1"/>
-          </a:fillRef>
-          <a:effectRef idx="0">
-            <a:schemeClr val="accent1"/>
-          </a:effectRef>
-          <a:fontRef idx="minor">
-            <a:schemeClr val="lt1"/>
-          </a:fontRef>
-        </p:style>
-        <p:txBody>
-          <a:bodyPr rtlCol="0" anchor="ctr"/>
-          <a:lstStyle/>
-          <a:p>
-            <a:pPr algn="ctr"/>
-            <a:endParaRPr lang="en-US"/>
-          </a:p>
-        </p:txBody>
-      </p:sp>
       <p:pic>
         <p:nvPicPr>
           <p:cNvPr id="22" name="Picture 21"/>
@@ -3918,7 +4281,7 @@
           </p:cNvPicPr>
           <p:nvPr/>
         </p:nvPicPr>
-        <p:blipFill>
+        <p:blipFill rotWithShape="1">
           <a:blip r:embed="rId2">
             <a:extLst>
               <a:ext uri="{28A0092B-C50C-407E-A947-70E740481C1C}">
@@ -3926,51 +4289,19 @@
               </a:ext>
             </a:extLst>
           </a:blip>
-          <a:stretch>
-            <a:fillRect/>
-          </a:stretch>
+          <a:srcRect l="12989" t="46678" r="12286" b="17604"/>
+          <a:stretch/>
         </p:blipFill>
         <p:spPr>
           <a:xfrm>
-            <a:off x="31361933" y="7036262"/>
-            <a:ext cx="10809129" cy="8106847"/>
+            <a:off x="30842396" y="7161335"/>
+            <a:ext cx="12069319" cy="4326737"/>
           </a:xfrm>
           <a:prstGeom prst="rect">
             <a:avLst/>
           </a:prstGeom>
         </p:spPr>
       </p:pic>
-      <p:sp>
-        <p:nvSpPr>
-          <p:cNvPr id="25" name="TextBox 24"/>
-          <p:cNvSpPr txBox="1"/>
-          <p:nvPr/>
-        </p:nvSpPr>
-        <p:spPr>
-          <a:xfrm>
-            <a:off x="15586359" y="18821400"/>
-            <a:ext cx="12545294" cy="1046440"/>
-          </a:xfrm>
-          <a:prstGeom prst="rect">
-            <a:avLst/>
-          </a:prstGeom>
-          <a:noFill/>
-        </p:spPr>
-        <p:txBody>
-          <a:bodyPr wrap="square" rtlCol="0">
-            <a:spAutoFit/>
-          </a:bodyPr>
-          <a:lstStyle/>
-          <a:p>
-            <a:pPr algn="ctr"/>
-            <a:r>
-              <a:rPr lang="en-US" dirty="0" smtClean="0"/>
-              <a:t>INSERT THING HERE</a:t>
-            </a:r>
-            <a:endParaRPr lang="en-US" dirty="0"/>
-          </a:p>
-        </p:txBody>
-      </p:sp>
       <p:grpSp>
         <p:nvGrpSpPr>
           <p:cNvPr id="29" name="Group 28"/>
@@ -3979,10 +4310,10 @@
         </p:nvGrpSpPr>
         <p:grpSpPr>
           <a:xfrm>
-            <a:off x="2306782" y="7543800"/>
-            <a:ext cx="9829800" cy="4114801"/>
-            <a:chOff x="2306782" y="7543800"/>
-            <a:chExt cx="9829800" cy="4114801"/>
+            <a:off x="2390653" y="7711622"/>
+            <a:ext cx="10622972" cy="4648200"/>
+            <a:chOff x="2306782" y="8153401"/>
+            <a:chExt cx="9829800" cy="3670336"/>
           </a:xfrm>
         </p:grpSpPr>
         <p:grpSp>
@@ -3993,10 +4324,10 @@
           </p:nvGrpSpPr>
           <p:grpSpPr>
             <a:xfrm>
-              <a:off x="2306782" y="8153400"/>
-              <a:ext cx="9829800" cy="3505201"/>
-              <a:chOff x="2393372" y="15544799"/>
-              <a:chExt cx="9829800" cy="3505201"/>
+              <a:off x="2306782" y="8153401"/>
+              <a:ext cx="9829800" cy="3670336"/>
+              <a:chOff x="2393372" y="15544800"/>
+              <a:chExt cx="9829800" cy="3670336"/>
             </a:xfrm>
           </p:grpSpPr>
           <p:sp>
@@ -4007,8 +4338,8 @@
             </p:nvSpPr>
             <p:spPr>
               <a:xfrm>
-                <a:off x="2393372" y="15544799"/>
-                <a:ext cx="9829800" cy="3266301"/>
+                <a:off x="2393372" y="15544800"/>
+                <a:ext cx="9829800" cy="3670336"/>
               </a:xfrm>
               <a:prstGeom prst="roundRect">
                 <a:avLst/>
@@ -4067,8 +4398,8 @@
             </p:blipFill>
             <p:spPr>
               <a:xfrm>
-                <a:off x="2745797" y="15544800"/>
-                <a:ext cx="9124950" cy="3505200"/>
+                <a:off x="2628481" y="15544801"/>
+                <a:ext cx="9547758" cy="3505200"/>
               </a:xfrm>
               <a:prstGeom prst="rect">
                 <a:avLst/>
@@ -4084,8 +4415,8 @@
           </p:nvSpPr>
           <p:spPr>
             <a:xfrm>
-              <a:off x="4724400" y="7543800"/>
-              <a:ext cx="4495800" cy="707886"/>
+              <a:off x="4914900" y="11300516"/>
+              <a:ext cx="4495800" cy="523220"/>
             </a:xfrm>
             <a:prstGeom prst="rect">
               <a:avLst/>
@@ -4100,44 +4431,105 @@
             <a:p>
               <a:pPr algn="ctr"/>
               <a:r>
-                <a:rPr lang="en-US" sz="4000" dirty="0" smtClean="0"/>
-                <a:t>A DEADLOCK</a:t>
+                <a:rPr lang="en-US" sz="2800" b="1" dirty="0" smtClean="0"/>
+                <a:t>Example of Deadlock</a:t>
               </a:r>
-              <a:endParaRPr lang="en-US" sz="4000" dirty="0"/>
+              <a:endParaRPr lang="en-US" sz="2800" b="1" dirty="0"/>
             </a:p>
           </p:txBody>
         </p:sp>
       </p:grpSp>
-      <p:pic>
-        <p:nvPicPr>
-          <p:cNvPr id="30" name="Picture 29"/>
-          <p:cNvPicPr>
-            <a:picLocks noChangeAspect="1"/>
-          </p:cNvPicPr>
+      <p:grpSp>
+        <p:nvGrpSpPr>
+          <p:cNvPr id="4" name="Group 3"/>
+          <p:cNvGrpSpPr/>
           <p:nvPr/>
-        </p:nvPicPr>
-        <p:blipFill>
-          <a:blip r:embed="rId4">
-            <a:extLst>
-              <a:ext uri="{28A0092B-C50C-407E-A947-70E740481C1C}">
-                <a14:useLocalDpi xmlns:a14="http://schemas.microsoft.com/office/drawing/2010/main" val="0"/>
-              </a:ext>
-            </a:extLst>
-          </a:blip>
-          <a:stretch>
-            <a:fillRect/>
-          </a:stretch>
-        </p:blipFill>
-        <p:spPr>
+        </p:nvGrpSpPr>
+        <p:grpSpPr>
           <a:xfrm>
-            <a:off x="15357743" y="3383574"/>
-            <a:ext cx="13002525" cy="6501263"/>
+            <a:off x="14928268" y="7423498"/>
+            <a:ext cx="14193985" cy="6501264"/>
+            <a:chOff x="14821883" y="8232772"/>
+            <a:chExt cx="14193985" cy="6501264"/>
           </a:xfrm>
-          <a:prstGeom prst="rect">
-            <a:avLst/>
-          </a:prstGeom>
-        </p:spPr>
-      </p:pic>
+        </p:grpSpPr>
+        <p:sp>
+          <p:nvSpPr>
+            <p:cNvPr id="19" name="Rounded Rectangle 18"/>
+            <p:cNvSpPr/>
+            <p:nvPr/>
+          </p:nvSpPr>
+          <p:spPr>
+            <a:xfrm>
+              <a:off x="14821883" y="8556606"/>
+              <a:ext cx="14193985" cy="6177430"/>
+            </a:xfrm>
+            <a:prstGeom prst="roundRect">
+              <a:avLst/>
+            </a:prstGeom>
+            <a:solidFill>
+              <a:schemeClr val="tx2">
+                <a:lumMod val="40000"/>
+                <a:lumOff val="60000"/>
+              </a:schemeClr>
+            </a:solidFill>
+          </p:spPr>
+          <p:style>
+            <a:lnRef idx="2">
+              <a:schemeClr val="accent1">
+                <a:shade val="50000"/>
+              </a:schemeClr>
+            </a:lnRef>
+            <a:fillRef idx="1">
+              <a:schemeClr val="accent1"/>
+            </a:fillRef>
+            <a:effectRef idx="0">
+              <a:schemeClr val="accent1"/>
+            </a:effectRef>
+            <a:fontRef idx="minor">
+              <a:schemeClr val="lt1"/>
+            </a:fontRef>
+          </p:style>
+          <p:txBody>
+            <a:bodyPr rtlCol="0" anchor="ctr"/>
+            <a:lstStyle/>
+            <a:p>
+              <a:pPr algn="ctr"/>
+              <a:endParaRPr lang="en-US"/>
+            </a:p>
+          </p:txBody>
+        </p:sp>
+        <p:pic>
+          <p:nvPicPr>
+            <p:cNvPr id="30" name="Picture 29"/>
+            <p:cNvPicPr>
+              <a:picLocks noChangeAspect="1"/>
+            </p:cNvPicPr>
+            <p:nvPr/>
+          </p:nvPicPr>
+          <p:blipFill>
+            <a:blip r:embed="rId4">
+              <a:extLst>
+                <a:ext uri="{28A0092B-C50C-407E-A947-70E740481C1C}">
+                  <a14:useLocalDpi xmlns:a14="http://schemas.microsoft.com/office/drawing/2010/main" val="0"/>
+                </a:ext>
+              </a:extLst>
+            </a:blip>
+            <a:stretch>
+              <a:fillRect/>
+            </a:stretch>
+          </p:blipFill>
+          <p:spPr>
+            <a:xfrm>
+              <a:off x="15297096" y="8232772"/>
+              <a:ext cx="13002525" cy="6501263"/>
+            </a:xfrm>
+            <a:prstGeom prst="rect">
+              <a:avLst/>
+            </a:prstGeom>
+          </p:spPr>
+        </p:pic>
+      </p:grpSp>
       <p:pic>
         <p:nvPicPr>
           <p:cNvPr id="31" name="Picture 30"/>
@@ -4172,6 +4564,111 @@
     <p:extLst>
       <p:ext uri="{BB962C8B-B14F-4D97-AF65-F5344CB8AC3E}">
         <p14:creationId xmlns:p14="http://schemas.microsoft.com/office/powerpoint/2010/main" val="569228357"/>
+      </p:ext>
+    </p:extLst>
+  </p:cSld>
+  <p:clrMapOvr>
+    <a:masterClrMapping/>
+  </p:clrMapOvr>
+</p:sld>
+</file>
+
+<file path=ppt/slides/slide2.xml><?xml version="1.0" encoding="utf-8"?>
+<p:sld xmlns:a="http://schemas.openxmlformats.org/drawingml/2006/main" xmlns:r="http://schemas.openxmlformats.org/officeDocument/2006/relationships" xmlns:p="http://schemas.openxmlformats.org/presentationml/2006/main">
+  <p:cSld>
+    <p:spTree>
+      <p:nvGrpSpPr>
+        <p:cNvPr id="1" name=""/>
+        <p:cNvGrpSpPr/>
+        <p:nvPr/>
+      </p:nvGrpSpPr>
+      <p:grpSpPr>
+        <a:xfrm>
+          <a:off x="0" y="0"/>
+          <a:ext cx="0" cy="0"/>
+          <a:chOff x="0" y="0"/>
+          <a:chExt cx="0" cy="0"/>
+        </a:xfrm>
+      </p:grpSpPr>
+      <p:sp>
+        <p:nvSpPr>
+          <p:cNvPr id="2" name="Rounded Rectangle 1"/>
+          <p:cNvSpPr/>
+          <p:nvPr/>
+        </p:nvSpPr>
+        <p:spPr>
+          <a:xfrm>
+            <a:off x="17862316" y="9911005"/>
+            <a:ext cx="7758203" cy="3968563"/>
+          </a:xfrm>
+          <a:prstGeom prst="roundRect">
+            <a:avLst/>
+          </a:prstGeom>
+          <a:solidFill>
+            <a:schemeClr val="tx2">
+              <a:lumMod val="40000"/>
+              <a:lumOff val="60000"/>
+            </a:schemeClr>
+          </a:solidFill>
+        </p:spPr>
+        <p:style>
+          <a:lnRef idx="2">
+            <a:schemeClr val="accent1">
+              <a:shade val="50000"/>
+            </a:schemeClr>
+          </a:lnRef>
+          <a:fillRef idx="1">
+            <a:schemeClr val="accent1"/>
+          </a:fillRef>
+          <a:effectRef idx="0">
+            <a:schemeClr val="accent1"/>
+          </a:effectRef>
+          <a:fontRef idx="minor">
+            <a:schemeClr val="lt1"/>
+          </a:fontRef>
+        </p:style>
+        <p:txBody>
+          <a:bodyPr rtlCol="0" anchor="ctr"/>
+          <a:lstStyle/>
+          <a:p>
+            <a:pPr algn="ctr"/>
+            <a:endParaRPr lang="en-US"/>
+          </a:p>
+        </p:txBody>
+      </p:sp>
+      <p:pic>
+        <p:nvPicPr>
+          <p:cNvPr id="3" name="Picture 2"/>
+          <p:cNvPicPr>
+            <a:picLocks noChangeAspect="1"/>
+          </p:cNvPicPr>
+          <p:nvPr/>
+        </p:nvPicPr>
+        <p:blipFill rotWithShape="1">
+          <a:blip r:embed="rId2">
+            <a:extLst>
+              <a:ext uri="{28A0092B-C50C-407E-A947-70E740481C1C}">
+                <a14:useLocalDpi xmlns:a14="http://schemas.microsoft.com/office/drawing/2010/main" val="0"/>
+              </a:ext>
+            </a:extLst>
+          </a:blip>
+          <a:srcRect l="18700" t="3954" r="17175" b="58222"/>
+          <a:stretch/>
+        </p:blipFill>
+        <p:spPr>
+          <a:xfrm>
+            <a:off x="18059400" y="9982200"/>
+            <a:ext cx="7561119" cy="3809984"/>
+          </a:xfrm>
+          <a:prstGeom prst="rect">
+            <a:avLst/>
+          </a:prstGeom>
+        </p:spPr>
+      </p:pic>
+    </p:spTree>
+    <p:extLst>
+      <p:ext uri="{BB962C8B-B14F-4D97-AF65-F5344CB8AC3E}">
+        <p14:creationId xmlns:p14="http://schemas.microsoft.com/office/powerpoint/2010/main" val="3712168058"/>
       </p:ext>
     </p:extLst>
   </p:cSld>

--- a/poster/poster.pptx
+++ b/poster/poster.pptx
@@ -2,8 +2,11 @@
 <file path=ppt/presentation.xml><?xml version="1.0" encoding="utf-8"?>
 <p:presentation xmlns:a="http://schemas.openxmlformats.org/drawingml/2006/main" xmlns:r="http://schemas.openxmlformats.org/officeDocument/2006/relationships" xmlns:p="http://schemas.openxmlformats.org/presentationml/2006/main" saveSubsetFonts="1">
   <p:sldMasterIdLst>
-    <p:sldMasterId id="2147483648" r:id="rId1"/>
+    <p:sldMasterId id="2147483660" r:id="rId1"/>
   </p:sldMasterIdLst>
+  <p:notesMasterIdLst>
+    <p:notesMasterId r:id="rId4"/>
+  </p:notesMasterIdLst>
   <p:sldIdLst>
     <p:sldId id="256" r:id="rId2"/>
     <p:sldId id="257" r:id="rId3"/>
@@ -124,6 +127,440 @@
 </p:presentation>
 </file>
 
+<file path=ppt/notesMasters/notesMaster1.xml><?xml version="1.0" encoding="utf-8"?>
+<p:notesMaster xmlns:a="http://schemas.openxmlformats.org/drawingml/2006/main" xmlns:r="http://schemas.openxmlformats.org/officeDocument/2006/relationships" xmlns:p="http://schemas.openxmlformats.org/presentationml/2006/main">
+  <p:cSld>
+    <p:bg>
+      <p:bgRef idx="1001">
+        <a:schemeClr val="bg1"/>
+      </p:bgRef>
+    </p:bg>
+    <p:spTree>
+      <p:nvGrpSpPr>
+        <p:cNvPr id="1" name=""/>
+        <p:cNvGrpSpPr/>
+        <p:nvPr/>
+      </p:nvGrpSpPr>
+      <p:grpSpPr>
+        <a:xfrm>
+          <a:off x="0" y="0"/>
+          <a:ext cx="0" cy="0"/>
+          <a:chOff x="0" y="0"/>
+          <a:chExt cx="0" cy="0"/>
+        </a:xfrm>
+      </p:grpSpPr>
+      <p:sp>
+        <p:nvSpPr>
+          <p:cNvPr id="2" name="Header Placeholder 1"/>
+          <p:cNvSpPr>
+            <a:spLocks noGrp="1"/>
+          </p:cNvSpPr>
+          <p:nvPr>
+            <p:ph type="hdr" sz="quarter"/>
+          </p:nvPr>
+        </p:nvSpPr>
+        <p:spPr>
+          <a:xfrm>
+            <a:off x="0" y="0"/>
+            <a:ext cx="2971800" cy="458788"/>
+          </a:xfrm>
+          <a:prstGeom prst="rect">
+            <a:avLst/>
+          </a:prstGeom>
+        </p:spPr>
+        <p:txBody>
+          <a:bodyPr vert="horz" lIns="91440" tIns="45720" rIns="91440" bIns="45720" rtlCol="0"/>
+          <a:lstStyle>
+            <a:lvl1pPr algn="l">
+              <a:defRPr sz="1200"/>
+            </a:lvl1pPr>
+          </a:lstStyle>
+          <a:p>
+            <a:endParaRPr lang="en-US"/>
+          </a:p>
+        </p:txBody>
+      </p:sp>
+      <p:sp>
+        <p:nvSpPr>
+          <p:cNvPr id="3" name="Date Placeholder 2"/>
+          <p:cNvSpPr>
+            <a:spLocks noGrp="1"/>
+          </p:cNvSpPr>
+          <p:nvPr>
+            <p:ph type="dt" idx="1"/>
+          </p:nvPr>
+        </p:nvSpPr>
+        <p:spPr>
+          <a:xfrm>
+            <a:off x="3884613" y="0"/>
+            <a:ext cx="2971800" cy="458788"/>
+          </a:xfrm>
+          <a:prstGeom prst="rect">
+            <a:avLst/>
+          </a:prstGeom>
+        </p:spPr>
+        <p:txBody>
+          <a:bodyPr vert="horz" lIns="91440" tIns="45720" rIns="91440" bIns="45720" rtlCol="0"/>
+          <a:lstStyle>
+            <a:lvl1pPr algn="r">
+              <a:defRPr sz="1200"/>
+            </a:lvl1pPr>
+          </a:lstStyle>
+          <a:p>
+            <a:fld id="{3ACDEADD-92C2-4BBA-ADF5-DBF16E5422D4}" type="datetimeFigureOut">
+              <a:rPr lang="en-US" smtClean="0"/>
+              <a:t>12/15/2014</a:t>
+            </a:fld>
+            <a:endParaRPr lang="en-US"/>
+          </a:p>
+        </p:txBody>
+      </p:sp>
+      <p:sp>
+        <p:nvSpPr>
+          <p:cNvPr id="4" name="Slide Image Placeholder 3"/>
+          <p:cNvSpPr>
+            <a:spLocks noGrp="1" noRot="1" noChangeAspect="1"/>
+          </p:cNvSpPr>
+          <p:nvPr>
+            <p:ph type="sldImg" idx="2"/>
+          </p:nvPr>
+        </p:nvSpPr>
+        <p:spPr>
+          <a:xfrm>
+            <a:off x="342900" y="1143000"/>
+            <a:ext cx="6172200" cy="3086100"/>
+          </a:xfrm>
+          <a:prstGeom prst="rect">
+            <a:avLst/>
+          </a:prstGeom>
+          <a:noFill/>
+          <a:ln w="12700">
+            <a:solidFill>
+              <a:prstClr val="black"/>
+            </a:solidFill>
+          </a:ln>
+        </p:spPr>
+        <p:txBody>
+          <a:bodyPr vert="horz" lIns="91440" tIns="45720" rIns="91440" bIns="45720" rtlCol="0" anchor="ctr"/>
+          <a:lstStyle/>
+          <a:p>
+            <a:endParaRPr lang="en-US"/>
+          </a:p>
+        </p:txBody>
+      </p:sp>
+      <p:sp>
+        <p:nvSpPr>
+          <p:cNvPr id="5" name="Notes Placeholder 4"/>
+          <p:cNvSpPr>
+            <a:spLocks noGrp="1"/>
+          </p:cNvSpPr>
+          <p:nvPr>
+            <p:ph type="body" sz="quarter" idx="3"/>
+          </p:nvPr>
+        </p:nvSpPr>
+        <p:spPr>
+          <a:xfrm>
+            <a:off x="685800" y="4400550"/>
+            <a:ext cx="5486400" cy="3600450"/>
+          </a:xfrm>
+          <a:prstGeom prst="rect">
+            <a:avLst/>
+          </a:prstGeom>
+        </p:spPr>
+        <p:txBody>
+          <a:bodyPr vert="horz" lIns="91440" tIns="45720" rIns="91440" bIns="45720" rtlCol="0"/>
+          <a:lstStyle/>
+          <a:p>
+            <a:pPr lvl="0"/>
+            <a:r>
+              <a:rPr lang="en-US" smtClean="0"/>
+              <a:t>Click to edit Master text styles</a:t>
+            </a:r>
+          </a:p>
+          <a:p>
+            <a:pPr lvl="1"/>
+            <a:r>
+              <a:rPr lang="en-US" smtClean="0"/>
+              <a:t>Second level</a:t>
+            </a:r>
+          </a:p>
+          <a:p>
+            <a:pPr lvl="2"/>
+            <a:r>
+              <a:rPr lang="en-US" smtClean="0"/>
+              <a:t>Third level</a:t>
+            </a:r>
+          </a:p>
+          <a:p>
+            <a:pPr lvl="3"/>
+            <a:r>
+              <a:rPr lang="en-US" smtClean="0"/>
+              <a:t>Fourth level</a:t>
+            </a:r>
+          </a:p>
+          <a:p>
+            <a:pPr lvl="4"/>
+            <a:r>
+              <a:rPr lang="en-US" smtClean="0"/>
+              <a:t>Fifth level</a:t>
+            </a:r>
+            <a:endParaRPr lang="en-US"/>
+          </a:p>
+        </p:txBody>
+      </p:sp>
+      <p:sp>
+        <p:nvSpPr>
+          <p:cNvPr id="6" name="Footer Placeholder 5"/>
+          <p:cNvSpPr>
+            <a:spLocks noGrp="1"/>
+          </p:cNvSpPr>
+          <p:nvPr>
+            <p:ph type="ftr" sz="quarter" idx="4"/>
+          </p:nvPr>
+        </p:nvSpPr>
+        <p:spPr>
+          <a:xfrm>
+            <a:off x="0" y="8685213"/>
+            <a:ext cx="2971800" cy="458787"/>
+          </a:xfrm>
+          <a:prstGeom prst="rect">
+            <a:avLst/>
+          </a:prstGeom>
+        </p:spPr>
+        <p:txBody>
+          <a:bodyPr vert="horz" lIns="91440" tIns="45720" rIns="91440" bIns="45720" rtlCol="0" anchor="b"/>
+          <a:lstStyle>
+            <a:lvl1pPr algn="l">
+              <a:defRPr sz="1200"/>
+            </a:lvl1pPr>
+          </a:lstStyle>
+          <a:p>
+            <a:endParaRPr lang="en-US"/>
+          </a:p>
+        </p:txBody>
+      </p:sp>
+      <p:sp>
+        <p:nvSpPr>
+          <p:cNvPr id="7" name="Slide Number Placeholder 6"/>
+          <p:cNvSpPr>
+            <a:spLocks noGrp="1"/>
+          </p:cNvSpPr>
+          <p:nvPr>
+            <p:ph type="sldNum" sz="quarter" idx="5"/>
+          </p:nvPr>
+        </p:nvSpPr>
+        <p:spPr>
+          <a:xfrm>
+            <a:off x="3884613" y="8685213"/>
+            <a:ext cx="2971800" cy="458787"/>
+          </a:xfrm>
+          <a:prstGeom prst="rect">
+            <a:avLst/>
+          </a:prstGeom>
+        </p:spPr>
+        <p:txBody>
+          <a:bodyPr vert="horz" lIns="91440" tIns="45720" rIns="91440" bIns="45720" rtlCol="0" anchor="b"/>
+          <a:lstStyle>
+            <a:lvl1pPr algn="r">
+              <a:defRPr sz="1200"/>
+            </a:lvl1pPr>
+          </a:lstStyle>
+          <a:p>
+            <a:fld id="{43125BCA-9C83-44FA-A13F-9E1361735567}" type="slidenum">
+              <a:rPr lang="en-US" smtClean="0"/>
+              <a:t>‹#›</a:t>
+            </a:fld>
+            <a:endParaRPr lang="en-US"/>
+          </a:p>
+        </p:txBody>
+      </p:sp>
+    </p:spTree>
+    <p:extLst>
+      <p:ext uri="{BB962C8B-B14F-4D97-AF65-F5344CB8AC3E}">
+        <p14:creationId xmlns:p14="http://schemas.microsoft.com/office/powerpoint/2010/main" val="2855935356"/>
+      </p:ext>
+    </p:extLst>
+  </p:cSld>
+  <p:clrMap bg1="lt1" tx1="dk1" bg2="lt2" tx2="dk2" accent1="accent1" accent2="accent2" accent3="accent3" accent4="accent4" accent5="accent5" accent6="accent6" hlink="hlink" folHlink="folHlink"/>
+  <p:notesStyle>
+    <a:lvl1pPr marL="0" algn="l" defTabSz="914400" rtl="0" eaLnBrk="1" latinLnBrk="0" hangingPunct="1">
+      <a:defRPr sz="1200" kern="1200">
+        <a:solidFill>
+          <a:schemeClr val="tx1"/>
+        </a:solidFill>
+        <a:latin typeface="+mn-lt"/>
+        <a:ea typeface="+mn-ea"/>
+        <a:cs typeface="+mn-cs"/>
+      </a:defRPr>
+    </a:lvl1pPr>
+    <a:lvl2pPr marL="457200" algn="l" defTabSz="914400" rtl="0" eaLnBrk="1" latinLnBrk="0" hangingPunct="1">
+      <a:defRPr sz="1200" kern="1200">
+        <a:solidFill>
+          <a:schemeClr val="tx1"/>
+        </a:solidFill>
+        <a:latin typeface="+mn-lt"/>
+        <a:ea typeface="+mn-ea"/>
+        <a:cs typeface="+mn-cs"/>
+      </a:defRPr>
+    </a:lvl2pPr>
+    <a:lvl3pPr marL="914400" algn="l" defTabSz="914400" rtl="0" eaLnBrk="1" latinLnBrk="0" hangingPunct="1">
+      <a:defRPr sz="1200" kern="1200">
+        <a:solidFill>
+          <a:schemeClr val="tx1"/>
+        </a:solidFill>
+        <a:latin typeface="+mn-lt"/>
+        <a:ea typeface="+mn-ea"/>
+        <a:cs typeface="+mn-cs"/>
+      </a:defRPr>
+    </a:lvl3pPr>
+    <a:lvl4pPr marL="1371600" algn="l" defTabSz="914400" rtl="0" eaLnBrk="1" latinLnBrk="0" hangingPunct="1">
+      <a:defRPr sz="1200" kern="1200">
+        <a:solidFill>
+          <a:schemeClr val="tx1"/>
+        </a:solidFill>
+        <a:latin typeface="+mn-lt"/>
+        <a:ea typeface="+mn-ea"/>
+        <a:cs typeface="+mn-cs"/>
+      </a:defRPr>
+    </a:lvl4pPr>
+    <a:lvl5pPr marL="1828800" algn="l" defTabSz="914400" rtl="0" eaLnBrk="1" latinLnBrk="0" hangingPunct="1">
+      <a:defRPr sz="1200" kern="1200">
+        <a:solidFill>
+          <a:schemeClr val="tx1"/>
+        </a:solidFill>
+        <a:latin typeface="+mn-lt"/>
+        <a:ea typeface="+mn-ea"/>
+        <a:cs typeface="+mn-cs"/>
+      </a:defRPr>
+    </a:lvl5pPr>
+    <a:lvl6pPr marL="2286000" algn="l" defTabSz="914400" rtl="0" eaLnBrk="1" latinLnBrk="0" hangingPunct="1">
+      <a:defRPr sz="1200" kern="1200">
+        <a:solidFill>
+          <a:schemeClr val="tx1"/>
+        </a:solidFill>
+        <a:latin typeface="+mn-lt"/>
+        <a:ea typeface="+mn-ea"/>
+        <a:cs typeface="+mn-cs"/>
+      </a:defRPr>
+    </a:lvl6pPr>
+    <a:lvl7pPr marL="2743200" algn="l" defTabSz="914400" rtl="0" eaLnBrk="1" latinLnBrk="0" hangingPunct="1">
+      <a:defRPr sz="1200" kern="1200">
+        <a:solidFill>
+          <a:schemeClr val="tx1"/>
+        </a:solidFill>
+        <a:latin typeface="+mn-lt"/>
+        <a:ea typeface="+mn-ea"/>
+        <a:cs typeface="+mn-cs"/>
+      </a:defRPr>
+    </a:lvl7pPr>
+    <a:lvl8pPr marL="3200400" algn="l" defTabSz="914400" rtl="0" eaLnBrk="1" latinLnBrk="0" hangingPunct="1">
+      <a:defRPr sz="1200" kern="1200">
+        <a:solidFill>
+          <a:schemeClr val="tx1"/>
+        </a:solidFill>
+        <a:latin typeface="+mn-lt"/>
+        <a:ea typeface="+mn-ea"/>
+        <a:cs typeface="+mn-cs"/>
+      </a:defRPr>
+    </a:lvl8pPr>
+    <a:lvl9pPr marL="3657600" algn="l" defTabSz="914400" rtl="0" eaLnBrk="1" latinLnBrk="0" hangingPunct="1">
+      <a:defRPr sz="1200" kern="1200">
+        <a:solidFill>
+          <a:schemeClr val="tx1"/>
+        </a:solidFill>
+        <a:latin typeface="+mn-lt"/>
+        <a:ea typeface="+mn-ea"/>
+        <a:cs typeface="+mn-cs"/>
+      </a:defRPr>
+    </a:lvl9pPr>
+  </p:notesStyle>
+</p:notesMaster>
+</file>
+
+<file path=ppt/notesSlides/notesSlide1.xml><?xml version="1.0" encoding="utf-8"?>
+<p:notes xmlns:a="http://schemas.openxmlformats.org/drawingml/2006/main" xmlns:r="http://schemas.openxmlformats.org/officeDocument/2006/relationships" xmlns:p="http://schemas.openxmlformats.org/presentationml/2006/main">
+  <p:cSld>
+    <p:spTree>
+      <p:nvGrpSpPr>
+        <p:cNvPr id="1" name=""/>
+        <p:cNvGrpSpPr/>
+        <p:nvPr/>
+      </p:nvGrpSpPr>
+      <p:grpSpPr>
+        <a:xfrm>
+          <a:off x="0" y="0"/>
+          <a:ext cx="0" cy="0"/>
+          <a:chOff x="0" y="0"/>
+          <a:chExt cx="0" cy="0"/>
+        </a:xfrm>
+      </p:grpSpPr>
+      <p:sp>
+        <p:nvSpPr>
+          <p:cNvPr id="2" name="Slide Image Placeholder 1"/>
+          <p:cNvSpPr>
+            <a:spLocks noGrp="1" noRot="1" noChangeAspect="1"/>
+          </p:cNvSpPr>
+          <p:nvPr>
+            <p:ph type="sldImg"/>
+          </p:nvPr>
+        </p:nvSpPr>
+        <p:spPr/>
+      </p:sp>
+      <p:sp>
+        <p:nvSpPr>
+          <p:cNvPr id="3" name="Notes Placeholder 2"/>
+          <p:cNvSpPr>
+            <a:spLocks noGrp="1"/>
+          </p:cNvSpPr>
+          <p:nvPr>
+            <p:ph type="body" idx="1"/>
+          </p:nvPr>
+        </p:nvSpPr>
+        <p:spPr/>
+        <p:txBody>
+          <a:bodyPr/>
+          <a:lstStyle/>
+          <a:p>
+            <a:endParaRPr lang="en-US" dirty="0"/>
+          </a:p>
+        </p:txBody>
+      </p:sp>
+      <p:sp>
+        <p:nvSpPr>
+          <p:cNvPr id="4" name="Slide Number Placeholder 3"/>
+          <p:cNvSpPr>
+            <a:spLocks noGrp="1"/>
+          </p:cNvSpPr>
+          <p:nvPr>
+            <p:ph type="sldNum" sz="quarter" idx="10"/>
+          </p:nvPr>
+        </p:nvSpPr>
+        <p:spPr/>
+        <p:txBody>
+          <a:bodyPr/>
+          <a:lstStyle/>
+          <a:p>
+            <a:fld id="{43125BCA-9C83-44FA-A13F-9E1361735567}" type="slidenum">
+              <a:rPr lang="en-US" smtClean="0"/>
+              <a:t>1</a:t>
+            </a:fld>
+            <a:endParaRPr lang="en-US"/>
+          </a:p>
+        </p:txBody>
+      </p:sp>
+    </p:spTree>
+    <p:extLst>
+      <p:ext uri="{BB962C8B-B14F-4D97-AF65-F5344CB8AC3E}">
+        <p14:creationId xmlns:p14="http://schemas.microsoft.com/office/powerpoint/2010/main" val="2875423488"/>
+      </p:ext>
+    </p:extLst>
+  </p:cSld>
+  <p:clrMapOvr>
+    <a:masterClrMapping/>
+  </p:clrMapOvr>
+</p:notes>
+</file>
+
 <file path=ppt/slideLayouts/slideLayout1.xml><?xml version="1.0" encoding="utf-8"?>
 <p:sldLayout xmlns:a="http://schemas.openxmlformats.org/drawingml/2006/main" xmlns:r="http://schemas.openxmlformats.org/officeDocument/2006/relationships" xmlns:p="http://schemas.openxmlformats.org/presentationml/2006/main" type="title" preserve="1">
   <p:cSld name="Title Slide">
@@ -153,19 +590,23 @@
         </p:nvSpPr>
         <p:spPr>
           <a:xfrm>
-            <a:off x="3291840" y="6817362"/>
-            <a:ext cx="37307520" cy="4704080"/>
+            <a:off x="4157838" y="4632962"/>
+            <a:ext cx="31772369" cy="10654659"/>
           </a:xfrm>
         </p:spPr>
         <p:txBody>
-          <a:bodyPr/>
-          <a:lstStyle/>
+          <a:bodyPr anchor="b"/>
+          <a:lstStyle>
+            <a:lvl1pPr>
+              <a:defRPr sz="23040"/>
+            </a:lvl1pPr>
+          </a:lstStyle>
           <a:p>
             <a:r>
               <a:rPr lang="en-US" smtClean="0"/>
               <a:t>Click to edit Master title style</a:t>
             </a:r>
-            <a:endParaRPr lang="en-US"/>
+            <a:endParaRPr lang="en-US" dirty="0"/>
           </a:p>
         </p:txBody>
       </p:sp>
@@ -181,24 +622,25 @@
         </p:nvSpPr>
         <p:spPr>
           <a:xfrm>
-            <a:off x="6583680" y="12435840"/>
-            <a:ext cx="30723840" cy="5608320"/>
+            <a:off x="4157838" y="15287616"/>
+            <a:ext cx="31772369" cy="2756544"/>
           </a:xfrm>
         </p:spPr>
         <p:txBody>
-          <a:bodyPr/>
+          <a:bodyPr anchor="t"/>
           <a:lstStyle>
-            <a:lvl1pPr marL="0" indent="0" algn="ctr">
-              <a:buNone/>
-              <a:defRPr>
+            <a:lvl1pPr marL="0" indent="0" algn="l">
+              <a:buNone/>
+              <a:defRPr cap="all">
                 <a:solidFill>
-                  <a:schemeClr val="tx1">
-                    <a:tint val="75000"/>
+                  <a:schemeClr val="bg2">
+                    <a:lumMod val="40000"/>
+                    <a:lumOff val="60000"/>
                   </a:schemeClr>
                 </a:solidFill>
               </a:defRPr>
             </a:lvl1pPr>
-            <a:lvl2pPr marL="1567510" indent="0" algn="ctr">
+            <a:lvl2pPr marL="1463040" indent="0" algn="ctr">
               <a:buNone/>
               <a:defRPr>
                 <a:solidFill>
@@ -208,7 +650,7 @@
                 </a:solidFill>
               </a:defRPr>
             </a:lvl2pPr>
-            <a:lvl3pPr marL="3135020" indent="0" algn="ctr">
+            <a:lvl3pPr marL="2926080" indent="0" algn="ctr">
               <a:buNone/>
               <a:defRPr>
                 <a:solidFill>
@@ -218,7 +660,7 @@
                 </a:solidFill>
               </a:defRPr>
             </a:lvl3pPr>
-            <a:lvl4pPr marL="4702531" indent="0" algn="ctr">
+            <a:lvl4pPr marL="4389120" indent="0" algn="ctr">
               <a:buNone/>
               <a:defRPr>
                 <a:solidFill>
@@ -228,7 +670,7 @@
                 </a:solidFill>
               </a:defRPr>
             </a:lvl4pPr>
-            <a:lvl5pPr marL="6270041" indent="0" algn="ctr">
+            <a:lvl5pPr marL="5852160" indent="0" algn="ctr">
               <a:buNone/>
               <a:defRPr>
                 <a:solidFill>
@@ -238,7 +680,7 @@
                 </a:solidFill>
               </a:defRPr>
             </a:lvl5pPr>
-            <a:lvl6pPr marL="7837551" indent="0" algn="ctr">
+            <a:lvl6pPr marL="7315200" indent="0" algn="ctr">
               <a:buNone/>
               <a:defRPr>
                 <a:solidFill>
@@ -248,7 +690,7 @@
                 </a:solidFill>
               </a:defRPr>
             </a:lvl6pPr>
-            <a:lvl7pPr marL="9405061" indent="0" algn="ctr">
+            <a:lvl7pPr marL="8778240" indent="0" algn="ctr">
               <a:buNone/>
               <a:defRPr>
                 <a:solidFill>
@@ -258,7 +700,7 @@
                 </a:solidFill>
               </a:defRPr>
             </a:lvl7pPr>
-            <a:lvl8pPr marL="10972571" indent="0" algn="ctr">
+            <a:lvl8pPr marL="10241280" indent="0" algn="ctr">
               <a:buNone/>
               <a:defRPr>
                 <a:solidFill>
@@ -268,7 +710,7 @@
                 </a:solidFill>
               </a:defRPr>
             </a:lvl8pPr>
-            <a:lvl9pPr marL="12540082" indent="0" algn="ctr">
+            <a:lvl9pPr marL="11704320" indent="0" algn="ctr">
               <a:buNone/>
               <a:defRPr>
                 <a:solidFill>
@@ -284,7 +726,7 @@
               <a:rPr lang="en-US" smtClean="0"/>
               <a:t>Click to edit Master subtitle style</a:t>
             </a:r>
-            <a:endParaRPr lang="en-US"/>
+            <a:endParaRPr lang="en-US" dirty="0"/>
           </a:p>
         </p:txBody>
       </p:sp>
@@ -305,7 +747,7 @@
           <a:p>
             <a:fld id="{5B4D2179-3739-4110-AF2E-953EC2A650FD}" type="datetimeFigureOut">
               <a:rPr lang="en-US" smtClean="0"/>
-              <a:t>12/13/2014</a:t>
+              <a:t>12/15/2014</a:t>
             </a:fld>
             <a:endParaRPr lang="en-US"/>
           </a:p>
@@ -356,7 +798,7 @@
     </p:spTree>
     <p:extLst>
       <p:ext uri="{BB962C8B-B14F-4D97-AF65-F5344CB8AC3E}">
-        <p14:creationId xmlns:p14="http://schemas.microsoft.com/office/powerpoint/2010/main" val="674256365"/>
+        <p14:creationId xmlns:p14="http://schemas.microsoft.com/office/powerpoint/2010/main" val="302913115"/>
       </p:ext>
     </p:extLst>
   </p:cSld>
@@ -367,6 +809,2572 @@
 </file>
 
 <file path=ppt/slideLayouts/slideLayout10.xml><?xml version="1.0" encoding="utf-8"?>
+<p:sldLayout xmlns:a="http://schemas.openxmlformats.org/drawingml/2006/main" xmlns:r="http://schemas.openxmlformats.org/officeDocument/2006/relationships" xmlns:p="http://schemas.openxmlformats.org/presentationml/2006/main" preserve="1">
+  <p:cSld name="Panoramic Picture with Caption">
+    <p:spTree>
+      <p:nvGrpSpPr>
+        <p:cNvPr id="1" name=""/>
+        <p:cNvGrpSpPr/>
+        <p:nvPr/>
+      </p:nvGrpSpPr>
+      <p:grpSpPr>
+        <a:xfrm>
+          <a:off x="0" y="0"/>
+          <a:ext cx="0" cy="0"/>
+          <a:chOff x="0" y="0"/>
+          <a:chExt cx="0" cy="0"/>
+        </a:xfrm>
+      </p:grpSpPr>
+      <p:sp>
+        <p:nvSpPr>
+          <p:cNvPr id="2" name="Title 1"/>
+          <p:cNvSpPr>
+            <a:spLocks noGrp="1"/>
+          </p:cNvSpPr>
+          <p:nvPr>
+            <p:ph type="title"/>
+          </p:nvPr>
+        </p:nvSpPr>
+        <p:spPr>
+          <a:xfrm>
+            <a:off x="4157844" y="15361878"/>
+            <a:ext cx="31772365" cy="1813562"/>
+          </a:xfrm>
+        </p:spPr>
+        <p:txBody>
+          <a:bodyPr anchor="b">
+            <a:normAutofit/>
+          </a:bodyPr>
+          <a:lstStyle>
+            <a:lvl1pPr algn="l">
+              <a:defRPr sz="7680" b="0"/>
+            </a:lvl1pPr>
+          </a:lstStyle>
+          <a:p>
+            <a:r>
+              <a:rPr lang="en-US" smtClean="0"/>
+              <a:t>Click to edit Master title style</a:t>
+            </a:r>
+            <a:endParaRPr lang="en-US" dirty="0"/>
+          </a:p>
+        </p:txBody>
+      </p:sp>
+      <p:sp>
+        <p:nvSpPr>
+          <p:cNvPr id="3" name="Picture Placeholder 2"/>
+          <p:cNvSpPr>
+            <a:spLocks noGrp="1" noChangeAspect="1"/>
+          </p:cNvSpPr>
+          <p:nvPr>
+            <p:ph type="pic" idx="1"/>
+          </p:nvPr>
+        </p:nvSpPr>
+        <p:spPr>
+          <a:xfrm>
+            <a:off x="4157838" y="2194560"/>
+            <a:ext cx="31772369" cy="11650131"/>
+          </a:xfrm>
+          <a:prstGeom prst="roundRect">
+            <a:avLst>
+              <a:gd name="adj" fmla="val 1858"/>
+            </a:avLst>
+          </a:prstGeom>
+          <a:effectLst>
+            <a:outerShdw blurRad="50800" dist="50800" dir="5400000" algn="tl" rotWithShape="0">
+              <a:srgbClr val="000000">
+                <a:alpha val="43000"/>
+              </a:srgbClr>
+            </a:outerShdw>
+          </a:effectLst>
+        </p:spPr>
+        <p:txBody>
+          <a:bodyPr anchor="t">
+            <a:normAutofit/>
+          </a:bodyPr>
+          <a:lstStyle>
+            <a:lvl1pPr marL="0" indent="0" algn="ctr">
+              <a:buNone/>
+              <a:defRPr sz="5120"/>
+            </a:lvl1pPr>
+            <a:lvl2pPr marL="1463040" indent="0">
+              <a:buNone/>
+              <a:defRPr sz="5120"/>
+            </a:lvl2pPr>
+            <a:lvl3pPr marL="2926080" indent="0">
+              <a:buNone/>
+              <a:defRPr sz="5120"/>
+            </a:lvl3pPr>
+            <a:lvl4pPr marL="4389120" indent="0">
+              <a:buNone/>
+              <a:defRPr sz="5120"/>
+            </a:lvl4pPr>
+            <a:lvl5pPr marL="5852160" indent="0">
+              <a:buNone/>
+              <a:defRPr sz="5120"/>
+            </a:lvl5pPr>
+            <a:lvl6pPr marL="7315200" indent="0">
+              <a:buNone/>
+              <a:defRPr sz="5120"/>
+            </a:lvl6pPr>
+            <a:lvl7pPr marL="8778240" indent="0">
+              <a:buNone/>
+              <a:defRPr sz="5120"/>
+            </a:lvl7pPr>
+            <a:lvl8pPr marL="10241280" indent="0">
+              <a:buNone/>
+              <a:defRPr sz="5120"/>
+            </a:lvl8pPr>
+            <a:lvl9pPr marL="11704320" indent="0">
+              <a:buNone/>
+              <a:defRPr sz="5120"/>
+            </a:lvl9pPr>
+          </a:lstStyle>
+          <a:p>
+            <a:r>
+              <a:rPr lang="en-US" smtClean="0"/>
+              <a:t>Click icon to add picture</a:t>
+            </a:r>
+            <a:endParaRPr lang="en-US" dirty="0"/>
+          </a:p>
+        </p:txBody>
+      </p:sp>
+      <p:sp>
+        <p:nvSpPr>
+          <p:cNvPr id="4" name="Text Placeholder 3"/>
+          <p:cNvSpPr>
+            <a:spLocks noGrp="1"/>
+          </p:cNvSpPr>
+          <p:nvPr>
+            <p:ph type="body" sz="half" idx="2"/>
+          </p:nvPr>
+        </p:nvSpPr>
+        <p:spPr>
+          <a:xfrm>
+            <a:off x="4157841" y="17175440"/>
+            <a:ext cx="31772362" cy="1579878"/>
+          </a:xfrm>
+        </p:spPr>
+        <p:txBody>
+          <a:bodyPr>
+            <a:normAutofit/>
+          </a:bodyPr>
+          <a:lstStyle>
+            <a:lvl1pPr marL="0" indent="0">
+              <a:buNone/>
+              <a:defRPr sz="3840"/>
+            </a:lvl1pPr>
+            <a:lvl2pPr marL="1463040" indent="0">
+              <a:buNone/>
+              <a:defRPr sz="3840"/>
+            </a:lvl2pPr>
+            <a:lvl3pPr marL="2926080" indent="0">
+              <a:buNone/>
+              <a:defRPr sz="3200"/>
+            </a:lvl3pPr>
+            <a:lvl4pPr marL="4389120" indent="0">
+              <a:buNone/>
+              <a:defRPr sz="2880"/>
+            </a:lvl4pPr>
+            <a:lvl5pPr marL="5852160" indent="0">
+              <a:buNone/>
+              <a:defRPr sz="2880"/>
+            </a:lvl5pPr>
+            <a:lvl6pPr marL="7315200" indent="0">
+              <a:buNone/>
+              <a:defRPr sz="2880"/>
+            </a:lvl6pPr>
+            <a:lvl7pPr marL="8778240" indent="0">
+              <a:buNone/>
+              <a:defRPr sz="2880"/>
+            </a:lvl7pPr>
+            <a:lvl8pPr marL="10241280" indent="0">
+              <a:buNone/>
+              <a:defRPr sz="2880"/>
+            </a:lvl8pPr>
+            <a:lvl9pPr marL="11704320" indent="0">
+              <a:buNone/>
+              <a:defRPr sz="2880"/>
+            </a:lvl9pPr>
+          </a:lstStyle>
+          <a:p>
+            <a:pPr lvl="0"/>
+            <a:r>
+              <a:rPr lang="en-US" smtClean="0"/>
+              <a:t>Click to edit Master text styles</a:t>
+            </a:r>
+          </a:p>
+        </p:txBody>
+      </p:sp>
+      <p:sp>
+        <p:nvSpPr>
+          <p:cNvPr id="5" name="Date Placeholder 4"/>
+          <p:cNvSpPr>
+            <a:spLocks noGrp="1"/>
+          </p:cNvSpPr>
+          <p:nvPr>
+            <p:ph type="dt" sz="half" idx="10"/>
+          </p:nvPr>
+        </p:nvSpPr>
+        <p:spPr/>
+        <p:txBody>
+          <a:bodyPr/>
+          <a:lstStyle/>
+          <a:p>
+            <a:fld id="{5B4D2179-3739-4110-AF2E-953EC2A650FD}" type="datetimeFigureOut">
+              <a:rPr lang="en-US" smtClean="0"/>
+              <a:t>12/15/2014</a:t>
+            </a:fld>
+            <a:endParaRPr lang="en-US"/>
+          </a:p>
+        </p:txBody>
+      </p:sp>
+      <p:sp>
+        <p:nvSpPr>
+          <p:cNvPr id="6" name="Footer Placeholder 5"/>
+          <p:cNvSpPr>
+            <a:spLocks noGrp="1"/>
+          </p:cNvSpPr>
+          <p:nvPr>
+            <p:ph type="ftr" sz="quarter" idx="11"/>
+          </p:nvPr>
+        </p:nvSpPr>
+        <p:spPr/>
+        <p:txBody>
+          <a:bodyPr/>
+          <a:lstStyle/>
+          <a:p>
+            <a:endParaRPr lang="en-US"/>
+          </a:p>
+        </p:txBody>
+      </p:sp>
+      <p:sp>
+        <p:nvSpPr>
+          <p:cNvPr id="7" name="Slide Number Placeholder 6"/>
+          <p:cNvSpPr>
+            <a:spLocks noGrp="1"/>
+          </p:cNvSpPr>
+          <p:nvPr>
+            <p:ph type="sldNum" sz="quarter" idx="12"/>
+          </p:nvPr>
+        </p:nvSpPr>
+        <p:spPr/>
+        <p:txBody>
+          <a:bodyPr/>
+          <a:lstStyle/>
+          <a:p>
+            <a:fld id="{1CCB0DC3-FFB4-40DD-8743-0357C76D3513}" type="slidenum">
+              <a:rPr lang="en-US" smtClean="0"/>
+              <a:t>‹#›</a:t>
+            </a:fld>
+            <a:endParaRPr lang="en-US"/>
+          </a:p>
+        </p:txBody>
+      </p:sp>
+    </p:spTree>
+    <p:extLst>
+      <p:ext uri="{BB962C8B-B14F-4D97-AF65-F5344CB8AC3E}">
+        <p14:creationId xmlns:p14="http://schemas.microsoft.com/office/powerpoint/2010/main" val="1630451117"/>
+      </p:ext>
+    </p:extLst>
+  </p:cSld>
+  <p:clrMapOvr>
+    <a:masterClrMapping/>
+  </p:clrMapOvr>
+</p:sldLayout>
+</file>
+
+<file path=ppt/slideLayouts/slideLayout11.xml><?xml version="1.0" encoding="utf-8"?>
+<p:sldLayout xmlns:a="http://schemas.openxmlformats.org/drawingml/2006/main" xmlns:r="http://schemas.openxmlformats.org/officeDocument/2006/relationships" xmlns:p="http://schemas.openxmlformats.org/presentationml/2006/main" preserve="1">
+  <p:cSld name="Title and Caption">
+    <p:spTree>
+      <p:nvGrpSpPr>
+        <p:cNvPr id="1" name=""/>
+        <p:cNvGrpSpPr/>
+        <p:nvPr/>
+      </p:nvGrpSpPr>
+      <p:grpSpPr>
+        <a:xfrm>
+          <a:off x="0" y="0"/>
+          <a:ext cx="0" cy="0"/>
+          <a:chOff x="0" y="0"/>
+          <a:chExt cx="0" cy="0"/>
+        </a:xfrm>
+      </p:grpSpPr>
+      <p:sp>
+        <p:nvSpPr>
+          <p:cNvPr id="2" name="Title 1"/>
+          <p:cNvSpPr>
+            <a:spLocks noGrp="1"/>
+          </p:cNvSpPr>
+          <p:nvPr>
+            <p:ph type="title"/>
+          </p:nvPr>
+        </p:nvSpPr>
+        <p:spPr>
+          <a:xfrm>
+            <a:off x="4157836" y="4632960"/>
+            <a:ext cx="31772372" cy="6339840"/>
+          </a:xfrm>
+        </p:spPr>
+        <p:txBody>
+          <a:bodyPr/>
+          <a:lstStyle>
+            <a:lvl1pPr>
+              <a:defRPr sz="15360"/>
+            </a:lvl1pPr>
+          </a:lstStyle>
+          <a:p>
+            <a:r>
+              <a:rPr lang="en-US" smtClean="0"/>
+              <a:t>Click to edit Master title style</a:t>
+            </a:r>
+            <a:endParaRPr lang="en-US" dirty="0"/>
+          </a:p>
+        </p:txBody>
+      </p:sp>
+      <p:sp>
+        <p:nvSpPr>
+          <p:cNvPr id="8" name="Text Placeholder 3"/>
+          <p:cNvSpPr>
+            <a:spLocks noGrp="1"/>
+          </p:cNvSpPr>
+          <p:nvPr>
+            <p:ph type="body" sz="half" idx="2"/>
+          </p:nvPr>
+        </p:nvSpPr>
+        <p:spPr>
+          <a:xfrm>
+            <a:off x="4157836" y="11704320"/>
+            <a:ext cx="31772372" cy="7559040"/>
+          </a:xfrm>
+        </p:spPr>
+        <p:txBody>
+          <a:bodyPr anchor="ctr">
+            <a:normAutofit/>
+          </a:bodyPr>
+          <a:lstStyle>
+            <a:lvl1pPr marL="0" indent="0">
+              <a:buNone/>
+              <a:defRPr sz="5760"/>
+            </a:lvl1pPr>
+            <a:lvl2pPr marL="1463040" indent="0">
+              <a:buNone/>
+              <a:defRPr sz="3840"/>
+            </a:lvl2pPr>
+            <a:lvl3pPr marL="2926080" indent="0">
+              <a:buNone/>
+              <a:defRPr sz="3200"/>
+            </a:lvl3pPr>
+            <a:lvl4pPr marL="4389120" indent="0">
+              <a:buNone/>
+              <a:defRPr sz="2880"/>
+            </a:lvl4pPr>
+            <a:lvl5pPr marL="5852160" indent="0">
+              <a:buNone/>
+              <a:defRPr sz="2880"/>
+            </a:lvl5pPr>
+            <a:lvl6pPr marL="7315200" indent="0">
+              <a:buNone/>
+              <a:defRPr sz="2880"/>
+            </a:lvl6pPr>
+            <a:lvl7pPr marL="8778240" indent="0">
+              <a:buNone/>
+              <a:defRPr sz="2880"/>
+            </a:lvl7pPr>
+            <a:lvl8pPr marL="10241280" indent="0">
+              <a:buNone/>
+              <a:defRPr sz="2880"/>
+            </a:lvl8pPr>
+            <a:lvl9pPr marL="11704320" indent="0">
+              <a:buNone/>
+              <a:defRPr sz="2880"/>
+            </a:lvl9pPr>
+          </a:lstStyle>
+          <a:p>
+            <a:pPr lvl="0"/>
+            <a:r>
+              <a:rPr lang="en-US" smtClean="0"/>
+              <a:t>Click to edit Master text styles</a:t>
+            </a:r>
+          </a:p>
+        </p:txBody>
+      </p:sp>
+      <p:sp>
+        <p:nvSpPr>
+          <p:cNvPr id="4" name="Date Placeholder 3"/>
+          <p:cNvSpPr>
+            <a:spLocks noGrp="1"/>
+          </p:cNvSpPr>
+          <p:nvPr>
+            <p:ph type="dt" sz="half" idx="10"/>
+          </p:nvPr>
+        </p:nvSpPr>
+        <p:spPr/>
+        <p:txBody>
+          <a:bodyPr/>
+          <a:lstStyle/>
+          <a:p>
+            <a:fld id="{5B4D2179-3739-4110-AF2E-953EC2A650FD}" type="datetimeFigureOut">
+              <a:rPr lang="en-US" smtClean="0"/>
+              <a:t>12/15/2014</a:t>
+            </a:fld>
+            <a:endParaRPr lang="en-US"/>
+          </a:p>
+        </p:txBody>
+      </p:sp>
+      <p:sp>
+        <p:nvSpPr>
+          <p:cNvPr id="5" name="Footer Placeholder 4"/>
+          <p:cNvSpPr>
+            <a:spLocks noGrp="1"/>
+          </p:cNvSpPr>
+          <p:nvPr>
+            <p:ph type="ftr" sz="quarter" idx="11"/>
+          </p:nvPr>
+        </p:nvSpPr>
+        <p:spPr/>
+        <p:txBody>
+          <a:bodyPr/>
+          <a:lstStyle/>
+          <a:p>
+            <a:endParaRPr lang="en-US"/>
+          </a:p>
+        </p:txBody>
+      </p:sp>
+      <p:sp>
+        <p:nvSpPr>
+          <p:cNvPr id="6" name="Slide Number Placeholder 5"/>
+          <p:cNvSpPr>
+            <a:spLocks noGrp="1"/>
+          </p:cNvSpPr>
+          <p:nvPr>
+            <p:ph type="sldNum" sz="quarter" idx="12"/>
+          </p:nvPr>
+        </p:nvSpPr>
+        <p:spPr/>
+        <p:txBody>
+          <a:bodyPr/>
+          <a:lstStyle/>
+          <a:p>
+            <a:fld id="{1CCB0DC3-FFB4-40DD-8743-0357C76D3513}" type="slidenum">
+              <a:rPr lang="en-US" smtClean="0"/>
+              <a:t>‹#›</a:t>
+            </a:fld>
+            <a:endParaRPr lang="en-US"/>
+          </a:p>
+        </p:txBody>
+      </p:sp>
+    </p:spTree>
+    <p:extLst>
+      <p:ext uri="{BB962C8B-B14F-4D97-AF65-F5344CB8AC3E}">
+        <p14:creationId xmlns:p14="http://schemas.microsoft.com/office/powerpoint/2010/main" val="116033790"/>
+      </p:ext>
+    </p:extLst>
+  </p:cSld>
+  <p:clrMapOvr>
+    <a:masterClrMapping/>
+  </p:clrMapOvr>
+</p:sldLayout>
+</file>
+
+<file path=ppt/slideLayouts/slideLayout12.xml><?xml version="1.0" encoding="utf-8"?>
+<p:sldLayout xmlns:a="http://schemas.openxmlformats.org/drawingml/2006/main" xmlns:r="http://schemas.openxmlformats.org/officeDocument/2006/relationships" xmlns:p="http://schemas.openxmlformats.org/presentationml/2006/main" preserve="1">
+  <p:cSld name="Quote with Caption">
+    <p:spTree>
+      <p:nvGrpSpPr>
+        <p:cNvPr id="1" name=""/>
+        <p:cNvGrpSpPr/>
+        <p:nvPr/>
+      </p:nvGrpSpPr>
+      <p:grpSpPr>
+        <a:xfrm>
+          <a:off x="0" y="0"/>
+          <a:ext cx="0" cy="0"/>
+          <a:chOff x="0" y="0"/>
+          <a:chExt cx="0" cy="0"/>
+        </a:xfrm>
+      </p:grpSpPr>
+      <p:sp>
+        <p:nvSpPr>
+          <p:cNvPr id="2" name="Title 1"/>
+          <p:cNvSpPr>
+            <a:spLocks noGrp="1"/>
+          </p:cNvSpPr>
+          <p:nvPr>
+            <p:ph type="title"/>
+          </p:nvPr>
+        </p:nvSpPr>
+        <p:spPr>
+          <a:xfrm>
+            <a:off x="5669285" y="4632960"/>
+            <a:ext cx="28797534" cy="7434797"/>
+          </a:xfrm>
+        </p:spPr>
+        <p:txBody>
+          <a:bodyPr/>
+          <a:lstStyle>
+            <a:lvl1pPr>
+              <a:defRPr sz="15360"/>
+            </a:lvl1pPr>
+          </a:lstStyle>
+          <a:p>
+            <a:r>
+              <a:rPr lang="en-US" smtClean="0"/>
+              <a:t>Click to edit Master title style</a:t>
+            </a:r>
+            <a:endParaRPr lang="en-US" dirty="0"/>
+          </a:p>
+        </p:txBody>
+      </p:sp>
+      <p:sp>
+        <p:nvSpPr>
+          <p:cNvPr id="11" name="Text Placeholder 3"/>
+          <p:cNvSpPr>
+            <a:spLocks noGrp="1"/>
+          </p:cNvSpPr>
+          <p:nvPr>
+            <p:ph type="body" sz="half" idx="14"/>
+          </p:nvPr>
+        </p:nvSpPr>
+        <p:spPr>
+          <a:xfrm>
+            <a:off x="6949442" y="12067757"/>
+            <a:ext cx="26206736" cy="1094957"/>
+          </a:xfrm>
+        </p:spPr>
+        <p:txBody>
+          <a:bodyPr vert="horz" lIns="91440" tIns="45720" rIns="91440" bIns="45720" rtlCol="0" anchor="t">
+            <a:normAutofit/>
+          </a:bodyPr>
+          <a:lstStyle>
+            <a:lvl1pPr marL="0" indent="0">
+              <a:buNone/>
+              <a:defRPr lang="en-US" sz="4480" b="0" i="0" kern="1200" cap="small" dirty="0">
+                <a:solidFill>
+                  <a:schemeClr val="bg2">
+                    <a:lumMod val="40000"/>
+                    <a:lumOff val="60000"/>
+                  </a:schemeClr>
+                </a:solidFill>
+                <a:latin typeface="+mj-lt"/>
+                <a:ea typeface="+mj-ea"/>
+                <a:cs typeface="+mj-cs"/>
+              </a:defRPr>
+            </a:lvl1pPr>
+            <a:lvl2pPr marL="1463040" indent="0">
+              <a:buNone/>
+              <a:defRPr sz="3840"/>
+            </a:lvl2pPr>
+            <a:lvl3pPr marL="2926080" indent="0">
+              <a:buNone/>
+              <a:defRPr sz="3200"/>
+            </a:lvl3pPr>
+            <a:lvl4pPr marL="4389120" indent="0">
+              <a:buNone/>
+              <a:defRPr sz="2880"/>
+            </a:lvl4pPr>
+            <a:lvl5pPr marL="5852160" indent="0">
+              <a:buNone/>
+              <a:defRPr sz="2880"/>
+            </a:lvl5pPr>
+            <a:lvl6pPr marL="7315200" indent="0">
+              <a:buNone/>
+              <a:defRPr sz="2880"/>
+            </a:lvl6pPr>
+            <a:lvl7pPr marL="8778240" indent="0">
+              <a:buNone/>
+              <a:defRPr sz="2880"/>
+            </a:lvl7pPr>
+            <a:lvl8pPr marL="10241280" indent="0">
+              <a:buNone/>
+              <a:defRPr sz="2880"/>
+            </a:lvl8pPr>
+            <a:lvl9pPr marL="11704320" indent="0">
+              <a:buNone/>
+              <a:defRPr sz="2880"/>
+            </a:lvl9pPr>
+          </a:lstStyle>
+          <a:p>
+            <a:pPr marL="0" lvl="0" indent="0">
+              <a:buNone/>
+            </a:pPr>
+            <a:r>
+              <a:rPr lang="en-US" smtClean="0"/>
+              <a:t>Click to edit Master text styles</a:t>
+            </a:r>
+          </a:p>
+        </p:txBody>
+      </p:sp>
+      <p:sp>
+        <p:nvSpPr>
+          <p:cNvPr id="10" name="Text Placeholder 3"/>
+          <p:cNvSpPr>
+            <a:spLocks noGrp="1"/>
+          </p:cNvSpPr>
+          <p:nvPr>
+            <p:ph type="body" sz="half" idx="2"/>
+          </p:nvPr>
+        </p:nvSpPr>
+        <p:spPr>
+          <a:xfrm>
+            <a:off x="4157836" y="13922102"/>
+            <a:ext cx="31772372" cy="5364480"/>
+          </a:xfrm>
+        </p:spPr>
+        <p:txBody>
+          <a:bodyPr anchor="ctr">
+            <a:normAutofit/>
+          </a:bodyPr>
+          <a:lstStyle>
+            <a:lvl1pPr marL="0" indent="0">
+              <a:buNone/>
+              <a:defRPr sz="5760"/>
+            </a:lvl1pPr>
+            <a:lvl2pPr marL="1463040" indent="0">
+              <a:buNone/>
+              <a:defRPr sz="3840"/>
+            </a:lvl2pPr>
+            <a:lvl3pPr marL="2926080" indent="0">
+              <a:buNone/>
+              <a:defRPr sz="3200"/>
+            </a:lvl3pPr>
+            <a:lvl4pPr marL="4389120" indent="0">
+              <a:buNone/>
+              <a:defRPr sz="2880"/>
+            </a:lvl4pPr>
+            <a:lvl5pPr marL="5852160" indent="0">
+              <a:buNone/>
+              <a:defRPr sz="2880"/>
+            </a:lvl5pPr>
+            <a:lvl6pPr marL="7315200" indent="0">
+              <a:buNone/>
+              <a:defRPr sz="2880"/>
+            </a:lvl6pPr>
+            <a:lvl7pPr marL="8778240" indent="0">
+              <a:buNone/>
+              <a:defRPr sz="2880"/>
+            </a:lvl7pPr>
+            <a:lvl8pPr marL="10241280" indent="0">
+              <a:buNone/>
+              <a:defRPr sz="2880"/>
+            </a:lvl8pPr>
+            <a:lvl9pPr marL="11704320" indent="0">
+              <a:buNone/>
+              <a:defRPr sz="2880"/>
+            </a:lvl9pPr>
+          </a:lstStyle>
+          <a:p>
+            <a:pPr lvl="0"/>
+            <a:r>
+              <a:rPr lang="en-US" smtClean="0"/>
+              <a:t>Click to edit Master text styles</a:t>
+            </a:r>
+          </a:p>
+        </p:txBody>
+      </p:sp>
+      <p:sp>
+        <p:nvSpPr>
+          <p:cNvPr id="4" name="Date Placeholder 3"/>
+          <p:cNvSpPr>
+            <a:spLocks noGrp="1"/>
+          </p:cNvSpPr>
+          <p:nvPr>
+            <p:ph type="dt" sz="half" idx="10"/>
+          </p:nvPr>
+        </p:nvSpPr>
+        <p:spPr/>
+        <p:txBody>
+          <a:bodyPr/>
+          <a:lstStyle/>
+          <a:p>
+            <a:fld id="{5B4D2179-3739-4110-AF2E-953EC2A650FD}" type="datetimeFigureOut">
+              <a:rPr lang="en-US" smtClean="0"/>
+              <a:t>12/15/2014</a:t>
+            </a:fld>
+            <a:endParaRPr lang="en-US"/>
+          </a:p>
+        </p:txBody>
+      </p:sp>
+      <p:sp>
+        <p:nvSpPr>
+          <p:cNvPr id="5" name="Footer Placeholder 4"/>
+          <p:cNvSpPr>
+            <a:spLocks noGrp="1"/>
+          </p:cNvSpPr>
+          <p:nvPr>
+            <p:ph type="ftr" sz="quarter" idx="11"/>
+          </p:nvPr>
+        </p:nvSpPr>
+        <p:spPr/>
+        <p:txBody>
+          <a:bodyPr/>
+          <a:lstStyle/>
+          <a:p>
+            <a:endParaRPr lang="en-US"/>
+          </a:p>
+        </p:txBody>
+      </p:sp>
+      <p:sp>
+        <p:nvSpPr>
+          <p:cNvPr id="6" name="Slide Number Placeholder 5"/>
+          <p:cNvSpPr>
+            <a:spLocks noGrp="1"/>
+          </p:cNvSpPr>
+          <p:nvPr>
+            <p:ph type="sldNum" sz="quarter" idx="12"/>
+          </p:nvPr>
+        </p:nvSpPr>
+        <p:spPr/>
+        <p:txBody>
+          <a:bodyPr/>
+          <a:lstStyle/>
+          <a:p>
+            <a:fld id="{1CCB0DC3-FFB4-40DD-8743-0357C76D3513}" type="slidenum">
+              <a:rPr lang="en-US" smtClean="0"/>
+              <a:t>‹#›</a:t>
+            </a:fld>
+            <a:endParaRPr lang="en-US"/>
+          </a:p>
+        </p:txBody>
+      </p:sp>
+      <p:sp>
+        <p:nvSpPr>
+          <p:cNvPr id="12" name="TextBox 11"/>
+          <p:cNvSpPr txBox="1"/>
+          <p:nvPr/>
+        </p:nvSpPr>
+        <p:spPr>
+          <a:xfrm>
+            <a:off x="3233862" y="3108011"/>
+            <a:ext cx="2886883" cy="6100131"/>
+          </a:xfrm>
+          <a:prstGeom prst="rect">
+            <a:avLst/>
+          </a:prstGeom>
+          <a:noFill/>
+        </p:spPr>
+        <p:txBody>
+          <a:bodyPr wrap="square" rtlCol="0">
+            <a:spAutoFit/>
+          </a:bodyPr>
+          <a:lstStyle>
+            <a:defPPr>
+              <a:defRPr lang="en-US"/>
+            </a:defPPr>
+            <a:lvl1pPr algn="r">
+              <a:defRPr sz="12200" b="0" i="0">
+                <a:solidFill>
+                  <a:schemeClr val="bg2">
+                    <a:lumMod val="40000"/>
+                    <a:lumOff val="60000"/>
+                  </a:schemeClr>
+                </a:solidFill>
+                <a:latin typeface="Arial"/>
+                <a:ea typeface="+mj-ea"/>
+                <a:cs typeface="+mj-cs"/>
+              </a:defRPr>
+            </a:lvl1pPr>
+          </a:lstStyle>
+          <a:p>
+            <a:pPr lvl="0"/>
+            <a:r>
+              <a:rPr lang="en-US" sz="39040" dirty="0"/>
+              <a:t>“</a:t>
+            </a:r>
+          </a:p>
+        </p:txBody>
+      </p:sp>
+      <p:sp>
+        <p:nvSpPr>
+          <p:cNvPr id="15" name="TextBox 14"/>
+          <p:cNvSpPr txBox="1"/>
+          <p:nvPr/>
+        </p:nvSpPr>
+        <p:spPr>
+          <a:xfrm>
+            <a:off x="33589764" y="8364120"/>
+            <a:ext cx="2886883" cy="6100131"/>
+          </a:xfrm>
+          <a:prstGeom prst="rect">
+            <a:avLst/>
+          </a:prstGeom>
+          <a:noFill/>
+        </p:spPr>
+        <p:txBody>
+          <a:bodyPr wrap="square" rtlCol="0">
+            <a:spAutoFit/>
+          </a:bodyPr>
+          <a:lstStyle>
+            <a:defPPr>
+              <a:defRPr lang="en-US"/>
+            </a:defPPr>
+            <a:lvl1pPr algn="r">
+              <a:defRPr sz="12200" b="0" i="0">
+                <a:solidFill>
+                  <a:schemeClr val="bg2">
+                    <a:lumMod val="40000"/>
+                    <a:lumOff val="60000"/>
+                  </a:schemeClr>
+                </a:solidFill>
+                <a:latin typeface="Arial"/>
+                <a:ea typeface="+mj-ea"/>
+                <a:cs typeface="+mj-cs"/>
+              </a:defRPr>
+            </a:lvl1pPr>
+          </a:lstStyle>
+          <a:p>
+            <a:pPr lvl="0"/>
+            <a:r>
+              <a:rPr lang="en-US" sz="39040" dirty="0"/>
+              <a:t>”</a:t>
+            </a:r>
+          </a:p>
+        </p:txBody>
+      </p:sp>
+    </p:spTree>
+    <p:extLst>
+      <p:ext uri="{BB962C8B-B14F-4D97-AF65-F5344CB8AC3E}">
+        <p14:creationId xmlns:p14="http://schemas.microsoft.com/office/powerpoint/2010/main" val="2001385357"/>
+      </p:ext>
+    </p:extLst>
+  </p:cSld>
+  <p:clrMapOvr>
+    <a:masterClrMapping/>
+  </p:clrMapOvr>
+</p:sldLayout>
+</file>
+
+<file path=ppt/slideLayouts/slideLayout13.xml><?xml version="1.0" encoding="utf-8"?>
+<p:sldLayout xmlns:a="http://schemas.openxmlformats.org/drawingml/2006/main" xmlns:r="http://schemas.openxmlformats.org/officeDocument/2006/relationships" xmlns:p="http://schemas.openxmlformats.org/presentationml/2006/main" preserve="1">
+  <p:cSld name="Name Card">
+    <p:spTree>
+      <p:nvGrpSpPr>
+        <p:cNvPr id="1" name=""/>
+        <p:cNvGrpSpPr/>
+        <p:nvPr/>
+      </p:nvGrpSpPr>
+      <p:grpSpPr>
+        <a:xfrm>
+          <a:off x="0" y="0"/>
+          <a:ext cx="0" cy="0"/>
+          <a:chOff x="0" y="0"/>
+          <a:chExt cx="0" cy="0"/>
+        </a:xfrm>
+      </p:grpSpPr>
+      <p:sp>
+        <p:nvSpPr>
+          <p:cNvPr id="2" name="Title 1"/>
+          <p:cNvSpPr>
+            <a:spLocks noGrp="1"/>
+          </p:cNvSpPr>
+          <p:nvPr>
+            <p:ph type="title"/>
+          </p:nvPr>
+        </p:nvSpPr>
+        <p:spPr>
+          <a:xfrm>
+            <a:off x="4157834" y="9997443"/>
+            <a:ext cx="31772376" cy="5290176"/>
+          </a:xfrm>
+        </p:spPr>
+        <p:txBody>
+          <a:bodyPr anchor="b"/>
+          <a:lstStyle>
+            <a:lvl1pPr algn="l">
+              <a:defRPr sz="12800" b="0" cap="none"/>
+            </a:lvl1pPr>
+          </a:lstStyle>
+          <a:p>
+            <a:r>
+              <a:rPr lang="en-US" smtClean="0"/>
+              <a:t>Click to edit Master title style</a:t>
+            </a:r>
+            <a:endParaRPr lang="en-US" dirty="0"/>
+          </a:p>
+        </p:txBody>
+      </p:sp>
+      <p:sp>
+        <p:nvSpPr>
+          <p:cNvPr id="3" name="Text Placeholder 2"/>
+          <p:cNvSpPr>
+            <a:spLocks noGrp="1"/>
+          </p:cNvSpPr>
+          <p:nvPr>
+            <p:ph type="body" idx="1"/>
+          </p:nvPr>
+        </p:nvSpPr>
+        <p:spPr>
+          <a:xfrm>
+            <a:off x="4157836" y="15287619"/>
+            <a:ext cx="31772372" cy="2753280"/>
+          </a:xfrm>
+        </p:spPr>
+        <p:txBody>
+          <a:bodyPr anchor="t"/>
+          <a:lstStyle>
+            <a:lvl1pPr marL="0" indent="0" algn="l">
+              <a:buNone/>
+              <a:defRPr sz="6400" cap="none">
+                <a:solidFill>
+                  <a:schemeClr val="bg2">
+                    <a:lumMod val="40000"/>
+                    <a:lumOff val="60000"/>
+                  </a:schemeClr>
+                </a:solidFill>
+              </a:defRPr>
+            </a:lvl1pPr>
+            <a:lvl2pPr marL="1463040" indent="0">
+              <a:buNone/>
+              <a:defRPr sz="5760">
+                <a:solidFill>
+                  <a:schemeClr val="tx1">
+                    <a:tint val="75000"/>
+                  </a:schemeClr>
+                </a:solidFill>
+              </a:defRPr>
+            </a:lvl2pPr>
+            <a:lvl3pPr marL="2926080" indent="0">
+              <a:buNone/>
+              <a:defRPr sz="5120">
+                <a:solidFill>
+                  <a:schemeClr val="tx1">
+                    <a:tint val="75000"/>
+                  </a:schemeClr>
+                </a:solidFill>
+              </a:defRPr>
+            </a:lvl3pPr>
+            <a:lvl4pPr marL="4389120" indent="0">
+              <a:buNone/>
+              <a:defRPr sz="4480">
+                <a:solidFill>
+                  <a:schemeClr val="tx1">
+                    <a:tint val="75000"/>
+                  </a:schemeClr>
+                </a:solidFill>
+              </a:defRPr>
+            </a:lvl4pPr>
+            <a:lvl5pPr marL="5852160" indent="0">
+              <a:buNone/>
+              <a:defRPr sz="4480">
+                <a:solidFill>
+                  <a:schemeClr val="tx1">
+                    <a:tint val="75000"/>
+                  </a:schemeClr>
+                </a:solidFill>
+              </a:defRPr>
+            </a:lvl5pPr>
+            <a:lvl6pPr marL="7315200" indent="0">
+              <a:buNone/>
+              <a:defRPr sz="4480">
+                <a:solidFill>
+                  <a:schemeClr val="tx1">
+                    <a:tint val="75000"/>
+                  </a:schemeClr>
+                </a:solidFill>
+              </a:defRPr>
+            </a:lvl6pPr>
+            <a:lvl7pPr marL="8778240" indent="0">
+              <a:buNone/>
+              <a:defRPr sz="4480">
+                <a:solidFill>
+                  <a:schemeClr val="tx1">
+                    <a:tint val="75000"/>
+                  </a:schemeClr>
+                </a:solidFill>
+              </a:defRPr>
+            </a:lvl7pPr>
+            <a:lvl8pPr marL="10241280" indent="0">
+              <a:buNone/>
+              <a:defRPr sz="4480">
+                <a:solidFill>
+                  <a:schemeClr val="tx1">
+                    <a:tint val="75000"/>
+                  </a:schemeClr>
+                </a:solidFill>
+              </a:defRPr>
+            </a:lvl8pPr>
+            <a:lvl9pPr marL="11704320" indent="0">
+              <a:buNone/>
+              <a:defRPr sz="4480">
+                <a:solidFill>
+                  <a:schemeClr val="tx1">
+                    <a:tint val="75000"/>
+                  </a:schemeClr>
+                </a:solidFill>
+              </a:defRPr>
+            </a:lvl9pPr>
+          </a:lstStyle>
+          <a:p>
+            <a:pPr lvl="0"/>
+            <a:r>
+              <a:rPr lang="en-US" smtClean="0"/>
+              <a:t>Click to edit Master text styles</a:t>
+            </a:r>
+          </a:p>
+        </p:txBody>
+      </p:sp>
+      <p:sp>
+        <p:nvSpPr>
+          <p:cNvPr id="4" name="Date Placeholder 3"/>
+          <p:cNvSpPr>
+            <a:spLocks noGrp="1"/>
+          </p:cNvSpPr>
+          <p:nvPr>
+            <p:ph type="dt" sz="half" idx="10"/>
+          </p:nvPr>
+        </p:nvSpPr>
+        <p:spPr/>
+        <p:txBody>
+          <a:bodyPr/>
+          <a:lstStyle/>
+          <a:p>
+            <a:fld id="{5B4D2179-3739-4110-AF2E-953EC2A650FD}" type="datetimeFigureOut">
+              <a:rPr lang="en-US" smtClean="0"/>
+              <a:t>12/15/2014</a:t>
+            </a:fld>
+            <a:endParaRPr lang="en-US"/>
+          </a:p>
+        </p:txBody>
+      </p:sp>
+      <p:sp>
+        <p:nvSpPr>
+          <p:cNvPr id="5" name="Footer Placeholder 4"/>
+          <p:cNvSpPr>
+            <a:spLocks noGrp="1"/>
+          </p:cNvSpPr>
+          <p:nvPr>
+            <p:ph type="ftr" sz="quarter" idx="11"/>
+          </p:nvPr>
+        </p:nvSpPr>
+        <p:spPr/>
+        <p:txBody>
+          <a:bodyPr/>
+          <a:lstStyle/>
+          <a:p>
+            <a:endParaRPr lang="en-US"/>
+          </a:p>
+        </p:txBody>
+      </p:sp>
+      <p:sp>
+        <p:nvSpPr>
+          <p:cNvPr id="6" name="Slide Number Placeholder 5"/>
+          <p:cNvSpPr>
+            <a:spLocks noGrp="1"/>
+          </p:cNvSpPr>
+          <p:nvPr>
+            <p:ph type="sldNum" sz="quarter" idx="12"/>
+          </p:nvPr>
+        </p:nvSpPr>
+        <p:spPr/>
+        <p:txBody>
+          <a:bodyPr/>
+          <a:lstStyle/>
+          <a:p>
+            <a:fld id="{1CCB0DC3-FFB4-40DD-8743-0357C76D3513}" type="slidenum">
+              <a:rPr lang="en-US" smtClean="0"/>
+              <a:t>‹#›</a:t>
+            </a:fld>
+            <a:endParaRPr lang="en-US"/>
+          </a:p>
+        </p:txBody>
+      </p:sp>
+    </p:spTree>
+    <p:extLst>
+      <p:ext uri="{BB962C8B-B14F-4D97-AF65-F5344CB8AC3E}">
+        <p14:creationId xmlns:p14="http://schemas.microsoft.com/office/powerpoint/2010/main" val="499524880"/>
+      </p:ext>
+    </p:extLst>
+  </p:cSld>
+  <p:clrMapOvr>
+    <a:masterClrMapping/>
+  </p:clrMapOvr>
+</p:sldLayout>
+</file>
+
+<file path=ppt/slideLayouts/slideLayout14.xml><?xml version="1.0" encoding="utf-8"?>
+<p:sldLayout xmlns:a="http://schemas.openxmlformats.org/drawingml/2006/main" xmlns:r="http://schemas.openxmlformats.org/officeDocument/2006/relationships" xmlns:p="http://schemas.openxmlformats.org/presentationml/2006/main" preserve="1">
+  <p:cSld name="3 Column">
+    <p:spTree>
+      <p:nvGrpSpPr>
+        <p:cNvPr id="1" name=""/>
+        <p:cNvGrpSpPr/>
+        <p:nvPr/>
+      </p:nvGrpSpPr>
+      <p:grpSpPr>
+        <a:xfrm>
+          <a:off x="0" y="0"/>
+          <a:ext cx="0" cy="0"/>
+          <a:chOff x="0" y="0"/>
+          <a:chExt cx="0" cy="0"/>
+        </a:xfrm>
+      </p:grpSpPr>
+      <p:sp>
+        <p:nvSpPr>
+          <p:cNvPr id="2" name="Title 1"/>
+          <p:cNvSpPr>
+            <a:spLocks noGrp="1"/>
+          </p:cNvSpPr>
+          <p:nvPr>
+            <p:ph type="title"/>
+          </p:nvPr>
+        </p:nvSpPr>
+        <p:spPr/>
+        <p:txBody>
+          <a:bodyPr/>
+          <a:lstStyle>
+            <a:lvl1pPr>
+              <a:defRPr sz="13440"/>
+            </a:lvl1pPr>
+          </a:lstStyle>
+          <a:p>
+            <a:r>
+              <a:rPr lang="en-US" smtClean="0"/>
+              <a:t>Click to edit Master title style</a:t>
+            </a:r>
+            <a:endParaRPr lang="en-US" dirty="0"/>
+          </a:p>
+        </p:txBody>
+      </p:sp>
+      <p:sp>
+        <p:nvSpPr>
+          <p:cNvPr id="3" name="Text Placeholder 2"/>
+          <p:cNvSpPr>
+            <a:spLocks noGrp="1"/>
+          </p:cNvSpPr>
+          <p:nvPr>
+            <p:ph type="body" idx="1"/>
+          </p:nvPr>
+        </p:nvSpPr>
+        <p:spPr>
+          <a:xfrm>
+            <a:off x="2278609" y="6339840"/>
+            <a:ext cx="10608718" cy="1844038"/>
+          </a:xfrm>
+        </p:spPr>
+        <p:txBody>
+          <a:bodyPr anchor="b">
+            <a:noAutofit/>
+          </a:bodyPr>
+          <a:lstStyle>
+            <a:lvl1pPr marL="0" indent="0">
+              <a:buNone/>
+              <a:defRPr sz="7680" b="0">
+                <a:solidFill>
+                  <a:schemeClr val="bg2">
+                    <a:lumMod val="40000"/>
+                    <a:lumOff val="60000"/>
+                  </a:schemeClr>
+                </a:solidFill>
+              </a:defRPr>
+            </a:lvl1pPr>
+            <a:lvl2pPr marL="1463040" indent="0">
+              <a:buNone/>
+              <a:defRPr sz="6400" b="1"/>
+            </a:lvl2pPr>
+            <a:lvl3pPr marL="2926080" indent="0">
+              <a:buNone/>
+              <a:defRPr sz="5760" b="1"/>
+            </a:lvl3pPr>
+            <a:lvl4pPr marL="4389120" indent="0">
+              <a:buNone/>
+              <a:defRPr sz="5120" b="1"/>
+            </a:lvl4pPr>
+            <a:lvl5pPr marL="5852160" indent="0">
+              <a:buNone/>
+              <a:defRPr sz="5120" b="1"/>
+            </a:lvl5pPr>
+            <a:lvl6pPr marL="7315200" indent="0">
+              <a:buNone/>
+              <a:defRPr sz="5120" b="1"/>
+            </a:lvl6pPr>
+            <a:lvl7pPr marL="8778240" indent="0">
+              <a:buNone/>
+              <a:defRPr sz="5120" b="1"/>
+            </a:lvl7pPr>
+            <a:lvl8pPr marL="10241280" indent="0">
+              <a:buNone/>
+              <a:defRPr sz="5120" b="1"/>
+            </a:lvl8pPr>
+            <a:lvl9pPr marL="11704320" indent="0">
+              <a:buNone/>
+              <a:defRPr sz="5120" b="1"/>
+            </a:lvl9pPr>
+          </a:lstStyle>
+          <a:p>
+            <a:pPr lvl="0"/>
+            <a:r>
+              <a:rPr lang="en-US" smtClean="0"/>
+              <a:t>Click to edit Master text styles</a:t>
+            </a:r>
+          </a:p>
+        </p:txBody>
+      </p:sp>
+      <p:sp>
+        <p:nvSpPr>
+          <p:cNvPr id="16" name="Text Placeholder 3"/>
+          <p:cNvSpPr>
+            <a:spLocks noGrp="1"/>
+          </p:cNvSpPr>
+          <p:nvPr>
+            <p:ph type="body" sz="half" idx="15"/>
+          </p:nvPr>
+        </p:nvSpPr>
+        <p:spPr>
+          <a:xfrm>
+            <a:off x="2348867" y="8534400"/>
+            <a:ext cx="10538460" cy="11485882"/>
+          </a:xfrm>
+        </p:spPr>
+        <p:txBody>
+          <a:bodyPr anchor="t">
+            <a:normAutofit/>
+          </a:bodyPr>
+          <a:lstStyle>
+            <a:lvl1pPr marL="0" indent="0">
+              <a:buNone/>
+              <a:defRPr sz="4480"/>
+            </a:lvl1pPr>
+            <a:lvl2pPr marL="1463040" indent="0">
+              <a:buNone/>
+              <a:defRPr sz="3840"/>
+            </a:lvl2pPr>
+            <a:lvl3pPr marL="2926080" indent="0">
+              <a:buNone/>
+              <a:defRPr sz="3200"/>
+            </a:lvl3pPr>
+            <a:lvl4pPr marL="4389120" indent="0">
+              <a:buNone/>
+              <a:defRPr sz="2880"/>
+            </a:lvl4pPr>
+            <a:lvl5pPr marL="5852160" indent="0">
+              <a:buNone/>
+              <a:defRPr sz="2880"/>
+            </a:lvl5pPr>
+            <a:lvl6pPr marL="7315200" indent="0">
+              <a:buNone/>
+              <a:defRPr sz="2880"/>
+            </a:lvl6pPr>
+            <a:lvl7pPr marL="8778240" indent="0">
+              <a:buNone/>
+              <a:defRPr sz="2880"/>
+            </a:lvl7pPr>
+            <a:lvl8pPr marL="10241280" indent="0">
+              <a:buNone/>
+              <a:defRPr sz="2880"/>
+            </a:lvl8pPr>
+            <a:lvl9pPr marL="11704320" indent="0">
+              <a:buNone/>
+              <a:defRPr sz="2880"/>
+            </a:lvl9pPr>
+          </a:lstStyle>
+          <a:p>
+            <a:pPr lvl="0"/>
+            <a:r>
+              <a:rPr lang="en-US" smtClean="0"/>
+              <a:t>Click to edit Master text styles</a:t>
+            </a:r>
+          </a:p>
+        </p:txBody>
+      </p:sp>
+      <p:sp>
+        <p:nvSpPr>
+          <p:cNvPr id="5" name="Text Placeholder 4"/>
+          <p:cNvSpPr>
+            <a:spLocks noGrp="1"/>
+          </p:cNvSpPr>
+          <p:nvPr>
+            <p:ph type="body" sz="quarter" idx="3"/>
+          </p:nvPr>
+        </p:nvSpPr>
+        <p:spPr>
+          <a:xfrm>
+            <a:off x="13981174" y="6339840"/>
+            <a:ext cx="10570468" cy="1844038"/>
+          </a:xfrm>
+        </p:spPr>
+        <p:txBody>
+          <a:bodyPr anchor="b">
+            <a:noAutofit/>
+          </a:bodyPr>
+          <a:lstStyle>
+            <a:lvl1pPr marL="0" indent="0">
+              <a:buNone/>
+              <a:defRPr sz="7680" b="0">
+                <a:solidFill>
+                  <a:schemeClr val="bg2">
+                    <a:lumMod val="40000"/>
+                    <a:lumOff val="60000"/>
+                  </a:schemeClr>
+                </a:solidFill>
+              </a:defRPr>
+            </a:lvl1pPr>
+            <a:lvl2pPr marL="1463040" indent="0">
+              <a:buNone/>
+              <a:defRPr sz="6400" b="1"/>
+            </a:lvl2pPr>
+            <a:lvl3pPr marL="2926080" indent="0">
+              <a:buNone/>
+              <a:defRPr sz="5760" b="1"/>
+            </a:lvl3pPr>
+            <a:lvl4pPr marL="4389120" indent="0">
+              <a:buNone/>
+              <a:defRPr sz="5120" b="1"/>
+            </a:lvl4pPr>
+            <a:lvl5pPr marL="5852160" indent="0">
+              <a:buNone/>
+              <a:defRPr sz="5120" b="1"/>
+            </a:lvl5pPr>
+            <a:lvl6pPr marL="7315200" indent="0">
+              <a:buNone/>
+              <a:defRPr sz="5120" b="1"/>
+            </a:lvl6pPr>
+            <a:lvl7pPr marL="8778240" indent="0">
+              <a:buNone/>
+              <a:defRPr sz="5120" b="1"/>
+            </a:lvl7pPr>
+            <a:lvl8pPr marL="10241280" indent="0">
+              <a:buNone/>
+              <a:defRPr sz="5120" b="1"/>
+            </a:lvl8pPr>
+            <a:lvl9pPr marL="11704320" indent="0">
+              <a:buNone/>
+              <a:defRPr sz="5120" b="1"/>
+            </a:lvl9pPr>
+          </a:lstStyle>
+          <a:p>
+            <a:pPr lvl="0"/>
+            <a:r>
+              <a:rPr lang="en-US" smtClean="0"/>
+              <a:t>Click to edit Master text styles</a:t>
+            </a:r>
+          </a:p>
+        </p:txBody>
+      </p:sp>
+      <p:sp>
+        <p:nvSpPr>
+          <p:cNvPr id="19" name="Text Placeholder 3"/>
+          <p:cNvSpPr>
+            <a:spLocks noGrp="1"/>
+          </p:cNvSpPr>
+          <p:nvPr>
+            <p:ph type="body" sz="half" idx="16"/>
+          </p:nvPr>
+        </p:nvSpPr>
+        <p:spPr>
+          <a:xfrm>
+            <a:off x="13943182" y="8534400"/>
+            <a:ext cx="10608458" cy="11485882"/>
+          </a:xfrm>
+        </p:spPr>
+        <p:txBody>
+          <a:bodyPr anchor="t">
+            <a:normAutofit/>
+          </a:bodyPr>
+          <a:lstStyle>
+            <a:lvl1pPr marL="0" indent="0">
+              <a:buNone/>
+              <a:defRPr sz="4480"/>
+            </a:lvl1pPr>
+            <a:lvl2pPr marL="1463040" indent="0">
+              <a:buNone/>
+              <a:defRPr sz="3840"/>
+            </a:lvl2pPr>
+            <a:lvl3pPr marL="2926080" indent="0">
+              <a:buNone/>
+              <a:defRPr sz="3200"/>
+            </a:lvl3pPr>
+            <a:lvl4pPr marL="4389120" indent="0">
+              <a:buNone/>
+              <a:defRPr sz="2880"/>
+            </a:lvl4pPr>
+            <a:lvl5pPr marL="5852160" indent="0">
+              <a:buNone/>
+              <a:defRPr sz="2880"/>
+            </a:lvl5pPr>
+            <a:lvl6pPr marL="7315200" indent="0">
+              <a:buNone/>
+              <a:defRPr sz="2880"/>
+            </a:lvl6pPr>
+            <a:lvl7pPr marL="8778240" indent="0">
+              <a:buNone/>
+              <a:defRPr sz="2880"/>
+            </a:lvl7pPr>
+            <a:lvl8pPr marL="10241280" indent="0">
+              <a:buNone/>
+              <a:defRPr sz="2880"/>
+            </a:lvl8pPr>
+            <a:lvl9pPr marL="11704320" indent="0">
+              <a:buNone/>
+              <a:defRPr sz="2880"/>
+            </a:lvl9pPr>
+          </a:lstStyle>
+          <a:p>
+            <a:pPr lvl="0"/>
+            <a:r>
+              <a:rPr lang="en-US" smtClean="0"/>
+              <a:t>Click to edit Master text styles</a:t>
+            </a:r>
+          </a:p>
+        </p:txBody>
+      </p:sp>
+      <p:sp>
+        <p:nvSpPr>
+          <p:cNvPr id="14" name="Text Placeholder 4"/>
+          <p:cNvSpPr>
+            <a:spLocks noGrp="1"/>
+          </p:cNvSpPr>
+          <p:nvPr>
+            <p:ph type="body" sz="quarter" idx="13"/>
+          </p:nvPr>
+        </p:nvSpPr>
+        <p:spPr>
+          <a:xfrm>
+            <a:off x="25648922" y="6339840"/>
+            <a:ext cx="10555607" cy="1844038"/>
+          </a:xfrm>
+        </p:spPr>
+        <p:txBody>
+          <a:bodyPr anchor="b">
+            <a:noAutofit/>
+          </a:bodyPr>
+          <a:lstStyle>
+            <a:lvl1pPr marL="0" indent="0">
+              <a:buNone/>
+              <a:defRPr sz="7680" b="0">
+                <a:solidFill>
+                  <a:schemeClr val="bg2">
+                    <a:lumMod val="40000"/>
+                    <a:lumOff val="60000"/>
+                  </a:schemeClr>
+                </a:solidFill>
+              </a:defRPr>
+            </a:lvl1pPr>
+            <a:lvl2pPr marL="1463040" indent="0">
+              <a:buNone/>
+              <a:defRPr sz="6400" b="1"/>
+            </a:lvl2pPr>
+            <a:lvl3pPr marL="2926080" indent="0">
+              <a:buNone/>
+              <a:defRPr sz="5760" b="1"/>
+            </a:lvl3pPr>
+            <a:lvl4pPr marL="4389120" indent="0">
+              <a:buNone/>
+              <a:defRPr sz="5120" b="1"/>
+            </a:lvl4pPr>
+            <a:lvl5pPr marL="5852160" indent="0">
+              <a:buNone/>
+              <a:defRPr sz="5120" b="1"/>
+            </a:lvl5pPr>
+            <a:lvl6pPr marL="7315200" indent="0">
+              <a:buNone/>
+              <a:defRPr sz="5120" b="1"/>
+            </a:lvl6pPr>
+            <a:lvl7pPr marL="8778240" indent="0">
+              <a:buNone/>
+              <a:defRPr sz="5120" b="1"/>
+            </a:lvl7pPr>
+            <a:lvl8pPr marL="10241280" indent="0">
+              <a:buNone/>
+              <a:defRPr sz="5120" b="1"/>
+            </a:lvl8pPr>
+            <a:lvl9pPr marL="11704320" indent="0">
+              <a:buNone/>
+              <a:defRPr sz="5120" b="1"/>
+            </a:lvl9pPr>
+          </a:lstStyle>
+          <a:p>
+            <a:pPr lvl="0"/>
+            <a:r>
+              <a:rPr lang="en-US" smtClean="0"/>
+              <a:t>Click to edit Master text styles</a:t>
+            </a:r>
+          </a:p>
+        </p:txBody>
+      </p:sp>
+      <p:sp>
+        <p:nvSpPr>
+          <p:cNvPr id="20" name="Text Placeholder 3"/>
+          <p:cNvSpPr>
+            <a:spLocks noGrp="1"/>
+          </p:cNvSpPr>
+          <p:nvPr>
+            <p:ph type="body" sz="half" idx="17"/>
+          </p:nvPr>
+        </p:nvSpPr>
+        <p:spPr>
+          <a:xfrm>
+            <a:off x="25648922" y="8534400"/>
+            <a:ext cx="10555607" cy="11485882"/>
+          </a:xfrm>
+        </p:spPr>
+        <p:txBody>
+          <a:bodyPr anchor="t">
+            <a:normAutofit/>
+          </a:bodyPr>
+          <a:lstStyle>
+            <a:lvl1pPr marL="0" indent="0">
+              <a:buNone/>
+              <a:defRPr sz="4480"/>
+            </a:lvl1pPr>
+            <a:lvl2pPr marL="1463040" indent="0">
+              <a:buNone/>
+              <a:defRPr sz="3840"/>
+            </a:lvl2pPr>
+            <a:lvl3pPr marL="2926080" indent="0">
+              <a:buNone/>
+              <a:defRPr sz="3200"/>
+            </a:lvl3pPr>
+            <a:lvl4pPr marL="4389120" indent="0">
+              <a:buNone/>
+              <a:defRPr sz="2880"/>
+            </a:lvl4pPr>
+            <a:lvl5pPr marL="5852160" indent="0">
+              <a:buNone/>
+              <a:defRPr sz="2880"/>
+            </a:lvl5pPr>
+            <a:lvl6pPr marL="7315200" indent="0">
+              <a:buNone/>
+              <a:defRPr sz="2880"/>
+            </a:lvl6pPr>
+            <a:lvl7pPr marL="8778240" indent="0">
+              <a:buNone/>
+              <a:defRPr sz="2880"/>
+            </a:lvl7pPr>
+            <a:lvl8pPr marL="10241280" indent="0">
+              <a:buNone/>
+              <a:defRPr sz="2880"/>
+            </a:lvl8pPr>
+            <a:lvl9pPr marL="11704320" indent="0">
+              <a:buNone/>
+              <a:defRPr sz="2880"/>
+            </a:lvl9pPr>
+          </a:lstStyle>
+          <a:p>
+            <a:pPr lvl="0"/>
+            <a:r>
+              <a:rPr lang="en-US" smtClean="0"/>
+              <a:t>Click to edit Master text styles</a:t>
+            </a:r>
+          </a:p>
+        </p:txBody>
+      </p:sp>
+      <p:cxnSp>
+        <p:nvCxnSpPr>
+          <p:cNvPr id="17" name="Straight Connector 16"/>
+          <p:cNvCxnSpPr/>
+          <p:nvPr/>
+        </p:nvCxnSpPr>
+        <p:spPr>
+          <a:xfrm>
+            <a:off x="13414111" y="6827520"/>
+            <a:ext cx="0" cy="12679680"/>
+          </a:xfrm>
+          <a:prstGeom prst="line">
+            <a:avLst/>
+          </a:prstGeom>
+          <a:ln w="12700" cmpd="sng">
+            <a:solidFill>
+              <a:schemeClr val="bg2">
+                <a:lumMod val="40000"/>
+                <a:lumOff val="60000"/>
+                <a:alpha val="40000"/>
+              </a:schemeClr>
+            </a:solidFill>
+          </a:ln>
+        </p:spPr>
+        <p:style>
+          <a:lnRef idx="2">
+            <a:schemeClr val="accent1"/>
+          </a:lnRef>
+          <a:fillRef idx="0">
+            <a:schemeClr val="accent1"/>
+          </a:fillRef>
+          <a:effectRef idx="1">
+            <a:schemeClr val="accent1"/>
+          </a:effectRef>
+          <a:fontRef idx="minor">
+            <a:schemeClr val="tx1"/>
+          </a:fontRef>
+        </p:style>
+      </p:cxnSp>
+      <p:cxnSp>
+        <p:nvCxnSpPr>
+          <p:cNvPr id="18" name="Straight Connector 17"/>
+          <p:cNvCxnSpPr/>
+          <p:nvPr/>
+        </p:nvCxnSpPr>
+        <p:spPr>
+          <a:xfrm>
+            <a:off x="25064017" y="6827520"/>
+            <a:ext cx="0" cy="12694022"/>
+          </a:xfrm>
+          <a:prstGeom prst="line">
+            <a:avLst/>
+          </a:prstGeom>
+          <a:ln w="12700" cmpd="sng">
+            <a:solidFill>
+              <a:schemeClr val="bg2">
+                <a:lumMod val="40000"/>
+                <a:lumOff val="60000"/>
+                <a:alpha val="40000"/>
+              </a:schemeClr>
+            </a:solidFill>
+          </a:ln>
+        </p:spPr>
+        <p:style>
+          <a:lnRef idx="2">
+            <a:schemeClr val="accent1"/>
+          </a:lnRef>
+          <a:fillRef idx="0">
+            <a:schemeClr val="accent1"/>
+          </a:fillRef>
+          <a:effectRef idx="1">
+            <a:schemeClr val="accent1"/>
+          </a:effectRef>
+          <a:fontRef idx="minor">
+            <a:schemeClr val="tx1"/>
+          </a:fontRef>
+        </p:style>
+      </p:cxnSp>
+      <p:sp>
+        <p:nvSpPr>
+          <p:cNvPr id="7" name="Date Placeholder 3"/>
+          <p:cNvSpPr>
+            <a:spLocks noGrp="1"/>
+          </p:cNvSpPr>
+          <p:nvPr>
+            <p:ph type="dt" sz="half" idx="10"/>
+          </p:nvPr>
+        </p:nvSpPr>
+        <p:spPr/>
+        <p:txBody>
+          <a:bodyPr/>
+          <a:lstStyle/>
+          <a:p>
+            <a:fld id="{5B4D2179-3739-4110-AF2E-953EC2A650FD}" type="datetimeFigureOut">
+              <a:rPr lang="en-US" smtClean="0"/>
+              <a:t>12/15/2014</a:t>
+            </a:fld>
+            <a:endParaRPr lang="en-US"/>
+          </a:p>
+        </p:txBody>
+      </p:sp>
+      <p:sp>
+        <p:nvSpPr>
+          <p:cNvPr id="4" name="Footer Placeholder 4"/>
+          <p:cNvSpPr>
+            <a:spLocks noGrp="1"/>
+          </p:cNvSpPr>
+          <p:nvPr>
+            <p:ph type="ftr" sz="quarter" idx="11"/>
+          </p:nvPr>
+        </p:nvSpPr>
+        <p:spPr/>
+        <p:txBody>
+          <a:bodyPr/>
+          <a:lstStyle/>
+          <a:p>
+            <a:endParaRPr lang="en-US"/>
+          </a:p>
+        </p:txBody>
+      </p:sp>
+      <p:sp>
+        <p:nvSpPr>
+          <p:cNvPr id="6" name="Slide Number Placeholder 5"/>
+          <p:cNvSpPr>
+            <a:spLocks noGrp="1"/>
+          </p:cNvSpPr>
+          <p:nvPr>
+            <p:ph type="sldNum" sz="quarter" idx="12"/>
+          </p:nvPr>
+        </p:nvSpPr>
+        <p:spPr/>
+        <p:txBody>
+          <a:bodyPr/>
+          <a:lstStyle/>
+          <a:p>
+            <a:fld id="{1CCB0DC3-FFB4-40DD-8743-0357C76D3513}" type="slidenum">
+              <a:rPr lang="en-US" smtClean="0"/>
+              <a:t>‹#›</a:t>
+            </a:fld>
+            <a:endParaRPr lang="en-US"/>
+          </a:p>
+        </p:txBody>
+      </p:sp>
+    </p:spTree>
+    <p:extLst>
+      <p:ext uri="{BB962C8B-B14F-4D97-AF65-F5344CB8AC3E}">
+        <p14:creationId xmlns:p14="http://schemas.microsoft.com/office/powerpoint/2010/main" val="2645078927"/>
+      </p:ext>
+    </p:extLst>
+  </p:cSld>
+  <p:clrMapOvr>
+    <a:masterClrMapping/>
+  </p:clrMapOvr>
+</p:sldLayout>
+</file>
+
+<file path=ppt/slideLayouts/slideLayout15.xml><?xml version="1.0" encoding="utf-8"?>
+<p:sldLayout xmlns:a="http://schemas.openxmlformats.org/drawingml/2006/main" xmlns:r="http://schemas.openxmlformats.org/officeDocument/2006/relationships" xmlns:p="http://schemas.openxmlformats.org/presentationml/2006/main" preserve="1">
+  <p:cSld name="3 Picture Column">
+    <p:spTree>
+      <p:nvGrpSpPr>
+        <p:cNvPr id="1" name=""/>
+        <p:cNvGrpSpPr/>
+        <p:nvPr/>
+      </p:nvGrpSpPr>
+      <p:grpSpPr>
+        <a:xfrm>
+          <a:off x="0" y="0"/>
+          <a:ext cx="0" cy="0"/>
+          <a:chOff x="0" y="0"/>
+          <a:chExt cx="0" cy="0"/>
+        </a:xfrm>
+      </p:grpSpPr>
+      <p:sp>
+        <p:nvSpPr>
+          <p:cNvPr id="2" name="Title 1"/>
+          <p:cNvSpPr>
+            <a:spLocks noGrp="1"/>
+          </p:cNvSpPr>
+          <p:nvPr>
+            <p:ph type="title"/>
+          </p:nvPr>
+        </p:nvSpPr>
+        <p:spPr/>
+        <p:txBody>
+          <a:bodyPr/>
+          <a:lstStyle>
+            <a:lvl1pPr>
+              <a:defRPr sz="13440"/>
+            </a:lvl1pPr>
+          </a:lstStyle>
+          <a:p>
+            <a:r>
+              <a:rPr lang="en-US" smtClean="0"/>
+              <a:t>Click to edit Master title style</a:t>
+            </a:r>
+            <a:endParaRPr lang="en-US" dirty="0"/>
+          </a:p>
+        </p:txBody>
+      </p:sp>
+      <p:sp>
+        <p:nvSpPr>
+          <p:cNvPr id="3" name="Text Placeholder 2"/>
+          <p:cNvSpPr>
+            <a:spLocks noGrp="1"/>
+          </p:cNvSpPr>
+          <p:nvPr>
+            <p:ph type="body" idx="1"/>
+          </p:nvPr>
+        </p:nvSpPr>
+        <p:spPr>
+          <a:xfrm>
+            <a:off x="2348867" y="13603037"/>
+            <a:ext cx="10584180" cy="1844038"/>
+          </a:xfrm>
+        </p:spPr>
+        <p:txBody>
+          <a:bodyPr anchor="b">
+            <a:noAutofit/>
+          </a:bodyPr>
+          <a:lstStyle>
+            <a:lvl1pPr marL="0" indent="0">
+              <a:buNone/>
+              <a:defRPr sz="7680" b="0">
+                <a:solidFill>
+                  <a:schemeClr val="bg2">
+                    <a:lumMod val="40000"/>
+                    <a:lumOff val="60000"/>
+                  </a:schemeClr>
+                </a:solidFill>
+              </a:defRPr>
+            </a:lvl1pPr>
+            <a:lvl2pPr marL="1463040" indent="0">
+              <a:buNone/>
+              <a:defRPr sz="6400" b="1"/>
+            </a:lvl2pPr>
+            <a:lvl3pPr marL="2926080" indent="0">
+              <a:buNone/>
+              <a:defRPr sz="5760" b="1"/>
+            </a:lvl3pPr>
+            <a:lvl4pPr marL="4389120" indent="0">
+              <a:buNone/>
+              <a:defRPr sz="5120" b="1"/>
+            </a:lvl4pPr>
+            <a:lvl5pPr marL="5852160" indent="0">
+              <a:buNone/>
+              <a:defRPr sz="5120" b="1"/>
+            </a:lvl5pPr>
+            <a:lvl6pPr marL="7315200" indent="0">
+              <a:buNone/>
+              <a:defRPr sz="5120" b="1"/>
+            </a:lvl6pPr>
+            <a:lvl7pPr marL="8778240" indent="0">
+              <a:buNone/>
+              <a:defRPr sz="5120" b="1"/>
+            </a:lvl7pPr>
+            <a:lvl8pPr marL="10241280" indent="0">
+              <a:buNone/>
+              <a:defRPr sz="5120" b="1"/>
+            </a:lvl8pPr>
+            <a:lvl9pPr marL="11704320" indent="0">
+              <a:buNone/>
+              <a:defRPr sz="5120" b="1"/>
+            </a:lvl9pPr>
+          </a:lstStyle>
+          <a:p>
+            <a:pPr lvl="0"/>
+            <a:r>
+              <a:rPr lang="en-US" smtClean="0"/>
+              <a:t>Click to edit Master text styles</a:t>
+            </a:r>
+          </a:p>
+        </p:txBody>
+      </p:sp>
+      <p:sp>
+        <p:nvSpPr>
+          <p:cNvPr id="29" name="Picture Placeholder 2"/>
+          <p:cNvSpPr>
+            <a:spLocks noGrp="1" noChangeAspect="1"/>
+          </p:cNvSpPr>
+          <p:nvPr>
+            <p:ph type="pic" idx="15"/>
+          </p:nvPr>
+        </p:nvSpPr>
+        <p:spPr>
+          <a:xfrm>
+            <a:off x="2348867" y="7071360"/>
+            <a:ext cx="10584180" cy="4876800"/>
+          </a:xfrm>
+          <a:prstGeom prst="roundRect">
+            <a:avLst>
+              <a:gd name="adj" fmla="val 1858"/>
+            </a:avLst>
+          </a:prstGeom>
+          <a:effectLst>
+            <a:outerShdw blurRad="50800" dist="50800" dir="5400000" algn="tl" rotWithShape="0">
+              <a:srgbClr val="000000">
+                <a:alpha val="43000"/>
+              </a:srgbClr>
+            </a:outerShdw>
+          </a:effectLst>
+        </p:spPr>
+        <p:txBody>
+          <a:bodyPr anchor="t">
+            <a:normAutofit/>
+          </a:bodyPr>
+          <a:lstStyle>
+            <a:lvl1pPr marL="0" indent="0" algn="ctr">
+              <a:buNone/>
+              <a:defRPr sz="5120"/>
+            </a:lvl1pPr>
+            <a:lvl2pPr marL="1463040" indent="0">
+              <a:buNone/>
+              <a:defRPr sz="5120"/>
+            </a:lvl2pPr>
+            <a:lvl3pPr marL="2926080" indent="0">
+              <a:buNone/>
+              <a:defRPr sz="5120"/>
+            </a:lvl3pPr>
+            <a:lvl4pPr marL="4389120" indent="0">
+              <a:buNone/>
+              <a:defRPr sz="5120"/>
+            </a:lvl4pPr>
+            <a:lvl5pPr marL="5852160" indent="0">
+              <a:buNone/>
+              <a:defRPr sz="5120"/>
+            </a:lvl5pPr>
+            <a:lvl6pPr marL="7315200" indent="0">
+              <a:buNone/>
+              <a:defRPr sz="5120"/>
+            </a:lvl6pPr>
+            <a:lvl7pPr marL="8778240" indent="0">
+              <a:buNone/>
+              <a:defRPr sz="5120"/>
+            </a:lvl7pPr>
+            <a:lvl8pPr marL="10241280" indent="0">
+              <a:buNone/>
+              <a:defRPr sz="5120"/>
+            </a:lvl8pPr>
+            <a:lvl9pPr marL="11704320" indent="0">
+              <a:buNone/>
+              <a:defRPr sz="5120"/>
+            </a:lvl9pPr>
+          </a:lstStyle>
+          <a:p>
+            <a:r>
+              <a:rPr lang="en-US" smtClean="0"/>
+              <a:t>Click icon to add picture</a:t>
+            </a:r>
+            <a:endParaRPr lang="en-US" dirty="0"/>
+          </a:p>
+        </p:txBody>
+      </p:sp>
+      <p:sp>
+        <p:nvSpPr>
+          <p:cNvPr id="22" name="Text Placeholder 3"/>
+          <p:cNvSpPr>
+            <a:spLocks noGrp="1"/>
+          </p:cNvSpPr>
+          <p:nvPr>
+            <p:ph type="body" sz="half" idx="18"/>
+          </p:nvPr>
+        </p:nvSpPr>
+        <p:spPr>
+          <a:xfrm>
+            <a:off x="2348867" y="15447077"/>
+            <a:ext cx="10584180" cy="2109405"/>
+          </a:xfrm>
+        </p:spPr>
+        <p:txBody>
+          <a:bodyPr anchor="t">
+            <a:normAutofit/>
+          </a:bodyPr>
+          <a:lstStyle>
+            <a:lvl1pPr marL="0" indent="0">
+              <a:buNone/>
+              <a:defRPr sz="4480"/>
+            </a:lvl1pPr>
+            <a:lvl2pPr marL="1463040" indent="0">
+              <a:buNone/>
+              <a:defRPr sz="3840"/>
+            </a:lvl2pPr>
+            <a:lvl3pPr marL="2926080" indent="0">
+              <a:buNone/>
+              <a:defRPr sz="3200"/>
+            </a:lvl3pPr>
+            <a:lvl4pPr marL="4389120" indent="0">
+              <a:buNone/>
+              <a:defRPr sz="2880"/>
+            </a:lvl4pPr>
+            <a:lvl5pPr marL="5852160" indent="0">
+              <a:buNone/>
+              <a:defRPr sz="2880"/>
+            </a:lvl5pPr>
+            <a:lvl6pPr marL="7315200" indent="0">
+              <a:buNone/>
+              <a:defRPr sz="2880"/>
+            </a:lvl6pPr>
+            <a:lvl7pPr marL="8778240" indent="0">
+              <a:buNone/>
+              <a:defRPr sz="2880"/>
+            </a:lvl7pPr>
+            <a:lvl8pPr marL="10241280" indent="0">
+              <a:buNone/>
+              <a:defRPr sz="2880"/>
+            </a:lvl8pPr>
+            <a:lvl9pPr marL="11704320" indent="0">
+              <a:buNone/>
+              <a:defRPr sz="2880"/>
+            </a:lvl9pPr>
+          </a:lstStyle>
+          <a:p>
+            <a:pPr lvl="0"/>
+            <a:r>
+              <a:rPr lang="en-US" smtClean="0"/>
+              <a:t>Click to edit Master text styles</a:t>
+            </a:r>
+          </a:p>
+        </p:txBody>
+      </p:sp>
+      <p:sp>
+        <p:nvSpPr>
+          <p:cNvPr id="5" name="Text Placeholder 4"/>
+          <p:cNvSpPr>
+            <a:spLocks noGrp="1"/>
+          </p:cNvSpPr>
+          <p:nvPr>
+            <p:ph type="body" sz="quarter" idx="3"/>
+          </p:nvPr>
+        </p:nvSpPr>
+        <p:spPr>
+          <a:xfrm>
+            <a:off x="14001752" y="13603037"/>
+            <a:ext cx="10549890" cy="1844038"/>
+          </a:xfrm>
+        </p:spPr>
+        <p:txBody>
+          <a:bodyPr anchor="b">
+            <a:noAutofit/>
+          </a:bodyPr>
+          <a:lstStyle>
+            <a:lvl1pPr marL="0" indent="0">
+              <a:buNone/>
+              <a:defRPr sz="7680" b="0">
+                <a:solidFill>
+                  <a:schemeClr val="bg2">
+                    <a:lumMod val="40000"/>
+                    <a:lumOff val="60000"/>
+                  </a:schemeClr>
+                </a:solidFill>
+              </a:defRPr>
+            </a:lvl1pPr>
+            <a:lvl2pPr marL="1463040" indent="0">
+              <a:buNone/>
+              <a:defRPr sz="6400" b="1"/>
+            </a:lvl2pPr>
+            <a:lvl3pPr marL="2926080" indent="0">
+              <a:buNone/>
+              <a:defRPr sz="5760" b="1"/>
+            </a:lvl3pPr>
+            <a:lvl4pPr marL="4389120" indent="0">
+              <a:buNone/>
+              <a:defRPr sz="5120" b="1"/>
+            </a:lvl4pPr>
+            <a:lvl5pPr marL="5852160" indent="0">
+              <a:buNone/>
+              <a:defRPr sz="5120" b="1"/>
+            </a:lvl5pPr>
+            <a:lvl6pPr marL="7315200" indent="0">
+              <a:buNone/>
+              <a:defRPr sz="5120" b="1"/>
+            </a:lvl6pPr>
+            <a:lvl7pPr marL="8778240" indent="0">
+              <a:buNone/>
+              <a:defRPr sz="5120" b="1"/>
+            </a:lvl7pPr>
+            <a:lvl8pPr marL="10241280" indent="0">
+              <a:buNone/>
+              <a:defRPr sz="5120" b="1"/>
+            </a:lvl8pPr>
+            <a:lvl9pPr marL="11704320" indent="0">
+              <a:buNone/>
+              <a:defRPr sz="5120" b="1"/>
+            </a:lvl9pPr>
+          </a:lstStyle>
+          <a:p>
+            <a:pPr lvl="0"/>
+            <a:r>
+              <a:rPr lang="en-US" smtClean="0"/>
+              <a:t>Click to edit Master text styles</a:t>
+            </a:r>
+          </a:p>
+        </p:txBody>
+      </p:sp>
+      <p:sp>
+        <p:nvSpPr>
+          <p:cNvPr id="30" name="Picture Placeholder 2"/>
+          <p:cNvSpPr>
+            <a:spLocks noGrp="1" noChangeAspect="1"/>
+          </p:cNvSpPr>
+          <p:nvPr>
+            <p:ph type="pic" idx="21"/>
+          </p:nvPr>
+        </p:nvSpPr>
+        <p:spPr>
+          <a:xfrm>
+            <a:off x="14001748" y="7071360"/>
+            <a:ext cx="10549890" cy="4876800"/>
+          </a:xfrm>
+          <a:prstGeom prst="roundRect">
+            <a:avLst>
+              <a:gd name="adj" fmla="val 1858"/>
+            </a:avLst>
+          </a:prstGeom>
+          <a:effectLst>
+            <a:outerShdw blurRad="50800" dist="50800" dir="5400000" algn="tl" rotWithShape="0">
+              <a:srgbClr val="000000">
+                <a:alpha val="43000"/>
+              </a:srgbClr>
+            </a:outerShdw>
+          </a:effectLst>
+        </p:spPr>
+        <p:txBody>
+          <a:bodyPr anchor="t">
+            <a:normAutofit/>
+          </a:bodyPr>
+          <a:lstStyle>
+            <a:lvl1pPr marL="0" indent="0" algn="ctr">
+              <a:buNone/>
+              <a:defRPr sz="5120"/>
+            </a:lvl1pPr>
+            <a:lvl2pPr marL="1463040" indent="0">
+              <a:buNone/>
+              <a:defRPr sz="5120"/>
+            </a:lvl2pPr>
+            <a:lvl3pPr marL="2926080" indent="0">
+              <a:buNone/>
+              <a:defRPr sz="5120"/>
+            </a:lvl3pPr>
+            <a:lvl4pPr marL="4389120" indent="0">
+              <a:buNone/>
+              <a:defRPr sz="5120"/>
+            </a:lvl4pPr>
+            <a:lvl5pPr marL="5852160" indent="0">
+              <a:buNone/>
+              <a:defRPr sz="5120"/>
+            </a:lvl5pPr>
+            <a:lvl6pPr marL="7315200" indent="0">
+              <a:buNone/>
+              <a:defRPr sz="5120"/>
+            </a:lvl6pPr>
+            <a:lvl7pPr marL="8778240" indent="0">
+              <a:buNone/>
+              <a:defRPr sz="5120"/>
+            </a:lvl7pPr>
+            <a:lvl8pPr marL="10241280" indent="0">
+              <a:buNone/>
+              <a:defRPr sz="5120"/>
+            </a:lvl8pPr>
+            <a:lvl9pPr marL="11704320" indent="0">
+              <a:buNone/>
+              <a:defRPr sz="5120"/>
+            </a:lvl9pPr>
+          </a:lstStyle>
+          <a:p>
+            <a:r>
+              <a:rPr lang="en-US" smtClean="0"/>
+              <a:t>Click icon to add picture</a:t>
+            </a:r>
+            <a:endParaRPr lang="en-US" dirty="0"/>
+          </a:p>
+        </p:txBody>
+      </p:sp>
+      <p:sp>
+        <p:nvSpPr>
+          <p:cNvPr id="23" name="Text Placeholder 3"/>
+          <p:cNvSpPr>
+            <a:spLocks noGrp="1"/>
+          </p:cNvSpPr>
+          <p:nvPr>
+            <p:ph type="body" sz="half" idx="19"/>
+          </p:nvPr>
+        </p:nvSpPr>
+        <p:spPr>
+          <a:xfrm>
+            <a:off x="13996879" y="15447074"/>
+            <a:ext cx="10563862" cy="2109405"/>
+          </a:xfrm>
+        </p:spPr>
+        <p:txBody>
+          <a:bodyPr anchor="t">
+            <a:normAutofit/>
+          </a:bodyPr>
+          <a:lstStyle>
+            <a:lvl1pPr marL="0" indent="0">
+              <a:buNone/>
+              <a:defRPr sz="4480"/>
+            </a:lvl1pPr>
+            <a:lvl2pPr marL="1463040" indent="0">
+              <a:buNone/>
+              <a:defRPr sz="3840"/>
+            </a:lvl2pPr>
+            <a:lvl3pPr marL="2926080" indent="0">
+              <a:buNone/>
+              <a:defRPr sz="3200"/>
+            </a:lvl3pPr>
+            <a:lvl4pPr marL="4389120" indent="0">
+              <a:buNone/>
+              <a:defRPr sz="2880"/>
+            </a:lvl4pPr>
+            <a:lvl5pPr marL="5852160" indent="0">
+              <a:buNone/>
+              <a:defRPr sz="2880"/>
+            </a:lvl5pPr>
+            <a:lvl6pPr marL="7315200" indent="0">
+              <a:buNone/>
+              <a:defRPr sz="2880"/>
+            </a:lvl6pPr>
+            <a:lvl7pPr marL="8778240" indent="0">
+              <a:buNone/>
+              <a:defRPr sz="2880"/>
+            </a:lvl7pPr>
+            <a:lvl8pPr marL="10241280" indent="0">
+              <a:buNone/>
+              <a:defRPr sz="2880"/>
+            </a:lvl8pPr>
+            <a:lvl9pPr marL="11704320" indent="0">
+              <a:buNone/>
+              <a:defRPr sz="2880"/>
+            </a:lvl9pPr>
+          </a:lstStyle>
+          <a:p>
+            <a:pPr lvl="0"/>
+            <a:r>
+              <a:rPr lang="en-US" smtClean="0"/>
+              <a:t>Click to edit Master text styles</a:t>
+            </a:r>
+          </a:p>
+        </p:txBody>
+      </p:sp>
+      <p:sp>
+        <p:nvSpPr>
+          <p:cNvPr id="14" name="Text Placeholder 4"/>
+          <p:cNvSpPr>
+            <a:spLocks noGrp="1"/>
+          </p:cNvSpPr>
+          <p:nvPr>
+            <p:ph type="body" sz="quarter" idx="13"/>
+          </p:nvPr>
+        </p:nvSpPr>
+        <p:spPr>
+          <a:xfrm>
+            <a:off x="25648922" y="13603037"/>
+            <a:ext cx="10555607" cy="1844038"/>
+          </a:xfrm>
+        </p:spPr>
+        <p:txBody>
+          <a:bodyPr anchor="b">
+            <a:noAutofit/>
+          </a:bodyPr>
+          <a:lstStyle>
+            <a:lvl1pPr marL="0" indent="0">
+              <a:buNone/>
+              <a:defRPr sz="7680" b="0">
+                <a:solidFill>
+                  <a:schemeClr val="bg2">
+                    <a:lumMod val="40000"/>
+                    <a:lumOff val="60000"/>
+                  </a:schemeClr>
+                </a:solidFill>
+              </a:defRPr>
+            </a:lvl1pPr>
+            <a:lvl2pPr marL="1463040" indent="0">
+              <a:buNone/>
+              <a:defRPr sz="6400" b="1"/>
+            </a:lvl2pPr>
+            <a:lvl3pPr marL="2926080" indent="0">
+              <a:buNone/>
+              <a:defRPr sz="5760" b="1"/>
+            </a:lvl3pPr>
+            <a:lvl4pPr marL="4389120" indent="0">
+              <a:buNone/>
+              <a:defRPr sz="5120" b="1"/>
+            </a:lvl4pPr>
+            <a:lvl5pPr marL="5852160" indent="0">
+              <a:buNone/>
+              <a:defRPr sz="5120" b="1"/>
+            </a:lvl5pPr>
+            <a:lvl6pPr marL="7315200" indent="0">
+              <a:buNone/>
+              <a:defRPr sz="5120" b="1"/>
+            </a:lvl6pPr>
+            <a:lvl7pPr marL="8778240" indent="0">
+              <a:buNone/>
+              <a:defRPr sz="5120" b="1"/>
+            </a:lvl7pPr>
+            <a:lvl8pPr marL="10241280" indent="0">
+              <a:buNone/>
+              <a:defRPr sz="5120" b="1"/>
+            </a:lvl8pPr>
+            <a:lvl9pPr marL="11704320" indent="0">
+              <a:buNone/>
+              <a:defRPr sz="5120" b="1"/>
+            </a:lvl9pPr>
+          </a:lstStyle>
+          <a:p>
+            <a:pPr lvl="0"/>
+            <a:r>
+              <a:rPr lang="en-US" smtClean="0"/>
+              <a:t>Click to edit Master text styles</a:t>
+            </a:r>
+          </a:p>
+        </p:txBody>
+      </p:sp>
+      <p:sp>
+        <p:nvSpPr>
+          <p:cNvPr id="31" name="Picture Placeholder 2"/>
+          <p:cNvSpPr>
+            <a:spLocks noGrp="1" noChangeAspect="1"/>
+          </p:cNvSpPr>
+          <p:nvPr>
+            <p:ph type="pic" idx="22"/>
+          </p:nvPr>
+        </p:nvSpPr>
+        <p:spPr>
+          <a:xfrm>
+            <a:off x="25648918" y="7071360"/>
+            <a:ext cx="10555607" cy="4876800"/>
+          </a:xfrm>
+          <a:prstGeom prst="roundRect">
+            <a:avLst>
+              <a:gd name="adj" fmla="val 1858"/>
+            </a:avLst>
+          </a:prstGeom>
+          <a:effectLst>
+            <a:outerShdw blurRad="50800" dist="50800" dir="5400000" algn="tl" rotWithShape="0">
+              <a:srgbClr val="000000">
+                <a:alpha val="43000"/>
+              </a:srgbClr>
+            </a:outerShdw>
+          </a:effectLst>
+        </p:spPr>
+        <p:txBody>
+          <a:bodyPr anchor="t">
+            <a:normAutofit/>
+          </a:bodyPr>
+          <a:lstStyle>
+            <a:lvl1pPr marL="0" indent="0" algn="ctr">
+              <a:buNone/>
+              <a:defRPr sz="5120"/>
+            </a:lvl1pPr>
+            <a:lvl2pPr marL="1463040" indent="0">
+              <a:buNone/>
+              <a:defRPr sz="5120"/>
+            </a:lvl2pPr>
+            <a:lvl3pPr marL="2926080" indent="0">
+              <a:buNone/>
+              <a:defRPr sz="5120"/>
+            </a:lvl3pPr>
+            <a:lvl4pPr marL="4389120" indent="0">
+              <a:buNone/>
+              <a:defRPr sz="5120"/>
+            </a:lvl4pPr>
+            <a:lvl5pPr marL="5852160" indent="0">
+              <a:buNone/>
+              <a:defRPr sz="5120"/>
+            </a:lvl5pPr>
+            <a:lvl6pPr marL="7315200" indent="0">
+              <a:buNone/>
+              <a:defRPr sz="5120"/>
+            </a:lvl6pPr>
+            <a:lvl7pPr marL="8778240" indent="0">
+              <a:buNone/>
+              <a:defRPr sz="5120"/>
+            </a:lvl7pPr>
+            <a:lvl8pPr marL="10241280" indent="0">
+              <a:buNone/>
+              <a:defRPr sz="5120"/>
+            </a:lvl8pPr>
+            <a:lvl9pPr marL="11704320" indent="0">
+              <a:buNone/>
+              <a:defRPr sz="5120"/>
+            </a:lvl9pPr>
+          </a:lstStyle>
+          <a:p>
+            <a:r>
+              <a:rPr lang="en-US" smtClean="0"/>
+              <a:t>Click icon to add picture</a:t>
+            </a:r>
+            <a:endParaRPr lang="en-US" dirty="0"/>
+          </a:p>
+        </p:txBody>
+      </p:sp>
+      <p:sp>
+        <p:nvSpPr>
+          <p:cNvPr id="24" name="Text Placeholder 3"/>
+          <p:cNvSpPr>
+            <a:spLocks noGrp="1"/>
+          </p:cNvSpPr>
+          <p:nvPr>
+            <p:ph type="body" sz="half" idx="20"/>
+          </p:nvPr>
+        </p:nvSpPr>
+        <p:spPr>
+          <a:xfrm>
+            <a:off x="25648472" y="15447067"/>
+            <a:ext cx="10569589" cy="2109405"/>
+          </a:xfrm>
+        </p:spPr>
+        <p:txBody>
+          <a:bodyPr anchor="t">
+            <a:normAutofit/>
+          </a:bodyPr>
+          <a:lstStyle>
+            <a:lvl1pPr marL="0" indent="0">
+              <a:buNone/>
+              <a:defRPr sz="4480"/>
+            </a:lvl1pPr>
+            <a:lvl2pPr marL="1463040" indent="0">
+              <a:buNone/>
+              <a:defRPr sz="3840"/>
+            </a:lvl2pPr>
+            <a:lvl3pPr marL="2926080" indent="0">
+              <a:buNone/>
+              <a:defRPr sz="3200"/>
+            </a:lvl3pPr>
+            <a:lvl4pPr marL="4389120" indent="0">
+              <a:buNone/>
+              <a:defRPr sz="2880"/>
+            </a:lvl4pPr>
+            <a:lvl5pPr marL="5852160" indent="0">
+              <a:buNone/>
+              <a:defRPr sz="2880"/>
+            </a:lvl5pPr>
+            <a:lvl6pPr marL="7315200" indent="0">
+              <a:buNone/>
+              <a:defRPr sz="2880"/>
+            </a:lvl6pPr>
+            <a:lvl7pPr marL="8778240" indent="0">
+              <a:buNone/>
+              <a:defRPr sz="2880"/>
+            </a:lvl7pPr>
+            <a:lvl8pPr marL="10241280" indent="0">
+              <a:buNone/>
+              <a:defRPr sz="2880"/>
+            </a:lvl8pPr>
+            <a:lvl9pPr marL="11704320" indent="0">
+              <a:buNone/>
+              <a:defRPr sz="2880"/>
+            </a:lvl9pPr>
+          </a:lstStyle>
+          <a:p>
+            <a:pPr lvl="0"/>
+            <a:r>
+              <a:rPr lang="en-US" smtClean="0"/>
+              <a:t>Click to edit Master text styles</a:t>
+            </a:r>
+          </a:p>
+        </p:txBody>
+      </p:sp>
+      <p:cxnSp>
+        <p:nvCxnSpPr>
+          <p:cNvPr id="19" name="Straight Connector 18"/>
+          <p:cNvCxnSpPr/>
+          <p:nvPr/>
+        </p:nvCxnSpPr>
+        <p:spPr>
+          <a:xfrm>
+            <a:off x="13414111" y="6827520"/>
+            <a:ext cx="0" cy="12679680"/>
+          </a:xfrm>
+          <a:prstGeom prst="line">
+            <a:avLst/>
+          </a:prstGeom>
+          <a:ln w="12700" cmpd="sng">
+            <a:solidFill>
+              <a:schemeClr val="bg2">
+                <a:lumMod val="40000"/>
+                <a:lumOff val="60000"/>
+                <a:alpha val="40000"/>
+              </a:schemeClr>
+            </a:solidFill>
+          </a:ln>
+        </p:spPr>
+        <p:style>
+          <a:lnRef idx="2">
+            <a:schemeClr val="accent1"/>
+          </a:lnRef>
+          <a:fillRef idx="0">
+            <a:schemeClr val="accent1"/>
+          </a:fillRef>
+          <a:effectRef idx="1">
+            <a:schemeClr val="accent1"/>
+          </a:effectRef>
+          <a:fontRef idx="minor">
+            <a:schemeClr val="tx1"/>
+          </a:fontRef>
+        </p:style>
+      </p:cxnSp>
+      <p:cxnSp>
+        <p:nvCxnSpPr>
+          <p:cNvPr id="20" name="Straight Connector 19"/>
+          <p:cNvCxnSpPr/>
+          <p:nvPr/>
+        </p:nvCxnSpPr>
+        <p:spPr>
+          <a:xfrm>
+            <a:off x="25064017" y="6827520"/>
+            <a:ext cx="0" cy="12694022"/>
+          </a:xfrm>
+          <a:prstGeom prst="line">
+            <a:avLst/>
+          </a:prstGeom>
+          <a:ln w="12700" cmpd="sng">
+            <a:solidFill>
+              <a:schemeClr val="bg2">
+                <a:lumMod val="40000"/>
+                <a:lumOff val="60000"/>
+                <a:alpha val="40000"/>
+              </a:schemeClr>
+            </a:solidFill>
+          </a:ln>
+        </p:spPr>
+        <p:style>
+          <a:lnRef idx="2">
+            <a:schemeClr val="accent1"/>
+          </a:lnRef>
+          <a:fillRef idx="0">
+            <a:schemeClr val="accent1"/>
+          </a:fillRef>
+          <a:effectRef idx="1">
+            <a:schemeClr val="accent1"/>
+          </a:effectRef>
+          <a:fontRef idx="minor">
+            <a:schemeClr val="tx1"/>
+          </a:fontRef>
+        </p:style>
+      </p:cxnSp>
+      <p:sp>
+        <p:nvSpPr>
+          <p:cNvPr id="7" name="Date Placeholder 3"/>
+          <p:cNvSpPr>
+            <a:spLocks noGrp="1"/>
+          </p:cNvSpPr>
+          <p:nvPr>
+            <p:ph type="dt" sz="half" idx="10"/>
+          </p:nvPr>
+        </p:nvSpPr>
+        <p:spPr/>
+        <p:txBody>
+          <a:bodyPr/>
+          <a:lstStyle/>
+          <a:p>
+            <a:fld id="{5B4D2179-3739-4110-AF2E-953EC2A650FD}" type="datetimeFigureOut">
+              <a:rPr lang="en-US" smtClean="0"/>
+              <a:t>12/15/2014</a:t>
+            </a:fld>
+            <a:endParaRPr lang="en-US"/>
+          </a:p>
+        </p:txBody>
+      </p:sp>
+      <p:sp>
+        <p:nvSpPr>
+          <p:cNvPr id="4" name="Footer Placeholder 4"/>
+          <p:cNvSpPr>
+            <a:spLocks noGrp="1"/>
+          </p:cNvSpPr>
+          <p:nvPr>
+            <p:ph type="ftr" sz="quarter" idx="11"/>
+          </p:nvPr>
+        </p:nvSpPr>
+        <p:spPr/>
+        <p:txBody>
+          <a:bodyPr/>
+          <a:lstStyle/>
+          <a:p>
+            <a:endParaRPr lang="en-US"/>
+          </a:p>
+        </p:txBody>
+      </p:sp>
+      <p:sp>
+        <p:nvSpPr>
+          <p:cNvPr id="6" name="Slide Number Placeholder 5"/>
+          <p:cNvSpPr>
+            <a:spLocks noGrp="1"/>
+          </p:cNvSpPr>
+          <p:nvPr>
+            <p:ph type="sldNum" sz="quarter" idx="12"/>
+          </p:nvPr>
+        </p:nvSpPr>
+        <p:spPr/>
+        <p:txBody>
+          <a:bodyPr/>
+          <a:lstStyle/>
+          <a:p>
+            <a:fld id="{1CCB0DC3-FFB4-40DD-8743-0357C76D3513}" type="slidenum">
+              <a:rPr lang="en-US" smtClean="0"/>
+              <a:t>‹#›</a:t>
+            </a:fld>
+            <a:endParaRPr lang="en-US"/>
+          </a:p>
+        </p:txBody>
+      </p:sp>
+    </p:spTree>
+    <p:extLst>
+      <p:ext uri="{BB962C8B-B14F-4D97-AF65-F5344CB8AC3E}">
+        <p14:creationId xmlns:p14="http://schemas.microsoft.com/office/powerpoint/2010/main" val="803122320"/>
+      </p:ext>
+    </p:extLst>
+  </p:cSld>
+  <p:clrMapOvr>
+    <a:masterClrMapping/>
+  </p:clrMapOvr>
+</p:sldLayout>
+</file>
+
+<file path=ppt/slideLayouts/slideLayout16.xml><?xml version="1.0" encoding="utf-8"?>
 <p:sldLayout xmlns:a="http://schemas.openxmlformats.org/drawingml/2006/main" xmlns:r="http://schemas.openxmlformats.org/officeDocument/2006/relationships" xmlns:p="http://schemas.openxmlformats.org/presentationml/2006/main" type="vertTx" preserve="1">
   <p:cSld name="Title and Vertical Text">
     <p:spTree>
@@ -402,7 +3410,7 @@
               <a:rPr lang="en-US" smtClean="0"/>
               <a:t>Click to edit Master title style</a:t>
             </a:r>
-            <a:endParaRPr lang="en-US"/>
+            <a:endParaRPr lang="en-US" dirty="0"/>
           </a:p>
         </p:txBody>
       </p:sp>
@@ -418,7 +3426,7 @@
         </p:nvSpPr>
         <p:spPr/>
         <p:txBody>
-          <a:bodyPr vert="eaVert"/>
+          <a:bodyPr vert="eaVert" anchor="t" anchorCtr="0"/>
           <a:lstStyle/>
           <a:p>
             <a:pPr lvl="0"/>
@@ -454,7 +3462,7 @@
               <a:rPr lang="en-US" smtClean="0"/>
               <a:t>Fifth level</a:t>
             </a:r>
-            <a:endParaRPr lang="en-US"/>
+            <a:endParaRPr lang="en-US" dirty="0"/>
           </a:p>
         </p:txBody>
       </p:sp>
@@ -475,7 +3483,7 @@
           <a:p>
             <a:fld id="{5B4D2179-3739-4110-AF2E-953EC2A650FD}" type="datetimeFigureOut">
               <a:rPr lang="en-US" smtClean="0"/>
-              <a:t>12/13/2014</a:t>
+              <a:t>12/15/2014</a:t>
             </a:fld>
             <a:endParaRPr lang="en-US"/>
           </a:p>
@@ -526,7 +3534,7 @@
     </p:spTree>
     <p:extLst>
       <p:ext uri="{BB962C8B-B14F-4D97-AF65-F5344CB8AC3E}">
-        <p14:creationId xmlns:p14="http://schemas.microsoft.com/office/powerpoint/2010/main" val="3041088746"/>
+        <p14:creationId xmlns:p14="http://schemas.microsoft.com/office/powerpoint/2010/main" val="3593672860"/>
       </p:ext>
     </p:extLst>
   </p:cSld>
@@ -536,7 +3544,7 @@
 </p:sldLayout>
 </file>
 
-<file path=ppt/slideLayouts/slideLayout11.xml><?xml version="1.0" encoding="utf-8"?>
+<file path=ppt/slideLayouts/slideLayout17.xml><?xml version="1.0" encoding="utf-8"?>
 <p:sldLayout xmlns:a="http://schemas.openxmlformats.org/drawingml/2006/main" xmlns:r="http://schemas.openxmlformats.org/officeDocument/2006/relationships" xmlns:p="http://schemas.openxmlformats.org/presentationml/2006/main" type="vertTitleAndTx" preserve="1">
   <p:cSld name="Vertical Title and Text">
     <p:spTree>
@@ -565,42 +3573,42 @@
         </p:nvSpPr>
         <p:spPr>
           <a:xfrm>
-            <a:off x="31821120" y="878844"/>
-            <a:ext cx="9875520" cy="18724880"/>
+            <a:off x="29895165" y="1376683"/>
+            <a:ext cx="6309364" cy="18643600"/>
           </a:xfrm>
         </p:spPr>
         <p:txBody>
+          <a:bodyPr vert="eaVert" anchor="b" anchorCtr="0"/>
+          <a:lstStyle/>
+          <a:p>
+            <a:r>
+              <a:rPr lang="en-US" smtClean="0"/>
+              <a:t>Click to edit Master title style</a:t>
+            </a:r>
+            <a:endParaRPr lang="en-US" dirty="0"/>
+          </a:p>
+        </p:txBody>
+      </p:sp>
+      <p:sp>
+        <p:nvSpPr>
+          <p:cNvPr id="3" name="Vertical Text Placeholder 2"/>
+          <p:cNvSpPr>
+            <a:spLocks noGrp="1"/>
+          </p:cNvSpPr>
+          <p:nvPr>
+            <p:ph type="body" orient="vert" idx="1"/>
+          </p:nvPr>
+        </p:nvSpPr>
+        <p:spPr>
+          <a:xfrm>
+            <a:off x="2348869" y="2839725"/>
+            <a:ext cx="26723336" cy="17180557"/>
+          </a:xfrm>
+        </p:spPr>
+        <p:txBody>
           <a:bodyPr vert="eaVert"/>
           <a:lstStyle/>
           <a:p>
-            <a:r>
-              <a:rPr lang="en-US" smtClean="0"/>
-              <a:t>Click to edit Master title style</a:t>
-            </a:r>
-            <a:endParaRPr lang="en-US"/>
-          </a:p>
-        </p:txBody>
-      </p:sp>
-      <p:sp>
-        <p:nvSpPr>
-          <p:cNvPr id="3" name="Vertical Text Placeholder 2"/>
-          <p:cNvSpPr>
-            <a:spLocks noGrp="1"/>
-          </p:cNvSpPr>
-          <p:nvPr>
-            <p:ph type="body" orient="vert" idx="1"/>
-          </p:nvPr>
-        </p:nvSpPr>
-        <p:spPr>
-          <a:xfrm>
-            <a:off x="2194560" y="878844"/>
-            <a:ext cx="28895040" cy="18724880"/>
-          </a:xfrm>
-        </p:spPr>
-        <p:txBody>
-          <a:bodyPr vert="eaVert"/>
-          <a:lstStyle/>
-          <a:p>
             <a:pPr lvl="0"/>
             <a:r>
               <a:rPr lang="en-US" smtClean="0"/>
@@ -634,7 +3642,7 @@
               <a:rPr lang="en-US" smtClean="0"/>
               <a:t>Fifth level</a:t>
             </a:r>
-            <a:endParaRPr lang="en-US"/>
+            <a:endParaRPr lang="en-US" dirty="0"/>
           </a:p>
         </p:txBody>
       </p:sp>
@@ -655,7 +3663,7 @@
           <a:p>
             <a:fld id="{5B4D2179-3739-4110-AF2E-953EC2A650FD}" type="datetimeFigureOut">
               <a:rPr lang="en-US" smtClean="0"/>
-              <a:t>12/13/2014</a:t>
+              <a:t>12/15/2014</a:t>
             </a:fld>
             <a:endParaRPr lang="en-US"/>
           </a:p>
@@ -706,7 +3714,7 @@
     </p:spTree>
     <p:extLst>
       <p:ext uri="{BB962C8B-B14F-4D97-AF65-F5344CB8AC3E}">
-        <p14:creationId xmlns:p14="http://schemas.microsoft.com/office/powerpoint/2010/main" val="559125483"/>
+        <p14:creationId xmlns:p14="http://schemas.microsoft.com/office/powerpoint/2010/main" val="3449087601"/>
       </p:ext>
     </p:extLst>
   </p:cSld>
@@ -752,7 +3760,7 @@
               <a:rPr lang="en-US" smtClean="0"/>
               <a:t>Click to edit Master title style</a:t>
             </a:r>
-            <a:endParaRPr lang="en-US"/>
+            <a:endParaRPr lang="en-US" dirty="0"/>
           </a:p>
         </p:txBody>
       </p:sp>
@@ -804,13 +3812,13 @@
               <a:rPr lang="en-US" smtClean="0"/>
               <a:t>Fifth level</a:t>
             </a:r>
-            <a:endParaRPr lang="en-US"/>
-          </a:p>
-        </p:txBody>
-      </p:sp>
-      <p:sp>
-        <p:nvSpPr>
-          <p:cNvPr id="4" name="Date Placeholder 3"/>
+            <a:endParaRPr lang="en-US" dirty="0"/>
+          </a:p>
+        </p:txBody>
+      </p:sp>
+      <p:sp>
+        <p:nvSpPr>
+          <p:cNvPr id="7" name="Date Placeholder 3"/>
           <p:cNvSpPr>
             <a:spLocks noGrp="1"/>
           </p:cNvSpPr>
@@ -825,7 +3833,7 @@
           <a:p>
             <a:fld id="{5B4D2179-3739-4110-AF2E-953EC2A650FD}" type="datetimeFigureOut">
               <a:rPr lang="en-US" smtClean="0"/>
-              <a:t>12/13/2014</a:t>
+              <a:t>12/15/2014</a:t>
             </a:fld>
             <a:endParaRPr lang="en-US"/>
           </a:p>
@@ -876,7 +3884,7 @@
     </p:spTree>
     <p:extLst>
       <p:ext uri="{BB962C8B-B14F-4D97-AF65-F5344CB8AC3E}">
-        <p14:creationId xmlns:p14="http://schemas.microsoft.com/office/powerpoint/2010/main" val="918473171"/>
+        <p14:creationId xmlns:p14="http://schemas.microsoft.com/office/powerpoint/2010/main" val="1155666797"/>
       </p:ext>
     </p:extLst>
   </p:cSld>
@@ -915,58 +3923,59 @@
         </p:nvSpPr>
         <p:spPr>
           <a:xfrm>
-            <a:off x="3467102" y="14102082"/>
-            <a:ext cx="37307520" cy="4358640"/>
+            <a:off x="4157844" y="9157547"/>
+            <a:ext cx="31772365" cy="6130070"/>
           </a:xfrm>
         </p:spPr>
         <p:txBody>
+          <a:bodyPr anchor="b"/>
+          <a:lstStyle>
+            <a:lvl1pPr algn="l">
+              <a:defRPr sz="12800" b="0" cap="none"/>
+            </a:lvl1pPr>
+          </a:lstStyle>
+          <a:p>
+            <a:r>
+              <a:rPr lang="en-US" smtClean="0"/>
+              <a:t>Click to edit Master title style</a:t>
+            </a:r>
+            <a:endParaRPr lang="en-US" dirty="0"/>
+          </a:p>
+        </p:txBody>
+      </p:sp>
+      <p:sp>
+        <p:nvSpPr>
+          <p:cNvPr id="3" name="Text Placeholder 2"/>
+          <p:cNvSpPr>
+            <a:spLocks noGrp="1"/>
+          </p:cNvSpPr>
+          <p:nvPr>
+            <p:ph type="body" idx="1"/>
+          </p:nvPr>
+        </p:nvSpPr>
+        <p:spPr>
+          <a:xfrm>
+            <a:off x="4157838" y="15287619"/>
+            <a:ext cx="31772369" cy="2753280"/>
+          </a:xfrm>
+        </p:spPr>
+        <p:txBody>
           <a:bodyPr anchor="t"/>
           <a:lstStyle>
-            <a:lvl1pPr algn="l">
-              <a:defRPr sz="13700" b="1" cap="all"/>
-            </a:lvl1pPr>
-          </a:lstStyle>
-          <a:p>
-            <a:r>
-              <a:rPr lang="en-US" smtClean="0"/>
-              <a:t>Click to edit Master title style</a:t>
-            </a:r>
-            <a:endParaRPr lang="en-US"/>
-          </a:p>
-        </p:txBody>
-      </p:sp>
-      <p:sp>
-        <p:nvSpPr>
-          <p:cNvPr id="3" name="Text Placeholder 2"/>
-          <p:cNvSpPr>
-            <a:spLocks noGrp="1"/>
-          </p:cNvSpPr>
-          <p:nvPr>
-            <p:ph type="body" idx="1"/>
-          </p:nvPr>
-        </p:nvSpPr>
-        <p:spPr>
-          <a:xfrm>
-            <a:off x="3467102" y="9301485"/>
-            <a:ext cx="37307520" cy="4800598"/>
-          </a:xfrm>
-        </p:spPr>
-        <p:txBody>
-          <a:bodyPr anchor="b"/>
-          <a:lstStyle>
-            <a:lvl1pPr marL="0" indent="0">
-              <a:buNone/>
-              <a:defRPr sz="6900">
+            <a:lvl1pPr marL="0" indent="0" algn="l">
+              <a:buNone/>
+              <a:defRPr sz="6400" cap="all">
                 <a:solidFill>
-                  <a:schemeClr val="tx1">
-                    <a:tint val="75000"/>
+                  <a:schemeClr val="bg2">
+                    <a:lumMod val="40000"/>
+                    <a:lumOff val="60000"/>
                   </a:schemeClr>
                 </a:solidFill>
               </a:defRPr>
             </a:lvl1pPr>
-            <a:lvl2pPr marL="1567510" indent="0">
-              <a:buNone/>
-              <a:defRPr sz="6200">
+            <a:lvl2pPr marL="1463040" indent="0">
+              <a:buNone/>
+              <a:defRPr sz="5760">
                 <a:solidFill>
                   <a:schemeClr val="tx1">
                     <a:tint val="75000"/>
@@ -974,9 +3983,9 @@
                 </a:solidFill>
               </a:defRPr>
             </a:lvl2pPr>
-            <a:lvl3pPr marL="3135020" indent="0">
-              <a:buNone/>
-              <a:defRPr sz="5500">
+            <a:lvl3pPr marL="2926080" indent="0">
+              <a:buNone/>
+              <a:defRPr sz="5120">
                 <a:solidFill>
                   <a:schemeClr val="tx1">
                     <a:tint val="75000"/>
@@ -984,9 +3993,9 @@
                 </a:solidFill>
               </a:defRPr>
             </a:lvl3pPr>
-            <a:lvl4pPr marL="4702531" indent="0">
-              <a:buNone/>
-              <a:defRPr sz="4800">
+            <a:lvl4pPr marL="4389120" indent="0">
+              <a:buNone/>
+              <a:defRPr sz="4480">
                 <a:solidFill>
                   <a:schemeClr val="tx1">
                     <a:tint val="75000"/>
@@ -994,9 +4003,9 @@
                 </a:solidFill>
               </a:defRPr>
             </a:lvl4pPr>
-            <a:lvl5pPr marL="6270041" indent="0">
-              <a:buNone/>
-              <a:defRPr sz="4800">
+            <a:lvl5pPr marL="5852160" indent="0">
+              <a:buNone/>
+              <a:defRPr sz="4480">
                 <a:solidFill>
                   <a:schemeClr val="tx1">
                     <a:tint val="75000"/>
@@ -1004,9 +4013,9 @@
                 </a:solidFill>
               </a:defRPr>
             </a:lvl5pPr>
-            <a:lvl6pPr marL="7837551" indent="0">
-              <a:buNone/>
-              <a:defRPr sz="4800">
+            <a:lvl6pPr marL="7315200" indent="0">
+              <a:buNone/>
+              <a:defRPr sz="4480">
                 <a:solidFill>
                   <a:schemeClr val="tx1">
                     <a:tint val="75000"/>
@@ -1014,9 +4023,9 @@
                 </a:solidFill>
               </a:defRPr>
             </a:lvl6pPr>
-            <a:lvl7pPr marL="9405061" indent="0">
-              <a:buNone/>
-              <a:defRPr sz="4800">
+            <a:lvl7pPr marL="8778240" indent="0">
+              <a:buNone/>
+              <a:defRPr sz="4480">
                 <a:solidFill>
                   <a:schemeClr val="tx1">
                     <a:tint val="75000"/>
@@ -1024,9 +4033,9 @@
                 </a:solidFill>
               </a:defRPr>
             </a:lvl7pPr>
-            <a:lvl8pPr marL="10972571" indent="0">
-              <a:buNone/>
-              <a:defRPr sz="4800">
+            <a:lvl8pPr marL="10241280" indent="0">
+              <a:buNone/>
+              <a:defRPr sz="4480">
                 <a:solidFill>
                   <a:schemeClr val="tx1">
                     <a:tint val="75000"/>
@@ -1034,9 +4043,9 @@
                 </a:solidFill>
               </a:defRPr>
             </a:lvl8pPr>
-            <a:lvl9pPr marL="12540082" indent="0">
-              <a:buNone/>
-              <a:defRPr sz="4800">
+            <a:lvl9pPr marL="11704320" indent="0">
+              <a:buNone/>
+              <a:defRPr sz="4480">
                 <a:solidFill>
                   <a:schemeClr val="tx1">
                     <a:tint val="75000"/>
@@ -1071,7 +4080,7 @@
           <a:p>
             <a:fld id="{5B4D2179-3739-4110-AF2E-953EC2A650FD}" type="datetimeFigureOut">
               <a:rPr lang="en-US" smtClean="0"/>
-              <a:t>12/13/2014</a:t>
+              <a:t>12/15/2014</a:t>
             </a:fld>
             <a:endParaRPr lang="en-US"/>
           </a:p>
@@ -1122,7 +4131,7 @@
     </p:spTree>
     <p:extLst>
       <p:ext uri="{BB962C8B-B14F-4D97-AF65-F5344CB8AC3E}">
-        <p14:creationId xmlns:p14="http://schemas.microsoft.com/office/powerpoint/2010/main" val="478414516"/>
+        <p14:creationId xmlns:p14="http://schemas.microsoft.com/office/powerpoint/2010/main" val="942546792"/>
       </p:ext>
     </p:extLst>
   </p:cSld>
@@ -1168,7 +4177,7 @@
               <a:rPr lang="en-US" smtClean="0"/>
               <a:t>Click to edit Master title style</a:t>
             </a:r>
-            <a:endParaRPr lang="en-US"/>
+            <a:endParaRPr lang="en-US" dirty="0"/>
           </a:p>
         </p:txBody>
       </p:sp>
@@ -1184,39 +4193,41 @@
         </p:nvSpPr>
         <p:spPr>
           <a:xfrm>
-            <a:off x="2194560" y="5120643"/>
-            <a:ext cx="19385280" cy="14483082"/>
+            <a:off x="3971925" y="6593841"/>
+            <a:ext cx="15826820" cy="13426442"/>
           </a:xfrm>
         </p:spPr>
         <p:txBody>
-          <a:bodyPr/>
+          <a:bodyPr>
+            <a:normAutofit/>
+          </a:bodyPr>
           <a:lstStyle>
             <a:lvl1pPr>
-              <a:defRPr sz="9600"/>
+              <a:defRPr sz="5760"/>
             </a:lvl1pPr>
             <a:lvl2pPr>
-              <a:defRPr sz="8200"/>
+              <a:defRPr sz="5120"/>
             </a:lvl2pPr>
             <a:lvl3pPr>
-              <a:defRPr sz="6900"/>
+              <a:defRPr sz="4480"/>
             </a:lvl3pPr>
             <a:lvl4pPr>
-              <a:defRPr sz="6200"/>
+              <a:defRPr sz="3840"/>
             </a:lvl4pPr>
             <a:lvl5pPr>
-              <a:defRPr sz="6200"/>
+              <a:defRPr sz="3840"/>
             </a:lvl5pPr>
             <a:lvl6pPr>
-              <a:defRPr sz="6200"/>
+              <a:defRPr sz="3840"/>
             </a:lvl6pPr>
             <a:lvl7pPr>
-              <a:defRPr sz="6200"/>
+              <a:defRPr sz="3840"/>
             </a:lvl7pPr>
             <a:lvl8pPr>
-              <a:defRPr sz="6200"/>
+              <a:defRPr sz="3840"/>
             </a:lvl8pPr>
             <a:lvl9pPr>
-              <a:defRPr sz="6200"/>
+              <a:defRPr sz="3840"/>
             </a:lvl9pPr>
           </a:lstStyle>
           <a:p>
@@ -1253,7 +4264,7 @@
               <a:rPr lang="en-US" smtClean="0"/>
               <a:t>Fifth level</a:t>
             </a:r>
-            <a:endParaRPr lang="en-US"/>
+            <a:endParaRPr lang="en-US" dirty="0"/>
           </a:p>
         </p:txBody>
       </p:sp>
@@ -1269,39 +4280,41 @@
         </p:nvSpPr>
         <p:spPr>
           <a:xfrm>
-            <a:off x="22311360" y="5120643"/>
-            <a:ext cx="19385280" cy="14483082"/>
+            <a:off x="20356176" y="6579496"/>
+            <a:ext cx="15826828" cy="13440784"/>
           </a:xfrm>
         </p:spPr>
         <p:txBody>
-          <a:bodyPr/>
+          <a:bodyPr>
+            <a:normAutofit/>
+          </a:bodyPr>
           <a:lstStyle>
             <a:lvl1pPr>
-              <a:defRPr sz="9600"/>
+              <a:defRPr sz="5760"/>
             </a:lvl1pPr>
             <a:lvl2pPr>
-              <a:defRPr sz="8200"/>
+              <a:defRPr sz="5120"/>
             </a:lvl2pPr>
             <a:lvl3pPr>
-              <a:defRPr sz="6900"/>
+              <a:defRPr sz="4480"/>
             </a:lvl3pPr>
             <a:lvl4pPr>
-              <a:defRPr sz="6200"/>
+              <a:defRPr sz="3840"/>
             </a:lvl4pPr>
             <a:lvl5pPr>
-              <a:defRPr sz="6200"/>
+              <a:defRPr sz="3840"/>
             </a:lvl5pPr>
             <a:lvl6pPr>
-              <a:defRPr sz="6200"/>
+              <a:defRPr sz="3840"/>
             </a:lvl6pPr>
             <a:lvl7pPr>
-              <a:defRPr sz="6200"/>
+              <a:defRPr sz="3840"/>
             </a:lvl7pPr>
             <a:lvl8pPr>
-              <a:defRPr sz="6200"/>
+              <a:defRPr sz="3840"/>
             </a:lvl8pPr>
             <a:lvl9pPr>
-              <a:defRPr sz="6200"/>
+              <a:defRPr sz="3840"/>
             </a:lvl9pPr>
           </a:lstStyle>
           <a:p>
@@ -1338,7 +4351,7 @@
               <a:rPr lang="en-US" smtClean="0"/>
               <a:t>Fifth level</a:t>
             </a:r>
-            <a:endParaRPr lang="en-US"/>
+            <a:endParaRPr lang="en-US" dirty="0"/>
           </a:p>
         </p:txBody>
       </p:sp>
@@ -1359,7 +4372,7 @@
           <a:p>
             <a:fld id="{5B4D2179-3739-4110-AF2E-953EC2A650FD}" type="datetimeFigureOut">
               <a:rPr lang="en-US" smtClean="0"/>
-              <a:t>12/13/2014</a:t>
+              <a:t>12/15/2014</a:t>
             </a:fld>
             <a:endParaRPr lang="en-US"/>
           </a:p>
@@ -1410,7 +4423,7 @@
     </p:spTree>
     <p:extLst>
       <p:ext uri="{BB962C8B-B14F-4D97-AF65-F5344CB8AC3E}">
-        <p14:creationId xmlns:p14="http://schemas.microsoft.com/office/powerpoint/2010/main" val="2275430534"/>
+        <p14:creationId xmlns:p14="http://schemas.microsoft.com/office/powerpoint/2010/main" val="2628552090"/>
       </p:ext>
     </p:extLst>
   </p:cSld>
@@ -1460,7 +4473,7 @@
               <a:rPr lang="en-US" smtClean="0"/>
               <a:t>Click to edit Master title style</a:t>
             </a:r>
-            <a:endParaRPr lang="en-US"/>
+            <a:endParaRPr lang="en-US" dirty="0"/>
           </a:p>
         </p:txBody>
       </p:sp>
@@ -1476,48 +4489,57 @@
         </p:nvSpPr>
         <p:spPr>
           <a:xfrm>
-            <a:off x="2194560" y="4912363"/>
-            <a:ext cx="19392902" cy="2047238"/>
+            <a:off x="3971927" y="6096000"/>
+            <a:ext cx="15826817" cy="1844038"/>
           </a:xfrm>
         </p:spPr>
         <p:txBody>
-          <a:bodyPr anchor="b"/>
+          <a:bodyPr anchor="b">
+            <a:noAutofit/>
+          </a:bodyPr>
           <a:lstStyle>
             <a:lvl1pPr marL="0" indent="0">
               <a:buNone/>
-              <a:defRPr sz="8200" b="1"/>
+              <a:defRPr sz="7680" b="0">
+                <a:solidFill>
+                  <a:schemeClr val="bg2">
+                    <a:lumMod val="40000"/>
+                    <a:lumOff val="60000"/>
+                  </a:schemeClr>
+                </a:solidFill>
+              </a:defRPr>
             </a:lvl1pPr>
-            <a:lvl2pPr marL="1567510" indent="0">
-              <a:buNone/>
-              <a:defRPr sz="6900" b="1"/>
+            <a:lvl2pPr marL="1463040" indent="0">
+              <a:buNone/>
+              <a:defRPr sz="6400" b="1"/>
             </a:lvl2pPr>
-            <a:lvl3pPr marL="3135020" indent="0">
-              <a:buNone/>
-              <a:defRPr sz="6200" b="1"/>
+            <a:lvl3pPr marL="2926080" indent="0">
+              <a:buNone/>
+              <a:defRPr sz="5760" b="1"/>
             </a:lvl3pPr>
-            <a:lvl4pPr marL="4702531" indent="0">
-              <a:buNone/>
-              <a:defRPr sz="5500" b="1"/>
+            <a:lvl4pPr marL="4389120" indent="0">
+              <a:buNone/>
+              <a:defRPr sz="5120" b="1"/>
             </a:lvl4pPr>
-            <a:lvl5pPr marL="6270041" indent="0">
-              <a:buNone/>
-              <a:defRPr sz="5500" b="1"/>
+            <a:lvl5pPr marL="5852160" indent="0">
+              <a:buNone/>
+              <a:defRPr sz="5120" b="1"/>
             </a:lvl5pPr>
-            <a:lvl6pPr marL="7837551" indent="0">
-              <a:buNone/>
-              <a:defRPr sz="5500" b="1"/>
+            <a:lvl6pPr marL="7315200" indent="0">
+              <a:buNone/>
+              <a:defRPr sz="5120" b="1"/>
             </a:lvl6pPr>
-            <a:lvl7pPr marL="9405061" indent="0">
-              <a:buNone/>
-              <a:defRPr sz="5500" b="1"/>
+            <a:lvl7pPr marL="8778240" indent="0">
+              <a:buNone/>
+              <a:defRPr sz="5120" b="1"/>
             </a:lvl7pPr>
-            <a:lvl8pPr marL="10972571" indent="0">
-              <a:buNone/>
-              <a:defRPr sz="5500" b="1"/>
+            <a:lvl8pPr marL="10241280" indent="0">
+              <a:buNone/>
+              <a:defRPr sz="5120" b="1"/>
             </a:lvl8pPr>
-            <a:lvl9pPr marL="12540082" indent="0">
-              <a:buNone/>
-              <a:defRPr sz="5500" b="1"/>
+            <a:lvl9pPr marL="11704320" indent="0">
+              <a:buNone/>
+              <a:defRPr sz="5120" b="1"/>
             </a:lvl9pPr>
           </a:lstStyle>
           <a:p>
@@ -1541,39 +4563,41 @@
         </p:nvSpPr>
         <p:spPr>
           <a:xfrm>
-            <a:off x="2194560" y="6959601"/>
-            <a:ext cx="19392902" cy="12644122"/>
+            <a:off x="3971925" y="8046720"/>
+            <a:ext cx="15826820" cy="11973562"/>
           </a:xfrm>
         </p:spPr>
         <p:txBody>
-          <a:bodyPr/>
+          <a:bodyPr>
+            <a:normAutofit/>
+          </a:bodyPr>
           <a:lstStyle>
             <a:lvl1pPr>
-              <a:defRPr sz="8200"/>
+              <a:defRPr sz="5760"/>
             </a:lvl1pPr>
             <a:lvl2pPr>
-              <a:defRPr sz="6900"/>
+              <a:defRPr sz="5120"/>
             </a:lvl2pPr>
             <a:lvl3pPr>
-              <a:defRPr sz="6200"/>
+              <a:defRPr sz="4480"/>
             </a:lvl3pPr>
             <a:lvl4pPr>
-              <a:defRPr sz="5500"/>
+              <a:defRPr sz="3840"/>
             </a:lvl4pPr>
             <a:lvl5pPr>
-              <a:defRPr sz="5500"/>
+              <a:defRPr sz="3840"/>
             </a:lvl5pPr>
             <a:lvl6pPr>
-              <a:defRPr sz="5500"/>
+              <a:defRPr sz="3840"/>
             </a:lvl6pPr>
             <a:lvl7pPr>
-              <a:defRPr sz="5500"/>
+              <a:defRPr sz="3840"/>
             </a:lvl7pPr>
             <a:lvl8pPr>
-              <a:defRPr sz="5500"/>
+              <a:defRPr sz="3840"/>
             </a:lvl8pPr>
             <a:lvl9pPr>
-              <a:defRPr sz="5500"/>
+              <a:defRPr sz="3840"/>
             </a:lvl9pPr>
           </a:lstStyle>
           <a:p>
@@ -1610,7 +4634,7 @@
               <a:rPr lang="en-US" smtClean="0"/>
               <a:t>Fifth level</a:t>
             </a:r>
-            <a:endParaRPr lang="en-US"/>
+            <a:endParaRPr lang="en-US" dirty="0"/>
           </a:p>
         </p:txBody>
       </p:sp>
@@ -1626,48 +4650,57 @@
         </p:nvSpPr>
         <p:spPr>
           <a:xfrm>
-            <a:off x="22296122" y="4912363"/>
-            <a:ext cx="19400520" cy="2047238"/>
+            <a:off x="20356184" y="6096000"/>
+            <a:ext cx="15826820" cy="1844038"/>
           </a:xfrm>
         </p:spPr>
         <p:txBody>
-          <a:bodyPr anchor="b"/>
+          <a:bodyPr anchor="b">
+            <a:noAutofit/>
+          </a:bodyPr>
           <a:lstStyle>
             <a:lvl1pPr marL="0" indent="0">
               <a:buNone/>
-              <a:defRPr sz="8200" b="1"/>
+              <a:defRPr sz="7680" b="0">
+                <a:solidFill>
+                  <a:schemeClr val="bg2">
+                    <a:lumMod val="40000"/>
+                    <a:lumOff val="60000"/>
+                  </a:schemeClr>
+                </a:solidFill>
+              </a:defRPr>
             </a:lvl1pPr>
-            <a:lvl2pPr marL="1567510" indent="0">
-              <a:buNone/>
-              <a:defRPr sz="6900" b="1"/>
+            <a:lvl2pPr marL="1463040" indent="0">
+              <a:buNone/>
+              <a:defRPr sz="6400" b="1"/>
             </a:lvl2pPr>
-            <a:lvl3pPr marL="3135020" indent="0">
-              <a:buNone/>
-              <a:defRPr sz="6200" b="1"/>
+            <a:lvl3pPr marL="2926080" indent="0">
+              <a:buNone/>
+              <a:defRPr sz="5760" b="1"/>
             </a:lvl3pPr>
-            <a:lvl4pPr marL="4702531" indent="0">
-              <a:buNone/>
-              <a:defRPr sz="5500" b="1"/>
+            <a:lvl4pPr marL="4389120" indent="0">
+              <a:buNone/>
+              <a:defRPr sz="5120" b="1"/>
             </a:lvl4pPr>
-            <a:lvl5pPr marL="6270041" indent="0">
-              <a:buNone/>
-              <a:defRPr sz="5500" b="1"/>
+            <a:lvl5pPr marL="5852160" indent="0">
+              <a:buNone/>
+              <a:defRPr sz="5120" b="1"/>
             </a:lvl5pPr>
-            <a:lvl6pPr marL="7837551" indent="0">
-              <a:buNone/>
-              <a:defRPr sz="5500" b="1"/>
+            <a:lvl6pPr marL="7315200" indent="0">
+              <a:buNone/>
+              <a:defRPr sz="5120" b="1"/>
             </a:lvl6pPr>
-            <a:lvl7pPr marL="9405061" indent="0">
-              <a:buNone/>
-              <a:defRPr sz="5500" b="1"/>
+            <a:lvl7pPr marL="8778240" indent="0">
+              <a:buNone/>
+              <a:defRPr sz="5120" b="1"/>
             </a:lvl7pPr>
-            <a:lvl8pPr marL="10972571" indent="0">
-              <a:buNone/>
-              <a:defRPr sz="5500" b="1"/>
+            <a:lvl8pPr marL="10241280" indent="0">
+              <a:buNone/>
+              <a:defRPr sz="5120" b="1"/>
             </a:lvl8pPr>
-            <a:lvl9pPr marL="12540082" indent="0">
-              <a:buNone/>
-              <a:defRPr sz="5500" b="1"/>
+            <a:lvl9pPr marL="11704320" indent="0">
+              <a:buNone/>
+              <a:defRPr sz="5120" b="1"/>
             </a:lvl9pPr>
           </a:lstStyle>
           <a:p>
@@ -1691,39 +4724,41 @@
         </p:nvSpPr>
         <p:spPr>
           <a:xfrm>
-            <a:off x="22296122" y="6959601"/>
-            <a:ext cx="19400520" cy="12644122"/>
+            <a:off x="20356184" y="8046720"/>
+            <a:ext cx="15826820" cy="11973562"/>
           </a:xfrm>
         </p:spPr>
         <p:txBody>
-          <a:bodyPr/>
+          <a:bodyPr>
+            <a:normAutofit/>
+          </a:bodyPr>
           <a:lstStyle>
             <a:lvl1pPr>
-              <a:defRPr sz="8200"/>
+              <a:defRPr sz="5760"/>
             </a:lvl1pPr>
             <a:lvl2pPr>
-              <a:defRPr sz="6900"/>
+              <a:defRPr sz="5120"/>
             </a:lvl2pPr>
             <a:lvl3pPr>
-              <a:defRPr sz="6200"/>
+              <a:defRPr sz="4480"/>
             </a:lvl3pPr>
             <a:lvl4pPr>
-              <a:defRPr sz="5500"/>
+              <a:defRPr sz="3840"/>
             </a:lvl4pPr>
             <a:lvl5pPr>
-              <a:defRPr sz="5500"/>
+              <a:defRPr sz="3840"/>
             </a:lvl5pPr>
             <a:lvl6pPr>
-              <a:defRPr sz="5500"/>
+              <a:defRPr sz="3840"/>
             </a:lvl6pPr>
             <a:lvl7pPr>
-              <a:defRPr sz="5500"/>
+              <a:defRPr sz="3840"/>
             </a:lvl7pPr>
             <a:lvl8pPr>
-              <a:defRPr sz="5500"/>
+              <a:defRPr sz="3840"/>
             </a:lvl8pPr>
             <a:lvl9pPr>
-              <a:defRPr sz="5500"/>
+              <a:defRPr sz="3840"/>
             </a:lvl9pPr>
           </a:lstStyle>
           <a:p>
@@ -1760,7 +4795,7 @@
               <a:rPr lang="en-US" smtClean="0"/>
               <a:t>Fifth level</a:t>
             </a:r>
-            <a:endParaRPr lang="en-US"/>
+            <a:endParaRPr lang="en-US" dirty="0"/>
           </a:p>
         </p:txBody>
       </p:sp>
@@ -1781,7 +4816,7 @@
           <a:p>
             <a:fld id="{5B4D2179-3739-4110-AF2E-953EC2A650FD}" type="datetimeFigureOut">
               <a:rPr lang="en-US" smtClean="0"/>
-              <a:t>12/13/2014</a:t>
+              <a:t>12/15/2014</a:t>
             </a:fld>
             <a:endParaRPr lang="en-US"/>
           </a:p>
@@ -1832,7 +4867,7 @@
     </p:spTree>
     <p:extLst>
       <p:ext uri="{BB962C8B-B14F-4D97-AF65-F5344CB8AC3E}">
-        <p14:creationId xmlns:p14="http://schemas.microsoft.com/office/powerpoint/2010/main" val="2189672852"/>
+        <p14:creationId xmlns:p14="http://schemas.microsoft.com/office/powerpoint/2010/main" val="2783739750"/>
       </p:ext>
     </p:extLst>
   </p:cSld>
@@ -1878,13 +4913,13 @@
               <a:rPr lang="en-US" smtClean="0"/>
               <a:t>Click to edit Master title style</a:t>
             </a:r>
-            <a:endParaRPr lang="en-US"/>
-          </a:p>
-        </p:txBody>
-      </p:sp>
-      <p:sp>
-        <p:nvSpPr>
-          <p:cNvPr id="3" name="Date Placeholder 2"/>
+            <a:endParaRPr lang="en-US" dirty="0"/>
+          </a:p>
+        </p:txBody>
+      </p:sp>
+      <p:sp>
+        <p:nvSpPr>
+          <p:cNvPr id="7" name="Date Placeholder 2"/>
           <p:cNvSpPr>
             <a:spLocks noGrp="1"/>
           </p:cNvSpPr>
@@ -1899,7 +4934,7 @@
           <a:p>
             <a:fld id="{5B4D2179-3739-4110-AF2E-953EC2A650FD}" type="datetimeFigureOut">
               <a:rPr lang="en-US" smtClean="0"/>
-              <a:t>12/13/2014</a:t>
+              <a:t>12/15/2014</a:t>
             </a:fld>
             <a:endParaRPr lang="en-US"/>
           </a:p>
@@ -1907,7 +4942,7 @@
       </p:sp>
       <p:sp>
         <p:nvSpPr>
-          <p:cNvPr id="4" name="Footer Placeholder 3"/>
+          <p:cNvPr id="5" name="Footer Placeholder 3"/>
           <p:cNvSpPr>
             <a:spLocks noGrp="1"/>
           </p:cNvSpPr>
@@ -1926,7 +4961,7 @@
       </p:sp>
       <p:sp>
         <p:nvSpPr>
-          <p:cNvPr id="5" name="Slide Number Placeholder 4"/>
+          <p:cNvPr id="6" name="Slide Number Placeholder 4"/>
           <p:cNvSpPr>
             <a:spLocks noGrp="1"/>
           </p:cNvSpPr>
@@ -1950,7 +4985,7 @@
     </p:spTree>
     <p:extLst>
       <p:ext uri="{BB962C8B-B14F-4D97-AF65-F5344CB8AC3E}">
-        <p14:creationId xmlns:p14="http://schemas.microsoft.com/office/powerpoint/2010/main" val="1026538919"/>
+        <p14:creationId xmlns:p14="http://schemas.microsoft.com/office/powerpoint/2010/main" val="2578247389"/>
       </p:ext>
     </p:extLst>
   </p:cSld>
@@ -1979,7 +5014,7 @@
       </p:grpSpPr>
       <p:sp>
         <p:nvSpPr>
-          <p:cNvPr id="2" name="Date Placeholder 1"/>
+          <p:cNvPr id="7" name="Date Placeholder 1"/>
           <p:cNvSpPr>
             <a:spLocks noGrp="1"/>
           </p:cNvSpPr>
@@ -1994,7 +5029,7 @@
           <a:p>
             <a:fld id="{5B4D2179-3739-4110-AF2E-953EC2A650FD}" type="datetimeFigureOut">
               <a:rPr lang="en-US" smtClean="0"/>
-              <a:t>12/13/2014</a:t>
+              <a:t>12/15/2014</a:t>
             </a:fld>
             <a:endParaRPr lang="en-US"/>
           </a:p>
@@ -2002,7 +5037,7 @@
       </p:sp>
       <p:sp>
         <p:nvSpPr>
-          <p:cNvPr id="3" name="Footer Placeholder 2"/>
+          <p:cNvPr id="5" name="Footer Placeholder 2"/>
           <p:cNvSpPr>
             <a:spLocks noGrp="1"/>
           </p:cNvSpPr>
@@ -2021,7 +5056,7 @@
       </p:sp>
       <p:sp>
         <p:nvSpPr>
-          <p:cNvPr id="4" name="Slide Number Placeholder 3"/>
+          <p:cNvPr id="6" name="Slide Number Placeholder 3"/>
           <p:cNvSpPr>
             <a:spLocks noGrp="1"/>
           </p:cNvSpPr>
@@ -2045,7 +5080,7 @@
     </p:spTree>
     <p:extLst>
       <p:ext uri="{BB962C8B-B14F-4D97-AF65-F5344CB8AC3E}">
-        <p14:creationId xmlns:p14="http://schemas.microsoft.com/office/powerpoint/2010/main" val="1549068948"/>
+        <p14:creationId xmlns:p14="http://schemas.microsoft.com/office/powerpoint/2010/main" val="3130922665"/>
       </p:ext>
     </p:extLst>
   </p:cSld>
@@ -2084,15 +5119,15 @@
         </p:nvSpPr>
         <p:spPr>
           <a:xfrm>
-            <a:off x="2194563" y="873760"/>
-            <a:ext cx="14439902" cy="3718560"/>
+            <a:off x="4157831" y="4632960"/>
+            <a:ext cx="12243830" cy="4632960"/>
           </a:xfrm>
         </p:spPr>
         <p:txBody>
           <a:bodyPr anchor="b"/>
           <a:lstStyle>
             <a:lvl1pPr algn="l">
-              <a:defRPr sz="6900" b="1"/>
+              <a:defRPr sz="7680" b="0"/>
             </a:lvl1pPr>
           </a:lstStyle>
           <a:p>
@@ -2100,7 +5135,7 @@
               <a:rPr lang="en-US" smtClean="0"/>
               <a:t>Click to edit Master title style</a:t>
             </a:r>
-            <a:endParaRPr lang="en-US"/>
+            <a:endParaRPr lang="en-US" dirty="0"/>
           </a:p>
         </p:txBody>
       </p:sp>
@@ -2116,39 +5151,41 @@
         </p:nvSpPr>
         <p:spPr>
           <a:xfrm>
-            <a:off x="17160240" y="873763"/>
-            <a:ext cx="24536400" cy="18729962"/>
+            <a:off x="17224620" y="4632960"/>
+            <a:ext cx="18705589" cy="14630400"/>
           </a:xfrm>
         </p:spPr>
         <p:txBody>
-          <a:bodyPr/>
+          <a:bodyPr anchor="ctr">
+            <a:normAutofit/>
+          </a:bodyPr>
           <a:lstStyle>
             <a:lvl1pPr>
-              <a:defRPr sz="11000"/>
+              <a:defRPr sz="6400"/>
             </a:lvl1pPr>
             <a:lvl2pPr>
-              <a:defRPr sz="9600"/>
+              <a:defRPr sz="5760"/>
             </a:lvl2pPr>
             <a:lvl3pPr>
-              <a:defRPr sz="8200"/>
+              <a:defRPr sz="5120"/>
             </a:lvl3pPr>
             <a:lvl4pPr>
-              <a:defRPr sz="6900"/>
+              <a:defRPr sz="4480"/>
             </a:lvl4pPr>
             <a:lvl5pPr>
-              <a:defRPr sz="6900"/>
+              <a:defRPr sz="4480"/>
             </a:lvl5pPr>
             <a:lvl6pPr>
-              <a:defRPr sz="6900"/>
+              <a:defRPr sz="4480"/>
             </a:lvl6pPr>
             <a:lvl7pPr>
-              <a:defRPr sz="6900"/>
+              <a:defRPr sz="4480"/>
             </a:lvl7pPr>
             <a:lvl8pPr>
-              <a:defRPr sz="6900"/>
+              <a:defRPr sz="4480"/>
             </a:lvl8pPr>
             <a:lvl9pPr>
-              <a:defRPr sz="6900"/>
+              <a:defRPr sz="4480"/>
             </a:lvl9pPr>
           </a:lstStyle>
           <a:p>
@@ -2185,7 +5222,7 @@
               <a:rPr lang="en-US" smtClean="0"/>
               <a:t>Fifth level</a:t>
             </a:r>
-            <a:endParaRPr lang="en-US"/>
+            <a:endParaRPr lang="en-US" dirty="0"/>
           </a:p>
         </p:txBody>
       </p:sp>
@@ -2201,8 +5238,8 @@
         </p:nvSpPr>
         <p:spPr>
           <a:xfrm>
-            <a:off x="2194563" y="4592323"/>
-            <a:ext cx="14439902" cy="15011402"/>
+            <a:off x="4157833" y="10013698"/>
+            <a:ext cx="12243827" cy="9265917"/>
           </a:xfrm>
         </p:spPr>
         <p:txBody>
@@ -2210,39 +5247,39 @@
           <a:lstStyle>
             <a:lvl1pPr marL="0" indent="0">
               <a:buNone/>
-              <a:defRPr sz="4800"/>
+              <a:defRPr sz="4480"/>
             </a:lvl1pPr>
-            <a:lvl2pPr marL="1567510" indent="0">
-              <a:buNone/>
-              <a:defRPr sz="4100"/>
+            <a:lvl2pPr marL="1463040" indent="0">
+              <a:buNone/>
+              <a:defRPr sz="3840"/>
             </a:lvl2pPr>
-            <a:lvl3pPr marL="3135020" indent="0">
-              <a:buNone/>
-              <a:defRPr sz="3400"/>
+            <a:lvl3pPr marL="2926080" indent="0">
+              <a:buNone/>
+              <a:defRPr sz="3200"/>
             </a:lvl3pPr>
-            <a:lvl4pPr marL="4702531" indent="0">
-              <a:buNone/>
-              <a:defRPr sz="3100"/>
+            <a:lvl4pPr marL="4389120" indent="0">
+              <a:buNone/>
+              <a:defRPr sz="2880"/>
             </a:lvl4pPr>
-            <a:lvl5pPr marL="6270041" indent="0">
-              <a:buNone/>
-              <a:defRPr sz="3100"/>
+            <a:lvl5pPr marL="5852160" indent="0">
+              <a:buNone/>
+              <a:defRPr sz="2880"/>
             </a:lvl5pPr>
-            <a:lvl6pPr marL="7837551" indent="0">
-              <a:buNone/>
-              <a:defRPr sz="3100"/>
+            <a:lvl6pPr marL="7315200" indent="0">
+              <a:buNone/>
+              <a:defRPr sz="2880"/>
             </a:lvl6pPr>
-            <a:lvl7pPr marL="9405061" indent="0">
-              <a:buNone/>
-              <a:defRPr sz="3100"/>
+            <a:lvl7pPr marL="8778240" indent="0">
+              <a:buNone/>
+              <a:defRPr sz="2880"/>
             </a:lvl7pPr>
-            <a:lvl8pPr marL="10972571" indent="0">
-              <a:buNone/>
-              <a:defRPr sz="3100"/>
+            <a:lvl8pPr marL="10241280" indent="0">
+              <a:buNone/>
+              <a:defRPr sz="2880"/>
             </a:lvl8pPr>
-            <a:lvl9pPr marL="12540082" indent="0">
-              <a:buNone/>
-              <a:defRPr sz="3100"/>
+            <a:lvl9pPr marL="11704320" indent="0">
+              <a:buNone/>
+              <a:defRPr sz="2880"/>
             </a:lvl9pPr>
           </a:lstStyle>
           <a:p>
@@ -2256,7 +5293,7 @@
       </p:sp>
       <p:sp>
         <p:nvSpPr>
-          <p:cNvPr id="5" name="Date Placeholder 4"/>
+          <p:cNvPr id="7" name="Date Placeholder 4"/>
           <p:cNvSpPr>
             <a:spLocks noGrp="1"/>
           </p:cNvSpPr>
@@ -2271,7 +5308,7 @@
           <a:p>
             <a:fld id="{5B4D2179-3739-4110-AF2E-953EC2A650FD}" type="datetimeFigureOut">
               <a:rPr lang="en-US" smtClean="0"/>
-              <a:t>12/13/2014</a:t>
+              <a:t>12/15/2014</a:t>
             </a:fld>
             <a:endParaRPr lang="en-US"/>
           </a:p>
@@ -2279,7 +5316,7 @@
       </p:sp>
       <p:sp>
         <p:nvSpPr>
-          <p:cNvPr id="6" name="Footer Placeholder 5"/>
+          <p:cNvPr id="5" name="Footer Placeholder 5"/>
           <p:cNvSpPr>
             <a:spLocks noGrp="1"/>
           </p:cNvSpPr>
@@ -2298,7 +5335,7 @@
       </p:sp>
       <p:sp>
         <p:nvSpPr>
-          <p:cNvPr id="7" name="Slide Number Placeholder 6"/>
+          <p:cNvPr id="6" name="Slide Number Placeholder 6"/>
           <p:cNvSpPr>
             <a:spLocks noGrp="1"/>
           </p:cNvSpPr>
@@ -2322,7 +5359,7 @@
     </p:spTree>
     <p:extLst>
       <p:ext uri="{BB962C8B-B14F-4D97-AF65-F5344CB8AC3E}">
-        <p14:creationId xmlns:p14="http://schemas.microsoft.com/office/powerpoint/2010/main" val="4009921127"/>
+        <p14:creationId xmlns:p14="http://schemas.microsoft.com/office/powerpoint/2010/main" val="2645910559"/>
       </p:ext>
     </p:extLst>
   </p:cSld>
@@ -2361,15 +5398,17 @@
         </p:nvSpPr>
         <p:spPr>
           <a:xfrm>
-            <a:off x="8602982" y="15361921"/>
-            <a:ext cx="26334720" cy="1813562"/>
+            <a:off x="4154065" y="5933414"/>
+            <a:ext cx="18334462" cy="5039386"/>
           </a:xfrm>
         </p:spPr>
         <p:txBody>
-          <a:bodyPr anchor="b"/>
+          <a:bodyPr anchor="b">
+            <a:normAutofit/>
+          </a:bodyPr>
           <a:lstStyle>
             <a:lvl1pPr algn="l">
-              <a:defRPr sz="6900" b="1"/>
+              <a:defRPr sz="11520" b="0"/>
             </a:lvl1pPr>
           </a:lstStyle>
           <a:p>
@@ -2377,7 +5416,7 @@
               <a:rPr lang="en-US" smtClean="0"/>
               <a:t>Click to edit Master title style</a:t>
             </a:r>
-            <a:endParaRPr lang="en-US"/>
+            <a:endParaRPr lang="en-US" dirty="0"/>
           </a:p>
         </p:txBody>
       </p:sp>
@@ -2385,7 +5424,7 @@
         <p:nvSpPr>
           <p:cNvPr id="3" name="Picture Placeholder 2"/>
           <p:cNvSpPr>
-            <a:spLocks noGrp="1"/>
+            <a:spLocks noGrp="1" noChangeAspect="1"/>
           </p:cNvSpPr>
           <p:nvPr>
             <p:ph type="pic" idx="1"/>
@@ -2393,112 +5432,132 @@
         </p:nvSpPr>
         <p:spPr>
           <a:xfrm>
-            <a:off x="8602982" y="1960880"/>
-            <a:ext cx="26334720" cy="13167360"/>
+            <a:off x="25018366" y="3657600"/>
+            <a:ext cx="11521440" cy="14630400"/>
+          </a:xfrm>
+          <a:prstGeom prst="roundRect">
+            <a:avLst>
+              <a:gd name="adj" fmla="val 1858"/>
+            </a:avLst>
+          </a:prstGeom>
+          <a:effectLst>
+            <a:outerShdw blurRad="50800" dist="50800" dir="5400000" algn="tl" rotWithShape="0">
+              <a:srgbClr val="000000">
+                <a:alpha val="43000"/>
+              </a:srgbClr>
+            </a:outerShdw>
+          </a:effectLst>
+        </p:spPr>
+        <p:txBody>
+          <a:bodyPr anchor="t">
+            <a:normAutofit/>
+          </a:bodyPr>
+          <a:lstStyle>
+            <a:lvl1pPr marL="0" indent="0" algn="ctr">
+              <a:buNone/>
+              <a:defRPr sz="5120"/>
+            </a:lvl1pPr>
+            <a:lvl2pPr marL="1463040" indent="0">
+              <a:buNone/>
+              <a:defRPr sz="5120"/>
+            </a:lvl2pPr>
+            <a:lvl3pPr marL="2926080" indent="0">
+              <a:buNone/>
+              <a:defRPr sz="5120"/>
+            </a:lvl3pPr>
+            <a:lvl4pPr marL="4389120" indent="0">
+              <a:buNone/>
+              <a:defRPr sz="5120"/>
+            </a:lvl4pPr>
+            <a:lvl5pPr marL="5852160" indent="0">
+              <a:buNone/>
+              <a:defRPr sz="5120"/>
+            </a:lvl5pPr>
+            <a:lvl6pPr marL="7315200" indent="0">
+              <a:buNone/>
+              <a:defRPr sz="5120"/>
+            </a:lvl6pPr>
+            <a:lvl7pPr marL="8778240" indent="0">
+              <a:buNone/>
+              <a:defRPr sz="5120"/>
+            </a:lvl7pPr>
+            <a:lvl8pPr marL="10241280" indent="0">
+              <a:buNone/>
+              <a:defRPr sz="5120"/>
+            </a:lvl8pPr>
+            <a:lvl9pPr marL="11704320" indent="0">
+              <a:buNone/>
+              <a:defRPr sz="5120"/>
+            </a:lvl9pPr>
+          </a:lstStyle>
+          <a:p>
+            <a:r>
+              <a:rPr lang="en-US" smtClean="0"/>
+              <a:t>Click icon to add picture</a:t>
+            </a:r>
+            <a:endParaRPr lang="en-US" dirty="0"/>
+          </a:p>
+        </p:txBody>
+      </p:sp>
+      <p:sp>
+        <p:nvSpPr>
+          <p:cNvPr id="4" name="Text Placeholder 3"/>
+          <p:cNvSpPr>
+            <a:spLocks noGrp="1"/>
+          </p:cNvSpPr>
+          <p:nvPr>
+            <p:ph type="body" sz="half" idx="2"/>
+          </p:nvPr>
+        </p:nvSpPr>
+        <p:spPr>
+          <a:xfrm>
+            <a:off x="4157836" y="11704320"/>
+            <a:ext cx="18305924" cy="4389120"/>
           </a:xfrm>
         </p:spPr>
         <p:txBody>
-          <a:bodyPr/>
+          <a:bodyPr>
+            <a:normAutofit/>
+          </a:bodyPr>
           <a:lstStyle>
             <a:lvl1pPr marL="0" indent="0">
               <a:buNone/>
-              <a:defRPr sz="11000"/>
+              <a:defRPr sz="4480"/>
             </a:lvl1pPr>
-            <a:lvl2pPr marL="1567510" indent="0">
-              <a:buNone/>
-              <a:defRPr sz="9600"/>
+            <a:lvl2pPr marL="1463040" indent="0">
+              <a:buNone/>
+              <a:defRPr sz="3840"/>
             </a:lvl2pPr>
-            <a:lvl3pPr marL="3135020" indent="0">
-              <a:buNone/>
-              <a:defRPr sz="8200"/>
+            <a:lvl3pPr marL="2926080" indent="0">
+              <a:buNone/>
+              <a:defRPr sz="3200"/>
             </a:lvl3pPr>
-            <a:lvl4pPr marL="4702531" indent="0">
-              <a:buNone/>
-              <a:defRPr sz="6900"/>
+            <a:lvl4pPr marL="4389120" indent="0">
+              <a:buNone/>
+              <a:defRPr sz="2880"/>
             </a:lvl4pPr>
-            <a:lvl5pPr marL="6270041" indent="0">
-              <a:buNone/>
-              <a:defRPr sz="6900"/>
+            <a:lvl5pPr marL="5852160" indent="0">
+              <a:buNone/>
+              <a:defRPr sz="2880"/>
             </a:lvl5pPr>
-            <a:lvl6pPr marL="7837551" indent="0">
-              <a:buNone/>
-              <a:defRPr sz="6900"/>
+            <a:lvl6pPr marL="7315200" indent="0">
+              <a:buNone/>
+              <a:defRPr sz="2880"/>
             </a:lvl6pPr>
-            <a:lvl7pPr marL="9405061" indent="0">
-              <a:buNone/>
-              <a:defRPr sz="6900"/>
+            <a:lvl7pPr marL="8778240" indent="0">
+              <a:buNone/>
+              <a:defRPr sz="2880"/>
             </a:lvl7pPr>
-            <a:lvl8pPr marL="10972571" indent="0">
-              <a:buNone/>
-              <a:defRPr sz="6900"/>
+            <a:lvl8pPr marL="10241280" indent="0">
+              <a:buNone/>
+              <a:defRPr sz="2880"/>
             </a:lvl8pPr>
-            <a:lvl9pPr marL="12540082" indent="0">
-              <a:buNone/>
-              <a:defRPr sz="6900"/>
+            <a:lvl9pPr marL="11704320" indent="0">
+              <a:buNone/>
+              <a:defRPr sz="2880"/>
             </a:lvl9pPr>
           </a:lstStyle>
           <a:p>
-            <a:endParaRPr lang="en-US"/>
-          </a:p>
-        </p:txBody>
-      </p:sp>
-      <p:sp>
-        <p:nvSpPr>
-          <p:cNvPr id="4" name="Text Placeholder 3"/>
-          <p:cNvSpPr>
-            <a:spLocks noGrp="1"/>
-          </p:cNvSpPr>
-          <p:nvPr>
-            <p:ph type="body" sz="half" idx="2"/>
-          </p:nvPr>
-        </p:nvSpPr>
-        <p:spPr>
-          <a:xfrm>
-            <a:off x="8602982" y="17175483"/>
-            <a:ext cx="26334720" cy="2575558"/>
-          </a:xfrm>
-        </p:spPr>
-        <p:txBody>
-          <a:bodyPr/>
-          <a:lstStyle>
-            <a:lvl1pPr marL="0" indent="0">
-              <a:buNone/>
-              <a:defRPr sz="4800"/>
-            </a:lvl1pPr>
-            <a:lvl2pPr marL="1567510" indent="0">
-              <a:buNone/>
-              <a:defRPr sz="4100"/>
-            </a:lvl2pPr>
-            <a:lvl3pPr marL="3135020" indent="0">
-              <a:buNone/>
-              <a:defRPr sz="3400"/>
-            </a:lvl3pPr>
-            <a:lvl4pPr marL="4702531" indent="0">
-              <a:buNone/>
-              <a:defRPr sz="3100"/>
-            </a:lvl4pPr>
-            <a:lvl5pPr marL="6270041" indent="0">
-              <a:buNone/>
-              <a:defRPr sz="3100"/>
-            </a:lvl5pPr>
-            <a:lvl6pPr marL="7837551" indent="0">
-              <a:buNone/>
-              <a:defRPr sz="3100"/>
-            </a:lvl6pPr>
-            <a:lvl7pPr marL="9405061" indent="0">
-              <a:buNone/>
-              <a:defRPr sz="3100"/>
-            </a:lvl7pPr>
-            <a:lvl8pPr marL="10972571" indent="0">
-              <a:buNone/>
-              <a:defRPr sz="3100"/>
-            </a:lvl8pPr>
-            <a:lvl9pPr marL="12540082" indent="0">
-              <a:buNone/>
-              <a:defRPr sz="3100"/>
-            </a:lvl9pPr>
-          </a:lstStyle>
-          <a:p>
             <a:pPr lvl="0"/>
             <a:r>
               <a:rPr lang="en-US" smtClean="0"/>
@@ -2524,7 +5583,7 @@
           <a:p>
             <a:fld id="{5B4D2179-3739-4110-AF2E-953EC2A650FD}" type="datetimeFigureOut">
               <a:rPr lang="en-US" smtClean="0"/>
-              <a:t>12/13/2014</a:t>
+              <a:t>12/15/2014</a:t>
             </a:fld>
             <a:endParaRPr lang="en-US"/>
           </a:p>
@@ -2575,7 +5634,7 @@
     </p:spTree>
     <p:extLst>
       <p:ext uri="{BB962C8B-B14F-4D97-AF65-F5344CB8AC3E}">
-        <p14:creationId xmlns:p14="http://schemas.microsoft.com/office/powerpoint/2010/main" val="814059045"/>
+        <p14:creationId xmlns:p14="http://schemas.microsoft.com/office/powerpoint/2010/main" val="3709510007"/>
       </p:ext>
     </p:extLst>
   </p:cSld>
@@ -2589,15 +5648,9 @@
 <p:sldMaster xmlns:a="http://schemas.openxmlformats.org/drawingml/2006/main" xmlns:r="http://schemas.openxmlformats.org/officeDocument/2006/relationships" xmlns:p="http://schemas.openxmlformats.org/presentationml/2006/main">
   <p:cSld>
     <p:bg>
-      <p:bgPr>
-        <a:solidFill>
-          <a:schemeClr val="accent1">
-            <a:lumMod val="40000"/>
-            <a:lumOff val="60000"/>
-          </a:schemeClr>
-        </a:solidFill>
-        <a:effectLst/>
-      </p:bgPr>
+      <p:bgRef idx="1003">
+        <a:schemeClr val="bg2"/>
+      </p:bgRef>
     </p:bg>
     <p:spTree>
       <p:nvGrpSpPr>
@@ -2613,125 +5666,420 @@
           <a:chExt cx="0" cy="0"/>
         </a:xfrm>
       </p:grpSpPr>
-      <p:sp>
-        <p:nvSpPr>
-          <p:cNvPr id="2" name="Title Placeholder 1"/>
-          <p:cNvSpPr>
-            <a:spLocks noGrp="1"/>
-          </p:cNvSpPr>
-          <p:nvPr>
-            <p:ph type="title"/>
-          </p:nvPr>
-        </p:nvSpPr>
+      <p:pic>
+        <p:nvPicPr>
+          <p:cNvPr id="8" name="Picture 7"/>
+          <p:cNvPicPr>
+            <a:picLocks noChangeAspect="1"/>
+          </p:cNvPicPr>
+          <p:nvPr/>
+        </p:nvPicPr>
+        <p:blipFill rotWithShape="1">
+          <a:blip r:embed="rId19">
+            <a:extLst>
+              <a:ext uri="{28A0092B-C50C-407E-A947-70E740481C1C}">
+                <a14:useLocalDpi xmlns:a14="http://schemas.microsoft.com/office/drawing/2010/main" val="0"/>
+              </a:ext>
+            </a:extLst>
+          </a:blip>
+          <a:srcRect l="3613"/>
+          <a:stretch/>
+        </p:blipFill>
         <p:spPr>
           <a:xfrm>
-            <a:off x="2194560" y="878842"/>
-            <a:ext cx="39502080" cy="3657600"/>
+            <a:off x="0" y="8542994"/>
+            <a:ext cx="14533243" cy="13402608"/>
           </a:xfrm>
           <a:prstGeom prst="rect">
             <a:avLst/>
           </a:prstGeom>
         </p:spPr>
-        <p:txBody>
-          <a:bodyPr vert="horz" lIns="313502" tIns="156751" rIns="313502" bIns="156751" rtlCol="0" anchor="ctr">
-            <a:normAutofit/>
-          </a:bodyPr>
-          <a:lstStyle/>
-          <a:p>
-            <a:r>
-              <a:rPr lang="en-US" smtClean="0"/>
-              <a:t>Click to edit Master title style</a:t>
-            </a:r>
-            <a:endParaRPr lang="en-US"/>
-          </a:p>
-        </p:txBody>
-      </p:sp>
-      <p:sp>
-        <p:nvSpPr>
-          <p:cNvPr id="3" name="Text Placeholder 2"/>
-          <p:cNvSpPr>
-            <a:spLocks noGrp="1"/>
-          </p:cNvSpPr>
-          <p:nvPr>
-            <p:ph type="body" idx="1"/>
-          </p:nvPr>
-        </p:nvSpPr>
+      </p:pic>
+      <p:pic>
+        <p:nvPicPr>
+          <p:cNvPr id="7" name="Picture 6"/>
+          <p:cNvPicPr>
+            <a:picLocks noChangeAspect="1"/>
+          </p:cNvPicPr>
+          <p:nvPr/>
+        </p:nvPicPr>
+        <p:blipFill rotWithShape="1">
+          <a:blip r:embed="rId20">
+            <a:extLst>
+              <a:ext uri="{28A0092B-C50C-407E-A947-70E740481C1C}">
+                <a14:useLocalDpi xmlns:a14="http://schemas.microsoft.com/office/drawing/2010/main" val="0"/>
+              </a:ext>
+            </a:extLst>
+          </a:blip>
+          <a:srcRect l="35640"/>
+          <a:stretch/>
+        </p:blipFill>
         <p:spPr>
           <a:xfrm>
-            <a:off x="2194560" y="5120643"/>
-            <a:ext cx="39502080" cy="14483082"/>
+            <a:off x="0" y="9255512"/>
+            <a:ext cx="5480683" cy="7569450"/>
           </a:xfrm>
           <a:prstGeom prst="rect">
             <a:avLst/>
           </a:prstGeom>
         </p:spPr>
-        <p:txBody>
-          <a:bodyPr vert="horz" lIns="313502" tIns="156751" rIns="313502" bIns="156751" rtlCol="0">
-            <a:normAutofit/>
-          </a:bodyPr>
-          <a:lstStyle/>
-          <a:p>
-            <a:pPr lvl="0"/>
-            <a:r>
-              <a:rPr lang="en-US" smtClean="0"/>
-              <a:t>Click to edit Master text styles</a:t>
-            </a:r>
-          </a:p>
-          <a:p>
-            <a:pPr lvl="1"/>
-            <a:r>
-              <a:rPr lang="en-US" smtClean="0"/>
-              <a:t>Second level</a:t>
-            </a:r>
-          </a:p>
-          <a:p>
-            <a:pPr lvl="2"/>
-            <a:r>
-              <a:rPr lang="en-US" smtClean="0"/>
-              <a:t>Third level</a:t>
-            </a:r>
-          </a:p>
-          <a:p>
-            <a:pPr lvl="3"/>
-            <a:r>
-              <a:rPr lang="en-US" smtClean="0"/>
-              <a:t>Fourth level</a:t>
-            </a:r>
-          </a:p>
-          <a:p>
-            <a:pPr lvl="4"/>
-            <a:r>
-              <a:rPr lang="en-US" smtClean="0"/>
-              <a:t>Fifth level</a:t>
-            </a:r>
-            <a:endParaRPr lang="en-US"/>
-          </a:p>
-        </p:txBody>
-      </p:sp>
-      <p:sp>
-        <p:nvSpPr>
-          <p:cNvPr id="4" name="Date Placeholder 3"/>
-          <p:cNvSpPr>
-            <a:spLocks noGrp="1"/>
-          </p:cNvSpPr>
-          <p:nvPr>
-            <p:ph type="dt" sz="half" idx="2"/>
-          </p:nvPr>
+      </p:pic>
+      <p:sp>
+        <p:nvSpPr>
+          <p:cNvPr id="16" name="Oval 15"/>
+          <p:cNvSpPr/>
+          <p:nvPr/>
         </p:nvSpPr>
         <p:spPr>
           <a:xfrm>
-            <a:off x="2194560" y="20340322"/>
-            <a:ext cx="10241280" cy="1168400"/>
+            <a:off x="30992443" y="5364480"/>
+            <a:ext cx="10149840" cy="9022080"/>
+          </a:xfrm>
+          <a:prstGeom prst="ellipse">
+            <a:avLst/>
+          </a:prstGeom>
+          <a:gradFill flip="none" rotWithShape="1">
+            <a:gsLst>
+              <a:gs pos="0">
+                <a:schemeClr val="bg2">
+                  <a:lumMod val="60000"/>
+                  <a:lumOff val="40000"/>
+                  <a:alpha val="7000"/>
+                </a:schemeClr>
+              </a:gs>
+              <a:gs pos="69000">
+                <a:schemeClr val="bg2">
+                  <a:lumMod val="60000"/>
+                  <a:lumOff val="40000"/>
+                  <a:alpha val="0"/>
+                </a:schemeClr>
+              </a:gs>
+              <a:gs pos="36000">
+                <a:schemeClr val="bg2">
+                  <a:lumMod val="60000"/>
+                  <a:lumOff val="40000"/>
+                  <a:alpha val="6000"/>
+                </a:schemeClr>
+              </a:gs>
+            </a:gsLst>
+            <a:path path="circle">
+              <a:fillToRect l="50000" t="50000" r="50000" b="50000"/>
+            </a:path>
+            <a:tileRect/>
+          </a:gradFill>
+          <a:ln>
+            <a:noFill/>
+          </a:ln>
+          <a:effectLst/>
+        </p:spPr>
+        <p:style>
+          <a:lnRef idx="1">
+            <a:schemeClr val="accent1"/>
+          </a:lnRef>
+          <a:fillRef idx="3">
+            <a:schemeClr val="accent1"/>
+          </a:fillRef>
+          <a:effectRef idx="2">
+            <a:schemeClr val="accent1"/>
+          </a:effectRef>
+          <a:fontRef idx="minor">
+            <a:schemeClr val="lt1"/>
+          </a:fontRef>
+        </p:style>
+      </p:sp>
+      <p:pic>
+        <p:nvPicPr>
+          <p:cNvPr id="9" name="Picture 8"/>
+          <p:cNvPicPr>
+            <a:picLocks noChangeAspect="1"/>
+          </p:cNvPicPr>
+          <p:nvPr/>
+        </p:nvPicPr>
+        <p:blipFill rotWithShape="1">
+          <a:blip r:embed="rId21">
+            <a:extLst>
+              <a:ext uri="{28A0092B-C50C-407E-A947-70E740481C1C}">
+                <a14:useLocalDpi xmlns:a14="http://schemas.microsoft.com/office/drawing/2010/main" val="0"/>
+              </a:ext>
+            </a:extLst>
+          </a:blip>
+          <a:srcRect t="28813"/>
+          <a:stretch/>
+        </p:blipFill>
+        <p:spPr>
+          <a:xfrm>
+            <a:off x="28797885" y="2"/>
+            <a:ext cx="5772193" cy="3652502"/>
           </a:xfrm>
           <a:prstGeom prst="rect">
             <a:avLst/>
           </a:prstGeom>
         </p:spPr>
-        <p:txBody>
-          <a:bodyPr vert="horz" lIns="313502" tIns="156751" rIns="313502" bIns="156751" rtlCol="0" anchor="ctr"/>
+      </p:pic>
+      <p:pic>
+        <p:nvPicPr>
+          <p:cNvPr id="10" name="Picture 9"/>
+          <p:cNvPicPr>
+            <a:picLocks noChangeAspect="1"/>
+          </p:cNvPicPr>
+          <p:nvPr/>
+        </p:nvPicPr>
+        <p:blipFill rotWithShape="1">
+          <a:blip r:embed="rId22">
+            <a:extLst>
+              <a:ext uri="{28A0092B-C50C-407E-A947-70E740481C1C}">
+                <a14:useLocalDpi xmlns:a14="http://schemas.microsoft.com/office/drawing/2010/main" val="0"/>
+              </a:ext>
+            </a:extLst>
+          </a:blip>
+          <a:srcRect b="23320"/>
+          <a:stretch/>
+        </p:blipFill>
+        <p:spPr>
+          <a:xfrm>
+            <a:off x="30981161" y="19507200"/>
+            <a:ext cx="3577442" cy="2438400"/>
+          </a:xfrm>
+          <a:prstGeom prst="rect">
+            <a:avLst/>
+          </a:prstGeom>
+        </p:spPr>
+      </p:pic>
+      <p:sp>
+        <p:nvSpPr>
+          <p:cNvPr id="14" name="Rectangle 13"/>
+          <p:cNvSpPr/>
+          <p:nvPr/>
+        </p:nvSpPr>
+        <p:spPr>
+          <a:xfrm>
+            <a:off x="37576123" y="0"/>
+            <a:ext cx="2468880" cy="3657600"/>
+          </a:xfrm>
+          <a:prstGeom prst="rect">
+            <a:avLst/>
+          </a:prstGeom>
+          <a:solidFill>
+            <a:schemeClr val="accent1"/>
+          </a:solidFill>
+          <a:ln>
+            <a:noFill/>
+          </a:ln>
+        </p:spPr>
+        <p:style>
+          <a:lnRef idx="1">
+            <a:schemeClr val="accent1"/>
+          </a:lnRef>
+          <a:fillRef idx="3">
+            <a:schemeClr val="accent1"/>
+          </a:fillRef>
+          <a:effectRef idx="2">
+            <a:schemeClr val="accent1"/>
+          </a:effectRef>
+          <a:fontRef idx="minor">
+            <a:schemeClr val="lt1"/>
+          </a:fontRef>
+        </p:style>
+      </p:sp>
+      <p:sp>
+        <p:nvSpPr>
+          <p:cNvPr id="2" name="Title Placeholder 1"/>
+          <p:cNvSpPr>
+            <a:spLocks noGrp="1"/>
+          </p:cNvSpPr>
+          <p:nvPr>
+            <p:ph type="title"/>
+          </p:nvPr>
+        </p:nvSpPr>
+        <p:spPr>
+          <a:xfrm>
+            <a:off x="2326001" y="1448698"/>
+            <a:ext cx="33857003" cy="4481696"/>
+          </a:xfrm>
+          <a:prstGeom prst="rect">
+            <a:avLst/>
+          </a:prstGeom>
+        </p:spPr>
+        <p:txBody>
+          <a:bodyPr vert="horz" lIns="91440" tIns="45720" rIns="91440" bIns="45720" rtlCol="0" anchor="t">
+            <a:noAutofit/>
+          </a:bodyPr>
+          <a:lstStyle/>
+          <a:p>
+            <a:r>
+              <a:rPr lang="en-US" smtClean="0"/>
+              <a:t>Click to edit Master title style</a:t>
+            </a:r>
+            <a:endParaRPr lang="en-US" dirty="0"/>
+          </a:p>
+        </p:txBody>
+      </p:sp>
+      <p:sp>
+        <p:nvSpPr>
+          <p:cNvPr id="3" name="Text Placeholder 2"/>
+          <p:cNvSpPr>
+            <a:spLocks noGrp="1"/>
+          </p:cNvSpPr>
+          <p:nvPr>
+            <p:ph type="body" idx="1"/>
+          </p:nvPr>
+        </p:nvSpPr>
+        <p:spPr>
+          <a:xfrm>
+            <a:off x="3971925" y="6569339"/>
+            <a:ext cx="32207548" cy="13425539"/>
+          </a:xfrm>
+          <a:prstGeom prst="rect">
+            <a:avLst/>
+          </a:prstGeom>
+        </p:spPr>
+        <p:txBody>
+          <a:bodyPr vert="horz" lIns="91440" tIns="45720" rIns="91440" bIns="45720" rtlCol="0">
+            <a:normAutofit/>
+          </a:bodyPr>
+          <a:lstStyle/>
+          <a:p>
+            <a:pPr lvl="0"/>
+            <a:r>
+              <a:rPr lang="en-US" smtClean="0"/>
+              <a:t>Click to edit Master text styles</a:t>
+            </a:r>
+          </a:p>
+          <a:p>
+            <a:pPr lvl="1"/>
+            <a:r>
+              <a:rPr lang="en-US" smtClean="0"/>
+              <a:t>Second level</a:t>
+            </a:r>
+          </a:p>
+          <a:p>
+            <a:pPr lvl="2"/>
+            <a:r>
+              <a:rPr lang="en-US" smtClean="0"/>
+              <a:t>Third level</a:t>
+            </a:r>
+          </a:p>
+          <a:p>
+            <a:pPr lvl="3"/>
+            <a:r>
+              <a:rPr lang="en-US" smtClean="0"/>
+              <a:t>Fourth level</a:t>
+            </a:r>
+          </a:p>
+          <a:p>
+            <a:pPr lvl="4"/>
+            <a:r>
+              <a:rPr lang="en-US" smtClean="0"/>
+              <a:t>Fifth level</a:t>
+            </a:r>
+            <a:endParaRPr lang="en-US" dirty="0"/>
+          </a:p>
+        </p:txBody>
+      </p:sp>
+      <p:sp>
+        <p:nvSpPr>
+          <p:cNvPr id="4" name="Date Placeholder 3"/>
+          <p:cNvSpPr>
+            <a:spLocks noGrp="1"/>
+          </p:cNvSpPr>
+          <p:nvPr>
+            <p:ph type="dt" sz="half" idx="2"/>
+          </p:nvPr>
+        </p:nvSpPr>
+        <p:spPr>
+          <a:xfrm rot="5400000">
+            <a:off x="36758422" y="5669285"/>
+            <a:ext cx="3169917" cy="1097276"/>
+          </a:xfrm>
+          <a:prstGeom prst="rect">
+            <a:avLst/>
+          </a:prstGeom>
+        </p:spPr>
+        <p:txBody>
+          <a:bodyPr vert="horz" lIns="91440" tIns="45720" rIns="91440" bIns="45720" rtlCol="0" anchor="t"/>
           <a:lstStyle>
             <a:lvl1pPr algn="l">
-              <a:defRPr sz="4100">
+              <a:defRPr sz="3520" b="0" i="0">
+                <a:solidFill>
+                  <a:schemeClr val="tx1">
+                    <a:tint val="75000"/>
+                    <a:alpha val="60000"/>
+                  </a:schemeClr>
+                </a:solidFill>
+              </a:defRPr>
+            </a:lvl1pPr>
+          </a:lstStyle>
+          <a:p>
+            <a:fld id="{5B4D2179-3739-4110-AF2E-953EC2A650FD}" type="datetimeFigureOut">
+              <a:rPr lang="en-US" smtClean="0"/>
+              <a:t>12/15/2014</a:t>
+            </a:fld>
+            <a:endParaRPr lang="en-US"/>
+          </a:p>
+        </p:txBody>
+      </p:sp>
+      <p:sp>
+        <p:nvSpPr>
+          <p:cNvPr id="5" name="Footer Placeholder 4"/>
+          <p:cNvSpPr>
+            <a:spLocks noGrp="1"/>
+          </p:cNvSpPr>
+          <p:nvPr>
+            <p:ph type="ftr" sz="quarter" idx="3"/>
+          </p:nvPr>
+        </p:nvSpPr>
+        <p:spPr>
+          <a:xfrm rot="5400000">
+            <a:off x="32997624" y="10259992"/>
+            <a:ext cx="12351344" cy="1097284"/>
+          </a:xfrm>
+          <a:prstGeom prst="rect">
+            <a:avLst/>
+          </a:prstGeom>
+        </p:spPr>
+        <p:txBody>
+          <a:bodyPr vert="horz" lIns="91440" tIns="45720" rIns="91440" bIns="45720" rtlCol="0" anchor="b"/>
+          <a:lstStyle>
+            <a:lvl1pPr algn="l">
+              <a:defRPr sz="3520" b="0" i="0">
+                <a:solidFill>
+                  <a:schemeClr val="tx1">
+                    <a:tint val="75000"/>
+                    <a:alpha val="60000"/>
+                  </a:schemeClr>
+                </a:solidFill>
+              </a:defRPr>
+            </a:lvl1pPr>
+          </a:lstStyle>
+          <a:p>
+            <a:endParaRPr lang="en-US"/>
+          </a:p>
+        </p:txBody>
+      </p:sp>
+      <p:sp>
+        <p:nvSpPr>
+          <p:cNvPr id="6" name="Slide Number Placeholder 5"/>
+          <p:cNvSpPr>
+            <a:spLocks noGrp="1"/>
+          </p:cNvSpPr>
+          <p:nvPr>
+            <p:ph type="sldNum" sz="quarter" idx="4"/>
+          </p:nvPr>
+        </p:nvSpPr>
+        <p:spPr bwMode="gray">
+          <a:xfrm>
+            <a:off x="37269146" y="946335"/>
+            <a:ext cx="3017516" cy="2456598"/>
+          </a:xfrm>
+          <a:prstGeom prst="rect">
+            <a:avLst/>
+          </a:prstGeom>
+        </p:spPr>
+        <p:txBody>
+          <a:bodyPr vert="horz" lIns="91440" tIns="45720" rIns="91440" bIns="45720" rtlCol="0" anchor="b"/>
+          <a:lstStyle>
+            <a:lvl1pPr algn="ctr">
+              <a:defRPr sz="8960" b="0" i="0">
                 <a:solidFill>
                   <a:schemeClr val="tx1">
                     <a:tint val="75000"/>
@@ -2741,84 +6089,6 @@
             </a:lvl1pPr>
           </a:lstStyle>
           <a:p>
-            <a:fld id="{5B4D2179-3739-4110-AF2E-953EC2A650FD}" type="datetimeFigureOut">
-              <a:rPr lang="en-US" smtClean="0"/>
-              <a:t>12/13/2014</a:t>
-            </a:fld>
-            <a:endParaRPr lang="en-US"/>
-          </a:p>
-        </p:txBody>
-      </p:sp>
-      <p:sp>
-        <p:nvSpPr>
-          <p:cNvPr id="5" name="Footer Placeholder 4"/>
-          <p:cNvSpPr>
-            <a:spLocks noGrp="1"/>
-          </p:cNvSpPr>
-          <p:nvPr>
-            <p:ph type="ftr" sz="quarter" idx="3"/>
-          </p:nvPr>
-        </p:nvSpPr>
-        <p:spPr>
-          <a:xfrm>
-            <a:off x="14996160" y="20340322"/>
-            <a:ext cx="13898880" cy="1168400"/>
-          </a:xfrm>
-          <a:prstGeom prst="rect">
-            <a:avLst/>
-          </a:prstGeom>
-        </p:spPr>
-        <p:txBody>
-          <a:bodyPr vert="horz" lIns="313502" tIns="156751" rIns="313502" bIns="156751" rtlCol="0" anchor="ctr"/>
-          <a:lstStyle>
-            <a:lvl1pPr algn="ctr">
-              <a:defRPr sz="4100">
-                <a:solidFill>
-                  <a:schemeClr val="tx1">
-                    <a:tint val="75000"/>
-                  </a:schemeClr>
-                </a:solidFill>
-              </a:defRPr>
-            </a:lvl1pPr>
-          </a:lstStyle>
-          <a:p>
-            <a:endParaRPr lang="en-US"/>
-          </a:p>
-        </p:txBody>
-      </p:sp>
-      <p:sp>
-        <p:nvSpPr>
-          <p:cNvPr id="6" name="Slide Number Placeholder 5"/>
-          <p:cNvSpPr>
-            <a:spLocks noGrp="1"/>
-          </p:cNvSpPr>
-          <p:nvPr>
-            <p:ph type="sldNum" sz="quarter" idx="4"/>
-          </p:nvPr>
-        </p:nvSpPr>
-        <p:spPr>
-          <a:xfrm>
-            <a:off x="31455360" y="20340322"/>
-            <a:ext cx="10241280" cy="1168400"/>
-          </a:xfrm>
-          <a:prstGeom prst="rect">
-            <a:avLst/>
-          </a:prstGeom>
-        </p:spPr>
-        <p:txBody>
-          <a:bodyPr vert="horz" lIns="313502" tIns="156751" rIns="313502" bIns="156751" rtlCol="0" anchor="ctr"/>
-          <a:lstStyle>
-            <a:lvl1pPr algn="r">
-              <a:defRPr sz="4100">
-                <a:solidFill>
-                  <a:schemeClr val="tx1">
-                    <a:tint val="75000"/>
-                  </a:schemeClr>
-                </a:solidFill>
-              </a:defRPr>
-            </a:lvl1pPr>
-          </a:lstStyle>
-          <a:p>
             <a:fld id="{1CCB0DC3-FFB4-40DD-8743-0357C76D3513}" type="slidenum">
               <a:rPr lang="en-US" smtClean="0"/>
               <a:t>‹#›</a:t>
@@ -2830,32 +6100,121 @@
     </p:spTree>
     <p:extLst>
       <p:ext uri="{BB962C8B-B14F-4D97-AF65-F5344CB8AC3E}">
-        <p14:creationId xmlns:p14="http://schemas.microsoft.com/office/powerpoint/2010/main" val="1990597497"/>
+        <p14:creationId xmlns:p14="http://schemas.microsoft.com/office/powerpoint/2010/main" val="225350320"/>
       </p:ext>
     </p:extLst>
   </p:cSld>
-  <p:clrMap bg1="lt1" tx1="dk1" bg2="lt2" tx2="dk2" accent1="accent1" accent2="accent2" accent3="accent3" accent4="accent4" accent5="accent5" accent6="accent6" hlink="hlink" folHlink="folHlink"/>
+  <p:clrMap bg1="dk1" tx1="lt1" bg2="dk2" tx2="lt2" accent1="accent1" accent2="accent2" accent3="accent3" accent4="accent4" accent5="accent5" accent6="accent6" hlink="hlink" folHlink="folHlink"/>
   <p:sldLayoutIdLst>
-    <p:sldLayoutId id="2147483649" r:id="rId1"/>
-    <p:sldLayoutId id="2147483650" r:id="rId2"/>
-    <p:sldLayoutId id="2147483651" r:id="rId3"/>
-    <p:sldLayoutId id="2147483652" r:id="rId4"/>
-    <p:sldLayoutId id="2147483653" r:id="rId5"/>
-    <p:sldLayoutId id="2147483654" r:id="rId6"/>
-    <p:sldLayoutId id="2147483655" r:id="rId7"/>
-    <p:sldLayoutId id="2147483656" r:id="rId8"/>
-    <p:sldLayoutId id="2147483657" r:id="rId9"/>
-    <p:sldLayoutId id="2147483658" r:id="rId10"/>
-    <p:sldLayoutId id="2147483659" r:id="rId11"/>
+    <p:sldLayoutId id="2147483661" r:id="rId1"/>
+    <p:sldLayoutId id="2147483662" r:id="rId2"/>
+    <p:sldLayoutId id="2147483663" r:id="rId3"/>
+    <p:sldLayoutId id="2147483664" r:id="rId4"/>
+    <p:sldLayoutId id="2147483665" r:id="rId5"/>
+    <p:sldLayoutId id="2147483666" r:id="rId6"/>
+    <p:sldLayoutId id="2147483667" r:id="rId7"/>
+    <p:sldLayoutId id="2147483668" r:id="rId8"/>
+    <p:sldLayoutId id="2147483669" r:id="rId9"/>
+    <p:sldLayoutId id="2147483670" r:id="rId10"/>
+    <p:sldLayoutId id="2147483671" r:id="rId11"/>
+    <p:sldLayoutId id="2147483672" r:id="rId12"/>
+    <p:sldLayoutId id="2147483673" r:id="rId13"/>
+    <p:sldLayoutId id="2147483674" r:id="rId14"/>
+    <p:sldLayoutId id="2147483675" r:id="rId15"/>
+    <p:sldLayoutId id="2147483676" r:id="rId16"/>
+    <p:sldLayoutId id="2147483677" r:id="rId17"/>
   </p:sldLayoutIdLst>
   <p:txStyles>
     <p:titleStyle>
-      <a:lvl1pPr algn="ctr" defTabSz="3135020" rtl="0" eaLnBrk="1" latinLnBrk="0" hangingPunct="1">
+      <a:lvl1pPr algn="l" defTabSz="1463040" rtl="0" eaLnBrk="1" latinLnBrk="0" hangingPunct="1">
         <a:spcBef>
           <a:spcPct val="0"/>
         </a:spcBef>
         <a:buNone/>
-        <a:defRPr sz="15100" kern="1200">
+        <a:defRPr sz="13440" b="0" i="0" kern="1200">
+          <a:solidFill>
+            <a:schemeClr val="tx2"/>
+          </a:solidFill>
+          <a:latin typeface="+mj-lt"/>
+          <a:ea typeface="+mj-ea"/>
+          <a:cs typeface="+mj-cs"/>
+        </a:defRPr>
+      </a:lvl1pPr>
+      <a:lvl2pPr eaLnBrk="1" hangingPunct="1">
+        <a:defRPr>
+          <a:solidFill>
+            <a:schemeClr val="tx2"/>
+          </a:solidFill>
+        </a:defRPr>
+      </a:lvl2pPr>
+      <a:lvl3pPr eaLnBrk="1" hangingPunct="1">
+        <a:defRPr>
+          <a:solidFill>
+            <a:schemeClr val="tx2"/>
+          </a:solidFill>
+        </a:defRPr>
+      </a:lvl3pPr>
+      <a:lvl4pPr eaLnBrk="1" hangingPunct="1">
+        <a:defRPr>
+          <a:solidFill>
+            <a:schemeClr val="tx2"/>
+          </a:solidFill>
+        </a:defRPr>
+      </a:lvl4pPr>
+      <a:lvl5pPr eaLnBrk="1" hangingPunct="1">
+        <a:defRPr>
+          <a:solidFill>
+            <a:schemeClr val="tx2"/>
+          </a:solidFill>
+        </a:defRPr>
+      </a:lvl5pPr>
+      <a:lvl6pPr eaLnBrk="1" hangingPunct="1">
+        <a:defRPr>
+          <a:solidFill>
+            <a:schemeClr val="tx2"/>
+          </a:solidFill>
+        </a:defRPr>
+      </a:lvl6pPr>
+      <a:lvl7pPr eaLnBrk="1" hangingPunct="1">
+        <a:defRPr>
+          <a:solidFill>
+            <a:schemeClr val="tx2"/>
+          </a:solidFill>
+        </a:defRPr>
+      </a:lvl7pPr>
+      <a:lvl8pPr eaLnBrk="1" hangingPunct="1">
+        <a:defRPr>
+          <a:solidFill>
+            <a:schemeClr val="tx2"/>
+          </a:solidFill>
+        </a:defRPr>
+      </a:lvl8pPr>
+      <a:lvl9pPr eaLnBrk="1" hangingPunct="1">
+        <a:defRPr>
+          <a:solidFill>
+            <a:schemeClr val="tx2"/>
+          </a:solidFill>
+        </a:defRPr>
+      </a:lvl9pPr>
+    </p:titleStyle>
+    <p:bodyStyle>
+      <a:lvl1pPr marL="1097280" indent="-1097280" algn="l" defTabSz="1463040" rtl="0" eaLnBrk="1" latinLnBrk="0" hangingPunct="1">
+        <a:spcBef>
+          <a:spcPts val="3200"/>
+        </a:spcBef>
+        <a:spcAft>
+          <a:spcPts val="0"/>
+        </a:spcAft>
+        <a:buClr>
+          <a:schemeClr val="bg2">
+            <a:lumMod val="40000"/>
+            <a:lumOff val="60000"/>
+          </a:schemeClr>
+        </a:buClr>
+        <a:buSzPct val="80000"/>
+        <a:buFont typeface="Wingdings 3" charset="2"/>
+        <a:buChar char=""/>
+        <a:defRPr sz="6400" b="0" i="0" kern="1200">
           <a:solidFill>
             <a:schemeClr val="tx1"/>
           </a:solidFill>
@@ -2864,15 +6223,213 @@
           <a:cs typeface="+mj-cs"/>
         </a:defRPr>
       </a:lvl1pPr>
-    </p:titleStyle>
-    <p:bodyStyle>
-      <a:lvl1pPr marL="1175633" indent="-1175633" algn="l" defTabSz="3135020" rtl="0" eaLnBrk="1" latinLnBrk="0" hangingPunct="1">
+      <a:lvl2pPr marL="2377440" indent="-914400" algn="l" defTabSz="1463040" rtl="0" eaLnBrk="1" latinLnBrk="0" hangingPunct="1">
         <a:spcBef>
-          <a:spcPct val="20000"/>
+          <a:spcPts val="3200"/>
         </a:spcBef>
-        <a:buFont typeface="Arial" panose="020B0604020202020204" pitchFamily="34" charset="0"/>
-        <a:buChar char="•"/>
-        <a:defRPr sz="11000" kern="1200">
+        <a:spcAft>
+          <a:spcPts val="0"/>
+        </a:spcAft>
+        <a:buClr>
+          <a:schemeClr val="bg2">
+            <a:lumMod val="40000"/>
+            <a:lumOff val="60000"/>
+          </a:schemeClr>
+        </a:buClr>
+        <a:buSzPct val="80000"/>
+        <a:buFont typeface="Wingdings 3" charset="2"/>
+        <a:buChar char=""/>
+        <a:defRPr sz="5760" b="0" i="0" kern="1200">
+          <a:solidFill>
+            <a:schemeClr val="tx1"/>
+          </a:solidFill>
+          <a:latin typeface="+mj-lt"/>
+          <a:ea typeface="+mj-ea"/>
+          <a:cs typeface="+mj-cs"/>
+        </a:defRPr>
+      </a:lvl2pPr>
+      <a:lvl3pPr marL="3657600" indent="-731520" algn="l" defTabSz="1463040" rtl="0" eaLnBrk="1" latinLnBrk="0" hangingPunct="1">
+        <a:spcBef>
+          <a:spcPts val="3200"/>
+        </a:spcBef>
+        <a:spcAft>
+          <a:spcPts val="0"/>
+        </a:spcAft>
+        <a:buClr>
+          <a:schemeClr val="bg2">
+            <a:lumMod val="40000"/>
+            <a:lumOff val="60000"/>
+          </a:schemeClr>
+        </a:buClr>
+        <a:buSzPct val="80000"/>
+        <a:buFont typeface="Wingdings 3" charset="2"/>
+        <a:buChar char=""/>
+        <a:defRPr sz="5120" b="0" i="0" kern="1200">
+          <a:solidFill>
+            <a:schemeClr val="tx1"/>
+          </a:solidFill>
+          <a:latin typeface="+mj-lt"/>
+          <a:ea typeface="+mj-ea"/>
+          <a:cs typeface="+mj-cs"/>
+        </a:defRPr>
+      </a:lvl3pPr>
+      <a:lvl4pPr marL="5120640" indent="-731520" algn="l" defTabSz="1463040" rtl="0" eaLnBrk="1" latinLnBrk="0" hangingPunct="1">
+        <a:spcBef>
+          <a:spcPts val="3200"/>
+        </a:spcBef>
+        <a:spcAft>
+          <a:spcPts val="0"/>
+        </a:spcAft>
+        <a:buClr>
+          <a:schemeClr val="bg2">
+            <a:lumMod val="40000"/>
+            <a:lumOff val="60000"/>
+          </a:schemeClr>
+        </a:buClr>
+        <a:buSzPct val="80000"/>
+        <a:buFont typeface="Wingdings 3" charset="2"/>
+        <a:buChar char=""/>
+        <a:defRPr sz="4480" b="0" i="0" kern="1200">
+          <a:solidFill>
+            <a:schemeClr val="tx1"/>
+          </a:solidFill>
+          <a:latin typeface="+mj-lt"/>
+          <a:ea typeface="+mj-ea"/>
+          <a:cs typeface="+mj-cs"/>
+        </a:defRPr>
+      </a:lvl4pPr>
+      <a:lvl5pPr marL="6583680" indent="-731520" algn="l" defTabSz="1463040" rtl="0" eaLnBrk="1" latinLnBrk="0" hangingPunct="1">
+        <a:spcBef>
+          <a:spcPts val="3200"/>
+        </a:spcBef>
+        <a:spcAft>
+          <a:spcPts val="0"/>
+        </a:spcAft>
+        <a:buClr>
+          <a:schemeClr val="bg2">
+            <a:lumMod val="40000"/>
+            <a:lumOff val="60000"/>
+          </a:schemeClr>
+        </a:buClr>
+        <a:buSzPct val="80000"/>
+        <a:buFont typeface="Wingdings 3" charset="2"/>
+        <a:buChar char=""/>
+        <a:defRPr sz="4480" b="0" i="0" kern="1200">
+          <a:solidFill>
+            <a:schemeClr val="tx1"/>
+          </a:solidFill>
+          <a:latin typeface="+mj-lt"/>
+          <a:ea typeface="+mj-ea"/>
+          <a:cs typeface="+mj-cs"/>
+        </a:defRPr>
+      </a:lvl5pPr>
+      <a:lvl6pPr marL="8019200" indent="-731520" algn="l" defTabSz="1463040" rtl="0" eaLnBrk="1" latinLnBrk="0" hangingPunct="1">
+        <a:spcBef>
+          <a:spcPts val="3200"/>
+        </a:spcBef>
+        <a:spcAft>
+          <a:spcPts val="0"/>
+        </a:spcAft>
+        <a:buClr>
+          <a:schemeClr val="bg2">
+            <a:lumMod val="40000"/>
+            <a:lumOff val="60000"/>
+          </a:schemeClr>
+        </a:buClr>
+        <a:buSzPct val="80000"/>
+        <a:buFont typeface="Wingdings 3" charset="2"/>
+        <a:buChar char=""/>
+        <a:defRPr sz="4480" b="0" i="0" kern="1200">
+          <a:solidFill>
+            <a:schemeClr val="tx1"/>
+          </a:solidFill>
+          <a:latin typeface="+mj-lt"/>
+          <a:ea typeface="+mj-ea"/>
+          <a:cs typeface="+mj-cs"/>
+        </a:defRPr>
+      </a:lvl6pPr>
+      <a:lvl7pPr marL="9509760" indent="-731520" algn="l" defTabSz="1463040" rtl="0" eaLnBrk="1" latinLnBrk="0" hangingPunct="1">
+        <a:spcBef>
+          <a:spcPts val="3200"/>
+        </a:spcBef>
+        <a:spcAft>
+          <a:spcPts val="0"/>
+        </a:spcAft>
+        <a:buClr>
+          <a:schemeClr val="bg2">
+            <a:lumMod val="40000"/>
+            <a:lumOff val="60000"/>
+          </a:schemeClr>
+        </a:buClr>
+        <a:buSzPct val="80000"/>
+        <a:buFont typeface="Wingdings 3" charset="2"/>
+        <a:buChar char=""/>
+        <a:defRPr sz="4480" b="0" i="0" kern="1200">
+          <a:solidFill>
+            <a:schemeClr val="tx1"/>
+          </a:solidFill>
+          <a:latin typeface="+mj-lt"/>
+          <a:ea typeface="+mj-ea"/>
+          <a:cs typeface="+mj-cs"/>
+        </a:defRPr>
+      </a:lvl7pPr>
+      <a:lvl8pPr marL="10972800" indent="-731520" algn="l" defTabSz="1463040" rtl="0" eaLnBrk="1" latinLnBrk="0" hangingPunct="1">
+        <a:spcBef>
+          <a:spcPts val="3200"/>
+        </a:spcBef>
+        <a:spcAft>
+          <a:spcPts val="0"/>
+        </a:spcAft>
+        <a:buClr>
+          <a:schemeClr val="bg2">
+            <a:lumMod val="40000"/>
+            <a:lumOff val="60000"/>
+          </a:schemeClr>
+        </a:buClr>
+        <a:buSzPct val="80000"/>
+        <a:buFont typeface="Wingdings 3" charset="2"/>
+        <a:buChar char=""/>
+        <a:defRPr sz="4480" b="0" i="0" kern="1200">
+          <a:solidFill>
+            <a:schemeClr val="tx1"/>
+          </a:solidFill>
+          <a:latin typeface="+mj-lt"/>
+          <a:ea typeface="+mj-ea"/>
+          <a:cs typeface="+mj-cs"/>
+        </a:defRPr>
+      </a:lvl8pPr>
+      <a:lvl9pPr marL="12435840" indent="-731520" algn="l" defTabSz="1463040" rtl="0" eaLnBrk="1" latinLnBrk="0" hangingPunct="1">
+        <a:spcBef>
+          <a:spcPts val="3200"/>
+        </a:spcBef>
+        <a:spcAft>
+          <a:spcPts val="0"/>
+        </a:spcAft>
+        <a:buClr>
+          <a:schemeClr val="bg2">
+            <a:lumMod val="40000"/>
+            <a:lumOff val="60000"/>
+          </a:schemeClr>
+        </a:buClr>
+        <a:buSzPct val="80000"/>
+        <a:buFont typeface="Wingdings 3" charset="2"/>
+        <a:buChar char=""/>
+        <a:defRPr sz="4480" b="0" i="0" kern="1200">
+          <a:solidFill>
+            <a:schemeClr val="tx1"/>
+          </a:solidFill>
+          <a:latin typeface="+mj-lt"/>
+          <a:ea typeface="+mj-ea"/>
+          <a:cs typeface="+mj-cs"/>
+        </a:defRPr>
+      </a:lvl9pPr>
+    </p:bodyStyle>
+    <p:otherStyle>
+      <a:defPPr>
+        <a:defRPr lang="en-US"/>
+      </a:defPPr>
+      <a:lvl1pPr marL="0" algn="l" defTabSz="1463040" rtl="0" eaLnBrk="1" latinLnBrk="0" hangingPunct="1">
+        <a:defRPr sz="5760" kern="1200">
           <a:solidFill>
             <a:schemeClr val="tx1"/>
           </a:solidFill>
@@ -2881,13 +6438,8 @@
           <a:cs typeface="+mn-cs"/>
         </a:defRPr>
       </a:lvl1pPr>
-      <a:lvl2pPr marL="2547204" indent="-979694" algn="l" defTabSz="3135020" rtl="0" eaLnBrk="1" latinLnBrk="0" hangingPunct="1">
-        <a:spcBef>
-          <a:spcPct val="20000"/>
-        </a:spcBef>
-        <a:buFont typeface="Arial" panose="020B0604020202020204" pitchFamily="34" charset="0"/>
-        <a:buChar char="–"/>
-        <a:defRPr sz="9600" kern="1200">
+      <a:lvl2pPr marL="1463040" algn="l" defTabSz="1463040" rtl="0" eaLnBrk="1" latinLnBrk="0" hangingPunct="1">
+        <a:defRPr sz="5760" kern="1200">
           <a:solidFill>
             <a:schemeClr val="tx1"/>
           </a:solidFill>
@@ -2896,13 +6448,8 @@
           <a:cs typeface="+mn-cs"/>
         </a:defRPr>
       </a:lvl2pPr>
-      <a:lvl3pPr marL="3918776" indent="-783755" algn="l" defTabSz="3135020" rtl="0" eaLnBrk="1" latinLnBrk="0" hangingPunct="1">
-        <a:spcBef>
-          <a:spcPct val="20000"/>
-        </a:spcBef>
-        <a:buFont typeface="Arial" panose="020B0604020202020204" pitchFamily="34" charset="0"/>
-        <a:buChar char="•"/>
-        <a:defRPr sz="8200" kern="1200">
+      <a:lvl3pPr marL="2926080" algn="l" defTabSz="1463040" rtl="0" eaLnBrk="1" latinLnBrk="0" hangingPunct="1">
+        <a:defRPr sz="5760" kern="1200">
           <a:solidFill>
             <a:schemeClr val="tx1"/>
           </a:solidFill>
@@ -2911,13 +6458,8 @@
           <a:cs typeface="+mn-cs"/>
         </a:defRPr>
       </a:lvl3pPr>
-      <a:lvl4pPr marL="5486286" indent="-783755" algn="l" defTabSz="3135020" rtl="0" eaLnBrk="1" latinLnBrk="0" hangingPunct="1">
-        <a:spcBef>
-          <a:spcPct val="20000"/>
-        </a:spcBef>
-        <a:buFont typeface="Arial" panose="020B0604020202020204" pitchFamily="34" charset="0"/>
-        <a:buChar char="–"/>
-        <a:defRPr sz="6900" kern="1200">
+      <a:lvl4pPr marL="4389120" algn="l" defTabSz="1463040" rtl="0" eaLnBrk="1" latinLnBrk="0" hangingPunct="1">
+        <a:defRPr sz="5760" kern="1200">
           <a:solidFill>
             <a:schemeClr val="tx1"/>
           </a:solidFill>
@@ -2926,13 +6468,8 @@
           <a:cs typeface="+mn-cs"/>
         </a:defRPr>
       </a:lvl4pPr>
-      <a:lvl5pPr marL="7053796" indent="-783755" algn="l" defTabSz="3135020" rtl="0" eaLnBrk="1" latinLnBrk="0" hangingPunct="1">
-        <a:spcBef>
-          <a:spcPct val="20000"/>
-        </a:spcBef>
-        <a:buFont typeface="Arial" panose="020B0604020202020204" pitchFamily="34" charset="0"/>
-        <a:buChar char="»"/>
-        <a:defRPr sz="6900" kern="1200">
+      <a:lvl5pPr marL="5852160" algn="l" defTabSz="1463040" rtl="0" eaLnBrk="1" latinLnBrk="0" hangingPunct="1">
+        <a:defRPr sz="5760" kern="1200">
           <a:solidFill>
             <a:schemeClr val="tx1"/>
           </a:solidFill>
@@ -2941,13 +6478,8 @@
           <a:cs typeface="+mn-cs"/>
         </a:defRPr>
       </a:lvl5pPr>
-      <a:lvl6pPr marL="8621306" indent="-783755" algn="l" defTabSz="3135020" rtl="0" eaLnBrk="1" latinLnBrk="0" hangingPunct="1">
-        <a:spcBef>
-          <a:spcPct val="20000"/>
-        </a:spcBef>
-        <a:buFont typeface="Arial" panose="020B0604020202020204" pitchFamily="34" charset="0"/>
-        <a:buChar char="•"/>
-        <a:defRPr sz="6900" kern="1200">
+      <a:lvl6pPr marL="7315200" algn="l" defTabSz="1463040" rtl="0" eaLnBrk="1" latinLnBrk="0" hangingPunct="1">
+        <a:defRPr sz="5760" kern="1200">
           <a:solidFill>
             <a:schemeClr val="tx1"/>
           </a:solidFill>
@@ -2956,13 +6488,8 @@
           <a:cs typeface="+mn-cs"/>
         </a:defRPr>
       </a:lvl6pPr>
-      <a:lvl7pPr marL="10188816" indent="-783755" algn="l" defTabSz="3135020" rtl="0" eaLnBrk="1" latinLnBrk="0" hangingPunct="1">
-        <a:spcBef>
-          <a:spcPct val="20000"/>
-        </a:spcBef>
-        <a:buFont typeface="Arial" panose="020B0604020202020204" pitchFamily="34" charset="0"/>
-        <a:buChar char="•"/>
-        <a:defRPr sz="6900" kern="1200">
+      <a:lvl7pPr marL="8778240" algn="l" defTabSz="1463040" rtl="0" eaLnBrk="1" latinLnBrk="0" hangingPunct="1">
+        <a:defRPr sz="5760" kern="1200">
           <a:solidFill>
             <a:schemeClr val="tx1"/>
           </a:solidFill>
@@ -2971,13 +6498,8 @@
           <a:cs typeface="+mn-cs"/>
         </a:defRPr>
       </a:lvl7pPr>
-      <a:lvl8pPr marL="11756327" indent="-783755" algn="l" defTabSz="3135020" rtl="0" eaLnBrk="1" latinLnBrk="0" hangingPunct="1">
-        <a:spcBef>
-          <a:spcPct val="20000"/>
-        </a:spcBef>
-        <a:buFont typeface="Arial" panose="020B0604020202020204" pitchFamily="34" charset="0"/>
-        <a:buChar char="•"/>
-        <a:defRPr sz="6900" kern="1200">
+      <a:lvl8pPr marL="10241280" algn="l" defTabSz="1463040" rtl="0" eaLnBrk="1" latinLnBrk="0" hangingPunct="1">
+        <a:defRPr sz="5760" kern="1200">
           <a:solidFill>
             <a:schemeClr val="tx1"/>
           </a:solidFill>
@@ -2986,108 +6508,8 @@
           <a:cs typeface="+mn-cs"/>
         </a:defRPr>
       </a:lvl8pPr>
-      <a:lvl9pPr marL="13323837" indent="-783755" algn="l" defTabSz="3135020" rtl="0" eaLnBrk="1" latinLnBrk="0" hangingPunct="1">
-        <a:spcBef>
-          <a:spcPct val="20000"/>
-        </a:spcBef>
-        <a:buFont typeface="Arial" panose="020B0604020202020204" pitchFamily="34" charset="0"/>
-        <a:buChar char="•"/>
-        <a:defRPr sz="6900" kern="1200">
-          <a:solidFill>
-            <a:schemeClr val="tx1"/>
-          </a:solidFill>
-          <a:latin typeface="+mn-lt"/>
-          <a:ea typeface="+mn-ea"/>
-          <a:cs typeface="+mn-cs"/>
-        </a:defRPr>
-      </a:lvl9pPr>
-    </p:bodyStyle>
-    <p:otherStyle>
-      <a:defPPr>
-        <a:defRPr lang="en-US"/>
-      </a:defPPr>
-      <a:lvl1pPr marL="0" algn="l" defTabSz="3135020" rtl="0" eaLnBrk="1" latinLnBrk="0" hangingPunct="1">
-        <a:defRPr sz="6200" kern="1200">
-          <a:solidFill>
-            <a:schemeClr val="tx1"/>
-          </a:solidFill>
-          <a:latin typeface="+mn-lt"/>
-          <a:ea typeface="+mn-ea"/>
-          <a:cs typeface="+mn-cs"/>
-        </a:defRPr>
-      </a:lvl1pPr>
-      <a:lvl2pPr marL="1567510" algn="l" defTabSz="3135020" rtl="0" eaLnBrk="1" latinLnBrk="0" hangingPunct="1">
-        <a:defRPr sz="6200" kern="1200">
-          <a:solidFill>
-            <a:schemeClr val="tx1"/>
-          </a:solidFill>
-          <a:latin typeface="+mn-lt"/>
-          <a:ea typeface="+mn-ea"/>
-          <a:cs typeface="+mn-cs"/>
-        </a:defRPr>
-      </a:lvl2pPr>
-      <a:lvl3pPr marL="3135020" algn="l" defTabSz="3135020" rtl="0" eaLnBrk="1" latinLnBrk="0" hangingPunct="1">
-        <a:defRPr sz="6200" kern="1200">
-          <a:solidFill>
-            <a:schemeClr val="tx1"/>
-          </a:solidFill>
-          <a:latin typeface="+mn-lt"/>
-          <a:ea typeface="+mn-ea"/>
-          <a:cs typeface="+mn-cs"/>
-        </a:defRPr>
-      </a:lvl3pPr>
-      <a:lvl4pPr marL="4702531" algn="l" defTabSz="3135020" rtl="0" eaLnBrk="1" latinLnBrk="0" hangingPunct="1">
-        <a:defRPr sz="6200" kern="1200">
-          <a:solidFill>
-            <a:schemeClr val="tx1"/>
-          </a:solidFill>
-          <a:latin typeface="+mn-lt"/>
-          <a:ea typeface="+mn-ea"/>
-          <a:cs typeface="+mn-cs"/>
-        </a:defRPr>
-      </a:lvl4pPr>
-      <a:lvl5pPr marL="6270041" algn="l" defTabSz="3135020" rtl="0" eaLnBrk="1" latinLnBrk="0" hangingPunct="1">
-        <a:defRPr sz="6200" kern="1200">
-          <a:solidFill>
-            <a:schemeClr val="tx1"/>
-          </a:solidFill>
-          <a:latin typeface="+mn-lt"/>
-          <a:ea typeface="+mn-ea"/>
-          <a:cs typeface="+mn-cs"/>
-        </a:defRPr>
-      </a:lvl5pPr>
-      <a:lvl6pPr marL="7837551" algn="l" defTabSz="3135020" rtl="0" eaLnBrk="1" latinLnBrk="0" hangingPunct="1">
-        <a:defRPr sz="6200" kern="1200">
-          <a:solidFill>
-            <a:schemeClr val="tx1"/>
-          </a:solidFill>
-          <a:latin typeface="+mn-lt"/>
-          <a:ea typeface="+mn-ea"/>
-          <a:cs typeface="+mn-cs"/>
-        </a:defRPr>
-      </a:lvl6pPr>
-      <a:lvl7pPr marL="9405061" algn="l" defTabSz="3135020" rtl="0" eaLnBrk="1" latinLnBrk="0" hangingPunct="1">
-        <a:defRPr sz="6200" kern="1200">
-          <a:solidFill>
-            <a:schemeClr val="tx1"/>
-          </a:solidFill>
-          <a:latin typeface="+mn-lt"/>
-          <a:ea typeface="+mn-ea"/>
-          <a:cs typeface="+mn-cs"/>
-        </a:defRPr>
-      </a:lvl7pPr>
-      <a:lvl8pPr marL="10972571" algn="l" defTabSz="3135020" rtl="0" eaLnBrk="1" latinLnBrk="0" hangingPunct="1">
-        <a:defRPr sz="6200" kern="1200">
-          <a:solidFill>
-            <a:schemeClr val="tx1"/>
-          </a:solidFill>
-          <a:latin typeface="+mn-lt"/>
-          <a:ea typeface="+mn-ea"/>
-          <a:cs typeface="+mn-cs"/>
-        </a:defRPr>
-      </a:lvl8pPr>
-      <a:lvl9pPr marL="12540082" algn="l" defTabSz="3135020" rtl="0" eaLnBrk="1" latinLnBrk="0" hangingPunct="1">
-        <a:defRPr sz="6200" kern="1200">
+      <a:lvl9pPr marL="11704320" algn="l" defTabSz="1463040" rtl="0" eaLnBrk="1" latinLnBrk="0" hangingPunct="1">
+        <a:defRPr sz="5760" kern="1200">
           <a:solidFill>
             <a:schemeClr val="tx1"/>
           </a:solidFill>
@@ -3102,7 +6524,7 @@
 </file>
 
 <file path=ppt/slides/slide1.xml><?xml version="1.0" encoding="utf-8"?>
-<p:sld xmlns:a="http://schemas.openxmlformats.org/drawingml/2006/main" xmlns:r="http://schemas.openxmlformats.org/officeDocument/2006/relationships" xmlns:p="http://schemas.openxmlformats.org/presentationml/2006/main">
+<p:sld xmlns:a="http://schemas.openxmlformats.org/drawingml/2006/main" xmlns:r="http://schemas.openxmlformats.org/officeDocument/2006/relationships" xmlns:p="http://schemas.openxmlformats.org/presentationml/2006/main" showMasterSp="0">
   <p:cSld>
     <p:spTree>
       <p:nvGrpSpPr>
@@ -3120,16 +6542,16 @@
       </p:grpSpPr>
       <p:sp>
         <p:nvSpPr>
-          <p:cNvPr id="12" name="Round Same Side Corner Rectangle 11"/>
+          <p:cNvPr id="11" name="Rounded Rectangle 10"/>
           <p:cNvSpPr/>
           <p:nvPr/>
         </p:nvSpPr>
         <p:spPr>
           <a:xfrm>
-            <a:off x="29122253" y="1775001"/>
-            <a:ext cx="14768947" cy="20177526"/>
+            <a:off x="14616544" y="1775002"/>
+            <a:ext cx="14540345" cy="19789598"/>
           </a:xfrm>
-          <a:prstGeom prst="round2SameRect">
+          <a:prstGeom prst="roundRect">
             <a:avLst/>
           </a:prstGeom>
         </p:spPr>
@@ -3160,16 +6582,348 @@
       </p:sp>
       <p:sp>
         <p:nvSpPr>
-          <p:cNvPr id="11" name="Round Same Side Corner Rectangle 10"/>
+          <p:cNvPr id="16" name="TextBox 15"/>
+          <p:cNvSpPr txBox="1"/>
+          <p:nvPr/>
+        </p:nvSpPr>
+        <p:spPr>
+          <a:xfrm>
+            <a:off x="15024721" y="2732665"/>
+            <a:ext cx="13858540" cy="19882366"/>
+          </a:xfrm>
+          <a:prstGeom prst="rect">
+            <a:avLst/>
+          </a:prstGeom>
+          <a:noFill/>
+        </p:spPr>
+        <p:txBody>
+          <a:bodyPr wrap="square" rtlCol="0">
+            <a:spAutoFit/>
+          </a:bodyPr>
+          <a:lstStyle/>
+          <a:p>
+            <a:pPr algn="ctr"/>
+            <a:r>
+              <a:rPr lang="en-US" sz="4400" b="1" dirty="0" smtClean="0"/>
+              <a:t>Binary Instrumentation using </a:t>
+            </a:r>
+            <a:r>
+              <a:rPr lang="en-US" sz="4400" b="1" dirty="0" err="1" smtClean="0"/>
+              <a:t>Dyninst</a:t>
+            </a:r>
+            <a:endParaRPr lang="en-US" sz="4400" b="1" dirty="0" smtClean="0"/>
+          </a:p>
+          <a:p>
+            <a:pPr algn="ctr"/>
+            <a:endParaRPr lang="en-US" sz="600" dirty="0" smtClean="0"/>
+          </a:p>
+          <a:p>
+            <a:pPr marL="857250" indent="-857250">
+              <a:buFont typeface="Arial" panose="020B0604020202020204" pitchFamily="34" charset="0"/>
+              <a:buChar char="•"/>
+            </a:pPr>
+            <a:r>
+              <a:rPr lang="en-US" sz="4200" dirty="0" smtClean="0"/>
+              <a:t>Able to </a:t>
+            </a:r>
+            <a:r>
+              <a:rPr lang="en-US" sz="4200" dirty="0"/>
+              <a:t>insert </a:t>
+            </a:r>
+            <a:r>
+              <a:rPr lang="en-US" sz="4200" dirty="0" smtClean="0"/>
+              <a:t>code and wrap functions to change scheduler algorithm and priority</a:t>
+            </a:r>
+          </a:p>
+          <a:p>
+            <a:endParaRPr lang="en-US" sz="600" dirty="0" smtClean="0"/>
+          </a:p>
+          <a:p>
+            <a:pPr marL="857250" indent="-857250">
+              <a:buFont typeface="Arial" panose="020B0604020202020204" pitchFamily="34" charset="0"/>
+              <a:buChar char="•"/>
+            </a:pPr>
+            <a:r>
+              <a:rPr lang="en-US" sz="4200" dirty="0" smtClean="0"/>
+              <a:t>Randomly change priority at thread creation and synchronization points </a:t>
+            </a:r>
+          </a:p>
+          <a:p>
+            <a:endParaRPr lang="en-US" sz="600" dirty="0" smtClean="0"/>
+          </a:p>
+          <a:p>
+            <a:pPr marL="857250" indent="-857250">
+              <a:buFont typeface="Arial" panose="020B0604020202020204" pitchFamily="34" charset="0"/>
+              <a:buChar char="•"/>
+            </a:pPr>
+            <a:r>
+              <a:rPr lang="en-US" sz="4200" dirty="0" smtClean="0"/>
+              <a:t>Log function entry and exit to provide an idea of where bugs occur when they occur</a:t>
+            </a:r>
+          </a:p>
+          <a:p>
+            <a:pPr marL="857250" indent="-857250">
+              <a:buFont typeface="Arial" panose="020B0604020202020204" pitchFamily="34" charset="0"/>
+              <a:buChar char="•"/>
+            </a:pPr>
+            <a:endParaRPr lang="en-US" sz="4000" dirty="0"/>
+          </a:p>
+          <a:p>
+            <a:pPr marL="857250" indent="-857250">
+              <a:buFont typeface="Arial" panose="020B0604020202020204" pitchFamily="34" charset="0"/>
+              <a:buChar char="•"/>
+            </a:pPr>
+            <a:endParaRPr lang="en-US" sz="4000" dirty="0" smtClean="0"/>
+          </a:p>
+          <a:p>
+            <a:pPr marL="857250" indent="-857250">
+              <a:buFont typeface="Arial" panose="020B0604020202020204" pitchFamily="34" charset="0"/>
+              <a:buChar char="•"/>
+            </a:pPr>
+            <a:endParaRPr lang="en-US" sz="4000" dirty="0"/>
+          </a:p>
+          <a:p>
+            <a:pPr marL="857250" indent="-857250">
+              <a:buFont typeface="Arial" panose="020B0604020202020204" pitchFamily="34" charset="0"/>
+              <a:buChar char="•"/>
+            </a:pPr>
+            <a:endParaRPr lang="en-US" sz="4000" dirty="0" smtClean="0"/>
+          </a:p>
+          <a:p>
+            <a:pPr marL="857250" indent="-857250">
+              <a:buFont typeface="Arial" panose="020B0604020202020204" pitchFamily="34" charset="0"/>
+              <a:buChar char="•"/>
+            </a:pPr>
+            <a:endParaRPr lang="en-US" sz="4000" dirty="0"/>
+          </a:p>
+          <a:p>
+            <a:pPr marL="857250" indent="-857250">
+              <a:buFont typeface="Arial" panose="020B0604020202020204" pitchFamily="34" charset="0"/>
+              <a:buChar char="•"/>
+            </a:pPr>
+            <a:endParaRPr lang="en-US" sz="4000" dirty="0" smtClean="0"/>
+          </a:p>
+          <a:p>
+            <a:pPr marL="857250" indent="-857250">
+              <a:buFont typeface="Arial" panose="020B0604020202020204" pitchFamily="34" charset="0"/>
+              <a:buChar char="•"/>
+            </a:pPr>
+            <a:endParaRPr lang="en-US" sz="4000" dirty="0"/>
+          </a:p>
+          <a:p>
+            <a:pPr marL="857250" indent="-857250">
+              <a:buFont typeface="Arial" panose="020B0604020202020204" pitchFamily="34" charset="0"/>
+              <a:buChar char="•"/>
+            </a:pPr>
+            <a:endParaRPr lang="en-US" sz="4000" dirty="0" smtClean="0"/>
+          </a:p>
+          <a:p>
+            <a:pPr marL="857250" indent="-857250">
+              <a:buFont typeface="Arial" panose="020B0604020202020204" pitchFamily="34" charset="0"/>
+              <a:buChar char="•"/>
+            </a:pPr>
+            <a:endParaRPr lang="en-US" sz="4000" dirty="0"/>
+          </a:p>
+          <a:p>
+            <a:pPr marL="857250" indent="-857250">
+              <a:buFont typeface="Arial" panose="020B0604020202020204" pitchFamily="34" charset="0"/>
+              <a:buChar char="•"/>
+            </a:pPr>
+            <a:endParaRPr lang="en-US" sz="4000" dirty="0" smtClean="0"/>
+          </a:p>
+          <a:p>
+            <a:pPr marL="857250" indent="-857250">
+              <a:buFont typeface="Arial" panose="020B0604020202020204" pitchFamily="34" charset="0"/>
+              <a:buChar char="•"/>
+            </a:pPr>
+            <a:endParaRPr lang="en-US" sz="4000" dirty="0"/>
+          </a:p>
+          <a:p>
+            <a:pPr algn="ctr"/>
+            <a:r>
+              <a:rPr lang="en-US" sz="4400" b="1" dirty="0" smtClean="0"/>
+              <a:t>Testing Multithreaded Programs</a:t>
+            </a:r>
+          </a:p>
+          <a:p>
+            <a:pPr algn="ctr"/>
+            <a:endParaRPr lang="en-US" sz="600" b="1" dirty="0" smtClean="0"/>
+          </a:p>
+          <a:p>
+            <a:pPr marL="571500" indent="-571500">
+              <a:buFont typeface="Arial" panose="020B0604020202020204" pitchFamily="34" charset="0"/>
+              <a:buChar char="•"/>
+            </a:pPr>
+            <a:r>
+              <a:rPr lang="en-US" sz="4200" dirty="0" smtClean="0"/>
+              <a:t>pbzip2 (</a:t>
+            </a:r>
+            <a:r>
+              <a:rPr lang="en-US" sz="4200" i="1" dirty="0" smtClean="0"/>
+              <a:t>compression</a:t>
+            </a:r>
+            <a:r>
+              <a:rPr lang="en-US" sz="4200" dirty="0" smtClean="0"/>
+              <a:t>), axel (</a:t>
+            </a:r>
+            <a:r>
+              <a:rPr lang="en-US" sz="4200" i="1" dirty="0" smtClean="0"/>
+              <a:t>file download</a:t>
+            </a:r>
+            <a:r>
+              <a:rPr lang="en-US" sz="4200" dirty="0" smtClean="0"/>
+              <a:t>),</a:t>
+            </a:r>
+          </a:p>
+          <a:p>
+            <a:r>
+              <a:rPr lang="en-US" sz="4200" dirty="0"/>
+              <a:t> </a:t>
+            </a:r>
+            <a:r>
+              <a:rPr lang="en-US" sz="4200" dirty="0" smtClean="0"/>
+              <a:t>    </a:t>
+            </a:r>
+            <a:r>
+              <a:rPr lang="en-US" sz="4200" dirty="0" err="1" smtClean="0"/>
+              <a:t>FFMpeg</a:t>
+            </a:r>
+            <a:r>
+              <a:rPr lang="en-US" sz="4200" dirty="0" smtClean="0"/>
+              <a:t> (</a:t>
+            </a:r>
+            <a:r>
+              <a:rPr lang="en-US" sz="4200" i="1" dirty="0" smtClean="0"/>
+              <a:t>video compression</a:t>
+            </a:r>
+            <a:r>
+              <a:rPr lang="en-US" sz="4200" dirty="0" smtClean="0"/>
+              <a:t>), Apache (</a:t>
+            </a:r>
+            <a:r>
+              <a:rPr lang="en-US" sz="4200" i="1" dirty="0" smtClean="0"/>
+              <a:t>web server</a:t>
+            </a:r>
+            <a:r>
+              <a:rPr lang="en-US" sz="4200" dirty="0" smtClean="0"/>
+              <a:t>)</a:t>
+            </a:r>
+          </a:p>
+          <a:p>
+            <a:endParaRPr lang="en-US" sz="600" dirty="0" smtClean="0"/>
+          </a:p>
+          <a:p>
+            <a:pPr marL="571500" indent="-571500">
+              <a:buFont typeface="Arial" panose="020B0604020202020204" pitchFamily="34" charset="0"/>
+              <a:buChar char="•"/>
+            </a:pPr>
+            <a:r>
+              <a:rPr lang="en-US" sz="4200" dirty="0" smtClean="0"/>
+              <a:t>Enabled </a:t>
+            </a:r>
+            <a:r>
+              <a:rPr lang="en-US" sz="4200" dirty="0" err="1" smtClean="0"/>
+              <a:t>Pthreads</a:t>
+            </a:r>
+            <a:r>
+              <a:rPr lang="en-US" sz="4200" dirty="0" smtClean="0"/>
+              <a:t> and tested with a typical </a:t>
+            </a:r>
+            <a:r>
+              <a:rPr lang="en-US" sz="4200" dirty="0"/>
+              <a:t>use </a:t>
+            </a:r>
+            <a:r>
+              <a:rPr lang="en-US" sz="4200" dirty="0" smtClean="0"/>
+              <a:t>case</a:t>
+            </a:r>
+            <a:endParaRPr lang="en-US" sz="4200" dirty="0" smtClean="0"/>
+          </a:p>
+          <a:p>
+            <a:endParaRPr lang="en-US" sz="600" dirty="0" smtClean="0"/>
+          </a:p>
+          <a:p>
+            <a:pPr marL="571500" indent="-571500">
+              <a:buFont typeface="Arial" panose="020B0604020202020204" pitchFamily="34" charset="0"/>
+              <a:buChar char="•"/>
+            </a:pPr>
+            <a:r>
+              <a:rPr lang="en-US" sz="4200" dirty="0" smtClean="0"/>
+              <a:t>Ran applications multiple times with new random seeds</a:t>
+            </a:r>
+          </a:p>
+          <a:p>
+            <a:endParaRPr lang="en-US" sz="600" dirty="0" smtClean="0"/>
+          </a:p>
+          <a:p>
+            <a:pPr marL="571500" indent="-571500">
+              <a:buFont typeface="Arial" panose="020B0604020202020204" pitchFamily="34" charset="0"/>
+              <a:buChar char="•"/>
+            </a:pPr>
+            <a:r>
+              <a:rPr lang="en-US" sz="4200" dirty="0" smtClean="0"/>
+              <a:t>Control and test case: both are instrumented </a:t>
+            </a:r>
+            <a:r>
+              <a:rPr lang="en-US" sz="4200" dirty="0" smtClean="0"/>
+              <a:t>using </a:t>
+            </a:r>
+            <a:r>
+              <a:rPr lang="en-US" sz="4200" dirty="0" err="1" smtClean="0"/>
+              <a:t>ScheduleInst</a:t>
+            </a:r>
+            <a:r>
+              <a:rPr lang="en-US" sz="4200" dirty="0" smtClean="0"/>
+              <a:t> </a:t>
+            </a:r>
+            <a:r>
+              <a:rPr lang="en-US" sz="4200" dirty="0" smtClean="0"/>
+              <a:t>but control case uses normal scheduler</a:t>
+            </a:r>
+          </a:p>
+          <a:p>
+            <a:endParaRPr lang="en-US" sz="600" dirty="0" smtClean="0"/>
+          </a:p>
+          <a:p>
+            <a:pPr marL="571500" indent="-571500">
+              <a:buFont typeface="Arial" panose="020B0604020202020204" pitchFamily="34" charset="0"/>
+              <a:buChar char="•"/>
+            </a:pPr>
+            <a:r>
+              <a:rPr lang="en-US" sz="4200" dirty="0"/>
+              <a:t>Test to see if real time threads increase rate at which bugs are </a:t>
+            </a:r>
+            <a:r>
+              <a:rPr lang="en-US" sz="4200" dirty="0" smtClean="0"/>
+              <a:t>found</a:t>
+            </a:r>
+            <a:endParaRPr lang="en-US" sz="4000" dirty="0" smtClean="0"/>
+          </a:p>
+          <a:p>
+            <a:pPr marL="571500" indent="-571500">
+              <a:buFont typeface="Arial" panose="020B0604020202020204" pitchFamily="34" charset="0"/>
+              <a:buChar char="•"/>
+            </a:pPr>
+            <a:endParaRPr lang="en-US" sz="4000" dirty="0" smtClean="0"/>
+          </a:p>
+          <a:p>
+            <a:pPr algn="ctr"/>
+            <a:endParaRPr lang="en-US" sz="4000" dirty="0"/>
+          </a:p>
+        </p:txBody>
+      </p:sp>
+      <p:sp>
+        <p:nvSpPr>
+          <p:cNvPr id="12" name="Rounded Rectangle 11"/>
           <p:cNvSpPr/>
           <p:nvPr/>
         </p:nvSpPr>
         <p:spPr>
           <a:xfrm>
-            <a:off x="14616544" y="1775001"/>
-            <a:ext cx="14540345" cy="20184453"/>
+            <a:off x="29122253" y="1775001"/>
+            <a:ext cx="14768947" cy="19789599"/>
           </a:xfrm>
-          <a:prstGeom prst="round2SameRect">
+          <a:prstGeom prst="roundRect">
             <a:avLst/>
           </a:prstGeom>
         </p:spPr>
@@ -3254,7 +7008,7 @@
         </p:nvSpPr>
         <p:spPr>
           <a:xfrm>
-            <a:off x="1600200" y="286427"/>
+            <a:off x="564570" y="189192"/>
             <a:ext cx="4267200" cy="1323439"/>
           </a:xfrm>
           <a:prstGeom prst="rect">
@@ -3289,16 +7043,16 @@
       </p:sp>
       <p:sp>
         <p:nvSpPr>
-          <p:cNvPr id="8" name="Round Same Side Corner Rectangle 7"/>
+          <p:cNvPr id="8" name="Rounded Rectangle 7"/>
           <p:cNvSpPr/>
           <p:nvPr/>
         </p:nvSpPr>
         <p:spPr>
           <a:xfrm>
             <a:off x="0" y="1775001"/>
-            <a:ext cx="14616544" cy="20184453"/>
+            <a:ext cx="14616544" cy="19789599"/>
           </a:xfrm>
-          <a:prstGeom prst="round2SameRect">
+          <a:prstGeom prst="roundRect">
             <a:avLst/>
           </a:prstGeom>
         </p:spPr>
@@ -3335,7 +7089,7 @@
         </p:nvSpPr>
         <p:spPr>
           <a:xfrm>
-            <a:off x="554182" y="1802710"/>
+            <a:off x="564570" y="1797934"/>
             <a:ext cx="13335000" cy="1015663"/>
           </a:xfrm>
           <a:prstGeom prst="rect">
@@ -3396,7 +7150,7 @@
         </p:nvSpPr>
         <p:spPr>
           <a:xfrm>
-            <a:off x="29839226" y="1724469"/>
+            <a:off x="29839226" y="1797934"/>
             <a:ext cx="13335000" cy="1015663"/>
           </a:xfrm>
           <a:prstGeom prst="rect">
@@ -3427,8 +7181,8 @@
         </p:nvSpPr>
         <p:spPr>
           <a:xfrm>
-            <a:off x="480757" y="2924784"/>
-            <a:ext cx="13944600" cy="18928259"/>
+            <a:off x="432953" y="2732665"/>
+            <a:ext cx="13944600" cy="20067032"/>
           </a:xfrm>
           <a:prstGeom prst="rect">
             <a:avLst/>
@@ -3443,7 +7197,7 @@
           <a:p>
             <a:pPr algn="ctr"/>
             <a:r>
-              <a:rPr lang="en-US" sz="4200" b="1" dirty="0" smtClean="0"/>
+              <a:rPr lang="en-US" sz="4400" b="1" dirty="0" smtClean="0"/>
               <a:t>Multithreaded Programming Is Challenging</a:t>
             </a:r>
           </a:p>
@@ -3457,12 +7211,12 @@
               <a:buChar char="•"/>
             </a:pPr>
             <a:r>
-              <a:rPr lang="en-US" sz="4000" dirty="0" smtClean="0"/>
+              <a:rPr lang="en-US" sz="4200" dirty="0" smtClean="0"/>
               <a:t>Scheduling of multithreaded programs is non-deterministic: the next instruction to run could be from any thread.</a:t>
             </a:r>
           </a:p>
           <a:p>
-            <a:endParaRPr lang="en-US" sz="800" dirty="0" smtClean="0"/>
+            <a:endParaRPr lang="en-US" sz="600" dirty="0" smtClean="0"/>
           </a:p>
           <a:p>
             <a:pPr marL="857250" indent="-857250">
@@ -3470,12 +7224,12 @@
               <a:buChar char="•"/>
             </a:pPr>
             <a:r>
-              <a:rPr lang="en-US" sz="4000" dirty="0" smtClean="0"/>
+              <a:rPr lang="en-US" sz="4200" dirty="0" smtClean="0"/>
               <a:t>Threads need to interact with each other despite partitioned work</a:t>
             </a:r>
           </a:p>
           <a:p>
-            <a:endParaRPr lang="en-US" sz="800" dirty="0" smtClean="0"/>
+            <a:endParaRPr lang="en-US" sz="600" dirty="0" smtClean="0"/>
           </a:p>
           <a:p>
             <a:pPr marL="857250" indent="-857250">
@@ -3483,9 +7237,20 @@
               <a:buChar char="•"/>
             </a:pPr>
             <a:r>
-              <a:rPr lang="en-US" sz="4000" dirty="0" smtClean="0"/>
-              <a:t>Low probability concurrency bugs could exist, what if we run programs with atypical scheduling patterns? </a:t>
-            </a:r>
+              <a:rPr lang="en-US" sz="4200" dirty="0" smtClean="0"/>
+              <a:t>Low probability concurrency bugs could exist, what if we run programs with atypical scheduling patterns</a:t>
+            </a:r>
+            <a:r>
+              <a:rPr lang="en-US" sz="4200" dirty="0" smtClean="0"/>
+              <a:t>?</a:t>
+            </a:r>
+          </a:p>
+          <a:p>
+            <a:pPr marL="857250" indent="-857250">
+              <a:buFont typeface="Arial" panose="020B0604020202020204" pitchFamily="34" charset="0"/>
+              <a:buChar char="•"/>
+            </a:pPr>
+            <a:endParaRPr lang="en-US" sz="4000" dirty="0" smtClean="0"/>
           </a:p>
           <a:p>
             <a:pPr marL="857250" indent="-857250">
@@ -3537,25 +7302,34 @@
             <a:endParaRPr lang="en-US" sz="3600" dirty="0" smtClean="0"/>
           </a:p>
           <a:p>
+            <a:endParaRPr lang="en-US" sz="3600" dirty="0"/>
+          </a:p>
+          <a:p>
+            <a:endParaRPr lang="en-US" sz="3600" dirty="0" smtClean="0"/>
+          </a:p>
+          <a:p>
+            <a:pPr algn="ctr"/>
+            <a:r>
+              <a:rPr lang="en-US" sz="4400" b="1" dirty="0" smtClean="0"/>
+              <a:t>Extend Fuzz Random Testing to Thread Scheduling</a:t>
+            </a:r>
+          </a:p>
+          <a:p>
+            <a:pPr algn="ctr"/>
+            <a:endParaRPr lang="en-US" sz="600" b="1" dirty="0" smtClean="0"/>
+          </a:p>
+          <a:p>
             <a:pPr marL="857250" indent="-857250">
               <a:buFont typeface="Arial" panose="020B0604020202020204" pitchFamily="34" charset="0"/>
               <a:buChar char="•"/>
             </a:pPr>
-            <a:endParaRPr lang="en-US" sz="3600" dirty="0"/>
-          </a:p>
-          <a:p>
-            <a:endParaRPr lang="en-US" sz="3600" dirty="0" smtClean="0"/>
-          </a:p>
-          <a:p>
-            <a:pPr algn="ctr"/>
-            <a:r>
-              <a:rPr lang="en-US" sz="4200" b="1" dirty="0" smtClean="0"/>
-              <a:t>Extend Fuzz Random Testing to Thread Scheduling</a:t>
-            </a:r>
-          </a:p>
-          <a:p>
-            <a:pPr algn="ctr"/>
-            <a:endParaRPr lang="en-US" sz="600" b="1" dirty="0" smtClean="0"/>
+            <a:r>
+              <a:rPr lang="en-US" sz="4200" dirty="0" smtClean="0"/>
+              <a:t>Fuzzing: applications should be able to handle any input, a crash or hang is a bug</a:t>
+            </a:r>
+          </a:p>
+          <a:p>
+            <a:endParaRPr lang="en-US" sz="600" dirty="0" smtClean="0"/>
           </a:p>
           <a:p>
             <a:pPr marL="857250" indent="-857250">
@@ -3563,12 +7337,29 @@
               <a:buChar char="•"/>
             </a:pPr>
             <a:r>
-              <a:rPr lang="en-US" sz="4000" dirty="0" smtClean="0"/>
-              <a:t>Fuzzing: applications should be able to handle any input, a crash or hang is a bug</a:t>
-            </a:r>
-          </a:p>
-          <a:p>
-            <a:endParaRPr lang="en-US" sz="800" dirty="0" smtClean="0"/>
+              <a:rPr lang="en-US" sz="4200" dirty="0" smtClean="0"/>
+              <a:t>Randomly schedule threads in a process: test for a crash or hang</a:t>
+            </a:r>
+            <a:endParaRPr lang="en-US" sz="4200" dirty="0"/>
+          </a:p>
+          <a:p>
+            <a:pPr algn="ctr"/>
+            <a:r>
+              <a:rPr lang="en-US" sz="4400" b="1" dirty="0" smtClean="0"/>
+              <a:t>Process and Thread Scheduling in </a:t>
+            </a:r>
+            <a:r>
+              <a:rPr lang="en-US" sz="4400" b="1" dirty="0" smtClean="0"/>
+              <a:t>Linux</a:t>
+            </a:r>
+          </a:p>
+          <a:p>
+            <a:pPr algn="ctr"/>
+            <a:endParaRPr lang="en-US" sz="600" b="1" dirty="0" smtClean="0"/>
+          </a:p>
+          <a:p>
+            <a:pPr algn="ctr"/>
+            <a:endParaRPr lang="en-US" sz="600" b="1" dirty="0"/>
           </a:p>
           <a:p>
             <a:pPr marL="857250" indent="-857250">
@@ -3576,21 +7367,24 @@
               <a:buChar char="•"/>
             </a:pPr>
             <a:r>
-              <a:rPr lang="en-US" sz="4000" dirty="0" smtClean="0"/>
-              <a:t>Randomly schedule threads in a process: test for a crash or hang</a:t>
-            </a:r>
-            <a:endParaRPr lang="en-US" sz="3600" dirty="0"/>
-          </a:p>
-          <a:p>
-            <a:pPr algn="ctr"/>
-            <a:r>
-              <a:rPr lang="en-US" sz="4200" b="1" dirty="0" smtClean="0"/>
-              <a:t>Process and Thread Scheduling in Linux</a:t>
-            </a:r>
-          </a:p>
-          <a:p>
-            <a:pPr algn="ctr"/>
-            <a:endParaRPr lang="en-US" sz="600" b="1" dirty="0"/>
+              <a:rPr lang="en-US" sz="4200" dirty="0" smtClean="0"/>
+              <a:t>Default Linux Scheduler: </a:t>
+            </a:r>
+            <a:r>
+              <a:rPr lang="en-US" sz="4200" dirty="0" smtClean="0"/>
+              <a:t>Multilevel </a:t>
+            </a:r>
+            <a:r>
+              <a:rPr lang="en-US" sz="4200" dirty="0" smtClean="0"/>
+              <a:t>Feedback Queue with time slices where scheduler has control over priority </a:t>
+            </a:r>
+            <a:endParaRPr lang="en-US" sz="4200" dirty="0" smtClean="0"/>
+          </a:p>
+          <a:p>
+            <a:endParaRPr lang="en-US" sz="600" dirty="0" smtClean="0"/>
+          </a:p>
+          <a:p>
+            <a:endParaRPr lang="en-US" sz="600" dirty="0" smtClean="0"/>
           </a:p>
           <a:p>
             <a:pPr marL="857250" indent="-857250">
@@ -3598,32 +7392,7 @@
               <a:buChar char="•"/>
             </a:pPr>
             <a:r>
-              <a:rPr lang="en-US" sz="4000" dirty="0" smtClean="0"/>
-              <a:t>Default Linux </a:t>
-            </a:r>
-            <a:r>
-              <a:rPr lang="en-US" sz="4000" dirty="0" smtClean="0"/>
-              <a:t>Scheduler: Multi-Level </a:t>
-            </a:r>
-            <a:r>
-              <a:rPr lang="en-US" sz="4000" dirty="0" smtClean="0"/>
-              <a:t>Feedback Queue with time </a:t>
-            </a:r>
-            <a:r>
-              <a:rPr lang="en-US" sz="4000" dirty="0" smtClean="0"/>
-              <a:t>slices where scheduler has control over priority </a:t>
-            </a:r>
-          </a:p>
-          <a:p>
-            <a:endParaRPr lang="en-US" sz="800" dirty="0" smtClean="0"/>
-          </a:p>
-          <a:p>
-            <a:pPr marL="857250" indent="-857250">
-              <a:buFont typeface="Arial" panose="020B0604020202020204" pitchFamily="34" charset="0"/>
-              <a:buChar char="•"/>
-            </a:pPr>
-            <a:r>
-              <a:rPr lang="en-US" sz="4000" dirty="0" smtClean="0"/>
+              <a:rPr lang="en-US" sz="4200" dirty="0" smtClean="0"/>
               <a:t>Real-time scheduling for some control over scheduling</a:t>
             </a:r>
           </a:p>
@@ -3633,9 +7402,14 @@
               <a:buChar char="•"/>
             </a:pPr>
             <a:r>
-              <a:rPr lang="en-US" sz="4000" dirty="0" smtClean="0"/>
-              <a:t>Round-robin or First-in-first-out</a:t>
-            </a:r>
+              <a:rPr lang="en-US" sz="4200" dirty="0" smtClean="0"/>
+              <a:t>Round-robin or </a:t>
+            </a:r>
+            <a:r>
+              <a:rPr lang="en-US" sz="4200" dirty="0" smtClean="0"/>
+              <a:t>First in first out</a:t>
+            </a:r>
+            <a:endParaRPr lang="en-US" sz="4200" dirty="0" smtClean="0"/>
           </a:p>
           <a:p>
             <a:pPr marL="2424760" lvl="1" indent="-857250">
@@ -3643,10 +7417,9 @@
               <a:buChar char="•"/>
             </a:pPr>
             <a:r>
-              <a:rPr lang="en-US" sz="4000" dirty="0" smtClean="0"/>
+              <a:rPr lang="en-US" sz="4200" dirty="0" smtClean="0"/>
               <a:t>Able to assign priorities, threads of higher priority will always run until block or completion</a:t>
             </a:r>
-            <a:endParaRPr lang="en-US" sz="4000" dirty="0" smtClean="0"/>
           </a:p>
           <a:p>
             <a:endParaRPr lang="en-US" sz="4400" dirty="0"/>
@@ -3655,14 +7428,14 @@
       </p:sp>
       <p:sp>
         <p:nvSpPr>
-          <p:cNvPr id="16" name="TextBox 15"/>
+          <p:cNvPr id="20" name="TextBox 19"/>
           <p:cNvSpPr txBox="1"/>
           <p:nvPr/>
         </p:nvSpPr>
         <p:spPr>
           <a:xfrm>
-            <a:off x="15201898" y="2924784"/>
-            <a:ext cx="13335000" cy="19451479"/>
+            <a:off x="29371632" y="2667335"/>
+            <a:ext cx="14017338" cy="18743593"/>
           </a:xfrm>
           <a:prstGeom prst="rect">
             <a:avLst/>
@@ -3677,18 +7450,13 @@
           <a:p>
             <a:pPr algn="ctr"/>
             <a:r>
-              <a:rPr lang="en-US" sz="4000" b="1" dirty="0" smtClean="0"/>
-              <a:t>Binary Instrumentation using </a:t>
-            </a:r>
-            <a:r>
-              <a:rPr lang="en-US" sz="4000" b="1" dirty="0" err="1" smtClean="0"/>
-              <a:t>Dyninst</a:t>
-            </a:r>
-            <a:endParaRPr lang="en-US" sz="4000" b="1" dirty="0" smtClean="0"/>
+              <a:rPr lang="en-US" sz="4400" b="1" dirty="0" smtClean="0"/>
+              <a:t>Found Bugs in Applications Tested</a:t>
+            </a:r>
           </a:p>
           <a:p>
             <a:pPr algn="ctr"/>
-            <a:endParaRPr lang="en-US" sz="600" dirty="0" smtClean="0"/>
+            <a:endParaRPr lang="en-US" sz="600" b="1" dirty="0" smtClean="0"/>
           </a:p>
           <a:p>
             <a:pPr marL="857250" indent="-857250">
@@ -3696,20 +7464,20 @@
               <a:buChar char="•"/>
             </a:pPr>
             <a:r>
-              <a:rPr lang="en-US" sz="4000" dirty="0" smtClean="0"/>
-              <a:t>Able to </a:t>
-            </a:r>
-            <a:r>
-              <a:rPr lang="en-US" sz="4000" dirty="0"/>
-              <a:t>insert </a:t>
-            </a:r>
-            <a:r>
-              <a:rPr lang="en-US" sz="4000" dirty="0" smtClean="0"/>
-              <a:t>code and wrap functions to change scheduler algorithm and priority</a:t>
-            </a:r>
-          </a:p>
-          <a:p>
-            <a:endParaRPr lang="en-US" sz="800" dirty="0" smtClean="0"/>
+              <a:rPr lang="en-US" sz="4200" dirty="0" smtClean="0"/>
+              <a:t>Results show </a:t>
+            </a:r>
+            <a:r>
+              <a:rPr lang="en-US" sz="4200" dirty="0" err="1" smtClean="0"/>
+              <a:t>ScheduleInst</a:t>
+            </a:r>
+            <a:r>
+              <a:rPr lang="en-US" sz="4200" dirty="0" smtClean="0"/>
+              <a:t> finds bugs at a useful rate, it found bugs in all of the applications we tested</a:t>
+            </a:r>
+          </a:p>
+          <a:p>
+            <a:endParaRPr lang="en-US" sz="600" dirty="0" smtClean="0"/>
           </a:p>
           <a:p>
             <a:pPr marL="857250" indent="-857250">
@@ -3717,12 +7485,19 @@
               <a:buChar char="•"/>
             </a:pPr>
             <a:r>
-              <a:rPr lang="en-US" sz="4000" dirty="0" smtClean="0"/>
-              <a:t>Randomly change priority at thread creation and synchronization points </a:t>
-            </a:r>
-          </a:p>
-          <a:p>
-            <a:endParaRPr lang="en-US" sz="800" dirty="0" smtClean="0"/>
+              <a:rPr lang="en-US" sz="4200" dirty="0" smtClean="0"/>
+              <a:t>All bugs found were </a:t>
+            </a:r>
+            <a:r>
+              <a:rPr lang="en-US" sz="4200" dirty="0" smtClean="0"/>
+              <a:t>deadlocks</a:t>
+            </a:r>
+          </a:p>
+          <a:p>
+            <a:endParaRPr lang="en-US" sz="600" dirty="0" smtClean="0"/>
+          </a:p>
+          <a:p>
+            <a:endParaRPr lang="en-US" sz="600" dirty="0"/>
           </a:p>
           <a:p>
             <a:pPr marL="857250" indent="-857250">
@@ -3730,20 +7505,8 @@
               <a:buChar char="•"/>
             </a:pPr>
             <a:r>
-              <a:rPr lang="en-US" sz="4000" dirty="0" smtClean="0"/>
-              <a:t>Log function entry and exit </a:t>
-            </a:r>
-            <a:r>
-              <a:rPr lang="en-US" sz="4000" dirty="0" smtClean="0"/>
-              <a:t>to </a:t>
-            </a:r>
-            <a:r>
-              <a:rPr lang="en-US" sz="4000" dirty="0" smtClean="0"/>
-              <a:t>provide an idea of where bugs occur when they </a:t>
-            </a:r>
-            <a:r>
-              <a:rPr lang="en-US" sz="4000" dirty="0" smtClean="0"/>
-              <a:t>occur</a:t>
+              <a:rPr lang="en-US" sz="4200" dirty="0" smtClean="0"/>
+              <a:t>No bugs were found in the control tests</a:t>
             </a:r>
           </a:p>
           <a:p>
@@ -3817,199 +7580,32 @@
             <a:endParaRPr lang="en-US" sz="4000" dirty="0" smtClean="0"/>
           </a:p>
           <a:p>
+            <a:endParaRPr lang="en-US" sz="4000" dirty="0"/>
+          </a:p>
+          <a:p>
+            <a:pPr algn="ctr"/>
+            <a:r>
+              <a:rPr lang="en-US" sz="4400" b="1" dirty="0" smtClean="0"/>
+              <a:t>Example: Deadlock Bugs in Apache</a:t>
+            </a:r>
+            <a:endParaRPr lang="en-US" sz="4400" b="1" dirty="0" smtClean="0"/>
+          </a:p>
+          <a:p>
+            <a:pPr algn="ctr"/>
+            <a:endParaRPr lang="en-US" sz="600" dirty="0"/>
+          </a:p>
+          <a:p>
             <a:pPr marL="857250" indent="-857250">
               <a:buFont typeface="Arial" panose="020B0604020202020204" pitchFamily="34" charset="0"/>
               <a:buChar char="•"/>
             </a:pPr>
-            <a:endParaRPr lang="en-US" sz="4000" dirty="0"/>
-          </a:p>
-          <a:p>
-            <a:pPr algn="ctr"/>
-            <a:r>
-              <a:rPr lang="en-US" sz="4000" b="1" dirty="0" smtClean="0"/>
-              <a:t>Testing Multithreaded Programs</a:t>
-            </a:r>
-          </a:p>
-          <a:p>
-            <a:pPr algn="ctr"/>
-            <a:endParaRPr lang="en-US" sz="600" b="1" dirty="0" smtClean="0"/>
-          </a:p>
-          <a:p>
-            <a:pPr marL="571500" indent="-571500">
-              <a:buFont typeface="Arial" panose="020B0604020202020204" pitchFamily="34" charset="0"/>
-              <a:buChar char="•"/>
-            </a:pPr>
-            <a:r>
-              <a:rPr lang="en-US" sz="4000" dirty="0" smtClean="0"/>
-              <a:t>pbzip2 (</a:t>
-            </a:r>
-            <a:r>
-              <a:rPr lang="en-US" sz="4000" i="1" dirty="0" smtClean="0"/>
-              <a:t>compression</a:t>
-            </a:r>
-            <a:r>
-              <a:rPr lang="en-US" sz="4000" dirty="0" smtClean="0"/>
-              <a:t>), axel (</a:t>
-            </a:r>
-            <a:r>
-              <a:rPr lang="en-US" sz="4000" i="1" dirty="0" smtClean="0"/>
-              <a:t>file download</a:t>
-            </a:r>
-            <a:r>
-              <a:rPr lang="en-US" sz="4000" dirty="0" smtClean="0"/>
-              <a:t>),</a:t>
-            </a:r>
-          </a:p>
-          <a:p>
-            <a:r>
-              <a:rPr lang="en-US" sz="4000" dirty="0"/>
-              <a:t> </a:t>
-            </a:r>
-            <a:r>
-              <a:rPr lang="en-US" sz="4000" dirty="0" smtClean="0"/>
-              <a:t>    </a:t>
-            </a:r>
-            <a:r>
-              <a:rPr lang="en-US" sz="4000" dirty="0" err="1" smtClean="0"/>
-              <a:t>FFMpeg</a:t>
-            </a:r>
-            <a:r>
-              <a:rPr lang="en-US" sz="4000" dirty="0" smtClean="0"/>
-              <a:t> (</a:t>
-            </a:r>
-            <a:r>
-              <a:rPr lang="en-US" sz="4000" i="1" dirty="0" smtClean="0"/>
-              <a:t>video compression</a:t>
-            </a:r>
-            <a:r>
-              <a:rPr lang="en-US" sz="4000" dirty="0" smtClean="0"/>
-              <a:t>), Apache (</a:t>
-            </a:r>
-            <a:r>
-              <a:rPr lang="en-US" sz="4000" i="1" dirty="0" smtClean="0"/>
-              <a:t>web server</a:t>
-            </a:r>
-            <a:r>
-              <a:rPr lang="en-US" sz="4000" dirty="0" smtClean="0"/>
-              <a:t>)</a:t>
+            <a:r>
+              <a:rPr lang="en-US" sz="4200" dirty="0" smtClean="0"/>
+              <a:t>Surprisingly, we were able to get Apache to deadlock consistently under randomly scheduled threads</a:t>
             </a:r>
           </a:p>
           <a:p>
             <a:endParaRPr lang="en-US" sz="600" dirty="0" smtClean="0"/>
-          </a:p>
-          <a:p>
-            <a:pPr marL="571500" indent="-571500">
-              <a:buFont typeface="Arial" panose="020B0604020202020204" pitchFamily="34" charset="0"/>
-              <a:buChar char="•"/>
-            </a:pPr>
-            <a:r>
-              <a:rPr lang="en-US" sz="4000" dirty="0" smtClean="0"/>
-              <a:t>Tested applications with typical use case and with </a:t>
-            </a:r>
-            <a:r>
-              <a:rPr lang="en-US" sz="4000" dirty="0" err="1" smtClean="0"/>
-              <a:t>Pthreads</a:t>
-            </a:r>
-            <a:endParaRPr lang="en-US" sz="4000" dirty="0" smtClean="0"/>
-          </a:p>
-          <a:p>
-            <a:endParaRPr lang="en-US" sz="800" dirty="0" smtClean="0"/>
-          </a:p>
-          <a:p>
-            <a:pPr marL="571500" indent="-571500">
-              <a:buFont typeface="Arial" panose="020B0604020202020204" pitchFamily="34" charset="0"/>
-              <a:buChar char="•"/>
-            </a:pPr>
-            <a:r>
-              <a:rPr lang="en-US" sz="4000" dirty="0" smtClean="0"/>
-              <a:t>Ran applications multiple times with new random seeds</a:t>
-            </a:r>
-          </a:p>
-          <a:p>
-            <a:endParaRPr lang="en-US" sz="800" dirty="0" smtClean="0"/>
-          </a:p>
-          <a:p>
-            <a:pPr marL="571500" indent="-571500">
-              <a:buFont typeface="Arial" panose="020B0604020202020204" pitchFamily="34" charset="0"/>
-              <a:buChar char="•"/>
-            </a:pPr>
-            <a:r>
-              <a:rPr lang="en-US" sz="4000" dirty="0" smtClean="0"/>
-              <a:t>Control and test case: both are instrumented using </a:t>
-            </a:r>
-            <a:r>
-              <a:rPr lang="en-US" sz="4000" dirty="0" err="1" smtClean="0"/>
-              <a:t>ScheduleInst</a:t>
-            </a:r>
-            <a:r>
-              <a:rPr lang="en-US" sz="4000" dirty="0" smtClean="0"/>
-              <a:t> but control case uses normal scheduler</a:t>
-            </a:r>
-          </a:p>
-          <a:p>
-            <a:endParaRPr lang="en-US" sz="800" dirty="0" smtClean="0"/>
-          </a:p>
-          <a:p>
-            <a:pPr marL="571500" indent="-571500">
-              <a:buFont typeface="Arial" panose="020B0604020202020204" pitchFamily="34" charset="0"/>
-              <a:buChar char="•"/>
-            </a:pPr>
-            <a:r>
-              <a:rPr lang="en-US" sz="4000" dirty="0"/>
-              <a:t>Test to see if real time threads increase rate at which bugs are found</a:t>
-            </a:r>
-          </a:p>
-          <a:p>
-            <a:pPr marL="571500" indent="-571500">
-              <a:buFont typeface="Arial" panose="020B0604020202020204" pitchFamily="34" charset="0"/>
-              <a:buChar char="•"/>
-            </a:pPr>
-            <a:endParaRPr lang="en-US" sz="4000" dirty="0" smtClean="0"/>
-          </a:p>
-          <a:p>
-            <a:pPr marL="571500" indent="-571500">
-              <a:buFont typeface="Arial" panose="020B0604020202020204" pitchFamily="34" charset="0"/>
-              <a:buChar char="•"/>
-            </a:pPr>
-            <a:endParaRPr lang="en-US" sz="4000" dirty="0" smtClean="0"/>
-          </a:p>
-          <a:p>
-            <a:pPr algn="ctr"/>
-            <a:endParaRPr lang="en-US" sz="4000" dirty="0"/>
-          </a:p>
-        </p:txBody>
-      </p:sp>
-      <p:sp>
-        <p:nvSpPr>
-          <p:cNvPr id="20" name="TextBox 19"/>
-          <p:cNvSpPr txBox="1"/>
-          <p:nvPr/>
-        </p:nvSpPr>
-        <p:spPr>
-          <a:xfrm>
-            <a:off x="29818444" y="2818373"/>
-            <a:ext cx="13594774" cy="17327820"/>
-          </a:xfrm>
-          <a:prstGeom prst="rect">
-            <a:avLst/>
-          </a:prstGeom>
-          <a:noFill/>
-        </p:spPr>
-        <p:txBody>
-          <a:bodyPr wrap="square" rtlCol="0">
-            <a:spAutoFit/>
-          </a:bodyPr>
-          <a:lstStyle/>
-          <a:p>
-            <a:pPr algn="ctr"/>
-            <a:r>
-              <a:rPr lang="en-US" sz="4200" b="1" dirty="0" smtClean="0"/>
-              <a:t>Found Bugs in Applications Tested</a:t>
-            </a:r>
-          </a:p>
-          <a:p>
-            <a:pPr algn="ctr"/>
-            <a:endParaRPr lang="en-US" sz="600" b="1" dirty="0" smtClean="0"/>
           </a:p>
           <a:p>
             <a:pPr marL="857250" indent="-857250">
@@ -4017,24 +7613,16 @@
               <a:buChar char="•"/>
             </a:pPr>
             <a:r>
-              <a:rPr lang="en-US" sz="4000" dirty="0" smtClean="0"/>
-              <a:t>Results show </a:t>
-            </a:r>
-            <a:r>
-              <a:rPr lang="en-US" sz="4000" dirty="0" err="1" smtClean="0"/>
-              <a:t>ScheduleInst</a:t>
-            </a:r>
-            <a:r>
-              <a:rPr lang="en-US" sz="4000" dirty="0" smtClean="0"/>
-              <a:t> finds bugs at a useful rate, it </a:t>
-            </a:r>
-            <a:r>
-              <a:rPr lang="en-US" sz="4000" dirty="0" smtClean="0"/>
-              <a:t>found bugs in </a:t>
-            </a:r>
-            <a:r>
-              <a:rPr lang="en-US" sz="4000" dirty="0" smtClean="0"/>
-              <a:t>all of the applications we tested</a:t>
+              <a:rPr lang="en-US" sz="4200" dirty="0" smtClean="0"/>
+              <a:t>One thread would </a:t>
+            </a:r>
+            <a:r>
+              <a:rPr lang="en-US" sz="4200" dirty="0" smtClean="0"/>
+              <a:t>consume most of the CPU, </a:t>
+            </a:r>
+            <a:r>
+              <a:rPr lang="en-US" sz="4200" dirty="0" smtClean="0"/>
+              <a:t>shortly after the server stopped logging functions and was not responsive</a:t>
             </a:r>
           </a:p>
           <a:p>
@@ -4046,12 +7634,20 @@
               <a:buChar char="•"/>
             </a:pPr>
             <a:r>
-              <a:rPr lang="en-US" sz="4000" dirty="0" smtClean="0"/>
-              <a:t>All bugs found were deadlocks</a:t>
-            </a:r>
-          </a:p>
-          <a:p>
-            <a:endParaRPr lang="en-US" sz="600" dirty="0"/>
+              <a:rPr lang="en-US" sz="4200" dirty="0" smtClean="0"/>
+              <a:t>Apache with </a:t>
+            </a:r>
+            <a:r>
+              <a:rPr lang="en-US" sz="4200" dirty="0" err="1" smtClean="0"/>
+              <a:t>ScheduleInst</a:t>
+            </a:r>
+            <a:r>
+              <a:rPr lang="en-US" sz="4200" dirty="0" smtClean="0"/>
+              <a:t> Only Logging functioned normally at decreased performance</a:t>
+            </a:r>
+          </a:p>
+          <a:p>
+            <a:endParaRPr lang="en-US" sz="600" dirty="0" smtClean="0"/>
           </a:p>
           <a:p>
             <a:pPr marL="857250" indent="-857250">
@@ -4059,243 +7655,144 @@
               <a:buChar char="•"/>
             </a:pPr>
             <a:r>
-              <a:rPr lang="en-US" sz="4000" dirty="0" smtClean="0"/>
-              <a:t>No bugs were found in the control tests</a:t>
-            </a:r>
+              <a:rPr lang="en-US" sz="4200" dirty="0" smtClean="0"/>
+              <a:t>Bugs were near code to accept new connections, main network filtering code, process management of threads</a:t>
+            </a:r>
+          </a:p>
+          <a:p>
+            <a:endParaRPr lang="en-US" sz="600" dirty="0"/>
           </a:p>
           <a:p>
             <a:pPr marL="857250" indent="-857250">
               <a:buFont typeface="Arial" panose="020B0604020202020204" pitchFamily="34" charset="0"/>
               <a:buChar char="•"/>
             </a:pPr>
-            <a:endParaRPr lang="en-US" sz="4000" dirty="0"/>
-          </a:p>
-          <a:p>
-            <a:pPr marL="857250" indent="-857250">
-              <a:buFont typeface="Arial" panose="020B0604020202020204" pitchFamily="34" charset="0"/>
-              <a:buChar char="•"/>
-            </a:pPr>
-            <a:endParaRPr lang="en-US" sz="4000" dirty="0" smtClean="0"/>
-          </a:p>
-          <a:p>
-            <a:pPr marL="857250" indent="-857250">
-              <a:buFont typeface="Arial" panose="020B0604020202020204" pitchFamily="34" charset="0"/>
-              <a:buChar char="•"/>
-            </a:pPr>
-            <a:endParaRPr lang="en-US" sz="4000" dirty="0"/>
-          </a:p>
-          <a:p>
-            <a:pPr marL="857250" indent="-857250">
-              <a:buFont typeface="Arial" panose="020B0604020202020204" pitchFamily="34" charset="0"/>
-              <a:buChar char="•"/>
-            </a:pPr>
-            <a:endParaRPr lang="en-US" sz="4000" dirty="0" smtClean="0"/>
-          </a:p>
-          <a:p>
-            <a:pPr marL="857250" indent="-857250">
-              <a:buFont typeface="Arial" panose="020B0604020202020204" pitchFamily="34" charset="0"/>
-              <a:buChar char="•"/>
-            </a:pPr>
-            <a:endParaRPr lang="en-US" sz="4000" dirty="0"/>
-          </a:p>
-          <a:p>
-            <a:pPr marL="857250" indent="-857250">
-              <a:buFont typeface="Arial" panose="020B0604020202020204" pitchFamily="34" charset="0"/>
-              <a:buChar char="•"/>
-            </a:pPr>
-            <a:endParaRPr lang="en-US" sz="4000" dirty="0" smtClean="0"/>
-          </a:p>
-          <a:p>
-            <a:pPr marL="857250" indent="-857250">
-              <a:buFont typeface="Arial" panose="020B0604020202020204" pitchFamily="34" charset="0"/>
-              <a:buChar char="•"/>
-            </a:pPr>
-            <a:endParaRPr lang="en-US" sz="4000" dirty="0"/>
-          </a:p>
-          <a:p>
-            <a:pPr marL="857250" indent="-857250">
-              <a:buFont typeface="Arial" panose="020B0604020202020204" pitchFamily="34" charset="0"/>
-              <a:buChar char="•"/>
-            </a:pPr>
-            <a:endParaRPr lang="en-US" sz="4000" dirty="0" smtClean="0"/>
-          </a:p>
-          <a:p>
-            <a:pPr marL="857250" indent="-857250">
-              <a:buFont typeface="Arial" panose="020B0604020202020204" pitchFamily="34" charset="0"/>
-              <a:buChar char="•"/>
-            </a:pPr>
-            <a:endParaRPr lang="en-US" sz="4000" dirty="0"/>
-          </a:p>
-          <a:p>
-            <a:pPr marL="857250" indent="-857250">
-              <a:buFont typeface="Arial" panose="020B0604020202020204" pitchFamily="34" charset="0"/>
-              <a:buChar char="•"/>
-            </a:pPr>
-            <a:endParaRPr lang="en-US" sz="4000" dirty="0" smtClean="0"/>
-          </a:p>
-          <a:p>
-            <a:pPr marL="857250" indent="-857250">
-              <a:buFont typeface="Arial" panose="020B0604020202020204" pitchFamily="34" charset="0"/>
-              <a:buChar char="•"/>
-            </a:pPr>
-            <a:endParaRPr lang="en-US" sz="4000" dirty="0"/>
-          </a:p>
-          <a:p>
-            <a:pPr algn="ctr"/>
-            <a:r>
-              <a:rPr lang="en-US" sz="4200" b="1" dirty="0" smtClean="0"/>
-              <a:t>Apache Bugs</a:t>
-            </a:r>
-          </a:p>
-          <a:p>
-            <a:pPr algn="ctr"/>
-            <a:endParaRPr lang="en-US" sz="600" dirty="0"/>
-          </a:p>
-          <a:p>
-            <a:pPr marL="857250" indent="-857250">
-              <a:buFont typeface="Arial" panose="020B0604020202020204" pitchFamily="34" charset="0"/>
-              <a:buChar char="•"/>
-            </a:pPr>
-            <a:r>
-              <a:rPr lang="en-US" sz="4000" dirty="0" smtClean="0"/>
-              <a:t>Surprisingly, we were able to get Apache to deadlock consistently under randomly scheduled threads</a:t>
-            </a:r>
-          </a:p>
-          <a:p>
-            <a:endParaRPr lang="en-US" sz="600" dirty="0" smtClean="0"/>
-          </a:p>
-          <a:p>
-            <a:pPr marL="857250" indent="-857250">
-              <a:buFont typeface="Arial" panose="020B0604020202020204" pitchFamily="34" charset="0"/>
-              <a:buChar char="•"/>
-            </a:pPr>
-            <a:r>
-              <a:rPr lang="en-US" sz="4000" dirty="0" smtClean="0"/>
-              <a:t>One thread would consume CPU of the server, shortly after the server stopped logging functions and was not responsive</a:t>
-            </a:r>
-          </a:p>
-          <a:p>
-            <a:endParaRPr lang="en-US" sz="600" dirty="0" smtClean="0"/>
-          </a:p>
-          <a:p>
-            <a:pPr marL="857250" indent="-857250">
-              <a:buFont typeface="Arial" panose="020B0604020202020204" pitchFamily="34" charset="0"/>
-              <a:buChar char="•"/>
-            </a:pPr>
-            <a:r>
-              <a:rPr lang="en-US" sz="4000" dirty="0" smtClean="0"/>
-              <a:t>Apache with </a:t>
-            </a:r>
-            <a:r>
-              <a:rPr lang="en-US" sz="4000" dirty="0" err="1" smtClean="0"/>
-              <a:t>ScheduleInst</a:t>
-            </a:r>
-            <a:r>
-              <a:rPr lang="en-US" sz="4000" dirty="0" smtClean="0"/>
-              <a:t> Only Logging functioned normally at decreased performance</a:t>
-            </a:r>
-          </a:p>
-          <a:p>
-            <a:endParaRPr lang="en-US" sz="600" dirty="0" smtClean="0"/>
-          </a:p>
-          <a:p>
-            <a:pPr marL="857250" indent="-857250">
-              <a:buFont typeface="Arial" panose="020B0604020202020204" pitchFamily="34" charset="0"/>
-              <a:buChar char="•"/>
-            </a:pPr>
-            <a:r>
-              <a:rPr lang="en-US" sz="4000" dirty="0" smtClean="0"/>
-              <a:t>Bugs were near code to accep</a:t>
-            </a:r>
-            <a:r>
-              <a:rPr lang="en-US" sz="4000" dirty="0" smtClean="0"/>
-              <a:t>t new connections, main network filtering code, process management of threads</a:t>
-            </a:r>
-          </a:p>
-          <a:p>
-            <a:endParaRPr lang="en-US" sz="600" dirty="0"/>
-          </a:p>
-          <a:p>
-            <a:pPr marL="857250" indent="-857250">
-              <a:buFont typeface="Arial" panose="020B0604020202020204" pitchFamily="34" charset="0"/>
-              <a:buChar char="•"/>
-            </a:pPr>
-            <a:r>
-              <a:rPr lang="en-US" sz="4000" dirty="0" smtClean="0"/>
-              <a:t>Found bug reports that were likely bugs we found</a:t>
-            </a:r>
-          </a:p>
-        </p:txBody>
-      </p:sp>
-      <p:sp>
-        <p:nvSpPr>
-          <p:cNvPr id="24" name="Rounded Rectangle 23"/>
-          <p:cNvSpPr/>
+            <a:r>
+              <a:rPr lang="en-US" sz="4200" dirty="0" smtClean="0"/>
+              <a:t>Found bug reports that were similar </a:t>
+            </a:r>
+            <a:r>
+              <a:rPr lang="en-US" sz="4200" dirty="0" smtClean="0"/>
+              <a:t>to bugs found in our tests</a:t>
+            </a:r>
+            <a:endParaRPr lang="en-US" sz="4200" dirty="0" smtClean="0"/>
+          </a:p>
+        </p:txBody>
+      </p:sp>
+      <p:grpSp>
+        <p:nvGrpSpPr>
+          <p:cNvPr id="9" name="Group 8"/>
+          <p:cNvGrpSpPr/>
           <p:nvPr/>
-        </p:nvSpPr>
-        <p:spPr>
+        </p:nvGrpSpPr>
+        <p:grpSpPr>
           <a:xfrm>
-            <a:off x="30842396" y="6752397"/>
-            <a:ext cx="12069319" cy="5398294"/>
+            <a:off x="30088608" y="7135848"/>
+            <a:ext cx="13085618" cy="5322557"/>
+            <a:chOff x="30327600" y="6752397"/>
+            <a:chExt cx="13085618" cy="5398294"/>
           </a:xfrm>
-          <a:prstGeom prst="roundRect">
-            <a:avLst/>
-          </a:prstGeom>
-          <a:solidFill>
-            <a:schemeClr val="tx2">
-              <a:lumMod val="40000"/>
-              <a:lumOff val="60000"/>
-            </a:schemeClr>
-          </a:solidFill>
-        </p:spPr>
-        <p:style>
-          <a:lnRef idx="2">
-            <a:schemeClr val="accent1">
-              <a:shade val="50000"/>
-            </a:schemeClr>
-          </a:lnRef>
-          <a:fillRef idx="1">
-            <a:schemeClr val="accent1"/>
-          </a:fillRef>
-          <a:effectRef idx="0">
-            <a:schemeClr val="accent1"/>
-          </a:effectRef>
-          <a:fontRef idx="minor">
-            <a:schemeClr val="lt1"/>
-          </a:fontRef>
-        </p:style>
-        <p:txBody>
-          <a:bodyPr rtlCol="0" anchor="ctr"/>
-          <a:lstStyle/>
-          <a:p>
-            <a:pPr algn="ctr"/>
-            <a:endParaRPr lang="en-US"/>
-          </a:p>
-        </p:txBody>
-      </p:sp>
+        </p:grpSpPr>
+        <p:sp>
+          <p:nvSpPr>
+            <p:cNvPr id="24" name="Rounded Rectangle 23"/>
+            <p:cNvSpPr/>
+            <p:nvPr/>
+          </p:nvSpPr>
+          <p:spPr>
+            <a:xfrm>
+              <a:off x="30327600" y="6752397"/>
+              <a:ext cx="13085618" cy="5398294"/>
+            </a:xfrm>
+            <a:prstGeom prst="roundRect">
+              <a:avLst/>
+            </a:prstGeom>
+            <a:solidFill>
+              <a:schemeClr val="tx2">
+                <a:lumMod val="40000"/>
+                <a:lumOff val="60000"/>
+              </a:schemeClr>
+            </a:solidFill>
+          </p:spPr>
+          <p:style>
+            <a:lnRef idx="2">
+              <a:schemeClr val="accent1">
+                <a:shade val="50000"/>
+              </a:schemeClr>
+            </a:lnRef>
+            <a:fillRef idx="1">
+              <a:schemeClr val="accent1"/>
+            </a:fillRef>
+            <a:effectRef idx="0">
+              <a:schemeClr val="accent1"/>
+            </a:effectRef>
+            <a:fontRef idx="minor">
+              <a:schemeClr val="lt1"/>
+            </a:fontRef>
+          </p:style>
+          <p:txBody>
+            <a:bodyPr rtlCol="0" anchor="ctr"/>
+            <a:lstStyle/>
+            <a:p>
+              <a:pPr algn="ctr"/>
+              <a:endParaRPr lang="en-US"/>
+            </a:p>
+          </p:txBody>
+        </p:sp>
+        <p:pic>
+          <p:nvPicPr>
+            <p:cNvPr id="22" name="Picture 21"/>
+            <p:cNvPicPr>
+              <a:picLocks noChangeAspect="1"/>
+            </p:cNvPicPr>
+            <p:nvPr/>
+          </p:nvPicPr>
+          <p:blipFill rotWithShape="1">
+            <a:blip r:embed="rId3">
+              <a:extLst>
+                <a:ext uri="{28A0092B-C50C-407E-A947-70E740481C1C}">
+                  <a14:useLocalDpi xmlns:a14="http://schemas.microsoft.com/office/drawing/2010/main" val="0"/>
+                </a:ext>
+              </a:extLst>
+            </a:blip>
+            <a:srcRect l="12989" t="46678" r="12286" b="17604"/>
+            <a:stretch/>
+          </p:blipFill>
+          <p:spPr>
+            <a:xfrm>
+              <a:off x="30477188" y="7107522"/>
+              <a:ext cx="12786442" cy="4583819"/>
+            </a:xfrm>
+            <a:prstGeom prst="rect">
+              <a:avLst/>
+            </a:prstGeom>
+          </p:spPr>
+        </p:pic>
+      </p:grpSp>
       <p:pic>
         <p:nvPicPr>
-          <p:cNvPr id="22" name="Picture 21"/>
+          <p:cNvPr id="31" name="Picture 30"/>
           <p:cNvPicPr>
             <a:picLocks noChangeAspect="1"/>
           </p:cNvPicPr>
           <p:nvPr/>
         </p:nvPicPr>
-        <p:blipFill rotWithShape="1">
-          <a:blip r:embed="rId2">
+        <p:blipFill>
+          <a:blip r:embed="rId4" cstate="print">
             <a:extLst>
               <a:ext uri="{28A0092B-C50C-407E-A947-70E740481C1C}">
                 <a14:useLocalDpi xmlns:a14="http://schemas.microsoft.com/office/drawing/2010/main" val="0"/>
               </a:ext>
             </a:extLst>
           </a:blip>
-          <a:srcRect l="12989" t="46678" r="12286" b="17604"/>
-          <a:stretch/>
+          <a:stretch>
+            <a:fillRect/>
+          </a:stretch>
         </p:blipFill>
         <p:spPr>
           <a:xfrm>
-            <a:off x="30842396" y="7161335"/>
-            <a:ext cx="12069319" cy="4326737"/>
+            <a:off x="38963129" y="91959"/>
+            <a:ext cx="4450089" cy="1517907"/>
           </a:xfrm>
           <a:prstGeom prst="rect">
             <a:avLst/>
@@ -4304,29 +7801,29 @@
       </p:pic>
       <p:grpSp>
         <p:nvGrpSpPr>
-          <p:cNvPr id="29" name="Group 28"/>
+          <p:cNvPr id="17" name="Group 16"/>
           <p:cNvGrpSpPr/>
           <p:nvPr/>
         </p:nvGrpSpPr>
         <p:grpSpPr>
           <a:xfrm>
-            <a:off x="2390653" y="7711622"/>
-            <a:ext cx="10622972" cy="4648200"/>
-            <a:chOff x="2306782" y="8153401"/>
-            <a:chExt cx="9829800" cy="3670336"/>
+            <a:off x="1691271" y="8004060"/>
+            <a:ext cx="11234003" cy="4648200"/>
+            <a:chOff x="2390652" y="7711622"/>
+            <a:chExt cx="11234003" cy="4648200"/>
           </a:xfrm>
         </p:grpSpPr>
         <p:grpSp>
           <p:nvGrpSpPr>
-            <p:cNvPr id="27" name="Group 26"/>
+            <p:cNvPr id="29" name="Group 28"/>
             <p:cNvGrpSpPr/>
             <p:nvPr/>
           </p:nvGrpSpPr>
           <p:grpSpPr>
             <a:xfrm>
-              <a:off x="2306782" y="8153401"/>
-              <a:ext cx="9829800" cy="3670336"/>
-              <a:chOff x="2393372" y="15544800"/>
+              <a:off x="2390652" y="7711622"/>
+              <a:ext cx="11234003" cy="4648200"/>
+              <a:chOff x="2306782" y="8153401"/>
               <a:chExt cx="9829800" cy="3670336"/>
             </a:xfrm>
           </p:grpSpPr>
@@ -4338,7 +7835,7 @@
             </p:nvSpPr>
             <p:spPr>
               <a:xfrm>
-                <a:off x="2393372" y="15544800"/>
+                <a:off x="2306782" y="8153401"/>
                 <a:ext cx="9829800" cy="3670336"/>
               </a:xfrm>
               <a:prstGeom prst="roundRect">
@@ -4376,47 +7873,179 @@
               </a:p>
             </p:txBody>
           </p:sp>
-          <p:pic>
-            <p:nvPicPr>
-              <p:cNvPr id="23" name="Picture 22"/>
-              <p:cNvPicPr>
-                <a:picLocks noChangeAspect="1"/>
-              </p:cNvPicPr>
+          <p:sp>
+            <p:nvSpPr>
+              <p:cNvPr id="28" name="TextBox 27"/>
+              <p:cNvSpPr txBox="1"/>
               <p:nvPr/>
-            </p:nvPicPr>
-            <p:blipFill>
-              <a:blip r:embed="rId3">
-                <a:extLst>
-                  <a:ext uri="{28A0092B-C50C-407E-A947-70E740481C1C}">
-                    <a14:useLocalDpi xmlns:a14="http://schemas.microsoft.com/office/drawing/2010/main" val="0"/>
-                  </a:ext>
-                </a:extLst>
-              </a:blip>
-              <a:stretch>
-                <a:fillRect/>
-              </a:stretch>
-            </p:blipFill>
+            </p:nvSpPr>
             <p:spPr>
               <a:xfrm>
-                <a:off x="2628481" y="15544801"/>
-                <a:ext cx="9547758" cy="3505200"/>
+                <a:off x="4973782" y="11281961"/>
+                <a:ext cx="4495800" cy="437451"/>
               </a:xfrm>
               <a:prstGeom prst="rect">
                 <a:avLst/>
               </a:prstGeom>
+              <a:noFill/>
             </p:spPr>
-          </p:pic>
+            <p:txBody>
+              <a:bodyPr wrap="square" rtlCol="0">
+                <a:spAutoFit/>
+              </a:bodyPr>
+              <a:lstStyle/>
+              <a:p>
+                <a:pPr algn="ctr"/>
+                <a:r>
+                  <a:rPr lang="en-US" sz="3000" dirty="0" smtClean="0">
+                    <a:solidFill>
+                      <a:schemeClr val="bg1"/>
+                    </a:solidFill>
+                    <a:latin typeface="Arial" panose="020B0604020202020204" pitchFamily="34" charset="0"/>
+                    <a:cs typeface="Arial" panose="020B0604020202020204" pitchFamily="34" charset="0"/>
+                  </a:rPr>
+                  <a:t>Example of Deadlock</a:t>
+                </a:r>
+                <a:endParaRPr lang="en-US" sz="3000" dirty="0">
+                  <a:solidFill>
+                    <a:schemeClr val="bg1"/>
+                  </a:solidFill>
+                  <a:latin typeface="Arial" panose="020B0604020202020204" pitchFamily="34" charset="0"/>
+                  <a:cs typeface="Arial" panose="020B0604020202020204" pitchFamily="34" charset="0"/>
+                </a:endParaRPr>
+              </a:p>
+            </p:txBody>
+          </p:sp>
         </p:grpSp>
+        <p:pic>
+          <p:nvPicPr>
+            <p:cNvPr id="10" name="Picture 9"/>
+            <p:cNvPicPr>
+              <a:picLocks noChangeAspect="1"/>
+            </p:cNvPicPr>
+            <p:nvPr/>
+          </p:nvPicPr>
+          <p:blipFill rotWithShape="1">
+            <a:blip r:embed="rId5">
+              <a:extLst>
+                <a:ext uri="{28A0092B-C50C-407E-A947-70E740481C1C}">
+                  <a14:useLocalDpi xmlns:a14="http://schemas.microsoft.com/office/drawing/2010/main" val="0"/>
+                </a:ext>
+              </a:extLst>
+            </a:blip>
+            <a:srcRect t="2972" r="1836" b="5723"/>
+            <a:stretch/>
+          </p:blipFill>
+          <p:spPr>
+            <a:xfrm>
+              <a:off x="2615618" y="7991252"/>
+              <a:ext cx="10784070" cy="3853040"/>
+            </a:xfrm>
+            <a:prstGeom prst="rect">
+              <a:avLst/>
+            </a:prstGeom>
+          </p:spPr>
+        </p:pic>
+      </p:grpSp>
+      <p:grpSp>
+        <p:nvGrpSpPr>
+          <p:cNvPr id="18" name="Group 17"/>
+          <p:cNvGrpSpPr/>
+          <p:nvPr/>
+        </p:nvGrpSpPr>
+        <p:grpSpPr>
+          <a:xfrm>
+            <a:off x="15389297" y="8004060"/>
+            <a:ext cx="12994837" cy="6021564"/>
+            <a:chOff x="15199849" y="7316653"/>
+            <a:chExt cx="12994837" cy="6021564"/>
+          </a:xfrm>
+        </p:grpSpPr>
         <p:sp>
           <p:nvSpPr>
-            <p:cNvPr id="28" name="TextBox 27"/>
+            <p:cNvPr id="25" name="Rounded Rectangle 24"/>
+            <p:cNvSpPr/>
+            <p:nvPr/>
+          </p:nvSpPr>
+          <p:spPr>
+            <a:xfrm>
+              <a:off x="15199849" y="7316653"/>
+              <a:ext cx="12994837" cy="6021564"/>
+            </a:xfrm>
+            <a:prstGeom prst="roundRect">
+              <a:avLst/>
+            </a:prstGeom>
+            <a:solidFill>
+              <a:schemeClr val="tx2">
+                <a:lumMod val="40000"/>
+                <a:lumOff val="60000"/>
+              </a:schemeClr>
+            </a:solidFill>
+          </p:spPr>
+          <p:style>
+            <a:lnRef idx="2">
+              <a:schemeClr val="accent1">
+                <a:shade val="50000"/>
+              </a:schemeClr>
+            </a:lnRef>
+            <a:fillRef idx="1">
+              <a:schemeClr val="accent1"/>
+            </a:fillRef>
+            <a:effectRef idx="0">
+              <a:schemeClr val="accent1"/>
+            </a:effectRef>
+            <a:fontRef idx="minor">
+              <a:schemeClr val="lt1"/>
+            </a:fontRef>
+          </p:style>
+          <p:txBody>
+            <a:bodyPr rtlCol="0" anchor="ctr"/>
+            <a:lstStyle/>
+            <a:p>
+              <a:pPr algn="ctr"/>
+              <a:endParaRPr lang="en-US"/>
+            </a:p>
+          </p:txBody>
+        </p:sp>
+        <p:pic>
+          <p:nvPicPr>
+            <p:cNvPr id="32" name="Picture 31"/>
+            <p:cNvPicPr>
+              <a:picLocks noChangeAspect="1"/>
+            </p:cNvPicPr>
+            <p:nvPr/>
+          </p:nvPicPr>
+          <p:blipFill rotWithShape="1">
+            <a:blip r:embed="rId6">
+              <a:extLst>
+                <a:ext uri="{28A0092B-C50C-407E-A947-70E740481C1C}">
+                  <a14:useLocalDpi xmlns:a14="http://schemas.microsoft.com/office/drawing/2010/main" val="0"/>
+                </a:ext>
+              </a:extLst>
+            </a:blip>
+            <a:srcRect l="1906" r="6359"/>
+            <a:stretch/>
+          </p:blipFill>
+          <p:spPr>
+            <a:xfrm>
+              <a:off x="15393085" y="7452386"/>
+              <a:ext cx="12801601" cy="5198137"/>
+            </a:xfrm>
+            <a:prstGeom prst="rect">
+              <a:avLst/>
+            </a:prstGeom>
+          </p:spPr>
+        </p:pic>
+        <p:sp>
+          <p:nvSpPr>
+            <p:cNvPr id="33" name="TextBox 32"/>
             <p:cNvSpPr txBox="1"/>
             <p:nvPr/>
           </p:nvSpPr>
           <p:spPr>
             <a:xfrm>
-              <a:off x="4914900" y="11300516"/>
-              <a:ext cx="4495800" cy="523220"/>
+              <a:off x="18890127" y="12479935"/>
+              <a:ext cx="5807516" cy="553998"/>
             </a:xfrm>
             <a:prstGeom prst="rect">
               <a:avLst/>
@@ -4431,14 +8060,138 @@
             <a:p>
               <a:pPr algn="ctr"/>
               <a:r>
-                <a:rPr lang="en-US" sz="2800" b="1" dirty="0" smtClean="0"/>
-                <a:t>Example of Deadlock</a:t>
+                <a:rPr lang="en-US" sz="3000" dirty="0" smtClean="0">
+                  <a:solidFill>
+                    <a:schemeClr val="bg1"/>
+                  </a:solidFill>
+                  <a:latin typeface="Arial" panose="020B0604020202020204" pitchFamily="34" charset="0"/>
+                  <a:cs typeface="Arial" panose="020B0604020202020204" pitchFamily="34" charset="0"/>
+                </a:rPr>
+                <a:t>Instrumentation of Test Programs</a:t>
               </a:r>
-              <a:endParaRPr lang="en-US" sz="2800" b="1" dirty="0"/>
+              <a:endParaRPr lang="en-US" sz="3000" dirty="0">
+                <a:solidFill>
+                  <a:schemeClr val="bg1"/>
+                </a:solidFill>
+                <a:latin typeface="Arial" panose="020B0604020202020204" pitchFamily="34" charset="0"/>
+                <a:cs typeface="Arial" panose="020B0604020202020204" pitchFamily="34" charset="0"/>
+              </a:endParaRPr>
             </a:p>
           </p:txBody>
         </p:sp>
       </p:grpSp>
+    </p:spTree>
+    <p:extLst>
+      <p:ext uri="{BB962C8B-B14F-4D97-AF65-F5344CB8AC3E}">
+        <p14:creationId xmlns:p14="http://schemas.microsoft.com/office/powerpoint/2010/main" val="569228357"/>
+      </p:ext>
+    </p:extLst>
+  </p:cSld>
+  <p:clrMapOvr>
+    <a:masterClrMapping/>
+  </p:clrMapOvr>
+  <p:timing>
+    <p:tnLst>
+      <p:par>
+        <p:cTn id="1" dur="indefinite" restart="never" nodeType="tmRoot"/>
+      </p:par>
+    </p:tnLst>
+  </p:timing>
+</p:sld>
+</file>
+
+<file path=ppt/slides/slide2.xml><?xml version="1.0" encoding="utf-8"?>
+<p:sld xmlns:a="http://schemas.openxmlformats.org/drawingml/2006/main" xmlns:r="http://schemas.openxmlformats.org/officeDocument/2006/relationships" xmlns:p="http://schemas.openxmlformats.org/presentationml/2006/main">
+  <p:cSld>
+    <p:spTree>
+      <p:nvGrpSpPr>
+        <p:cNvPr id="1" name=""/>
+        <p:cNvGrpSpPr/>
+        <p:nvPr/>
+      </p:nvGrpSpPr>
+      <p:grpSpPr>
+        <a:xfrm>
+          <a:off x="0" y="0"/>
+          <a:ext cx="0" cy="0"/>
+          <a:chOff x="0" y="0"/>
+          <a:chExt cx="0" cy="0"/>
+        </a:xfrm>
+      </p:grpSpPr>
+      <p:sp>
+        <p:nvSpPr>
+          <p:cNvPr id="2" name="Rounded Rectangle 1"/>
+          <p:cNvSpPr/>
+          <p:nvPr/>
+        </p:nvSpPr>
+        <p:spPr>
+          <a:xfrm>
+            <a:off x="17862316" y="9911005"/>
+            <a:ext cx="7758203" cy="3968563"/>
+          </a:xfrm>
+          <a:prstGeom prst="roundRect">
+            <a:avLst/>
+          </a:prstGeom>
+          <a:solidFill>
+            <a:schemeClr val="tx2">
+              <a:lumMod val="40000"/>
+              <a:lumOff val="60000"/>
+            </a:schemeClr>
+          </a:solidFill>
+        </p:spPr>
+        <p:style>
+          <a:lnRef idx="2">
+            <a:schemeClr val="accent1">
+              <a:shade val="50000"/>
+            </a:schemeClr>
+          </a:lnRef>
+          <a:fillRef idx="1">
+            <a:schemeClr val="accent1"/>
+          </a:fillRef>
+          <a:effectRef idx="0">
+            <a:schemeClr val="accent1"/>
+          </a:effectRef>
+          <a:fontRef idx="minor">
+            <a:schemeClr val="lt1"/>
+          </a:fontRef>
+        </p:style>
+        <p:txBody>
+          <a:bodyPr rtlCol="0" anchor="ctr"/>
+          <a:lstStyle/>
+          <a:p>
+            <a:pPr algn="ctr"/>
+            <a:endParaRPr lang="en-US"/>
+          </a:p>
+        </p:txBody>
+      </p:sp>
+      <p:pic>
+        <p:nvPicPr>
+          <p:cNvPr id="3" name="Picture 2"/>
+          <p:cNvPicPr>
+            <a:picLocks noChangeAspect="1"/>
+          </p:cNvPicPr>
+          <p:nvPr/>
+        </p:nvPicPr>
+        <p:blipFill rotWithShape="1">
+          <a:blip r:embed="rId2">
+            <a:extLst>
+              <a:ext uri="{28A0092B-C50C-407E-A947-70E740481C1C}">
+                <a14:useLocalDpi xmlns:a14="http://schemas.microsoft.com/office/drawing/2010/main" val="0"/>
+              </a:ext>
+            </a:extLst>
+          </a:blip>
+          <a:srcRect l="18700" t="3954" r="17175" b="58222"/>
+          <a:stretch/>
+        </p:blipFill>
+        <p:spPr>
+          <a:xfrm>
+            <a:off x="18059400" y="9982200"/>
+            <a:ext cx="7561119" cy="3809984"/>
+          </a:xfrm>
+          <a:prstGeom prst="rect">
+            <a:avLst/>
+          </a:prstGeom>
+        </p:spPr>
+      </p:pic>
       <p:grpSp>
         <p:nvGrpSpPr>
           <p:cNvPr id="4" name="Group 3"/>
@@ -4447,7 +8200,7 @@
         </p:nvGrpSpPr>
         <p:grpSpPr>
           <a:xfrm>
-            <a:off x="14928268" y="7423498"/>
+            <a:off x="4495800" y="1600200"/>
             <a:ext cx="14193985" cy="6501264"/>
             <a:chOff x="14821883" y="8232772"/>
             <a:chExt cx="14193985" cy="6501264"/>
@@ -4455,7 +8208,7 @@
         </p:grpSpPr>
         <p:sp>
           <p:nvSpPr>
-            <p:cNvPr id="19" name="Rounded Rectangle 18"/>
+            <p:cNvPr id="5" name="Rounded Rectangle 4"/>
             <p:cNvSpPr/>
             <p:nvPr/>
           </p:nvSpPr>
@@ -4501,14 +8254,14 @@
         </p:sp>
         <p:pic>
           <p:nvPicPr>
-            <p:cNvPr id="30" name="Picture 29"/>
+            <p:cNvPr id="6" name="Picture 5"/>
             <p:cNvPicPr>
               <a:picLocks noChangeAspect="1"/>
             </p:cNvPicPr>
             <p:nvPr/>
           </p:nvPicPr>
           <p:blipFill>
-            <a:blip r:embed="rId4">
+            <a:blip r:embed="rId3">
               <a:extLst>
                 <a:ext uri="{28A0092B-C50C-407E-A947-70E740481C1C}">
                   <a14:useLocalDpi xmlns:a14="http://schemas.microsoft.com/office/drawing/2010/main" val="0"/>
@@ -4530,141 +8283,6 @@
           </p:spPr>
         </p:pic>
       </p:grpSp>
-      <p:pic>
-        <p:nvPicPr>
-          <p:cNvPr id="31" name="Picture 30"/>
-          <p:cNvPicPr>
-            <a:picLocks noChangeAspect="1"/>
-          </p:cNvPicPr>
-          <p:nvPr/>
-        </p:nvPicPr>
-        <p:blipFill>
-          <a:blip r:embed="rId5" cstate="print">
-            <a:extLst>
-              <a:ext uri="{28A0092B-C50C-407E-A947-70E740481C1C}">
-                <a14:useLocalDpi xmlns:a14="http://schemas.microsoft.com/office/drawing/2010/main" val="0"/>
-              </a:ext>
-            </a:extLst>
-          </a:blip>
-          <a:stretch>
-            <a:fillRect/>
-          </a:stretch>
-        </p:blipFill>
-        <p:spPr>
-          <a:xfrm>
-            <a:off x="38963129" y="91959"/>
-            <a:ext cx="4450089" cy="1517907"/>
-          </a:xfrm>
-          <a:prstGeom prst="rect">
-            <a:avLst/>
-          </a:prstGeom>
-        </p:spPr>
-      </p:pic>
-    </p:spTree>
-    <p:extLst>
-      <p:ext uri="{BB962C8B-B14F-4D97-AF65-F5344CB8AC3E}">
-        <p14:creationId xmlns:p14="http://schemas.microsoft.com/office/powerpoint/2010/main" val="569228357"/>
-      </p:ext>
-    </p:extLst>
-  </p:cSld>
-  <p:clrMapOvr>
-    <a:masterClrMapping/>
-  </p:clrMapOvr>
-</p:sld>
-</file>
-
-<file path=ppt/slides/slide2.xml><?xml version="1.0" encoding="utf-8"?>
-<p:sld xmlns:a="http://schemas.openxmlformats.org/drawingml/2006/main" xmlns:r="http://schemas.openxmlformats.org/officeDocument/2006/relationships" xmlns:p="http://schemas.openxmlformats.org/presentationml/2006/main">
-  <p:cSld>
-    <p:spTree>
-      <p:nvGrpSpPr>
-        <p:cNvPr id="1" name=""/>
-        <p:cNvGrpSpPr/>
-        <p:nvPr/>
-      </p:nvGrpSpPr>
-      <p:grpSpPr>
-        <a:xfrm>
-          <a:off x="0" y="0"/>
-          <a:ext cx="0" cy="0"/>
-          <a:chOff x="0" y="0"/>
-          <a:chExt cx="0" cy="0"/>
-        </a:xfrm>
-      </p:grpSpPr>
-      <p:sp>
-        <p:nvSpPr>
-          <p:cNvPr id="2" name="Rounded Rectangle 1"/>
-          <p:cNvSpPr/>
-          <p:nvPr/>
-        </p:nvSpPr>
-        <p:spPr>
-          <a:xfrm>
-            <a:off x="17862316" y="9911005"/>
-            <a:ext cx="7758203" cy="3968563"/>
-          </a:xfrm>
-          <a:prstGeom prst="roundRect">
-            <a:avLst/>
-          </a:prstGeom>
-          <a:solidFill>
-            <a:schemeClr val="tx2">
-              <a:lumMod val="40000"/>
-              <a:lumOff val="60000"/>
-            </a:schemeClr>
-          </a:solidFill>
-        </p:spPr>
-        <p:style>
-          <a:lnRef idx="2">
-            <a:schemeClr val="accent1">
-              <a:shade val="50000"/>
-            </a:schemeClr>
-          </a:lnRef>
-          <a:fillRef idx="1">
-            <a:schemeClr val="accent1"/>
-          </a:fillRef>
-          <a:effectRef idx="0">
-            <a:schemeClr val="accent1"/>
-          </a:effectRef>
-          <a:fontRef idx="minor">
-            <a:schemeClr val="lt1"/>
-          </a:fontRef>
-        </p:style>
-        <p:txBody>
-          <a:bodyPr rtlCol="0" anchor="ctr"/>
-          <a:lstStyle/>
-          <a:p>
-            <a:pPr algn="ctr"/>
-            <a:endParaRPr lang="en-US"/>
-          </a:p>
-        </p:txBody>
-      </p:sp>
-      <p:pic>
-        <p:nvPicPr>
-          <p:cNvPr id="3" name="Picture 2"/>
-          <p:cNvPicPr>
-            <a:picLocks noChangeAspect="1"/>
-          </p:cNvPicPr>
-          <p:nvPr/>
-        </p:nvPicPr>
-        <p:blipFill rotWithShape="1">
-          <a:blip r:embed="rId2">
-            <a:extLst>
-              <a:ext uri="{28A0092B-C50C-407E-A947-70E740481C1C}">
-                <a14:useLocalDpi xmlns:a14="http://schemas.microsoft.com/office/drawing/2010/main" val="0"/>
-              </a:ext>
-            </a:extLst>
-          </a:blip>
-          <a:srcRect l="18700" t="3954" r="17175" b="58222"/>
-          <a:stretch/>
-        </p:blipFill>
-        <p:spPr>
-          <a:xfrm>
-            <a:off x="18059400" y="9982200"/>
-            <a:ext cx="7561119" cy="3809984"/>
-          </a:xfrm>
-          <a:prstGeom prst="rect">
-            <a:avLst/>
-          </a:prstGeom>
-        </p:spPr>
-      </p:pic>
     </p:spTree>
     <p:extLst>
       <p:ext uri="{BB962C8B-B14F-4D97-AF65-F5344CB8AC3E}">
@@ -4675,13 +8293,20 @@
   <p:clrMapOvr>
     <a:masterClrMapping/>
   </p:clrMapOvr>
+  <p:timing>
+    <p:tnLst>
+      <p:par>
+        <p:cTn id="1" dur="indefinite" restart="never" nodeType="tmRoot"/>
+      </p:par>
+    </p:tnLst>
+  </p:timing>
 </p:sld>
 </file>
 
 <file path=ppt/theme/theme1.xml><?xml version="1.0" encoding="utf-8"?>
-<a:theme xmlns:a="http://schemas.openxmlformats.org/drawingml/2006/main" name="Office Theme">
+<a:theme xmlns:a="http://schemas.openxmlformats.org/drawingml/2006/main" name="Ion">
   <a:themeElements>
-    <a:clrScheme name="Office">
+    <a:clrScheme name="Ion">
       <a:dk1>
         <a:sysClr val="windowText" lastClr="000000"/>
       </a:dk1>
@@ -4689,39 +8314,39 @@
         <a:sysClr val="window" lastClr="FFFFFF"/>
       </a:lt1>
       <a:dk2>
-        <a:srgbClr val="1F497D"/>
+        <a:srgbClr val="1E5155"/>
       </a:dk2>
       <a:lt2>
-        <a:srgbClr val="EEECE1"/>
+        <a:srgbClr val="EBEBEB"/>
       </a:lt2>
       <a:accent1>
-        <a:srgbClr val="4F81BD"/>
+        <a:srgbClr val="B01513"/>
       </a:accent1>
       <a:accent2>
-        <a:srgbClr val="C0504D"/>
+        <a:srgbClr val="EA6312"/>
       </a:accent2>
       <a:accent3>
-        <a:srgbClr val="9BBB59"/>
+        <a:srgbClr val="E6B729"/>
       </a:accent3>
       <a:accent4>
-        <a:srgbClr val="8064A2"/>
+        <a:srgbClr val="6AAC90"/>
       </a:accent4>
       <a:accent5>
-        <a:srgbClr val="4BACC6"/>
+        <a:srgbClr val="54849A"/>
       </a:accent5>
       <a:accent6>
-        <a:srgbClr val="F79646"/>
+        <a:srgbClr val="9E5E9B"/>
       </a:accent6>
       <a:hlink>
-        <a:srgbClr val="0000FF"/>
+        <a:srgbClr val="58C1BA"/>
       </a:hlink>
       <a:folHlink>
-        <a:srgbClr val="800080"/>
+        <a:srgbClr val="9DFFCB"/>
       </a:folHlink>
     </a:clrScheme>
     <a:fontScheme name="Office">
       <a:majorFont>
-        <a:latin typeface="Calibri"/>
+        <a:latin typeface="Calibri Light" panose="020F0302020204030204"/>
         <a:ea typeface=""/>
         <a:cs typeface=""/>
         <a:font script="Jpan" typeface="ＭＳ Ｐゴシック"/>
@@ -4756,7 +8381,273 @@
         <a:font script="Geor" typeface="Sylfaen"/>
       </a:majorFont>
       <a:minorFont>
-        <a:latin typeface="Calibri"/>
+        <a:latin typeface="Calibri" panose="020F0502020204030204"/>
+        <a:ea typeface=""/>
+        <a:cs typeface=""/>
+        <a:font script="Jpan" typeface="ＭＳ Ｐゴシック"/>
+        <a:font script="Hang" typeface="맑은 고딕"/>
+        <a:font script="Hans" typeface="宋体"/>
+        <a:font script="Hant" typeface="新細明體"/>
+        <a:font script="Arab" typeface="Arial"/>
+        <a:font script="Hebr" typeface="Arial"/>
+        <a:font script="Thai" typeface="Cordia New"/>
+        <a:font script="Ethi" typeface="Nyala"/>
+        <a:font script="Beng" typeface="Vrinda"/>
+        <a:font script="Gujr" typeface="Shruti"/>
+        <a:font script="Khmr" typeface="DaunPenh"/>
+        <a:font script="Knda" typeface="Tunga"/>
+        <a:font script="Guru" typeface="Raavi"/>
+        <a:font script="Cans" typeface="Euphemia"/>
+        <a:font script="Cher" typeface="Plantagenet Cherokee"/>
+        <a:font script="Yiii" typeface="Microsoft Yi Baiti"/>
+        <a:font script="Tibt" typeface="Microsoft Himalaya"/>
+        <a:font script="Thaa" typeface="MV Boli"/>
+        <a:font script="Deva" typeface="Mangal"/>
+        <a:font script="Telu" typeface="Gautami"/>
+        <a:font script="Taml" typeface="Latha"/>
+        <a:font script="Syrc" typeface="Estrangelo Edessa"/>
+        <a:font script="Orya" typeface="Kalinga"/>
+        <a:font script="Mlym" typeface="Kartika"/>
+        <a:font script="Laoo" typeface="DokChampa"/>
+        <a:font script="Sinh" typeface="Iskoola Pota"/>
+        <a:font script="Mong" typeface="Mongolian Baiti"/>
+        <a:font script="Viet" typeface="Arial"/>
+        <a:font script="Uigh" typeface="Microsoft Uighur"/>
+        <a:font script="Geor" typeface="Sylfaen"/>
+      </a:minorFont>
+    </a:fontScheme>
+    <a:fmtScheme name="Ion">
+      <a:fillStyleLst>
+        <a:solidFill>
+          <a:schemeClr val="phClr"/>
+        </a:solidFill>
+        <a:gradFill rotWithShape="1">
+          <a:gsLst>
+            <a:gs pos="0">
+              <a:schemeClr val="phClr">
+                <a:tint val="64000"/>
+                <a:lumMod val="118000"/>
+              </a:schemeClr>
+            </a:gs>
+            <a:gs pos="100000">
+              <a:schemeClr val="phClr">
+                <a:tint val="92000"/>
+                <a:alpha val="100000"/>
+                <a:lumMod val="110000"/>
+              </a:schemeClr>
+            </a:gs>
+          </a:gsLst>
+          <a:lin ang="5400000" scaled="0"/>
+        </a:gradFill>
+        <a:gradFill rotWithShape="1">
+          <a:gsLst>
+            <a:gs pos="0">
+              <a:schemeClr val="phClr">
+                <a:tint val="98000"/>
+                <a:lumMod val="114000"/>
+              </a:schemeClr>
+            </a:gs>
+            <a:gs pos="100000">
+              <a:schemeClr val="phClr">
+                <a:shade val="90000"/>
+                <a:lumMod val="84000"/>
+              </a:schemeClr>
+            </a:gs>
+          </a:gsLst>
+          <a:lin ang="5400000" scaled="0"/>
+        </a:gradFill>
+      </a:fillStyleLst>
+      <a:lnStyleLst>
+        <a:ln w="9525" cap="rnd" cmpd="sng" algn="ctr">
+          <a:solidFill>
+            <a:schemeClr val="phClr"/>
+          </a:solidFill>
+          <a:prstDash val="solid"/>
+        </a:ln>
+        <a:ln w="19050" cap="rnd" cmpd="sng" algn="ctr">
+          <a:solidFill>
+            <a:schemeClr val="phClr"/>
+          </a:solidFill>
+          <a:prstDash val="solid"/>
+        </a:ln>
+        <a:ln w="28575" cap="rnd" cmpd="sng" algn="ctr">
+          <a:solidFill>
+            <a:schemeClr val="phClr"/>
+          </a:solidFill>
+          <a:prstDash val="solid"/>
+        </a:ln>
+      </a:lnStyleLst>
+      <a:effectStyleLst>
+        <a:effectStyle>
+          <a:effectLst/>
+        </a:effectStyle>
+        <a:effectStyle>
+          <a:effectLst>
+            <a:outerShdw blurRad="38100" dist="25400" dir="5400000" rotWithShape="0">
+              <a:srgbClr val="000000">
+                <a:alpha val="45000"/>
+              </a:srgbClr>
+            </a:outerShdw>
+          </a:effectLst>
+        </a:effectStyle>
+        <a:effectStyle>
+          <a:effectLst>
+            <a:outerShdw blurRad="63500" dist="38100" dir="5400000" rotWithShape="0">
+              <a:srgbClr val="000000">
+                <a:alpha val="60000"/>
+              </a:srgbClr>
+            </a:outerShdw>
+          </a:effectLst>
+          <a:scene3d>
+            <a:camera prst="orthographicFront">
+              <a:rot lat="0" lon="0" rev="0"/>
+            </a:camera>
+            <a:lightRig rig="threePt" dir="tl"/>
+          </a:scene3d>
+          <a:sp3d prstMaterial="plastic">
+            <a:bevelT w="0" h="0"/>
+          </a:sp3d>
+        </a:effectStyle>
+      </a:effectStyleLst>
+      <a:bgFillStyleLst>
+        <a:solidFill>
+          <a:schemeClr val="phClr"/>
+        </a:solidFill>
+        <a:gradFill rotWithShape="1">
+          <a:gsLst>
+            <a:gs pos="0">
+              <a:schemeClr val="phClr">
+                <a:tint val="97000"/>
+                <a:hueMod val="88000"/>
+                <a:satMod val="130000"/>
+                <a:lumMod val="124000"/>
+              </a:schemeClr>
+            </a:gs>
+            <a:gs pos="100000">
+              <a:schemeClr val="phClr">
+                <a:tint val="96000"/>
+                <a:shade val="88000"/>
+                <a:hueMod val="108000"/>
+                <a:satMod val="164000"/>
+                <a:lumMod val="76000"/>
+              </a:schemeClr>
+            </a:gs>
+          </a:gsLst>
+          <a:path path="circle">
+            <a:fillToRect l="45000" t="65000" r="125000" b="100000"/>
+          </a:path>
+        </a:gradFill>
+        <a:blipFill rotWithShape="1">
+          <a:blip xmlns:r="http://schemas.openxmlformats.org/officeDocument/2006/relationships" r:embed="rId1">
+            <a:duotone>
+              <a:schemeClr val="phClr">
+                <a:shade val="69000"/>
+                <a:hueMod val="108000"/>
+                <a:satMod val="164000"/>
+                <a:lumMod val="74000"/>
+              </a:schemeClr>
+              <a:schemeClr val="phClr">
+                <a:tint val="96000"/>
+                <a:hueMod val="88000"/>
+                <a:satMod val="140000"/>
+                <a:lumMod val="132000"/>
+              </a:schemeClr>
+            </a:duotone>
+          </a:blip>
+          <a:stretch/>
+        </a:blipFill>
+      </a:bgFillStyleLst>
+    </a:fmtScheme>
+  </a:themeElements>
+  <a:objectDefaults/>
+  <a:extraClrSchemeLst/>
+  <a:extLst>
+    <a:ext uri="{05A4C25C-085E-4340-85A3-A5531E510DB2}">
+      <thm15:themeFamily xmlns:thm15="http://schemas.microsoft.com/office/thememl/2012/main" name="Ion" id="{B8441ADB-2E43-4AF7-B97A-BD870242C6A8}" vid="{292E63A9-BB86-4E3D-B92A-7223C6510D2E}"/>
+    </a:ext>
+  </a:extLst>
+</a:theme>
+</file>
+
+<file path=ppt/theme/theme2.xml><?xml version="1.0" encoding="utf-8"?>
+<a:theme xmlns:a="http://schemas.openxmlformats.org/drawingml/2006/main" name="Office Theme">
+  <a:themeElements>
+    <a:clrScheme name="Office">
+      <a:dk1>
+        <a:sysClr val="windowText" lastClr="000000"/>
+      </a:dk1>
+      <a:lt1>
+        <a:sysClr val="window" lastClr="FFFFFF"/>
+      </a:lt1>
+      <a:dk2>
+        <a:srgbClr val="44546A"/>
+      </a:dk2>
+      <a:lt2>
+        <a:srgbClr val="E7E6E6"/>
+      </a:lt2>
+      <a:accent1>
+        <a:srgbClr val="5B9BD5"/>
+      </a:accent1>
+      <a:accent2>
+        <a:srgbClr val="ED7D31"/>
+      </a:accent2>
+      <a:accent3>
+        <a:srgbClr val="A5A5A5"/>
+      </a:accent3>
+      <a:accent4>
+        <a:srgbClr val="FFC000"/>
+      </a:accent4>
+      <a:accent5>
+        <a:srgbClr val="4472C4"/>
+      </a:accent5>
+      <a:accent6>
+        <a:srgbClr val="70AD47"/>
+      </a:accent6>
+      <a:hlink>
+        <a:srgbClr val="0563C1"/>
+      </a:hlink>
+      <a:folHlink>
+        <a:srgbClr val="954F72"/>
+      </a:folHlink>
+    </a:clrScheme>
+    <a:fontScheme name="Office">
+      <a:majorFont>
+        <a:latin typeface="Calibri Light" panose="020F0302020204030204"/>
+        <a:ea typeface=""/>
+        <a:cs typeface=""/>
+        <a:font script="Jpan" typeface="ＭＳ Ｐゴシック"/>
+        <a:font script="Hang" typeface="맑은 고딕"/>
+        <a:font script="Hans" typeface="宋体"/>
+        <a:font script="Hant" typeface="新細明體"/>
+        <a:font script="Arab" typeface="Times New Roman"/>
+        <a:font script="Hebr" typeface="Times New Roman"/>
+        <a:font script="Thai" typeface="Angsana New"/>
+        <a:font script="Ethi" typeface="Nyala"/>
+        <a:font script="Beng" typeface="Vrinda"/>
+        <a:font script="Gujr" typeface="Shruti"/>
+        <a:font script="Khmr" typeface="MoolBoran"/>
+        <a:font script="Knda" typeface="Tunga"/>
+        <a:font script="Guru" typeface="Raavi"/>
+        <a:font script="Cans" typeface="Euphemia"/>
+        <a:font script="Cher" typeface="Plantagenet Cherokee"/>
+        <a:font script="Yiii" typeface="Microsoft Yi Baiti"/>
+        <a:font script="Tibt" typeface="Microsoft Himalaya"/>
+        <a:font script="Thaa" typeface="MV Boli"/>
+        <a:font script="Deva" typeface="Mangal"/>
+        <a:font script="Telu" typeface="Gautami"/>
+        <a:font script="Taml" typeface="Latha"/>
+        <a:font script="Syrc" typeface="Estrangelo Edessa"/>
+        <a:font script="Orya" typeface="Kalinga"/>
+        <a:font script="Mlym" typeface="Kartika"/>
+        <a:font script="Laoo" typeface="DokChampa"/>
+        <a:font script="Sinh" typeface="Iskoola Pota"/>
+        <a:font script="Mong" typeface="Mongolian Baiti"/>
+        <a:font script="Viet" typeface="Times New Roman"/>
+        <a:font script="Uigh" typeface="Microsoft Uighur"/>
+        <a:font script="Geor" typeface="Sylfaen"/>
+      </a:majorFont>
+      <a:minorFont>
+        <a:latin typeface="Calibri" panose="020F0502020204030204"/>
         <a:ea typeface=""/>
         <a:cs typeface=""/>
         <a:font script="Jpan" typeface="ＭＳ Ｐゴシック"/>
@@ -4800,165 +8691,141 @@
           <a:gsLst>
             <a:gs pos="0">
               <a:schemeClr val="phClr">
-                <a:tint val="50000"/>
-                <a:satMod val="300000"/>
+                <a:lumMod val="110000"/>
+                <a:satMod val="105000"/>
+                <a:tint val="67000"/>
               </a:schemeClr>
             </a:gs>
-            <a:gs pos="35000">
+            <a:gs pos="50000">
               <a:schemeClr val="phClr">
-                <a:tint val="37000"/>
-                <a:satMod val="300000"/>
+                <a:lumMod val="105000"/>
+                <a:satMod val="103000"/>
+                <a:tint val="73000"/>
               </a:schemeClr>
             </a:gs>
             <a:gs pos="100000">
               <a:schemeClr val="phClr">
-                <a:tint val="15000"/>
-                <a:satMod val="350000"/>
+                <a:lumMod val="105000"/>
+                <a:satMod val="109000"/>
+                <a:tint val="81000"/>
               </a:schemeClr>
             </a:gs>
           </a:gsLst>
-          <a:lin ang="16200000" scaled="1"/>
+          <a:lin ang="5400000" scaled="0"/>
         </a:gradFill>
         <a:gradFill rotWithShape="1">
           <a:gsLst>
             <a:gs pos="0">
               <a:schemeClr val="phClr">
-                <a:shade val="51000"/>
-                <a:satMod val="130000"/>
+                <a:satMod val="103000"/>
+                <a:lumMod val="102000"/>
+                <a:tint val="94000"/>
               </a:schemeClr>
             </a:gs>
-            <a:gs pos="80000">
+            <a:gs pos="50000">
               <a:schemeClr val="phClr">
-                <a:shade val="93000"/>
-                <a:satMod val="130000"/>
+                <a:satMod val="110000"/>
+                <a:lumMod val="100000"/>
+                <a:shade val="100000"/>
               </a:schemeClr>
             </a:gs>
             <a:gs pos="100000">
               <a:schemeClr val="phClr">
-                <a:shade val="94000"/>
-                <a:satMod val="135000"/>
+                <a:lumMod val="99000"/>
+                <a:satMod val="120000"/>
+                <a:shade val="78000"/>
               </a:schemeClr>
             </a:gs>
           </a:gsLst>
-          <a:lin ang="16200000" scaled="0"/>
+          <a:lin ang="5400000" scaled="0"/>
         </a:gradFill>
       </a:fillStyleLst>
       <a:lnStyleLst>
-        <a:ln w="9525" cap="flat" cmpd="sng" algn="ctr">
-          <a:solidFill>
-            <a:schemeClr val="phClr">
-              <a:shade val="95000"/>
-              <a:satMod val="105000"/>
-            </a:schemeClr>
-          </a:solidFill>
-          <a:prstDash val="solid"/>
-        </a:ln>
-        <a:ln w="25400" cap="flat" cmpd="sng" algn="ctr">
+        <a:ln w="6350" cap="flat" cmpd="sng" algn="ctr">
           <a:solidFill>
             <a:schemeClr val="phClr"/>
           </a:solidFill>
           <a:prstDash val="solid"/>
+          <a:miter lim="800000"/>
         </a:ln>
-        <a:ln w="38100" cap="flat" cmpd="sng" algn="ctr">
+        <a:ln w="12700" cap="flat" cmpd="sng" algn="ctr">
           <a:solidFill>
             <a:schemeClr val="phClr"/>
           </a:solidFill>
           <a:prstDash val="solid"/>
+          <a:miter lim="800000"/>
+        </a:ln>
+        <a:ln w="19050" cap="flat" cmpd="sng" algn="ctr">
+          <a:solidFill>
+            <a:schemeClr val="phClr"/>
+          </a:solidFill>
+          <a:prstDash val="solid"/>
+          <a:miter lim="800000"/>
         </a:ln>
       </a:lnStyleLst>
       <a:effectStyleLst>
         <a:effectStyle>
+          <a:effectLst/>
+        </a:effectStyle>
+        <a:effectStyle>
+          <a:effectLst/>
+        </a:effectStyle>
+        <a:effectStyle>
           <a:effectLst>
-            <a:outerShdw blurRad="40000" dist="20000" dir="5400000" rotWithShape="0">
+            <a:outerShdw blurRad="57150" dist="19050" dir="5400000" algn="ctr" rotWithShape="0">
               <a:srgbClr val="000000">
-                <a:alpha val="38000"/>
+                <a:alpha val="63000"/>
               </a:srgbClr>
             </a:outerShdw>
           </a:effectLst>
-        </a:effectStyle>
-        <a:effectStyle>
-          <a:effectLst>
-            <a:outerShdw blurRad="40000" dist="23000" dir="5400000" rotWithShape="0">
-              <a:srgbClr val="000000">
-                <a:alpha val="35000"/>
-              </a:srgbClr>
-            </a:outerShdw>
-          </a:effectLst>
-        </a:effectStyle>
-        <a:effectStyle>
-          <a:effectLst>
-            <a:outerShdw blurRad="40000" dist="23000" dir="5400000" rotWithShape="0">
-              <a:srgbClr val="000000">
-                <a:alpha val="35000"/>
-              </a:srgbClr>
-            </a:outerShdw>
-          </a:effectLst>
-          <a:scene3d>
-            <a:camera prst="orthographicFront">
-              <a:rot lat="0" lon="0" rev="0"/>
-            </a:camera>
-            <a:lightRig rig="threePt" dir="t">
-              <a:rot lat="0" lon="0" rev="1200000"/>
-            </a:lightRig>
-          </a:scene3d>
-          <a:sp3d>
-            <a:bevelT w="63500" h="25400"/>
-          </a:sp3d>
         </a:effectStyle>
       </a:effectStyleLst>
       <a:bgFillStyleLst>
         <a:solidFill>
           <a:schemeClr val="phClr"/>
         </a:solidFill>
+        <a:solidFill>
+          <a:schemeClr val="phClr">
+            <a:tint val="95000"/>
+            <a:satMod val="170000"/>
+          </a:schemeClr>
+        </a:solidFill>
         <a:gradFill rotWithShape="1">
           <a:gsLst>
             <a:gs pos="0">
               <a:schemeClr val="phClr">
-                <a:tint val="40000"/>
-                <a:satMod val="350000"/>
+                <a:tint val="93000"/>
+                <a:satMod val="150000"/>
+                <a:shade val="98000"/>
+                <a:lumMod val="102000"/>
               </a:schemeClr>
             </a:gs>
-            <a:gs pos="40000">
+            <a:gs pos="50000">
               <a:schemeClr val="phClr">
-                <a:tint val="45000"/>
-                <a:shade val="99000"/>
-                <a:satMod val="350000"/>
+                <a:tint val="98000"/>
+                <a:satMod val="130000"/>
+                <a:shade val="90000"/>
+                <a:lumMod val="103000"/>
               </a:schemeClr>
             </a:gs>
             <a:gs pos="100000">
               <a:schemeClr val="phClr">
-                <a:shade val="20000"/>
-                <a:satMod val="255000"/>
+                <a:shade val="63000"/>
+                <a:satMod val="120000"/>
               </a:schemeClr>
             </a:gs>
           </a:gsLst>
-          <a:path path="circle">
-            <a:fillToRect l="50000" t="-80000" r="50000" b="180000"/>
-          </a:path>
-        </a:gradFill>
-        <a:gradFill rotWithShape="1">
-          <a:gsLst>
-            <a:gs pos="0">
-              <a:schemeClr val="phClr">
-                <a:tint val="80000"/>
-                <a:satMod val="300000"/>
-              </a:schemeClr>
-            </a:gs>
-            <a:gs pos="100000">
-              <a:schemeClr val="phClr">
-                <a:shade val="30000"/>
-                <a:satMod val="200000"/>
-              </a:schemeClr>
-            </a:gs>
-          </a:gsLst>
-          <a:path path="circle">
-            <a:fillToRect l="50000" t="50000" r="50000" b="50000"/>
-          </a:path>
+          <a:lin ang="5400000" scaled="0"/>
         </a:gradFill>
       </a:bgFillStyleLst>
     </a:fmtScheme>
   </a:themeElements>
   <a:objectDefaults/>
   <a:extraClrSchemeLst/>
+  <a:extLst>
+    <a:ext uri="{05A4C25C-085E-4340-85A3-A5531E510DB2}">
+      <thm15:themeFamily xmlns:thm15="http://schemas.microsoft.com/office/thememl/2012/main" name="Office Theme" id="{62F939B6-93AF-4DB8-9C6B-D6C7DFDC589F}" vid="{4A3C46E8-61CC-4603-A589-7422A47A8E4A}"/>
+    </a:ext>
+  </a:extLst>
 </a:theme>
 </file>
--- a/poster/poster.pptx
+++ b/poster/poster.pptx
@@ -6837,7 +6837,6 @@
               <a:rPr lang="en-US" sz="4200" dirty="0" smtClean="0"/>
               <a:t>case</a:t>
             </a:r>
-            <a:endParaRPr lang="en-US" sz="4200" dirty="0" smtClean="0"/>
           </a:p>
           <a:p>
             <a:endParaRPr lang="en-US" sz="600" dirty="0" smtClean="0"/>
@@ -6862,11 +6861,7 @@
             </a:pPr>
             <a:r>
               <a:rPr lang="en-US" sz="4200" dirty="0" smtClean="0"/>
-              <a:t>Control and test case: both are instrumented </a:t>
-            </a:r>
-            <a:r>
-              <a:rPr lang="en-US" sz="4200" dirty="0" smtClean="0"/>
-              <a:t>using </a:t>
+              <a:t>Control and test case: both are instrumented using </a:t>
             </a:r>
             <a:r>
               <a:rPr lang="en-US" sz="4200" dirty="0" err="1" smtClean="0"/>
@@ -6874,11 +6869,7 @@
             </a:r>
             <a:r>
               <a:rPr lang="en-US" sz="4200" dirty="0" smtClean="0"/>
-              <a:t> </a:t>
-            </a:r>
-            <a:r>
-              <a:rPr lang="en-US" sz="4200" dirty="0" smtClean="0"/>
-              <a:t>but control case uses normal scheduler</a:t>
+              <a:t> but control case uses normal scheduler</a:t>
             </a:r>
           </a:p>
           <a:p>
@@ -7238,11 +7229,7 @@
             </a:pPr>
             <a:r>
               <a:rPr lang="en-US" sz="4200" dirty="0" smtClean="0"/>
-              <a:t>Low probability concurrency bugs could exist, what if we run programs with atypical scheduling patterns</a:t>
-            </a:r>
-            <a:r>
-              <a:rPr lang="en-US" sz="4200" dirty="0" smtClean="0"/>
-              <a:t>?</a:t>
+              <a:t>Low probability concurrency bugs could exist, what if we run programs with atypical scheduling patterns?</a:t>
             </a:r>
           </a:p>
           <a:p>
@@ -7346,11 +7333,7 @@
             <a:pPr algn="ctr"/>
             <a:r>
               <a:rPr lang="en-US" sz="4400" b="1" dirty="0" smtClean="0"/>
-              <a:t>Process and Thread Scheduling in </a:t>
-            </a:r>
-            <a:r>
-              <a:rPr lang="en-US" sz="4400" b="1" dirty="0" smtClean="0"/>
-              <a:t>Linux</a:t>
+              <a:t>Process and Thread Scheduling in Linux</a:t>
             </a:r>
           </a:p>
           <a:p>
@@ -7368,17 +7351,8 @@
             </a:pPr>
             <a:r>
               <a:rPr lang="en-US" sz="4200" dirty="0" smtClean="0"/>
-              <a:t>Default Linux Scheduler: </a:t>
-            </a:r>
-            <a:r>
-              <a:rPr lang="en-US" sz="4200" dirty="0" smtClean="0"/>
-              <a:t>Multilevel </a:t>
-            </a:r>
-            <a:r>
-              <a:rPr lang="en-US" sz="4200" dirty="0" smtClean="0"/>
-              <a:t>Feedback Queue with time slices where scheduler has control over priority </a:t>
-            </a:r>
-            <a:endParaRPr lang="en-US" sz="4200" dirty="0" smtClean="0"/>
+              <a:t>Default Linux Scheduler: Multilevel Feedback Queue with time slices where scheduler has control over priority </a:t>
+            </a:r>
           </a:p>
           <a:p>
             <a:endParaRPr lang="en-US" sz="600" dirty="0" smtClean="0"/>
@@ -7403,13 +7377,8 @@
             </a:pPr>
             <a:r>
               <a:rPr lang="en-US" sz="4200" dirty="0" smtClean="0"/>
-              <a:t>Round-robin or </a:t>
-            </a:r>
-            <a:r>
-              <a:rPr lang="en-US" sz="4200" dirty="0" smtClean="0"/>
-              <a:t>First in first out</a:t>
-            </a:r>
-            <a:endParaRPr lang="en-US" sz="4200" dirty="0" smtClean="0"/>
+              <a:t>Round-robin or First in first out</a:t>
+            </a:r>
           </a:p>
           <a:p>
             <a:pPr marL="2424760" lvl="1" indent="-857250">
@@ -7486,11 +7455,7 @@
             </a:pPr>
             <a:r>
               <a:rPr lang="en-US" sz="4200" dirty="0" smtClean="0"/>
-              <a:t>All bugs found were </a:t>
-            </a:r>
-            <a:r>
-              <a:rPr lang="en-US" sz="4200" dirty="0" smtClean="0"/>
-              <a:t>deadlocks</a:t>
+              <a:t>All bugs found were deadlocks</a:t>
             </a:r>
           </a:p>
           <a:p>
@@ -7588,7 +7553,6 @@
               <a:rPr lang="en-US" sz="4400" b="1" dirty="0" smtClean="0"/>
               <a:t>Example: Deadlock Bugs in Apache</a:t>
             </a:r>
-            <a:endParaRPr lang="en-US" sz="4400" b="1" dirty="0" smtClean="0"/>
           </a:p>
           <a:p>
             <a:pPr algn="ctr"/>
@@ -7614,15 +7578,7 @@
             </a:pPr>
             <a:r>
               <a:rPr lang="en-US" sz="4200" dirty="0" smtClean="0"/>
-              <a:t>One thread would </a:t>
-            </a:r>
-            <a:r>
-              <a:rPr lang="en-US" sz="4200" dirty="0" smtClean="0"/>
-              <a:t>consume most of the CPU, </a:t>
-            </a:r>
-            <a:r>
-              <a:rPr lang="en-US" sz="4200" dirty="0" smtClean="0"/>
-              <a:t>shortly after the server stopped logging functions and was not responsive</a:t>
+              <a:t>One thread would consume most of the CPU, shortly after the server stopped logging functions and was not responsive</a:t>
             </a:r>
           </a:p>
           <a:p>
@@ -7669,13 +7625,8 @@
             </a:pPr>
             <a:r>
               <a:rPr lang="en-US" sz="4200" dirty="0" smtClean="0"/>
-              <a:t>Found bug reports that were similar </a:t>
-            </a:r>
-            <a:r>
-              <a:rPr lang="en-US" sz="4200" dirty="0" smtClean="0"/>
-              <a:t>to bugs found in our tests</a:t>
-            </a:r>
-            <a:endParaRPr lang="en-US" sz="4200" dirty="0" smtClean="0"/>
+              <a:t>Found bug reports that were similar to bugs found in our tests</a:t>
+            </a:r>
           </a:p>
         </p:txBody>
       </p:sp>
